--- a/presentations/jazz_recs.pptx
+++ b/presentations/jazz_recs.pptx
@@ -10,8 +10,12 @@
     <p:sldId id="258" r:id="rId4"/>
     <p:sldId id="259" r:id="rId5"/>
     <p:sldId id="260" r:id="rId6"/>
-    <p:sldId id="261" r:id="rId7"/>
-    <p:sldId id="262" r:id="rId8"/>
+    <p:sldId id="264" r:id="rId7"/>
+    <p:sldId id="266" r:id="rId8"/>
+    <p:sldId id="261" r:id="rId9"/>
+    <p:sldId id="262" r:id="rId10"/>
+    <p:sldId id="265" r:id="rId11"/>
+    <p:sldId id="263" r:id="rId12"/>
   </p:sldIdLst>
   <p:sldSz cx="12192000" cy="6858000"/>
   <p:notesSz cx="6858000" cy="9144000"/>
@@ -5087,10 +5091,10 @@
       </p:grpSpPr>
       <p:sp useBgFill="1">
         <p:nvSpPr>
-          <p:cNvPr id="9" name="Rectangle 8">
-            <a:extLst>
-              <a:ext uri="{FF2B5EF4-FFF2-40B4-BE49-F238E27FC236}">
-                <a16:creationId xmlns:a16="http://schemas.microsoft.com/office/drawing/2014/main" id="{5A59F003-E00A-43F9-91DC-CC54E3B87466}"/>
+          <p:cNvPr id="18" name="Rectangle 17">
+            <a:extLst>
+              <a:ext uri="{FF2B5EF4-FFF2-40B4-BE49-F238E27FC236}">
+                <a16:creationId xmlns:a16="http://schemas.microsoft.com/office/drawing/2014/main" id="{526E0BFB-CDF1-4990-8C11-AC849311E0A8}"/>
               </a:ext>
               <a:ext uri="{C183D7F6-B498-43B3-948B-1728B52AA6E4}">
                 <adec:decorative xmlns:adec="http://schemas.microsoft.com/office/drawing/2017/decorative" val="1"/>
@@ -5161,13 +5165,13 @@
         </p:nvPicPr>
         <p:blipFill rotWithShape="1">
           <a:blip r:embed="rId2"/>
-          <a:srcRect t="20154" b="58"/>
+          <a:srcRect l="5444" r="5443"/>
           <a:stretch/>
         </p:blipFill>
         <p:spPr>
           <a:xfrm>
-            <a:off x="20" y="10"/>
-            <a:ext cx="12191981" cy="6857990"/>
+            <a:off x="-2" y="10"/>
+            <a:ext cx="8668512" cy="6857990"/>
           </a:xfrm>
           <a:prstGeom prst="rect">
             <a:avLst/>
@@ -5176,10 +5180,10 @@
       </p:pic>
       <p:sp>
         <p:nvSpPr>
-          <p:cNvPr id="11" name="Rectangle 10">
-            <a:extLst>
-              <a:ext uri="{FF2B5EF4-FFF2-40B4-BE49-F238E27FC236}">
-                <a16:creationId xmlns:a16="http://schemas.microsoft.com/office/drawing/2014/main" id="{D74A4382-E3AD-430A-9A1F-DFA3E0E77A7D}"/>
+          <p:cNvPr id="20" name="Rectangle 19">
+            <a:extLst>
+              <a:ext uri="{FF2B5EF4-FFF2-40B4-BE49-F238E27FC236}">
+                <a16:creationId xmlns:a16="http://schemas.microsoft.com/office/drawing/2014/main" id="{6069A1F8-9BEB-4786-9694-FC48B2D75D21}"/>
               </a:ext>
               <a:ext uri="{C183D7F6-B498-43B3-948B-1728B52AA6E4}">
                 <adec:decorative xmlns:adec="http://schemas.microsoft.com/office/drawing/2017/decorative" val="1"/>
@@ -5198,23 +5202,21 @@
           </p:nvPr>
         </p:nvSpPr>
         <p:spPr>
-          <a:xfrm rot="16200000">
-            <a:off x="3799868" y="-1534136"/>
-            <a:ext cx="4592270" cy="12192001"/>
+          <a:xfrm flipH="1">
+            <a:off x="2788244" y="0"/>
+            <a:ext cx="9403756" cy="6858000"/>
           </a:xfrm>
           <a:prstGeom prst="rect">
             <a:avLst/>
           </a:prstGeom>
           <a:gradFill>
             <a:gsLst>
-              <a:gs pos="35000">
+              <a:gs pos="58000">
+                <a:schemeClr val="bg1"/>
+              </a:gs>
+              <a:gs pos="30000">
                 <a:schemeClr val="bg1">
-                  <a:alpha val="46000"/>
-                </a:schemeClr>
-              </a:gs>
-              <a:gs pos="21000">
-                <a:schemeClr val="bg1">
-                  <a:alpha val="30000"/>
+                  <a:alpha val="64000"/>
                 </a:schemeClr>
               </a:gs>
               <a:gs pos="0">
@@ -5223,9 +5225,7 @@
                 </a:schemeClr>
               </a:gs>
               <a:gs pos="100000">
-                <a:schemeClr val="bg1">
-                  <a:alpha val="90000"/>
-                </a:schemeClr>
+                <a:schemeClr val="bg1"/>
               </a:gs>
             </a:gsLst>
             <a:lin ang="10800000" scaled="0"/>
@@ -5277,8 +5277,43 @@
         </p:nvSpPr>
         <p:spPr>
           <a:xfrm>
-            <a:off x="404553" y="3091928"/>
-            <a:ext cx="9078562" cy="2387600"/>
+            <a:off x="7848600" y="1122363"/>
+            <a:ext cx="4023360" cy="3204134"/>
+          </a:xfrm>
+        </p:spPr>
+        <p:txBody>
+          <a:bodyPr anchor="b">
+            <a:normAutofit/>
+          </a:bodyPr>
+          <a:lstStyle/>
+          <a:p>
+            <a:r>
+              <a:rPr lang="en-US" sz="4800"/>
+              <a:t>Jazz Discovery</a:t>
+            </a:r>
+          </a:p>
+        </p:txBody>
+      </p:sp>
+      <p:sp>
+        <p:nvSpPr>
+          <p:cNvPr id="3" name="Subtitle 2">
+            <a:extLst>
+              <a:ext uri="{FF2B5EF4-FFF2-40B4-BE49-F238E27FC236}">
+                <a16:creationId xmlns:a16="http://schemas.microsoft.com/office/drawing/2014/main" id="{AD9AA088-4797-D741-978A-F3ED3A8E82FE}"/>
+              </a:ext>
+            </a:extLst>
+          </p:cNvPr>
+          <p:cNvSpPr>
+            <a:spLocks noGrp="1"/>
+          </p:cNvSpPr>
+          <p:nvPr>
+            <p:ph type="subTitle" idx="1"/>
+          </p:nvPr>
+        </p:nvSpPr>
+        <p:spPr>
+          <a:xfrm>
+            <a:off x="7848600" y="4872922"/>
+            <a:ext cx="4023360" cy="1208141"/>
           </a:xfrm>
         </p:spPr>
         <p:txBody>
@@ -5287,19 +5322,16 @@
           </a:bodyPr>
           <a:lstStyle/>
           <a:p>
-            <a:r>
-              <a:rPr lang="en-US" sz="6600"/>
-              <a:t>Jazz Discovery</a:t>
-            </a:r>
-          </a:p>
-        </p:txBody>
-      </p:sp>
-      <p:sp>
-        <p:nvSpPr>
-          <p:cNvPr id="13" name="Rectangle: Rounded Corners 12">
-            <a:extLst>
-              <a:ext uri="{FF2B5EF4-FFF2-40B4-BE49-F238E27FC236}">
-                <a16:creationId xmlns:a16="http://schemas.microsoft.com/office/drawing/2014/main" id="{79F40191-0F44-4FD1-82CC-ACB507C14BE6}"/>
+            <a:endParaRPr lang="en-US" sz="2000"/>
+          </a:p>
+        </p:txBody>
+      </p:sp>
+      <p:sp>
+        <p:nvSpPr>
+          <p:cNvPr id="22" name="Rectangle 21">
+            <a:extLst>
+              <a:ext uri="{FF2B5EF4-FFF2-40B4-BE49-F238E27FC236}">
+                <a16:creationId xmlns:a16="http://schemas.microsoft.com/office/drawing/2014/main" id="{AF2F604E-43BE-4DC3-B983-E071523364F8}"/>
               </a:ext>
               <a:ext uri="{C183D7F6-B498-43B3-948B-1728B52AA6E4}">
                 <adec:decorative xmlns:adec="http://schemas.microsoft.com/office/drawing/2017/decorative" val="1"/>
@@ -5318,14 +5350,12 @@
           </p:nvPr>
         </p:nvSpPr>
         <p:spPr>
-          <a:xfrm>
-            <a:off x="0" y="5575039"/>
-            <a:ext cx="9785897" cy="685800"/>
+          <a:xfrm rot="5400000">
+            <a:off x="8130540" y="346791"/>
+            <a:ext cx="146304" cy="704088"/>
           </a:xfrm>
-          <a:prstGeom prst="roundRect">
-            <a:avLst>
-              <a:gd name="adj" fmla="val 0"/>
-            </a:avLst>
+          <a:prstGeom prst="rect">
+            <a:avLst/>
           </a:prstGeom>
           <a:solidFill>
             <a:schemeClr val="accent1"/>
@@ -5354,40 +5384,130 @@
           <a:bodyPr rtlCol="0" anchor="ctr"/>
           <a:lstStyle/>
           <a:p>
-            <a:pPr algn="ctr"/>
-            <a:endParaRPr lang="en-US"/>
-          </a:p>
-        </p:txBody>
-      </p:sp>
-      <p:sp>
-        <p:nvSpPr>
-          <p:cNvPr id="3" name="Subtitle 2">
-            <a:extLst>
-              <a:ext uri="{FF2B5EF4-FFF2-40B4-BE49-F238E27FC236}">
-                <a16:creationId xmlns:a16="http://schemas.microsoft.com/office/drawing/2014/main" id="{AD9AA088-4797-D741-978A-F3ED3A8E82FE}"/>
-              </a:ext>
-            </a:extLst>
-          </p:cNvPr>
-          <p:cNvSpPr>
-            <a:spLocks noGrp="1"/>
-          </p:cNvSpPr>
-          <p:nvPr>
-            <p:ph type="subTitle" idx="1"/>
+            <a:pPr marL="0" marR="0" lvl="0" indent="0" algn="ctr" defTabSz="914400" rtl="0" eaLnBrk="1" fontAlgn="auto" latinLnBrk="0" hangingPunct="1">
+              <a:lnSpc>
+                <a:spcPct val="100000"/>
+              </a:lnSpc>
+              <a:spcBef>
+                <a:spcPts val="0"/>
+              </a:spcBef>
+              <a:spcAft>
+                <a:spcPts val="0"/>
+              </a:spcAft>
+              <a:buClrTx/>
+              <a:buSzTx/>
+              <a:buFontTx/>
+              <a:buNone/>
+              <a:tabLst/>
+              <a:defRPr/>
+            </a:pPr>
+            <a:endParaRPr kumimoji="0" lang="en-US" sz="1800" b="0" i="0" u="none" strike="noStrike" kern="1200" cap="none" spc="0" normalizeH="0" baseline="0" noProof="0">
+              <a:ln>
+                <a:noFill/>
+              </a:ln>
+              <a:solidFill>
+                <a:prstClr val="white"/>
+              </a:solidFill>
+              <a:effectLst/>
+              <a:uLnTx/>
+              <a:uFillTx/>
+              <a:latin typeface="Calibri" panose="020F0502020204030204"/>
+              <a:ea typeface="+mn-ea"/>
+              <a:cs typeface="+mn-cs"/>
+            </a:endParaRPr>
+          </a:p>
+        </p:txBody>
+      </p:sp>
+      <p:sp>
+        <p:nvSpPr>
+          <p:cNvPr id="24" name="Rectangle 23">
+            <a:extLst>
+              <a:ext uri="{FF2B5EF4-FFF2-40B4-BE49-F238E27FC236}">
+                <a16:creationId xmlns:a16="http://schemas.microsoft.com/office/drawing/2014/main" id="{08C9B587-E65E-4B52-B37C-ABEBB6E87928}"/>
+              </a:ext>
+              <a:ext uri="{C183D7F6-B498-43B3-948B-1728B52AA6E4}">
+                <adec:decorative xmlns:adec="http://schemas.microsoft.com/office/drawing/2017/decorative" val="1"/>
+              </a:ext>
+            </a:extLst>
+          </p:cNvPr>
+          <p:cNvSpPr>
+            <a:spLocks noGrp="1" noRot="1" noChangeAspect="1" noMove="1" noResize="1" noEditPoints="1" noAdjustHandles="1" noChangeArrowheads="1" noChangeShapeType="1" noTextEdit="1"/>
+          </p:cNvSpPr>
+          <p:nvPr>
+            <p:extLst>
+              <p:ext uri="{386F3935-93C4-4BCD-93E2-E3B085C9AB24}">
+                <p16:designElem xmlns:p16="http://schemas.microsoft.com/office/powerpoint/2015/main" val="1"/>
+              </p:ext>
+            </p:extLst>
           </p:nvPr>
         </p:nvSpPr>
         <p:spPr>
           <a:xfrm>
-            <a:off x="404553" y="5624945"/>
-            <a:ext cx="9078562" cy="592975"/>
+            <a:off x="7851648" y="4546920"/>
+            <a:ext cx="4023360" cy="18288"/>
           </a:xfrm>
+          <a:prstGeom prst="rect">
+            <a:avLst/>
+          </a:prstGeom>
+          <a:solidFill>
+            <a:schemeClr val="tx1"/>
+          </a:solidFill>
+          <a:ln w="3175">
+            <a:noFill/>
+          </a:ln>
+          <a:effectLst/>
         </p:spPr>
-        <p:txBody>
-          <a:bodyPr anchor="ctr">
-            <a:normAutofit/>
-          </a:bodyPr>
-          <a:lstStyle/>
-          <a:p>
-            <a:endParaRPr lang="en-US"/>
+        <p:style>
+          <a:lnRef idx="2">
+            <a:schemeClr val="accent1">
+              <a:shade val="50000"/>
+            </a:schemeClr>
+          </a:lnRef>
+          <a:fillRef idx="1">
+            <a:schemeClr val="accent1"/>
+          </a:fillRef>
+          <a:effectRef idx="0">
+            <a:schemeClr val="accent1"/>
+          </a:effectRef>
+          <a:fontRef idx="minor">
+            <a:schemeClr val="lt1"/>
+          </a:fontRef>
+        </p:style>
+        <p:txBody>
+          <a:bodyPr rtlCol="0" anchor="ctr"/>
+          <a:lstStyle/>
+          <a:p>
+            <a:pPr marL="0" marR="0" lvl="0" indent="0" algn="ctr" defTabSz="914400" rtl="0" eaLnBrk="1" fontAlgn="auto" latinLnBrk="0" hangingPunct="1">
+              <a:lnSpc>
+                <a:spcPct val="100000"/>
+              </a:lnSpc>
+              <a:spcBef>
+                <a:spcPts val="0"/>
+              </a:spcBef>
+              <a:spcAft>
+                <a:spcPts val="0"/>
+              </a:spcAft>
+              <a:buClrTx/>
+              <a:buSzTx/>
+              <a:buFontTx/>
+              <a:buNone/>
+              <a:tabLst/>
+              <a:defRPr/>
+            </a:pPr>
+            <a:endParaRPr kumimoji="0" lang="en-US" sz="1800" b="0" i="0" u="none" strike="noStrike" kern="1200" cap="none" spc="0" normalizeH="0" baseline="0" noProof="0">
+              <a:ln>
+                <a:noFill/>
+              </a:ln>
+              <a:solidFill>
+                <a:prstClr val="white"/>
+              </a:solidFill>
+              <a:effectLst/>
+              <a:uLnTx/>
+              <a:uFillTx/>
+              <a:latin typeface="Calibri" panose="020F0502020204030204"/>
+              <a:ea typeface="+mn-ea"/>
+              <a:cs typeface="+mn-cs"/>
+            </a:endParaRPr>
           </a:p>
         </p:txBody>
       </p:sp>
@@ -5400,6 +5520,820 @@
   </p:cSld>
   <p:clrMapOvr>
     <a:overrideClrMapping bg1="dk1" tx1="lt1" bg2="dk2" tx2="lt2" accent1="accent1" accent2="accent2" accent3="accent3" accent4="accent4" accent5="accent5" accent6="accent6" hlink="hlink" folHlink="folHlink"/>
+  </p:clrMapOvr>
+</p:sld>
+</file>
+
+<file path=ppt/slides/slide10.xml><?xml version="1.0" encoding="utf-8"?>
+<p:sld xmlns:a="http://schemas.openxmlformats.org/drawingml/2006/main" xmlns:r="http://schemas.openxmlformats.org/officeDocument/2006/relationships" xmlns:p="http://schemas.openxmlformats.org/presentationml/2006/main">
+  <p:cSld>
+    <p:spTree>
+      <p:nvGrpSpPr>
+        <p:cNvPr id="1" name=""/>
+        <p:cNvGrpSpPr/>
+        <p:nvPr/>
+      </p:nvGrpSpPr>
+      <p:grpSpPr>
+        <a:xfrm>
+          <a:off x="0" y="0"/>
+          <a:ext cx="0" cy="0"/>
+          <a:chOff x="0" y="0"/>
+          <a:chExt cx="0" cy="0"/>
+        </a:xfrm>
+      </p:grpSpPr>
+      <p:sp>
+        <p:nvSpPr>
+          <p:cNvPr id="2" name="Title 1">
+            <a:extLst>
+              <a:ext uri="{FF2B5EF4-FFF2-40B4-BE49-F238E27FC236}">
+                <a16:creationId xmlns:a16="http://schemas.microsoft.com/office/drawing/2014/main" id="{12D8F8C8-7CD3-8646-81FC-0359A8A455D3}"/>
+              </a:ext>
+            </a:extLst>
+          </p:cNvPr>
+          <p:cNvSpPr>
+            <a:spLocks noGrp="1"/>
+          </p:cNvSpPr>
+          <p:nvPr>
+            <p:ph type="title"/>
+          </p:nvPr>
+        </p:nvSpPr>
+        <p:spPr/>
+        <p:txBody>
+          <a:bodyPr/>
+          <a:lstStyle/>
+          <a:p>
+            <a:r>
+              <a:rPr lang="en-US" dirty="0"/>
+              <a:t>Layer 2: Instruments</a:t>
+            </a:r>
+          </a:p>
+        </p:txBody>
+      </p:sp>
+      <p:sp>
+        <p:nvSpPr>
+          <p:cNvPr id="3" name="Content Placeholder 2">
+            <a:extLst>
+              <a:ext uri="{FF2B5EF4-FFF2-40B4-BE49-F238E27FC236}">
+                <a16:creationId xmlns:a16="http://schemas.microsoft.com/office/drawing/2014/main" id="{C89F107E-A90E-4E43-9EC3-6CB339700A31}"/>
+              </a:ext>
+            </a:extLst>
+          </p:cNvPr>
+          <p:cNvSpPr>
+            <a:spLocks noGrp="1"/>
+          </p:cNvSpPr>
+          <p:nvPr>
+            <p:ph idx="1"/>
+          </p:nvPr>
+        </p:nvSpPr>
+        <p:spPr/>
+        <p:txBody>
+          <a:bodyPr/>
+          <a:lstStyle/>
+          <a:p>
+            <a:endParaRPr lang="en-US" dirty="0"/>
+          </a:p>
+        </p:txBody>
+      </p:sp>
+    </p:spTree>
+    <p:extLst>
+      <p:ext uri="{BB962C8B-B14F-4D97-AF65-F5344CB8AC3E}">
+        <p14:creationId xmlns:p14="http://schemas.microsoft.com/office/powerpoint/2010/main" val="211017421"/>
+      </p:ext>
+    </p:extLst>
+  </p:cSld>
+  <p:clrMapOvr>
+    <a:masterClrMapping/>
+  </p:clrMapOvr>
+</p:sld>
+</file>
+
+<file path=ppt/slides/slide11.xml><?xml version="1.0" encoding="utf-8"?>
+<p:sld xmlns:a="http://schemas.openxmlformats.org/drawingml/2006/main" xmlns:r="http://schemas.openxmlformats.org/officeDocument/2006/relationships" xmlns:p="http://schemas.openxmlformats.org/presentationml/2006/main">
+  <p:cSld>
+    <p:spTree>
+      <p:nvGrpSpPr>
+        <p:cNvPr id="1" name=""/>
+        <p:cNvGrpSpPr/>
+        <p:nvPr/>
+      </p:nvGrpSpPr>
+      <p:grpSpPr>
+        <a:xfrm>
+          <a:off x="0" y="0"/>
+          <a:ext cx="0" cy="0"/>
+          <a:chOff x="0" y="0"/>
+          <a:chExt cx="0" cy="0"/>
+        </a:xfrm>
+      </p:grpSpPr>
+      <p:sp>
+        <p:nvSpPr>
+          <p:cNvPr id="2" name="Title 1">
+            <a:extLst>
+              <a:ext uri="{FF2B5EF4-FFF2-40B4-BE49-F238E27FC236}">
+                <a16:creationId xmlns:a16="http://schemas.microsoft.com/office/drawing/2014/main" id="{62FB086D-CA23-A746-B106-C2AC7E7C696F}"/>
+              </a:ext>
+            </a:extLst>
+          </p:cNvPr>
+          <p:cNvSpPr>
+            <a:spLocks noGrp="1"/>
+          </p:cNvSpPr>
+          <p:nvPr>
+            <p:ph type="title"/>
+          </p:nvPr>
+        </p:nvSpPr>
+        <p:spPr/>
+        <p:txBody>
+          <a:bodyPr/>
+          <a:lstStyle/>
+          <a:p>
+            <a:r>
+              <a:rPr lang="en-US" dirty="0"/>
+              <a:t>TO DO </a:t>
+            </a:r>
+          </a:p>
+        </p:txBody>
+      </p:sp>
+      <p:sp>
+        <p:nvSpPr>
+          <p:cNvPr id="3" name="Content Placeholder 2">
+            <a:extLst>
+              <a:ext uri="{FF2B5EF4-FFF2-40B4-BE49-F238E27FC236}">
+                <a16:creationId xmlns:a16="http://schemas.microsoft.com/office/drawing/2014/main" id="{70A5F14D-4576-3648-B9BA-1EFE260E592E}"/>
+              </a:ext>
+            </a:extLst>
+          </p:cNvPr>
+          <p:cNvSpPr>
+            <a:spLocks noGrp="1"/>
+          </p:cNvSpPr>
+          <p:nvPr>
+            <p:ph idx="1"/>
+          </p:nvPr>
+        </p:nvSpPr>
+        <p:spPr>
+          <a:xfrm>
+            <a:off x="897148" y="2478024"/>
+            <a:ext cx="4770408" cy="3707116"/>
+          </a:xfrm>
+        </p:spPr>
+        <p:txBody>
+          <a:bodyPr>
+            <a:normAutofit fontScale="32500" lnSpcReduction="20000"/>
+          </a:bodyPr>
+          <a:lstStyle/>
+          <a:p>
+            <a:pPr marL="0" indent="0">
+              <a:buNone/>
+            </a:pPr>
+            <a:r>
+              <a:rPr lang="en-US" b="1" dirty="0"/>
+              <a:t>slides</a:t>
+            </a:r>
+          </a:p>
+          <a:p>
+            <a:pPr marL="0" indent="0">
+              <a:buNone/>
+            </a:pPr>
+            <a:r>
+              <a:rPr lang="en-US" dirty="0">
+                <a:solidFill>
+                  <a:srgbClr val="0070C0"/>
+                </a:solidFill>
+              </a:rPr>
+              <a:t>Provide </a:t>
+            </a:r>
+            <a:r>
+              <a:rPr lang="en-US" b="1" dirty="0">
+                <a:solidFill>
+                  <a:srgbClr val="0070C0"/>
+                </a:solidFill>
+              </a:rPr>
+              <a:t>Context</a:t>
+            </a:r>
+            <a:r>
+              <a:rPr lang="en-US" dirty="0">
+                <a:solidFill>
+                  <a:srgbClr val="0070C0"/>
+                </a:solidFill>
+              </a:rPr>
+              <a:t> in the slides (somehow in the app)</a:t>
+            </a:r>
+          </a:p>
+          <a:p>
+            <a:pPr marL="0" indent="0">
+              <a:buNone/>
+            </a:pPr>
+            <a:r>
+              <a:rPr lang="en-US" b="1" dirty="0"/>
+              <a:t>EDA</a:t>
+            </a:r>
+            <a:r>
+              <a:rPr lang="en-US" dirty="0"/>
+              <a:t> – overview graph – jazz as a whole</a:t>
+            </a:r>
+          </a:p>
+          <a:p>
+            <a:pPr marL="0" indent="0">
+              <a:buNone/>
+            </a:pPr>
+            <a:r>
+              <a:rPr lang="en-US" dirty="0"/>
+              <a:t>. Infusion of other music into jazz as it transforms over time (how has it transformed) - heatmap</a:t>
+            </a:r>
+          </a:p>
+          <a:p>
+            <a:pPr marL="0" indent="0">
+              <a:buNone/>
+            </a:pPr>
+            <a:r>
+              <a:rPr lang="en-US" dirty="0">
+                <a:solidFill>
+                  <a:srgbClr val="FF0000"/>
+                </a:solidFill>
+              </a:rPr>
+              <a:t>. History of transformation? Artists and quotes by 3 decades – lollipop / </a:t>
+            </a:r>
+            <a:r>
+              <a:rPr lang="en-US" dirty="0" err="1">
+                <a:solidFill>
+                  <a:srgbClr val="FF0000"/>
+                </a:solidFill>
+              </a:rPr>
+              <a:t>wordcloud</a:t>
+            </a:r>
+            <a:r>
+              <a:rPr lang="en-US" dirty="0">
+                <a:solidFill>
+                  <a:srgbClr val="FF0000"/>
+                </a:solidFill>
+              </a:rPr>
+              <a:t>?</a:t>
+            </a:r>
+          </a:p>
+          <a:p>
+            <a:pPr marL="0" indent="0">
+              <a:buNone/>
+            </a:pPr>
+            <a:r>
+              <a:rPr lang="en-US" dirty="0">
+                <a:solidFill>
+                  <a:srgbClr val="FF0000"/>
+                </a:solidFill>
+              </a:rPr>
+              <a:t>. named entity features (mentions) – has maintained it’s roots as well as influence – network map??</a:t>
+            </a:r>
+          </a:p>
+          <a:p>
+            <a:pPr marL="0" indent="0">
+              <a:buNone/>
+            </a:pPr>
+            <a:r>
+              <a:rPr lang="en-US" dirty="0">
+                <a:solidFill>
+                  <a:srgbClr val="FF0000"/>
+                </a:solidFill>
+                <a:highlight>
+                  <a:srgbClr val="C0C0C0"/>
+                </a:highlight>
+              </a:rPr>
+              <a:t>. Check a few primary artists – what subgenre are they mentioned along with</a:t>
+            </a:r>
+          </a:p>
+          <a:p>
+            <a:pPr marL="0" indent="0">
+              <a:buNone/>
+            </a:pPr>
+            <a:r>
+              <a:rPr lang="en-US" dirty="0">
+                <a:solidFill>
+                  <a:srgbClr val="FF0000"/>
+                </a:solidFill>
+                <a:highlight>
+                  <a:srgbClr val="C0C0C0"/>
+                </a:highlight>
+              </a:rPr>
+              <a:t>. Maybe </a:t>
+            </a:r>
+            <a:r>
+              <a:rPr lang="en-US" dirty="0" err="1">
+                <a:solidFill>
+                  <a:srgbClr val="FF0000"/>
+                </a:solidFill>
+                <a:highlight>
+                  <a:srgbClr val="C0C0C0"/>
+                </a:highlight>
+              </a:rPr>
+              <a:t>spotify</a:t>
+            </a:r>
+            <a:r>
+              <a:rPr lang="en-US" dirty="0">
+                <a:solidFill>
+                  <a:srgbClr val="FF0000"/>
+                </a:solidFill>
+                <a:highlight>
+                  <a:srgbClr val="C0C0C0"/>
+                </a:highlight>
+              </a:rPr>
+              <a:t> (with what we have)</a:t>
+            </a:r>
+          </a:p>
+          <a:p>
+            <a:pPr marL="0" indent="0">
+              <a:buNone/>
+            </a:pPr>
+            <a:r>
+              <a:rPr lang="en-US" b="1" dirty="0"/>
+              <a:t>Reviewers</a:t>
+            </a:r>
+            <a:r>
+              <a:rPr lang="en-US" dirty="0"/>
+              <a:t> </a:t>
+            </a:r>
+          </a:p>
+          <a:p>
+            <a:pPr marL="0" indent="0">
+              <a:buNone/>
+            </a:pPr>
+            <a:r>
+              <a:rPr lang="en-US" dirty="0">
+                <a:solidFill>
+                  <a:srgbClr val="FF0000"/>
+                </a:solidFill>
+              </a:rPr>
+              <a:t>. Subgenre by EMO / Sentiment</a:t>
+            </a:r>
+          </a:p>
+          <a:p>
+            <a:pPr marL="0" indent="0">
+              <a:buNone/>
+            </a:pPr>
+            <a:r>
+              <a:rPr lang="en-US" b="1" dirty="0"/>
+              <a:t>Modeling (2 runs)</a:t>
+            </a:r>
+          </a:p>
+          <a:p>
+            <a:pPr marL="0" indent="0">
+              <a:buNone/>
+            </a:pPr>
+            <a:r>
+              <a:rPr lang="en-US" dirty="0">
+                <a:solidFill>
+                  <a:srgbClr val="0070C0"/>
+                </a:solidFill>
+              </a:rPr>
+              <a:t>. PCA</a:t>
+            </a:r>
+          </a:p>
+          <a:p>
+            <a:pPr marL="0" indent="0">
+              <a:buNone/>
+            </a:pPr>
+            <a:r>
+              <a:rPr lang="en-US" dirty="0"/>
+              <a:t>. TF IDF</a:t>
+            </a:r>
+          </a:p>
+          <a:p>
+            <a:pPr marL="0" indent="0">
+              <a:buNone/>
+            </a:pPr>
+            <a:endParaRPr lang="en-US" dirty="0"/>
+          </a:p>
+          <a:p>
+            <a:pPr marL="0" indent="0">
+              <a:buNone/>
+            </a:pPr>
+            <a:endParaRPr lang="en-US" dirty="0"/>
+          </a:p>
+          <a:p>
+            <a:pPr marL="0" indent="0">
+              <a:buNone/>
+            </a:pPr>
+            <a:endParaRPr lang="en-US" dirty="0"/>
+          </a:p>
+        </p:txBody>
+      </p:sp>
+      <p:sp>
+        <p:nvSpPr>
+          <p:cNvPr id="4" name="Content Placeholder 2">
+            <a:extLst>
+              <a:ext uri="{FF2B5EF4-FFF2-40B4-BE49-F238E27FC236}">
+                <a16:creationId xmlns:a16="http://schemas.microsoft.com/office/drawing/2014/main" id="{35BE0E26-63FF-4C4E-AE45-AC34133D1B7A}"/>
+              </a:ext>
+            </a:extLst>
+          </p:cNvPr>
+          <p:cNvSpPr txBox="1">
+            <a:spLocks/>
+          </p:cNvSpPr>
+          <p:nvPr/>
+        </p:nvSpPr>
+        <p:spPr>
+          <a:xfrm>
+            <a:off x="6288542" y="2503271"/>
+            <a:ext cx="4551987" cy="3456950"/>
+          </a:xfrm>
+          <a:prstGeom prst="rect">
+            <a:avLst/>
+          </a:prstGeom>
+        </p:spPr>
+        <p:txBody>
+          <a:bodyPr vert="horz" lIns="91440" tIns="45720" rIns="91440" bIns="45720" rtlCol="0">
+            <a:normAutofit fontScale="85000" lnSpcReduction="20000"/>
+          </a:bodyPr>
+          <a:lstStyle>
+            <a:lvl1pPr marL="228600" indent="-228600" algn="l" defTabSz="914400" rtl="0" eaLnBrk="1" latinLnBrk="0" hangingPunct="1">
+              <a:lnSpc>
+                <a:spcPct val="110000"/>
+              </a:lnSpc>
+              <a:spcBef>
+                <a:spcPts val="1000"/>
+              </a:spcBef>
+              <a:buFont typeface="Arial" panose="020B0604020202020204" pitchFamily="34" charset="0"/>
+              <a:buChar char="•"/>
+              <a:defRPr sz="2400" kern="1200">
+                <a:solidFill>
+                  <a:schemeClr val="tx1"/>
+                </a:solidFill>
+                <a:latin typeface="+mn-lt"/>
+                <a:ea typeface="+mn-ea"/>
+                <a:cs typeface="+mn-cs"/>
+              </a:defRPr>
+            </a:lvl1pPr>
+            <a:lvl2pPr marL="685800" indent="-228600" algn="l" defTabSz="914400" rtl="0" eaLnBrk="1" latinLnBrk="0" hangingPunct="1">
+              <a:lnSpc>
+                <a:spcPct val="110000"/>
+              </a:lnSpc>
+              <a:spcBef>
+                <a:spcPts val="500"/>
+              </a:spcBef>
+              <a:buFont typeface="Arial" panose="020B0604020202020204" pitchFamily="34" charset="0"/>
+              <a:buChar char="•"/>
+              <a:defRPr sz="2000" kern="1200">
+                <a:solidFill>
+                  <a:schemeClr val="tx1"/>
+                </a:solidFill>
+                <a:latin typeface="+mn-lt"/>
+                <a:ea typeface="+mn-ea"/>
+                <a:cs typeface="+mn-cs"/>
+              </a:defRPr>
+            </a:lvl2pPr>
+            <a:lvl3pPr marL="1143000" indent="-228600" algn="l" defTabSz="914400" rtl="0" eaLnBrk="1" latinLnBrk="0" hangingPunct="1">
+              <a:lnSpc>
+                <a:spcPct val="110000"/>
+              </a:lnSpc>
+              <a:spcBef>
+                <a:spcPts val="500"/>
+              </a:spcBef>
+              <a:buFont typeface="Arial" panose="020B0604020202020204" pitchFamily="34" charset="0"/>
+              <a:buChar char="•"/>
+              <a:defRPr sz="1800" kern="1200">
+                <a:solidFill>
+                  <a:schemeClr val="tx1"/>
+                </a:solidFill>
+                <a:latin typeface="+mn-lt"/>
+                <a:ea typeface="+mn-ea"/>
+                <a:cs typeface="+mn-cs"/>
+              </a:defRPr>
+            </a:lvl3pPr>
+            <a:lvl4pPr marL="1600200" indent="-228600" algn="l" defTabSz="914400" rtl="0" eaLnBrk="1" latinLnBrk="0" hangingPunct="1">
+              <a:lnSpc>
+                <a:spcPct val="110000"/>
+              </a:lnSpc>
+              <a:spcBef>
+                <a:spcPts val="500"/>
+              </a:spcBef>
+              <a:buFont typeface="Arial" panose="020B0604020202020204" pitchFamily="34" charset="0"/>
+              <a:buChar char="•"/>
+              <a:defRPr sz="1600" kern="1200">
+                <a:solidFill>
+                  <a:schemeClr val="tx1"/>
+                </a:solidFill>
+                <a:latin typeface="+mn-lt"/>
+                <a:ea typeface="+mn-ea"/>
+                <a:cs typeface="+mn-cs"/>
+              </a:defRPr>
+            </a:lvl4pPr>
+            <a:lvl5pPr marL="2057400" indent="-228600" algn="l" defTabSz="914400" rtl="0" eaLnBrk="1" latinLnBrk="0" hangingPunct="1">
+              <a:lnSpc>
+                <a:spcPct val="110000"/>
+              </a:lnSpc>
+              <a:spcBef>
+                <a:spcPts val="500"/>
+              </a:spcBef>
+              <a:buFont typeface="Arial" panose="020B0604020202020204" pitchFamily="34" charset="0"/>
+              <a:buChar char="•"/>
+              <a:defRPr sz="1600" kern="1200">
+                <a:solidFill>
+                  <a:schemeClr val="tx1"/>
+                </a:solidFill>
+                <a:latin typeface="+mn-lt"/>
+                <a:ea typeface="+mn-ea"/>
+                <a:cs typeface="+mn-cs"/>
+              </a:defRPr>
+            </a:lvl5pPr>
+            <a:lvl6pPr marL="2514600" indent="-228600" algn="l" defTabSz="914400" rtl="0" eaLnBrk="1" latinLnBrk="0" hangingPunct="1">
+              <a:lnSpc>
+                <a:spcPct val="90000"/>
+              </a:lnSpc>
+              <a:spcBef>
+                <a:spcPts val="500"/>
+              </a:spcBef>
+              <a:buFont typeface="Arial" panose="020B0604020202020204" pitchFamily="34" charset="0"/>
+              <a:buChar char="•"/>
+              <a:defRPr sz="1800" kern="1200">
+                <a:solidFill>
+                  <a:schemeClr val="tx1"/>
+                </a:solidFill>
+                <a:latin typeface="+mn-lt"/>
+                <a:ea typeface="+mn-ea"/>
+                <a:cs typeface="+mn-cs"/>
+              </a:defRPr>
+            </a:lvl6pPr>
+            <a:lvl7pPr marL="2971800" indent="-228600" algn="l" defTabSz="914400" rtl="0" eaLnBrk="1" latinLnBrk="0" hangingPunct="1">
+              <a:lnSpc>
+                <a:spcPct val="90000"/>
+              </a:lnSpc>
+              <a:spcBef>
+                <a:spcPts val="500"/>
+              </a:spcBef>
+              <a:buFont typeface="Arial" panose="020B0604020202020204" pitchFamily="34" charset="0"/>
+              <a:buChar char="•"/>
+              <a:defRPr sz="1800" kern="1200">
+                <a:solidFill>
+                  <a:schemeClr val="tx1"/>
+                </a:solidFill>
+                <a:latin typeface="+mn-lt"/>
+                <a:ea typeface="+mn-ea"/>
+                <a:cs typeface="+mn-cs"/>
+              </a:defRPr>
+            </a:lvl7pPr>
+            <a:lvl8pPr marL="3429000" indent="-228600" algn="l" defTabSz="914400" rtl="0" eaLnBrk="1" latinLnBrk="0" hangingPunct="1">
+              <a:lnSpc>
+                <a:spcPct val="90000"/>
+              </a:lnSpc>
+              <a:spcBef>
+                <a:spcPts val="500"/>
+              </a:spcBef>
+              <a:buFont typeface="Arial" panose="020B0604020202020204" pitchFamily="34" charset="0"/>
+              <a:buChar char="•"/>
+              <a:defRPr sz="1800" kern="1200">
+                <a:solidFill>
+                  <a:schemeClr val="tx1"/>
+                </a:solidFill>
+                <a:latin typeface="+mn-lt"/>
+                <a:ea typeface="+mn-ea"/>
+                <a:cs typeface="+mn-cs"/>
+              </a:defRPr>
+            </a:lvl8pPr>
+            <a:lvl9pPr marL="3886200" indent="-228600" algn="l" defTabSz="914400" rtl="0" eaLnBrk="1" latinLnBrk="0" hangingPunct="1">
+              <a:lnSpc>
+                <a:spcPct val="90000"/>
+              </a:lnSpc>
+              <a:spcBef>
+                <a:spcPts val="500"/>
+              </a:spcBef>
+              <a:buFont typeface="Arial" panose="020B0604020202020204" pitchFamily="34" charset="0"/>
+              <a:buChar char="•"/>
+              <a:defRPr sz="1800" kern="1200">
+                <a:solidFill>
+                  <a:schemeClr val="tx1"/>
+                </a:solidFill>
+                <a:latin typeface="+mn-lt"/>
+                <a:ea typeface="+mn-ea"/>
+                <a:cs typeface="+mn-cs"/>
+              </a:defRPr>
+            </a:lvl9pPr>
+          </a:lstStyle>
+          <a:p>
+            <a:pPr marL="0" indent="0">
+              <a:buFont typeface="Arial" panose="020B0604020202020204" pitchFamily="34" charset="0"/>
+              <a:buNone/>
+            </a:pPr>
+            <a:r>
+              <a:rPr lang="en-US" b="1" dirty="0" err="1"/>
+              <a:t>streamlit</a:t>
+            </a:r>
+            <a:endParaRPr lang="en-US" b="1" dirty="0"/>
+          </a:p>
+          <a:p>
+            <a:pPr marL="0" indent="0">
+              <a:buFont typeface="Arial" panose="020B0604020202020204" pitchFamily="34" charset="0"/>
+              <a:buNone/>
+            </a:pPr>
+            <a:r>
+              <a:rPr lang="en-US" dirty="0">
+                <a:solidFill>
+                  <a:srgbClr val="0070C0"/>
+                </a:solidFill>
+              </a:rPr>
+              <a:t>Spotify – audio features</a:t>
+            </a:r>
+          </a:p>
+          <a:p>
+            <a:pPr marL="0" indent="0">
+              <a:buFont typeface="Arial" panose="020B0604020202020204" pitchFamily="34" charset="0"/>
+              <a:buNone/>
+            </a:pPr>
+            <a:r>
+              <a:rPr lang="en-US" dirty="0">
+                <a:highlight>
+                  <a:srgbClr val="FFFF00"/>
+                </a:highlight>
+              </a:rPr>
+              <a:t>Artist images (last)</a:t>
+            </a:r>
+          </a:p>
+          <a:p>
+            <a:pPr marL="0" indent="0">
+              <a:buFont typeface="Arial" panose="020B0604020202020204" pitchFamily="34" charset="0"/>
+              <a:buNone/>
+            </a:pPr>
+            <a:r>
+              <a:rPr lang="en-US" dirty="0">
+                <a:highlight>
+                  <a:srgbClr val="FFFF00"/>
+                </a:highlight>
+              </a:rPr>
+              <a:t>Artist audio snippets (last)</a:t>
+            </a:r>
+          </a:p>
+          <a:p>
+            <a:pPr marL="0" indent="0">
+              <a:buNone/>
+            </a:pPr>
+            <a:r>
+              <a:rPr lang="en-US" dirty="0">
+                <a:solidFill>
+                  <a:srgbClr val="0070C0"/>
+                </a:solidFill>
+              </a:rPr>
+              <a:t>Cleanup app as-is</a:t>
+            </a:r>
+          </a:p>
+          <a:p>
+            <a:pPr marL="0" indent="0">
+              <a:buNone/>
+            </a:pPr>
+            <a:r>
+              <a:rPr lang="en-US" dirty="0">
+                <a:solidFill>
+                  <a:srgbClr val="0070C0"/>
+                </a:solidFill>
+              </a:rPr>
+              <a:t>Topic modeling into the viz (instrument selection)  </a:t>
+            </a:r>
+          </a:p>
+          <a:p>
+            <a:pPr marL="0" indent="0">
+              <a:buNone/>
+            </a:pPr>
+            <a:r>
+              <a:rPr lang="en-US" dirty="0">
+                <a:solidFill>
+                  <a:srgbClr val="0070C0"/>
+                </a:solidFill>
+              </a:rPr>
+              <a:t>Emotion graph – radar-</a:t>
+            </a:r>
+            <a:r>
+              <a:rPr lang="en-US" dirty="0" err="1">
+                <a:solidFill>
+                  <a:srgbClr val="0070C0"/>
+                </a:solidFill>
+              </a:rPr>
+              <a:t>ish</a:t>
+            </a:r>
+            <a:endParaRPr lang="en-US" dirty="0">
+              <a:solidFill>
+                <a:srgbClr val="0070C0"/>
+              </a:solidFill>
+            </a:endParaRPr>
+          </a:p>
+          <a:p>
+            <a:pPr marL="0" indent="0">
+              <a:buNone/>
+            </a:pPr>
+            <a:r>
+              <a:rPr lang="en-US" dirty="0">
+                <a:solidFill>
+                  <a:srgbClr val="0070C0"/>
+                </a:solidFill>
+              </a:rPr>
+              <a:t>Audio feature graph – radar-</a:t>
+            </a:r>
+            <a:r>
+              <a:rPr lang="en-US" dirty="0" err="1">
+                <a:solidFill>
+                  <a:srgbClr val="0070C0"/>
+                </a:solidFill>
+              </a:rPr>
+              <a:t>ish</a:t>
+            </a:r>
+            <a:endParaRPr lang="en-US" dirty="0">
+              <a:solidFill>
+                <a:srgbClr val="0070C0"/>
+              </a:solidFill>
+            </a:endParaRPr>
+          </a:p>
+          <a:p>
+            <a:pPr marL="0" indent="0">
+              <a:buFont typeface="Arial" panose="020B0604020202020204" pitchFamily="34" charset="0"/>
+              <a:buNone/>
+            </a:pPr>
+            <a:endParaRPr lang="en-US" dirty="0"/>
+          </a:p>
+          <a:p>
+            <a:pPr marL="0" indent="0">
+              <a:buFont typeface="Arial" panose="020B0604020202020204" pitchFamily="34" charset="0"/>
+              <a:buNone/>
+            </a:pPr>
+            <a:endParaRPr lang="en-US" dirty="0"/>
+          </a:p>
+          <a:p>
+            <a:pPr marL="0" indent="0">
+              <a:buFont typeface="Arial" panose="020B0604020202020204" pitchFamily="34" charset="0"/>
+              <a:buNone/>
+            </a:pPr>
+            <a:endParaRPr lang="en-US" dirty="0"/>
+          </a:p>
+        </p:txBody>
+      </p:sp>
+      <p:sp>
+        <p:nvSpPr>
+          <p:cNvPr id="5" name="TextBox 4">
+            <a:extLst>
+              <a:ext uri="{FF2B5EF4-FFF2-40B4-BE49-F238E27FC236}">
+                <a16:creationId xmlns:a16="http://schemas.microsoft.com/office/drawing/2014/main" id="{3243765D-D310-7B49-95B5-B032BBD95EB0}"/>
+              </a:ext>
+            </a:extLst>
+          </p:cNvPr>
+          <p:cNvSpPr txBox="1"/>
+          <p:nvPr/>
+        </p:nvSpPr>
+        <p:spPr>
+          <a:xfrm>
+            <a:off x="3234906" y="289680"/>
+            <a:ext cx="8169215" cy="923330"/>
+          </a:xfrm>
+          <a:prstGeom prst="rect">
+            <a:avLst/>
+          </a:prstGeom>
+          <a:noFill/>
+        </p:spPr>
+        <p:txBody>
+          <a:bodyPr wrap="square" rtlCol="0">
+            <a:spAutoFit/>
+          </a:bodyPr>
+          <a:lstStyle/>
+          <a:p>
+            <a:r>
+              <a:rPr lang="en-US" dirty="0">
+                <a:highlight>
+                  <a:srgbClr val="C0C0C0"/>
+                </a:highlight>
+              </a:rPr>
+              <a:t>Radiohead is a vector – aggregate / average – then get </a:t>
+            </a:r>
+            <a:r>
+              <a:rPr lang="en-US" dirty="0" err="1">
+                <a:highlight>
+                  <a:srgbClr val="C0C0C0"/>
+                </a:highlight>
+              </a:rPr>
+              <a:t>similiarities</a:t>
+            </a:r>
+            <a:r>
+              <a:rPr lang="en-US" dirty="0">
+                <a:highlight>
+                  <a:srgbClr val="C0C0C0"/>
+                </a:highlight>
+              </a:rPr>
+              <a:t> on that</a:t>
+            </a:r>
+          </a:p>
+          <a:p>
+            <a:r>
+              <a:rPr lang="en-US" dirty="0">
+                <a:highlight>
+                  <a:srgbClr val="C0C0C0"/>
+                </a:highlight>
+              </a:rPr>
+              <a:t>Put 8 into a list – similarities have duplicate votes – strengthen those votes</a:t>
+            </a:r>
+          </a:p>
+          <a:p>
+            <a:endParaRPr lang="en-US" dirty="0"/>
+          </a:p>
+        </p:txBody>
+      </p:sp>
+    </p:spTree>
+    <p:extLst>
+      <p:ext uri="{BB962C8B-B14F-4D97-AF65-F5344CB8AC3E}">
+        <p14:creationId xmlns:p14="http://schemas.microsoft.com/office/powerpoint/2010/main" val="1983617853"/>
+      </p:ext>
+    </p:extLst>
+  </p:cSld>
+  <p:clrMapOvr>
+    <a:masterClrMapping/>
   </p:clrMapOvr>
 </p:sld>
 </file>
@@ -5467,10 +6401,39 @@
         </p:nvSpPr>
         <p:spPr/>
         <p:txBody>
-          <a:bodyPr/>
-          <a:lstStyle/>
-          <a:p>
-            <a:endParaRPr lang="en-US"/>
+          <a:bodyPr>
+            <a:normAutofit fontScale="92500"/>
+          </a:bodyPr>
+          <a:lstStyle/>
+          <a:p>
+            <a:r>
+              <a:rPr lang="en-US" dirty="0"/>
+              <a:t>People’s notion of jazz maybe stuck in early 1900’s when it was dominant pop music. </a:t>
+            </a:r>
+          </a:p>
+          <a:p>
+            <a:r>
+              <a:rPr lang="en-US" dirty="0"/>
+              <a:t>Modern day, jazz has infused its way into main stream music</a:t>
+            </a:r>
+          </a:p>
+          <a:p>
+            <a:r>
+              <a:rPr lang="en-US" dirty="0"/>
+              <a:t>Hope is to introduce people to modern jazz as it relates to some of their musical tastes</a:t>
+            </a:r>
+          </a:p>
+          <a:p>
+            <a:r>
+              <a:rPr lang="en-US" dirty="0"/>
+              <a:t>Word cloud (old) / word cloud (new) OR sub genres (bebop vs. hip hop)</a:t>
+            </a:r>
+          </a:p>
+          <a:p>
+            <a:r>
+              <a:rPr lang="en-US" dirty="0"/>
+              <a:t>In a lot of jazz you don’t necessarily have lyrics. Therefore the reviewer acts as a proxy of expression of the music (the objective parts)</a:t>
+            </a:r>
           </a:p>
         </p:txBody>
       </p:sp>
@@ -5636,7 +6599,10 @@
           <a:bodyPr/>
           <a:lstStyle/>
           <a:p>
-            <a:endParaRPr lang="en-US"/>
+            <a:r>
+              <a:rPr lang="en-US" dirty="0"/>
+              <a:t>Phrase matching (genres)</a:t>
+            </a:r>
           </a:p>
         </p:txBody>
       </p:sp>
@@ -5698,31 +6664,41 @@
           </a:p>
         </p:txBody>
       </p:sp>
-      <p:sp>
-        <p:nvSpPr>
-          <p:cNvPr id="3" name="Content Placeholder 2">
-            <a:extLst>
-              <a:ext uri="{FF2B5EF4-FFF2-40B4-BE49-F238E27FC236}">
-                <a16:creationId xmlns:a16="http://schemas.microsoft.com/office/drawing/2014/main" id="{B4566CF7-0103-384B-B519-BB57E7C4B867}"/>
-              </a:ext>
-            </a:extLst>
-          </p:cNvPr>
-          <p:cNvSpPr>
-            <a:spLocks noGrp="1"/>
-          </p:cNvSpPr>
+      <p:pic>
+        <p:nvPicPr>
+          <p:cNvPr id="17" name="Content Placeholder 16">
+            <a:extLst>
+              <a:ext uri="{FF2B5EF4-FFF2-40B4-BE49-F238E27FC236}">
+                <a16:creationId xmlns:a16="http://schemas.microsoft.com/office/drawing/2014/main" id="{7EF4343E-440F-354F-BD01-BEAB38CC5073}"/>
+              </a:ext>
+            </a:extLst>
+          </p:cNvPr>
+          <p:cNvPicPr>
+            <a:picLocks noGrp="1" noChangeAspect="1"/>
+          </p:cNvPicPr>
           <p:nvPr>
             <p:ph idx="1"/>
           </p:nvPr>
-        </p:nvSpPr>
-        <p:spPr/>
-        <p:txBody>
-          <a:bodyPr/>
-          <a:lstStyle/>
-          <a:p>
-            <a:endParaRPr lang="en-US"/>
-          </a:p>
-        </p:txBody>
-      </p:sp>
+        </p:nvPicPr>
+        <p:blipFill>
+          <a:blip r:embed="rId2">
+            <a:extLst>
+              <a:ext uri="{96DAC541-7B7A-43D3-8B79-37D633B846F1}">
+                <asvg:svgBlip xmlns:asvg="http://schemas.microsoft.com/office/drawing/2016/SVG/main" r:embed="rId3"/>
+              </a:ext>
+            </a:extLst>
+          </a:blip>
+          <a:stretch>
+            <a:fillRect/>
+          </a:stretch>
+        </p:blipFill>
+        <p:spPr>
+          <a:xfrm>
+            <a:off x="1627981" y="2496344"/>
+            <a:ext cx="9144000" cy="3657600"/>
+          </a:xfrm>
+        </p:spPr>
+      </p:pic>
     </p:spTree>
     <p:extLst>
       <p:ext uri="{BB962C8B-B14F-4D97-AF65-F5344CB8AC3E}">
@@ -5758,7 +6734,7 @@
           <p:cNvPr id="2" name="Title 1">
             <a:extLst>
               <a:ext uri="{FF2B5EF4-FFF2-40B4-BE49-F238E27FC236}">
-                <a16:creationId xmlns:a16="http://schemas.microsoft.com/office/drawing/2014/main" id="{68F4FBDE-CEC6-1E46-9310-389B1E09CD78}"/>
+                <a16:creationId xmlns:a16="http://schemas.microsoft.com/office/drawing/2014/main" id="{5B30CA4D-4F7A-7A4A-9A3C-88256E63CF94}"/>
               </a:ext>
             </a:extLst>
           </p:cNvPr>
@@ -5776,40 +6752,163 @@
           <a:p>
             <a:r>
               <a:rPr lang="en-US" dirty="0"/>
-              <a:t>Content-based Model</a:t>
-            </a:r>
-          </a:p>
-        </p:txBody>
-      </p:sp>
-      <p:sp>
-        <p:nvSpPr>
-          <p:cNvPr id="3" name="Content Placeholder 2">
-            <a:extLst>
-              <a:ext uri="{FF2B5EF4-FFF2-40B4-BE49-F238E27FC236}">
-                <a16:creationId xmlns:a16="http://schemas.microsoft.com/office/drawing/2014/main" id="{67A8C402-CA98-BB4A-89D2-96BE85A96C71}"/>
-              </a:ext>
-            </a:extLst>
-          </p:cNvPr>
-          <p:cNvSpPr>
-            <a:spLocks noGrp="1"/>
-          </p:cNvSpPr>
+              <a:t>EDA</a:t>
+            </a:r>
+          </a:p>
+        </p:txBody>
+      </p:sp>
+      <p:pic>
+        <p:nvPicPr>
+          <p:cNvPr id="21" name="Content Placeholder 20">
+            <a:extLst>
+              <a:ext uri="{FF2B5EF4-FFF2-40B4-BE49-F238E27FC236}">
+                <a16:creationId xmlns:a16="http://schemas.microsoft.com/office/drawing/2014/main" id="{092DCF32-88F2-4C48-B528-E9A0B9CDA8B2}"/>
+              </a:ext>
+            </a:extLst>
+          </p:cNvPr>
+          <p:cNvPicPr>
+            <a:picLocks noGrp="1" noChangeAspect="1"/>
+          </p:cNvPicPr>
           <p:nvPr>
             <p:ph idx="1"/>
           </p:nvPr>
-        </p:nvSpPr>
-        <p:spPr/>
-        <p:txBody>
-          <a:bodyPr/>
-          <a:lstStyle/>
-          <a:p>
-            <a:endParaRPr lang="en-US"/>
+        </p:nvPicPr>
+        <p:blipFill>
+          <a:blip r:embed="rId2">
+            <a:extLst>
+              <a:ext uri="{96DAC541-7B7A-43D3-8B79-37D633B846F1}">
+                <asvg:svgBlip xmlns:asvg="http://schemas.microsoft.com/office/drawing/2016/SVG/main" r:embed="rId3"/>
+              </a:ext>
+            </a:extLst>
+          </a:blip>
+          <a:stretch>
+            <a:fillRect/>
+          </a:stretch>
+        </p:blipFill>
+        <p:spPr>
+          <a:xfrm>
+            <a:off x="120073" y="2370697"/>
+            <a:ext cx="4362641" cy="3271981"/>
+          </a:xfrm>
+        </p:spPr>
+      </p:pic>
+      <p:pic>
+        <p:nvPicPr>
+          <p:cNvPr id="23" name="Graphic 22">
+            <a:extLst>
+              <a:ext uri="{FF2B5EF4-FFF2-40B4-BE49-F238E27FC236}">
+                <a16:creationId xmlns:a16="http://schemas.microsoft.com/office/drawing/2014/main" id="{812FCD58-3719-184C-A6C1-E754C3D7C643}"/>
+              </a:ext>
+            </a:extLst>
+          </p:cNvPr>
+          <p:cNvPicPr>
+            <a:picLocks noChangeAspect="1"/>
+          </p:cNvPicPr>
+          <p:nvPr/>
+        </p:nvPicPr>
+        <p:blipFill>
+          <a:blip r:embed="rId4">
+            <a:extLst>
+              <a:ext uri="{96DAC541-7B7A-43D3-8B79-37D633B846F1}">
+                <asvg:svgBlip xmlns:asvg="http://schemas.microsoft.com/office/drawing/2016/SVG/main" r:embed="rId5"/>
+              </a:ext>
+            </a:extLst>
+          </a:blip>
+          <a:stretch>
+            <a:fillRect/>
+          </a:stretch>
+        </p:blipFill>
+        <p:spPr>
+          <a:xfrm>
+            <a:off x="4482714" y="2453825"/>
+            <a:ext cx="3767450" cy="2825588"/>
+          </a:xfrm>
+          <a:prstGeom prst="rect">
+            <a:avLst/>
+          </a:prstGeom>
+        </p:spPr>
+      </p:pic>
+      <p:pic>
+        <p:nvPicPr>
+          <p:cNvPr id="25" name="Graphic 24">
+            <a:extLst>
+              <a:ext uri="{FF2B5EF4-FFF2-40B4-BE49-F238E27FC236}">
+                <a16:creationId xmlns:a16="http://schemas.microsoft.com/office/drawing/2014/main" id="{7C1D6728-799E-8642-900C-76674B132B03}"/>
+              </a:ext>
+            </a:extLst>
+          </p:cNvPr>
+          <p:cNvPicPr>
+            <a:picLocks noChangeAspect="1"/>
+          </p:cNvPicPr>
+          <p:nvPr/>
+        </p:nvPicPr>
+        <p:blipFill>
+          <a:blip r:embed="rId6">
+            <a:extLst>
+              <a:ext uri="{96DAC541-7B7A-43D3-8B79-37D633B846F1}">
+                <asvg:svgBlip xmlns:asvg="http://schemas.microsoft.com/office/drawing/2016/SVG/main" r:embed="rId7"/>
+              </a:ext>
+            </a:extLst>
+          </a:blip>
+          <a:stretch>
+            <a:fillRect/>
+          </a:stretch>
+        </p:blipFill>
+        <p:spPr>
+          <a:xfrm>
+            <a:off x="8033544" y="2352225"/>
+            <a:ext cx="4038383" cy="3028787"/>
+          </a:xfrm>
+          <a:prstGeom prst="rect">
+            <a:avLst/>
+          </a:prstGeom>
+        </p:spPr>
+      </p:pic>
+      <p:sp>
+        <p:nvSpPr>
+          <p:cNvPr id="26" name="TextBox 25">
+            <a:extLst>
+              <a:ext uri="{FF2B5EF4-FFF2-40B4-BE49-F238E27FC236}">
+                <a16:creationId xmlns:a16="http://schemas.microsoft.com/office/drawing/2014/main" id="{C26C7656-5DD7-9E47-8B03-D096CD8C0DC6}"/>
+              </a:ext>
+            </a:extLst>
+          </p:cNvPr>
+          <p:cNvSpPr txBox="1"/>
+          <p:nvPr/>
+        </p:nvSpPr>
+        <p:spPr>
+          <a:xfrm>
+            <a:off x="5006109" y="5615709"/>
+            <a:ext cx="5791200" cy="400110"/>
+          </a:xfrm>
+          <a:prstGeom prst="rect">
+            <a:avLst/>
+          </a:prstGeom>
+          <a:noFill/>
+        </p:spPr>
+        <p:txBody>
+          <a:bodyPr wrap="square" rtlCol="0">
+            <a:spAutoFit/>
+          </a:bodyPr>
+          <a:lstStyle/>
+          <a:p>
+            <a:r>
+              <a:rPr lang="en-US" sz="1000" dirty="0"/>
+              <a:t>Timeline: 1999-2008 Electronic; 2009-2014 Rock ; 2015-2021 Hip Hop</a:t>
+            </a:r>
+          </a:p>
+          <a:p>
+            <a:r>
+              <a:rPr lang="en-US" sz="1000" dirty="0"/>
+              <a:t>Use the color map gradient and a timeline with artists beneath</a:t>
+            </a:r>
           </a:p>
         </p:txBody>
       </p:sp>
     </p:spTree>
     <p:extLst>
       <p:ext uri="{BB962C8B-B14F-4D97-AF65-F5344CB8AC3E}">
-        <p14:creationId xmlns:p14="http://schemas.microsoft.com/office/powerpoint/2010/main" val="480988961"/>
+        <p14:creationId xmlns:p14="http://schemas.microsoft.com/office/powerpoint/2010/main" val="3426748696"/>
       </p:ext>
     </p:extLst>
   </p:cSld>
@@ -5841,6 +6940,215 @@
           <p:cNvPr id="2" name="Title 1">
             <a:extLst>
               <a:ext uri="{FF2B5EF4-FFF2-40B4-BE49-F238E27FC236}">
+                <a16:creationId xmlns:a16="http://schemas.microsoft.com/office/drawing/2014/main" id="{5B30CA4D-4F7A-7A4A-9A3C-88256E63CF94}"/>
+              </a:ext>
+            </a:extLst>
+          </p:cNvPr>
+          <p:cNvSpPr>
+            <a:spLocks noGrp="1"/>
+          </p:cNvSpPr>
+          <p:nvPr>
+            <p:ph type="title"/>
+          </p:nvPr>
+        </p:nvSpPr>
+        <p:spPr/>
+        <p:txBody>
+          <a:bodyPr/>
+          <a:lstStyle/>
+          <a:p>
+            <a:r>
+              <a:rPr lang="en-US" dirty="0"/>
+              <a:t>EDA - </a:t>
+            </a:r>
+          </a:p>
+        </p:txBody>
+      </p:sp>
+      <p:sp>
+        <p:nvSpPr>
+          <p:cNvPr id="4" name="Content Placeholder 3">
+            <a:extLst>
+              <a:ext uri="{FF2B5EF4-FFF2-40B4-BE49-F238E27FC236}">
+                <a16:creationId xmlns:a16="http://schemas.microsoft.com/office/drawing/2014/main" id="{E013098D-D2BA-1743-A418-22847B343875}"/>
+              </a:ext>
+            </a:extLst>
+          </p:cNvPr>
+          <p:cNvSpPr>
+            <a:spLocks noGrp="1"/>
+          </p:cNvSpPr>
+          <p:nvPr>
+            <p:ph idx="1"/>
+          </p:nvPr>
+        </p:nvSpPr>
+        <p:spPr/>
+        <p:txBody>
+          <a:bodyPr/>
+          <a:lstStyle/>
+          <a:p>
+            <a:r>
+              <a:rPr lang="en-US" dirty="0"/>
+              <a:t>Change gears to originals – mentions in reviews</a:t>
+            </a:r>
+          </a:p>
+          <a:p>
+            <a:r>
+              <a:rPr lang="en-US" dirty="0"/>
+              <a:t>Interestingly we see miles and Coltrane stand out so much compared even though they’re far removed from the scene</a:t>
+            </a:r>
+          </a:p>
+          <a:p>
+            <a:r>
+              <a:rPr lang="en-US" dirty="0"/>
+              <a:t>Network graph? Colors based on </a:t>
+            </a:r>
+            <a:r>
+              <a:rPr lang="en-US"/>
+              <a:t>different subgenres?</a:t>
+            </a:r>
+            <a:endParaRPr lang="en-US" dirty="0"/>
+          </a:p>
+        </p:txBody>
+      </p:sp>
+    </p:spTree>
+    <p:extLst>
+      <p:ext uri="{BB962C8B-B14F-4D97-AF65-F5344CB8AC3E}">
+        <p14:creationId xmlns:p14="http://schemas.microsoft.com/office/powerpoint/2010/main" val="4194653798"/>
+      </p:ext>
+    </p:extLst>
+  </p:cSld>
+  <p:clrMapOvr>
+    <a:masterClrMapping/>
+  </p:clrMapOvr>
+</p:sld>
+</file>
+
+<file path=ppt/slides/slide8.xml><?xml version="1.0" encoding="utf-8"?>
+<p:sld xmlns:a="http://schemas.openxmlformats.org/drawingml/2006/main" xmlns:r="http://schemas.openxmlformats.org/officeDocument/2006/relationships" xmlns:p="http://schemas.openxmlformats.org/presentationml/2006/main">
+  <p:cSld>
+    <p:spTree>
+      <p:nvGrpSpPr>
+        <p:cNvPr id="1" name=""/>
+        <p:cNvGrpSpPr/>
+        <p:nvPr/>
+      </p:nvGrpSpPr>
+      <p:grpSpPr>
+        <a:xfrm>
+          <a:off x="0" y="0"/>
+          <a:ext cx="0" cy="0"/>
+          <a:chOff x="0" y="0"/>
+          <a:chExt cx="0" cy="0"/>
+        </a:xfrm>
+      </p:grpSpPr>
+      <p:sp>
+        <p:nvSpPr>
+          <p:cNvPr id="2" name="Title 1">
+            <a:extLst>
+              <a:ext uri="{FF2B5EF4-FFF2-40B4-BE49-F238E27FC236}">
+                <a16:creationId xmlns:a16="http://schemas.microsoft.com/office/drawing/2014/main" id="{68F4FBDE-CEC6-1E46-9310-389B1E09CD78}"/>
+              </a:ext>
+            </a:extLst>
+          </p:cNvPr>
+          <p:cNvSpPr>
+            <a:spLocks noGrp="1"/>
+          </p:cNvSpPr>
+          <p:nvPr>
+            <p:ph type="title"/>
+          </p:nvPr>
+        </p:nvSpPr>
+        <p:spPr/>
+        <p:txBody>
+          <a:bodyPr/>
+          <a:lstStyle/>
+          <a:p>
+            <a:r>
+              <a:rPr lang="en-US" dirty="0"/>
+              <a:t>Content-based Model</a:t>
+            </a:r>
+          </a:p>
+        </p:txBody>
+      </p:sp>
+      <p:sp>
+        <p:nvSpPr>
+          <p:cNvPr id="3" name="Content Placeholder 2">
+            <a:extLst>
+              <a:ext uri="{FF2B5EF4-FFF2-40B4-BE49-F238E27FC236}">
+                <a16:creationId xmlns:a16="http://schemas.microsoft.com/office/drawing/2014/main" id="{67A8C402-CA98-BB4A-89D2-96BE85A96C71}"/>
+              </a:ext>
+            </a:extLst>
+          </p:cNvPr>
+          <p:cNvSpPr>
+            <a:spLocks noGrp="1"/>
+          </p:cNvSpPr>
+          <p:nvPr>
+            <p:ph idx="1"/>
+          </p:nvPr>
+        </p:nvSpPr>
+        <p:spPr/>
+        <p:txBody>
+          <a:bodyPr/>
+          <a:lstStyle/>
+          <a:p>
+            <a:r>
+              <a:rPr lang="en-US" dirty="0"/>
+              <a:t>1. Cosine sim – using TF-IDF and Cosine sim</a:t>
+            </a:r>
+          </a:p>
+          <a:p>
+            <a:pPr lvl="1"/>
+            <a:r>
+              <a:rPr lang="en-US" dirty="0"/>
+              <a:t>Examples of similar albums</a:t>
+            </a:r>
+          </a:p>
+          <a:p>
+            <a:r>
+              <a:rPr lang="en-US" dirty="0"/>
+              <a:t>2. Cosine sim - using PCA and Cosine sim</a:t>
+            </a:r>
+          </a:p>
+          <a:p>
+            <a:pPr lvl="1"/>
+            <a:r>
+              <a:rPr lang="en-US" dirty="0"/>
+              <a:t>Examples of similar albums</a:t>
+            </a:r>
+          </a:p>
+        </p:txBody>
+      </p:sp>
+    </p:spTree>
+    <p:extLst>
+      <p:ext uri="{BB962C8B-B14F-4D97-AF65-F5344CB8AC3E}">
+        <p14:creationId xmlns:p14="http://schemas.microsoft.com/office/powerpoint/2010/main" val="480988961"/>
+      </p:ext>
+    </p:extLst>
+  </p:cSld>
+  <p:clrMapOvr>
+    <a:masterClrMapping/>
+  </p:clrMapOvr>
+</p:sld>
+</file>
+
+<file path=ppt/slides/slide9.xml><?xml version="1.0" encoding="utf-8"?>
+<p:sld xmlns:a="http://schemas.openxmlformats.org/drawingml/2006/main" xmlns:r="http://schemas.openxmlformats.org/officeDocument/2006/relationships" xmlns:p="http://schemas.openxmlformats.org/presentationml/2006/main">
+  <p:cSld>
+    <p:spTree>
+      <p:nvGrpSpPr>
+        <p:cNvPr id="1" name=""/>
+        <p:cNvGrpSpPr/>
+        <p:nvPr/>
+      </p:nvGrpSpPr>
+      <p:grpSpPr>
+        <a:xfrm>
+          <a:off x="0" y="0"/>
+          <a:ext cx="0" cy="0"/>
+          <a:chOff x="0" y="0"/>
+          <a:chExt cx="0" cy="0"/>
+        </a:xfrm>
+      </p:grpSpPr>
+      <p:sp>
+        <p:nvSpPr>
+          <p:cNvPr id="2" name="Title 1">
+            <a:extLst>
+              <a:ext uri="{FF2B5EF4-FFF2-40B4-BE49-F238E27FC236}">
                 <a16:creationId xmlns:a16="http://schemas.microsoft.com/office/drawing/2014/main" id="{12D8F8C8-7CD3-8646-81FC-0359A8A455D3}"/>
               </a:ext>
             </a:extLst>
@@ -5859,7 +7167,7 @@
           <a:p>
             <a:r>
               <a:rPr lang="en-US" dirty="0"/>
-              <a:t>Topic Modeling</a:t>
+              <a:t>Layer 1: Reviewer words (emotion)</a:t>
             </a:r>
           </a:p>
         </p:txBody>
@@ -5885,7 +7193,10 @@
           <a:bodyPr/>
           <a:lstStyle/>
           <a:p>
-            <a:endParaRPr lang="en-US"/>
+            <a:r>
+              <a:rPr lang="en-US" dirty="0"/>
+              <a:t>Words of the reviewer can often be a reflection of the reviewer themselves but also the nature of the music</a:t>
+            </a:r>
           </a:p>
         </p:txBody>
       </p:sp>

--- a/presentations/jazz_recs.pptx
+++ b/presentations/jazz_recs.pptx
@@ -9,13 +9,15 @@
     <p:sldId id="257" r:id="rId3"/>
     <p:sldId id="258" r:id="rId4"/>
     <p:sldId id="259" r:id="rId5"/>
-    <p:sldId id="260" r:id="rId6"/>
-    <p:sldId id="264" r:id="rId7"/>
+    <p:sldId id="268" r:id="rId6"/>
+    <p:sldId id="260" r:id="rId7"/>
     <p:sldId id="266" r:id="rId8"/>
-    <p:sldId id="261" r:id="rId9"/>
+    <p:sldId id="269" r:id="rId9"/>
     <p:sldId id="262" r:id="rId10"/>
     <p:sldId id="265" r:id="rId11"/>
-    <p:sldId id="263" r:id="rId12"/>
+    <p:sldId id="267" r:id="rId12"/>
+    <p:sldId id="261" r:id="rId13"/>
+    <p:sldId id="263" r:id="rId14"/>
   </p:sldIdLst>
   <p:sldSz cx="12192000" cy="6858000"/>
   <p:notesSz cx="6858000" cy="9144000"/>
@@ -5590,7 +5592,24 @@
           <a:bodyPr/>
           <a:lstStyle/>
           <a:p>
-            <a:endParaRPr lang="en-US" dirty="0"/>
+            <a:r>
+              <a:rPr lang="en-US" dirty="0"/>
+              <a:t>Representation of words and instruments as topics</a:t>
+            </a:r>
+          </a:p>
+          <a:p>
+            <a:r>
+              <a:rPr lang="en-US" dirty="0"/>
+              <a:t>These are used as </a:t>
+            </a:r>
+            <a:r>
+              <a:rPr lang="en-US" dirty="0" err="1"/>
+              <a:t>descriptives</a:t>
+            </a:r>
+            <a:r>
+              <a:rPr lang="en-US" dirty="0"/>
+              <a:t> for the audience to understand the nature of the album</a:t>
+            </a:r>
           </a:p>
         </p:txBody>
       </p:sp>
@@ -5608,6 +5627,228 @@
 </file>
 
 <file path=ppt/slides/slide11.xml><?xml version="1.0" encoding="utf-8"?>
+<p:sld xmlns:a="http://schemas.openxmlformats.org/drawingml/2006/main" xmlns:r="http://schemas.openxmlformats.org/officeDocument/2006/relationships" xmlns:p="http://schemas.openxmlformats.org/presentationml/2006/main">
+  <p:cSld>
+    <p:spTree>
+      <p:nvGrpSpPr>
+        <p:cNvPr id="1" name=""/>
+        <p:cNvGrpSpPr/>
+        <p:nvPr/>
+      </p:nvGrpSpPr>
+      <p:grpSpPr>
+        <a:xfrm>
+          <a:off x="0" y="0"/>
+          <a:ext cx="0" cy="0"/>
+          <a:chOff x="0" y="0"/>
+          <a:chExt cx="0" cy="0"/>
+        </a:xfrm>
+      </p:grpSpPr>
+      <p:sp>
+        <p:nvSpPr>
+          <p:cNvPr id="2" name="Title 1">
+            <a:extLst>
+              <a:ext uri="{FF2B5EF4-FFF2-40B4-BE49-F238E27FC236}">
+                <a16:creationId xmlns:a16="http://schemas.microsoft.com/office/drawing/2014/main" id="{12D8F8C8-7CD3-8646-81FC-0359A8A455D3}"/>
+              </a:ext>
+            </a:extLst>
+          </p:cNvPr>
+          <p:cNvSpPr>
+            <a:spLocks noGrp="1"/>
+          </p:cNvSpPr>
+          <p:nvPr>
+            <p:ph type="title"/>
+          </p:nvPr>
+        </p:nvSpPr>
+        <p:spPr/>
+        <p:txBody>
+          <a:bodyPr/>
+          <a:lstStyle/>
+          <a:p>
+            <a:r>
+              <a:rPr lang="en-US" dirty="0"/>
+              <a:t>Layer 3: Audio Features</a:t>
+            </a:r>
+          </a:p>
+        </p:txBody>
+      </p:sp>
+      <p:sp>
+        <p:nvSpPr>
+          <p:cNvPr id="3" name="Content Placeholder 2">
+            <a:extLst>
+              <a:ext uri="{FF2B5EF4-FFF2-40B4-BE49-F238E27FC236}">
+                <a16:creationId xmlns:a16="http://schemas.microsoft.com/office/drawing/2014/main" id="{C89F107E-A90E-4E43-9EC3-6CB339700A31}"/>
+              </a:ext>
+            </a:extLst>
+          </p:cNvPr>
+          <p:cNvSpPr>
+            <a:spLocks noGrp="1"/>
+          </p:cNvSpPr>
+          <p:nvPr>
+            <p:ph idx="1"/>
+          </p:nvPr>
+        </p:nvSpPr>
+        <p:spPr/>
+        <p:txBody>
+          <a:bodyPr/>
+          <a:lstStyle/>
+          <a:p>
+            <a:r>
+              <a:rPr lang="en-US" dirty="0"/>
+              <a:t>Overall graph of audio features of albums</a:t>
+            </a:r>
+          </a:p>
+          <a:p>
+            <a:r>
+              <a:rPr lang="en-US" dirty="0"/>
+              <a:t>Some interesting distinctions between genres and audio features</a:t>
+            </a:r>
+          </a:p>
+        </p:txBody>
+      </p:sp>
+    </p:spTree>
+    <p:extLst>
+      <p:ext uri="{BB962C8B-B14F-4D97-AF65-F5344CB8AC3E}">
+        <p14:creationId xmlns:p14="http://schemas.microsoft.com/office/powerpoint/2010/main" val="585473345"/>
+      </p:ext>
+    </p:extLst>
+  </p:cSld>
+  <p:clrMapOvr>
+    <a:masterClrMapping/>
+  </p:clrMapOvr>
+</p:sld>
+</file>
+
+<file path=ppt/slides/slide12.xml><?xml version="1.0" encoding="utf-8"?>
+<p:sld xmlns:a="http://schemas.openxmlformats.org/drawingml/2006/main" xmlns:r="http://schemas.openxmlformats.org/officeDocument/2006/relationships" xmlns:p="http://schemas.openxmlformats.org/presentationml/2006/main">
+  <p:cSld>
+    <p:spTree>
+      <p:nvGrpSpPr>
+        <p:cNvPr id="1" name=""/>
+        <p:cNvGrpSpPr/>
+        <p:nvPr/>
+      </p:nvGrpSpPr>
+      <p:grpSpPr>
+        <a:xfrm>
+          <a:off x="0" y="0"/>
+          <a:ext cx="0" cy="0"/>
+          <a:chOff x="0" y="0"/>
+          <a:chExt cx="0" cy="0"/>
+        </a:xfrm>
+      </p:grpSpPr>
+      <p:sp>
+        <p:nvSpPr>
+          <p:cNvPr id="2" name="Title 1">
+            <a:extLst>
+              <a:ext uri="{FF2B5EF4-FFF2-40B4-BE49-F238E27FC236}">
+                <a16:creationId xmlns:a16="http://schemas.microsoft.com/office/drawing/2014/main" id="{68F4FBDE-CEC6-1E46-9310-389B1E09CD78}"/>
+              </a:ext>
+            </a:extLst>
+          </p:cNvPr>
+          <p:cNvSpPr>
+            <a:spLocks noGrp="1"/>
+          </p:cNvSpPr>
+          <p:nvPr>
+            <p:ph type="title"/>
+          </p:nvPr>
+        </p:nvSpPr>
+        <p:spPr/>
+        <p:txBody>
+          <a:bodyPr/>
+          <a:lstStyle/>
+          <a:p>
+            <a:r>
+              <a:rPr lang="en-US" dirty="0"/>
+              <a:t>Content-based Model</a:t>
+            </a:r>
+          </a:p>
+        </p:txBody>
+      </p:sp>
+      <p:sp>
+        <p:nvSpPr>
+          <p:cNvPr id="3" name="Content Placeholder 2">
+            <a:extLst>
+              <a:ext uri="{FF2B5EF4-FFF2-40B4-BE49-F238E27FC236}">
+                <a16:creationId xmlns:a16="http://schemas.microsoft.com/office/drawing/2014/main" id="{67A8C402-CA98-BB4A-89D2-96BE85A96C71}"/>
+              </a:ext>
+            </a:extLst>
+          </p:cNvPr>
+          <p:cNvSpPr>
+            <a:spLocks noGrp="1"/>
+          </p:cNvSpPr>
+          <p:nvPr>
+            <p:ph idx="1"/>
+          </p:nvPr>
+        </p:nvSpPr>
+        <p:spPr/>
+        <p:txBody>
+          <a:bodyPr/>
+          <a:lstStyle/>
+          <a:p>
+            <a:r>
+              <a:rPr lang="en-US" dirty="0"/>
+              <a:t>1. Cosine sim – using TF-IDF and Cosine sim</a:t>
+            </a:r>
+          </a:p>
+          <a:p>
+            <a:pPr lvl="1"/>
+            <a:r>
+              <a:rPr lang="en-US" dirty="0"/>
+              <a:t>Examples of similar albums</a:t>
+            </a:r>
+          </a:p>
+          <a:p>
+            <a:r>
+              <a:rPr lang="en-US" dirty="0"/>
+              <a:t>2. Cosine sim - using PCA and Cosine sim</a:t>
+            </a:r>
+          </a:p>
+          <a:p>
+            <a:pPr lvl="1"/>
+            <a:r>
+              <a:rPr lang="en-US" dirty="0"/>
+              <a:t>Examples of similar albums</a:t>
+            </a:r>
+          </a:p>
+          <a:p>
+            <a:pPr lvl="1"/>
+            <a:endParaRPr lang="en-US" dirty="0"/>
+          </a:p>
+          <a:p>
+            <a:pPr lvl="1"/>
+            <a:endParaRPr lang="en-US" dirty="0"/>
+          </a:p>
+          <a:p>
+            <a:pPr lvl="1"/>
+            <a:endParaRPr lang="en-US" dirty="0"/>
+          </a:p>
+          <a:p>
+            <a:pPr lvl="1"/>
+            <a:r>
+              <a:rPr lang="en-US" dirty="0"/>
+              <a:t>Some images to show how </a:t>
+            </a:r>
+            <a:r>
+              <a:rPr lang="en-US"/>
+              <a:t>similarity works</a:t>
+            </a:r>
+            <a:endParaRPr lang="en-US" dirty="0"/>
+          </a:p>
+        </p:txBody>
+      </p:sp>
+    </p:spTree>
+    <p:extLst>
+      <p:ext uri="{BB962C8B-B14F-4D97-AF65-F5344CB8AC3E}">
+        <p14:creationId xmlns:p14="http://schemas.microsoft.com/office/powerpoint/2010/main" val="480988961"/>
+      </p:ext>
+    </p:extLst>
+  </p:cSld>
+  <p:clrMapOvr>
+    <a:masterClrMapping/>
+  </p:clrMapOvr>
+</p:sld>
+</file>
+
+<file path=ppt/slides/slide13.xml><?xml version="1.0" encoding="utf-8"?>
 <p:sld xmlns:a="http://schemas.openxmlformats.org/drawingml/2006/main" xmlns:r="http://schemas.openxmlformats.org/officeDocument/2006/relationships" xmlns:p="http://schemas.openxmlformats.org/presentationml/2006/main">
   <p:cSld>
     <p:spTree>
@@ -6601,7 +6842,15 @@
           <a:p>
             <a:r>
               <a:rPr lang="en-US" dirty="0"/>
-              <a:t>Phrase matching (genres)</a:t>
+              <a:t>Pitchfork, </a:t>
+            </a:r>
+            <a:r>
+              <a:rPr lang="en-US" dirty="0" err="1"/>
+              <a:t>jazztimes</a:t>
+            </a:r>
+            <a:r>
+              <a:rPr lang="en-US" dirty="0"/>
+              <a:t>, etc.</a:t>
             </a:r>
           </a:p>
         </p:txBody>
@@ -6641,7 +6890,7 @@
           <p:cNvPr id="2" name="Title 1">
             <a:extLst>
               <a:ext uri="{FF2B5EF4-FFF2-40B4-BE49-F238E27FC236}">
-                <a16:creationId xmlns:a16="http://schemas.microsoft.com/office/drawing/2014/main" id="{5B30CA4D-4F7A-7A4A-9A3C-88256E63CF94}"/>
+                <a16:creationId xmlns:a16="http://schemas.microsoft.com/office/drawing/2014/main" id="{0984F76A-4747-C649-BEBA-CAF2F2D0EB8C}"/>
               </a:ext>
             </a:extLst>
           </p:cNvPr>
@@ -6659,50 +6908,49 @@
           <a:p>
             <a:r>
               <a:rPr lang="en-US" dirty="0"/>
-              <a:t>EDA</a:t>
-            </a:r>
-          </a:p>
-        </p:txBody>
-      </p:sp>
-      <p:pic>
-        <p:nvPicPr>
-          <p:cNvPr id="17" name="Content Placeholder 16">
-            <a:extLst>
-              <a:ext uri="{FF2B5EF4-FFF2-40B4-BE49-F238E27FC236}">
-                <a16:creationId xmlns:a16="http://schemas.microsoft.com/office/drawing/2014/main" id="{7EF4343E-440F-354F-BD01-BEAB38CC5073}"/>
-              </a:ext>
-            </a:extLst>
-          </p:cNvPr>
-          <p:cNvPicPr>
-            <a:picLocks noGrp="1" noChangeAspect="1"/>
-          </p:cNvPicPr>
+              <a:t>Data &amp; Processes</a:t>
+            </a:r>
+          </a:p>
+        </p:txBody>
+      </p:sp>
+      <p:sp>
+        <p:nvSpPr>
+          <p:cNvPr id="3" name="Content Placeholder 2">
+            <a:extLst>
+              <a:ext uri="{FF2B5EF4-FFF2-40B4-BE49-F238E27FC236}">
+                <a16:creationId xmlns:a16="http://schemas.microsoft.com/office/drawing/2014/main" id="{9E37E1A2-B752-3847-B164-6292D06D0A63}"/>
+              </a:ext>
+            </a:extLst>
+          </p:cNvPr>
+          <p:cNvSpPr>
+            <a:spLocks noGrp="1"/>
+          </p:cNvSpPr>
           <p:nvPr>
             <p:ph idx="1"/>
           </p:nvPr>
-        </p:nvPicPr>
-        <p:blipFill>
-          <a:blip r:embed="rId2">
-            <a:extLst>
-              <a:ext uri="{96DAC541-7B7A-43D3-8B79-37D633B846F1}">
-                <asvg:svgBlip xmlns:asvg="http://schemas.microsoft.com/office/drawing/2016/SVG/main" r:embed="rId3"/>
-              </a:ext>
-            </a:extLst>
-          </a:blip>
-          <a:stretch>
-            <a:fillRect/>
-          </a:stretch>
-        </p:blipFill>
-        <p:spPr>
-          <a:xfrm>
-            <a:off x="1627981" y="2496344"/>
-            <a:ext cx="9144000" cy="3657600"/>
-          </a:xfrm>
-        </p:spPr>
-      </p:pic>
+        </p:nvSpPr>
+        <p:spPr/>
+        <p:txBody>
+          <a:bodyPr/>
+          <a:lstStyle/>
+          <a:p>
+            <a:r>
+              <a:rPr lang="en-US" dirty="0"/>
+              <a:t>Phrase matching (genres)</a:t>
+            </a:r>
+          </a:p>
+          <a:p>
+            <a:r>
+              <a:rPr lang="en-US" dirty="0"/>
+              <a:t>Get some images – basic network</a:t>
+            </a:r>
+          </a:p>
+        </p:txBody>
+      </p:sp>
     </p:spTree>
     <p:extLst>
       <p:ext uri="{BB962C8B-B14F-4D97-AF65-F5344CB8AC3E}">
-        <p14:creationId xmlns:p14="http://schemas.microsoft.com/office/powerpoint/2010/main" val="2844890790"/>
+        <p14:creationId xmlns:p14="http://schemas.microsoft.com/office/powerpoint/2010/main" val="2390030559"/>
       </p:ext>
     </p:extLst>
   </p:cSld>
@@ -6759,10 +7007,10 @@
       </p:sp>
       <p:pic>
         <p:nvPicPr>
-          <p:cNvPr id="21" name="Content Placeholder 20">
-            <a:extLst>
-              <a:ext uri="{FF2B5EF4-FFF2-40B4-BE49-F238E27FC236}">
-                <a16:creationId xmlns:a16="http://schemas.microsoft.com/office/drawing/2014/main" id="{092DCF32-88F2-4C48-B528-E9A0B9CDA8B2}"/>
+          <p:cNvPr id="17" name="Content Placeholder 16">
+            <a:extLst>
+              <a:ext uri="{FF2B5EF4-FFF2-40B4-BE49-F238E27FC236}">
+                <a16:creationId xmlns:a16="http://schemas.microsoft.com/office/drawing/2014/main" id="{7EF4343E-440F-354F-BD01-BEAB38CC5073}"/>
               </a:ext>
             </a:extLst>
           </p:cNvPr>
@@ -6787,98 +7035,26 @@
         </p:blipFill>
         <p:spPr>
           <a:xfrm>
-            <a:off x="120073" y="2370697"/>
-            <a:ext cx="4362641" cy="3271981"/>
+            <a:off x="1627981" y="2496344"/>
+            <a:ext cx="9144000" cy="3657600"/>
           </a:xfrm>
         </p:spPr>
       </p:pic>
-      <p:pic>
-        <p:nvPicPr>
-          <p:cNvPr id="23" name="Graphic 22">
-            <a:extLst>
-              <a:ext uri="{FF2B5EF4-FFF2-40B4-BE49-F238E27FC236}">
-                <a16:creationId xmlns:a16="http://schemas.microsoft.com/office/drawing/2014/main" id="{812FCD58-3719-184C-A6C1-E754C3D7C643}"/>
-              </a:ext>
-            </a:extLst>
-          </p:cNvPr>
-          <p:cNvPicPr>
-            <a:picLocks noChangeAspect="1"/>
-          </p:cNvPicPr>
+      <p:sp>
+        <p:nvSpPr>
+          <p:cNvPr id="18" name="TextBox 17">
+            <a:extLst>
+              <a:ext uri="{FF2B5EF4-FFF2-40B4-BE49-F238E27FC236}">
+                <a16:creationId xmlns:a16="http://schemas.microsoft.com/office/drawing/2014/main" id="{25FD4A8E-616B-4A48-81E9-15DA1018A830}"/>
+              </a:ext>
+            </a:extLst>
+          </p:cNvPr>
+          <p:cNvSpPr txBox="1"/>
           <p:nvPr/>
-        </p:nvPicPr>
-        <p:blipFill>
-          <a:blip r:embed="rId4">
-            <a:extLst>
-              <a:ext uri="{96DAC541-7B7A-43D3-8B79-37D633B846F1}">
-                <asvg:svgBlip xmlns:asvg="http://schemas.microsoft.com/office/drawing/2016/SVG/main" r:embed="rId5"/>
-              </a:ext>
-            </a:extLst>
-          </a:blip>
-          <a:stretch>
-            <a:fillRect/>
-          </a:stretch>
-        </p:blipFill>
+        </p:nvSpPr>
         <p:spPr>
           <a:xfrm>
-            <a:off x="4482714" y="2453825"/>
-            <a:ext cx="3767450" cy="2825588"/>
-          </a:xfrm>
-          <a:prstGeom prst="rect">
-            <a:avLst/>
-          </a:prstGeom>
-        </p:spPr>
-      </p:pic>
-      <p:pic>
-        <p:nvPicPr>
-          <p:cNvPr id="25" name="Graphic 24">
-            <a:extLst>
-              <a:ext uri="{FF2B5EF4-FFF2-40B4-BE49-F238E27FC236}">
-                <a16:creationId xmlns:a16="http://schemas.microsoft.com/office/drawing/2014/main" id="{7C1D6728-799E-8642-900C-76674B132B03}"/>
-              </a:ext>
-            </a:extLst>
-          </p:cNvPr>
-          <p:cNvPicPr>
-            <a:picLocks noChangeAspect="1"/>
-          </p:cNvPicPr>
-          <p:nvPr/>
-        </p:nvPicPr>
-        <p:blipFill>
-          <a:blip r:embed="rId6">
-            <a:extLst>
-              <a:ext uri="{96DAC541-7B7A-43D3-8B79-37D633B846F1}">
-                <asvg:svgBlip xmlns:asvg="http://schemas.microsoft.com/office/drawing/2016/SVG/main" r:embed="rId7"/>
-              </a:ext>
-            </a:extLst>
-          </a:blip>
-          <a:stretch>
-            <a:fillRect/>
-          </a:stretch>
-        </p:blipFill>
-        <p:spPr>
-          <a:xfrm>
-            <a:off x="8033544" y="2352225"/>
-            <a:ext cx="4038383" cy="3028787"/>
-          </a:xfrm>
-          <a:prstGeom prst="rect">
-            <a:avLst/>
-          </a:prstGeom>
-        </p:spPr>
-      </p:pic>
-      <p:sp>
-        <p:nvSpPr>
-          <p:cNvPr id="26" name="TextBox 25">
-            <a:extLst>
-              <a:ext uri="{FF2B5EF4-FFF2-40B4-BE49-F238E27FC236}">
-                <a16:creationId xmlns:a16="http://schemas.microsoft.com/office/drawing/2014/main" id="{C26C7656-5DD7-9E47-8B03-D096CD8C0DC6}"/>
-              </a:ext>
-            </a:extLst>
-          </p:cNvPr>
-          <p:cNvSpPr txBox="1"/>
-          <p:nvPr/>
-        </p:nvSpPr>
-        <p:spPr>
-          <a:xfrm>
-            <a:off x="5006109" y="5615709"/>
+            <a:off x="4143467" y="6109305"/>
             <a:ext cx="5791200" cy="400110"/>
           </a:xfrm>
           <a:prstGeom prst="rect">
@@ -6908,7 +7084,7 @@
     </p:spTree>
     <p:extLst>
       <p:ext uri="{BB962C8B-B14F-4D97-AF65-F5344CB8AC3E}">
-        <p14:creationId xmlns:p14="http://schemas.microsoft.com/office/powerpoint/2010/main" val="3426748696"/>
+        <p14:creationId xmlns:p14="http://schemas.microsoft.com/office/powerpoint/2010/main" val="2844890790"/>
       </p:ext>
     </p:extLst>
   </p:cSld>
@@ -6986,25 +7162,20 @@
           <a:p>
             <a:r>
               <a:rPr lang="en-US" dirty="0"/>
-              <a:t>Change gears to originals – mentions in reviews</a:t>
-            </a:r>
-          </a:p>
-          <a:p>
-            <a:r>
-              <a:rPr lang="en-US" dirty="0"/>
-              <a:t>Interestingly we see miles and Coltrane stand out so much compared even though they’re far removed from the scene</a:t>
-            </a:r>
-          </a:p>
-          <a:p>
-            <a:r>
-              <a:rPr lang="en-US" dirty="0"/>
-              <a:t>Network graph? Colors based on </a:t>
-            </a:r>
-            <a:r>
-              <a:rPr lang="en-US"/>
-              <a:t>different subgenres?</a:t>
-            </a:r>
-            <a:endParaRPr lang="en-US" dirty="0"/>
+              <a:t>Miles and Coltrane mentions</a:t>
+            </a:r>
+          </a:p>
+          <a:p>
+            <a:r>
+              <a:rPr lang="en-US" dirty="0"/>
+              <a:t>Network graph? Colors based on different subgenres?</a:t>
+            </a:r>
+          </a:p>
+          <a:p>
+            <a:r>
+              <a:rPr lang="en-US" dirty="0"/>
+              <a:t>Old to modern to outside influence!</a:t>
+            </a:r>
           </a:p>
         </p:txBody>
       </p:sp>
@@ -7043,7 +7214,7 @@
           <p:cNvPr id="2" name="Title 1">
             <a:extLst>
               <a:ext uri="{FF2B5EF4-FFF2-40B4-BE49-F238E27FC236}">
-                <a16:creationId xmlns:a16="http://schemas.microsoft.com/office/drawing/2014/main" id="{68F4FBDE-CEC6-1E46-9310-389B1E09CD78}"/>
+                <a16:creationId xmlns:a16="http://schemas.microsoft.com/office/drawing/2014/main" id="{5B30CA4D-4F7A-7A4A-9A3C-88256E63CF94}"/>
               </a:ext>
             </a:extLst>
           </p:cNvPr>
@@ -7061,17 +7232,17 @@
           <a:p>
             <a:r>
               <a:rPr lang="en-US" dirty="0"/>
-              <a:t>Content-based Model</a:t>
-            </a:r>
-          </a:p>
-        </p:txBody>
-      </p:sp>
-      <p:sp>
-        <p:nvSpPr>
-          <p:cNvPr id="3" name="Content Placeholder 2">
-            <a:extLst>
-              <a:ext uri="{FF2B5EF4-FFF2-40B4-BE49-F238E27FC236}">
-                <a16:creationId xmlns:a16="http://schemas.microsoft.com/office/drawing/2014/main" id="{67A8C402-CA98-BB4A-89D2-96BE85A96C71}"/>
+              <a:t>EDA - </a:t>
+            </a:r>
+          </a:p>
+        </p:txBody>
+      </p:sp>
+      <p:sp>
+        <p:nvSpPr>
+          <p:cNvPr id="4" name="Content Placeholder 3">
+            <a:extLst>
+              <a:ext uri="{FF2B5EF4-FFF2-40B4-BE49-F238E27FC236}">
+                <a16:creationId xmlns:a16="http://schemas.microsoft.com/office/drawing/2014/main" id="{E013098D-D2BA-1743-A418-22847B343875}"/>
               </a:ext>
             </a:extLst>
           </p:cNvPr>
@@ -7089,27 +7260,13 @@
           <a:p>
             <a:r>
               <a:rPr lang="en-US" dirty="0"/>
-              <a:t>1. Cosine sim – using TF-IDF and Cosine sim</a:t>
-            </a:r>
-          </a:p>
-          <a:p>
-            <a:pPr lvl="1"/>
-            <a:r>
-              <a:rPr lang="en-US" dirty="0"/>
-              <a:t>Examples of similar albums</a:t>
-            </a:r>
-          </a:p>
-          <a:p>
-            <a:r>
-              <a:rPr lang="en-US" dirty="0"/>
-              <a:t>2. Cosine sim - using PCA and Cosine sim</a:t>
-            </a:r>
-          </a:p>
-          <a:p>
-            <a:pPr lvl="1"/>
-            <a:r>
-              <a:rPr lang="en-US" dirty="0"/>
-              <a:t>Examples of similar albums</a:t>
+              <a:t>Network graph? Colors based on different subgenres?</a:t>
+            </a:r>
+          </a:p>
+          <a:p>
+            <a:r>
+              <a:rPr lang="en-US" dirty="0"/>
+              <a:t>Old to modern to outside influence!</a:t>
             </a:r>
           </a:p>
         </p:txBody>
@@ -7117,7 +7274,7 @@
     </p:spTree>
     <p:extLst>
       <p:ext uri="{BB962C8B-B14F-4D97-AF65-F5344CB8AC3E}">
-        <p14:creationId xmlns:p14="http://schemas.microsoft.com/office/powerpoint/2010/main" val="480988961"/>
+        <p14:creationId xmlns:p14="http://schemas.microsoft.com/office/powerpoint/2010/main" val="1001111317"/>
       </p:ext>
     </p:extLst>
   </p:cSld>
@@ -7196,6 +7353,12 @@
             <a:r>
               <a:rPr lang="en-US" dirty="0"/>
               <a:t>Words of the reviewer can often be a reflection of the reviewer themselves but also the nature of the music</a:t>
+            </a:r>
+          </a:p>
+          <a:p>
+            <a:r>
+              <a:rPr lang="en-US" dirty="0"/>
+              <a:t>Graph emotion/sentiment of reviews over time</a:t>
             </a:r>
           </a:p>
         </p:txBody>

--- a/presentations/jazz_recs.pptx
+++ b/presentations/jazz_recs.pptx
@@ -2,22 +2,27 @@
 <file path=ppt/presentation.xml><?xml version="1.0" encoding="utf-8"?>
 <p:presentation xmlns:a="http://schemas.openxmlformats.org/drawingml/2006/main" xmlns:r="http://schemas.openxmlformats.org/officeDocument/2006/relationships" xmlns:p="http://schemas.openxmlformats.org/presentationml/2006/main" saveSubsetFonts="1" autoCompressPictures="0">
   <p:sldMasterIdLst>
-    <p:sldMasterId id="2147483699" r:id="rId1"/>
+    <p:sldMasterId id="2147484317" r:id="rId1"/>
   </p:sldMasterIdLst>
   <p:sldIdLst>
     <p:sldId id="256" r:id="rId2"/>
-    <p:sldId id="257" r:id="rId3"/>
-    <p:sldId id="258" r:id="rId4"/>
-    <p:sldId id="259" r:id="rId5"/>
-    <p:sldId id="268" r:id="rId6"/>
-    <p:sldId id="260" r:id="rId7"/>
-    <p:sldId id="266" r:id="rId8"/>
-    <p:sldId id="269" r:id="rId9"/>
-    <p:sldId id="262" r:id="rId10"/>
-    <p:sldId id="265" r:id="rId11"/>
-    <p:sldId id="267" r:id="rId12"/>
-    <p:sldId id="261" r:id="rId13"/>
-    <p:sldId id="263" r:id="rId14"/>
+    <p:sldId id="278" r:id="rId3"/>
+    <p:sldId id="257" r:id="rId4"/>
+    <p:sldId id="279" r:id="rId5"/>
+    <p:sldId id="259" r:id="rId6"/>
+    <p:sldId id="268" r:id="rId7"/>
+    <p:sldId id="260" r:id="rId8"/>
+    <p:sldId id="280" r:id="rId9"/>
+    <p:sldId id="281" r:id="rId10"/>
+    <p:sldId id="282" r:id="rId11"/>
+    <p:sldId id="270" r:id="rId12"/>
+    <p:sldId id="283" r:id="rId13"/>
+    <p:sldId id="269" r:id="rId14"/>
+    <p:sldId id="262" r:id="rId15"/>
+    <p:sldId id="265" r:id="rId16"/>
+    <p:sldId id="267" r:id="rId17"/>
+    <p:sldId id="261" r:id="rId18"/>
+    <p:sldId id="263" r:id="rId19"/>
   </p:sldIdLst>
   <p:sldSz cx="12192000" cy="6858000"/>
   <p:notesSz cx="6858000" cy="9144000"/>
@@ -116,6 +121,38 @@
       </a:defRPr>
     </a:lvl9pPr>
   </p:defaultTextStyle>
+  <p:extLst>
+    <p:ext uri="{521415D9-36F7-43E2-AB2F-B90AF26B5E84}">
+      <p14:sectionLst xmlns:p14="http://schemas.microsoft.com/office/powerpoint/2010/main">
+        <p14:section name="Default Section" id="{25426211-2260-D745-8E04-CEE092E9CC14}">
+          <p14:sldIdLst>
+            <p14:sldId id="256"/>
+            <p14:sldId id="278"/>
+            <p14:sldId id="257"/>
+            <p14:sldId id="279"/>
+            <p14:sldId id="259"/>
+            <p14:sldId id="268"/>
+            <p14:sldId id="260"/>
+          </p14:sldIdLst>
+        </p14:section>
+        <p14:section name="Untitled Section" id="{B1D72BD1-CF57-8F4C-932A-688ABA5BA8FF}">
+          <p14:sldIdLst>
+            <p14:sldId id="280"/>
+            <p14:sldId id="281"/>
+            <p14:sldId id="282"/>
+            <p14:sldId id="270"/>
+            <p14:sldId id="283"/>
+            <p14:sldId id="269"/>
+            <p14:sldId id="262"/>
+            <p14:sldId id="265"/>
+            <p14:sldId id="267"/>
+            <p14:sldId id="261"/>
+            <p14:sldId id="263"/>
+          </p14:sldIdLst>
+        </p14:section>
+      </p14:sectionLst>
+    </p:ext>
+  </p:extLst>
 </p:presentation>
 </file>
 
@@ -141,7 +178,7 @@
           <p:cNvPr id="2" name="Title 1">
             <a:extLst>
               <a:ext uri="{FF2B5EF4-FFF2-40B4-BE49-F238E27FC236}">
-                <a16:creationId xmlns:a16="http://schemas.microsoft.com/office/drawing/2014/main" id="{E0EB8136-4330-4480-80D9-0F6FD970617C}"/>
+                <a16:creationId xmlns:a16="http://schemas.microsoft.com/office/drawing/2014/main" id="{C2E91B53-C3A1-834F-A482-FE9A5E2F6B1B}"/>
               </a:ext>
             </a:extLst>
           </p:cNvPr>
@@ -154,22 +191,20 @@
         </p:nvSpPr>
         <p:spPr>
           <a:xfrm>
-            <a:off x="576072" y="1124712"/>
-            <a:ext cx="11036808" cy="3172968"/>
-          </a:xfrm>
-        </p:spPr>
-        <p:txBody>
-          <a:bodyPr anchor="b">
-            <a:normAutofit/>
-          </a:bodyPr>
+            <a:off x="1524000" y="1122363"/>
+            <a:ext cx="9144000" cy="2387600"/>
+          </a:xfrm>
+        </p:spPr>
+        <p:txBody>
+          <a:bodyPr anchor="b"/>
           <a:lstStyle>
-            <a:lvl1pPr algn="l">
-              <a:defRPr sz="8000"/>
+            <a:lvl1pPr algn="ctr">
+              <a:defRPr sz="6000"/>
             </a:lvl1pPr>
           </a:lstStyle>
           <a:p>
             <a:r>
-              <a:rPr lang="en-US" dirty="0"/>
+              <a:rPr lang="en-US"/>
               <a:t>Click to edit Master title style</a:t>
             </a:r>
           </a:p>
@@ -180,7 +215,7 @@
           <p:cNvPr id="3" name="Subtitle 2">
             <a:extLst>
               <a:ext uri="{FF2B5EF4-FFF2-40B4-BE49-F238E27FC236}">
-                <a16:creationId xmlns:a16="http://schemas.microsoft.com/office/drawing/2014/main" id="{566E5739-DD96-45FB-B609-3E3447A52FED}"/>
+                <a16:creationId xmlns:a16="http://schemas.microsoft.com/office/drawing/2014/main" id="{E3D6DB59-7159-D042-98C0-870A35BFE2AD}"/>
               </a:ext>
             </a:extLst>
           </p:cNvPr>
@@ -193,18 +228,16 @@
         </p:nvSpPr>
         <p:spPr>
           <a:xfrm>
-            <a:off x="576072" y="4727448"/>
-            <a:ext cx="11036808" cy="1481328"/>
-          </a:xfrm>
-        </p:spPr>
-        <p:txBody>
-          <a:bodyPr>
-            <a:normAutofit/>
-          </a:bodyPr>
+            <a:off x="1524000" y="3602038"/>
+            <a:ext cx="9144000" cy="1655762"/>
+          </a:xfrm>
+        </p:spPr>
+        <p:txBody>
+          <a:bodyPr/>
           <a:lstStyle>
-            <a:lvl1pPr marL="0" indent="0" algn="l">
-              <a:buNone/>
-              <a:defRPr sz="2800"/>
+            <a:lvl1pPr marL="0" indent="0" algn="ctr">
+              <a:buNone/>
+              <a:defRPr sz="2400"/>
             </a:lvl1pPr>
             <a:lvl2pPr marL="457200" indent="0" algn="ctr">
               <a:buNone/>
@@ -241,7 +274,7 @@
           </a:lstStyle>
           <a:p>
             <a:r>
-              <a:rPr lang="en-US" dirty="0"/>
+              <a:rPr lang="en-US"/>
               <a:t>Click to edit Master subtitle style</a:t>
             </a:r>
           </a:p>
@@ -252,7 +285,7 @@
           <p:cNvPr id="4" name="Date Placeholder 3">
             <a:extLst>
               <a:ext uri="{FF2B5EF4-FFF2-40B4-BE49-F238E27FC236}">
-                <a16:creationId xmlns:a16="http://schemas.microsoft.com/office/drawing/2014/main" id="{1B9FF558-51F9-42A2-9944-DBE23DA8B224}"/>
+                <a16:creationId xmlns:a16="http://schemas.microsoft.com/office/drawing/2014/main" id="{AFC04D8F-665F-0042-ABC6-C94988AE1888}"/>
               </a:ext>
             </a:extLst>
           </p:cNvPr>
@@ -263,12 +296,7 @@
             <p:ph type="dt" sz="half" idx="10"/>
           </p:nvPr>
         </p:nvSpPr>
-        <p:spPr>
-          <a:xfrm>
-            <a:off x="576072" y="6356350"/>
-            <a:ext cx="2743200" cy="365125"/>
-          </a:xfrm>
-        </p:spPr>
+        <p:spPr/>
         <p:txBody>
           <a:bodyPr/>
           <a:lstStyle/>
@@ -286,7 +314,7 @@
           <p:cNvPr id="5" name="Footer Placeholder 4">
             <a:extLst>
               <a:ext uri="{FF2B5EF4-FFF2-40B4-BE49-F238E27FC236}">
-                <a16:creationId xmlns:a16="http://schemas.microsoft.com/office/drawing/2014/main" id="{8B8C0E86-A7F7-4BDC-A637-254E5252DED5}"/>
+                <a16:creationId xmlns:a16="http://schemas.microsoft.com/office/drawing/2014/main" id="{B21A6AA7-6A41-4841-847F-44F873D9B98E}"/>
               </a:ext>
             </a:extLst>
           </p:cNvPr>
@@ -311,7 +339,7 @@
           <p:cNvPr id="6" name="Slide Number Placeholder 5">
             <a:extLst>
               <a:ext uri="{FF2B5EF4-FFF2-40B4-BE49-F238E27FC236}">
-                <a16:creationId xmlns:a16="http://schemas.microsoft.com/office/drawing/2014/main" id="{C3D10ADE-E9DA-4E57-BF57-1CCB65219839}"/>
+                <a16:creationId xmlns:a16="http://schemas.microsoft.com/office/drawing/2014/main" id="{60734A43-CA62-F944-A8E9-B926C5568DFB}"/>
               </a:ext>
             </a:extLst>
           </p:cNvPr>
@@ -322,12 +350,7 @@
             <p:ph type="sldNum" sz="quarter" idx="12"/>
           </p:nvPr>
         </p:nvSpPr>
-        <p:spPr>
-          <a:xfrm>
-            <a:off x="8869680" y="6356350"/>
-            <a:ext cx="2743200" cy="365125"/>
-          </a:xfrm>
-        </p:spPr>
+        <p:spPr/>
         <p:txBody>
           <a:bodyPr/>
           <a:lstStyle/>
@@ -340,176 +363,10 @@
           </a:p>
         </p:txBody>
       </p:sp>
-      <p:sp>
-        <p:nvSpPr>
-          <p:cNvPr id="8" name="Rectangle 7">
-            <a:extLst>
-              <a:ext uri="{FF2B5EF4-FFF2-40B4-BE49-F238E27FC236}">
-                <a16:creationId xmlns:a16="http://schemas.microsoft.com/office/drawing/2014/main" id="{8D06CE56-3881-4ADA-8CEF-D18B02C242A3}"/>
-              </a:ext>
-            </a:extLst>
-          </p:cNvPr>
-          <p:cNvSpPr/>
-          <p:nvPr/>
-        </p:nvSpPr>
-        <p:spPr>
-          <a:xfrm rot="5400000">
-            <a:off x="857544" y="346791"/>
-            <a:ext cx="146304" cy="704088"/>
-          </a:xfrm>
-          <a:prstGeom prst="rect">
-            <a:avLst/>
-          </a:prstGeom>
-          <a:solidFill>
-            <a:schemeClr val="accent1"/>
-          </a:solidFill>
-          <a:ln>
-            <a:noFill/>
-          </a:ln>
-        </p:spPr>
-        <p:style>
-          <a:lnRef idx="2">
-            <a:schemeClr val="accent1">
-              <a:shade val="50000"/>
-            </a:schemeClr>
-          </a:lnRef>
-          <a:fillRef idx="1">
-            <a:schemeClr val="accent1"/>
-          </a:fillRef>
-          <a:effectRef idx="0">
-            <a:schemeClr val="accent1"/>
-          </a:effectRef>
-          <a:fontRef idx="minor">
-            <a:schemeClr val="lt1"/>
-          </a:fontRef>
-        </p:style>
-        <p:txBody>
-          <a:bodyPr rtlCol="0" anchor="ctr"/>
-          <a:lstStyle/>
-          <a:p>
-            <a:pPr marL="0" marR="0" lvl="0" indent="0" algn="ctr" defTabSz="914400" rtl="0" eaLnBrk="1" fontAlgn="auto" latinLnBrk="0" hangingPunct="1">
-              <a:lnSpc>
-                <a:spcPct val="100000"/>
-              </a:lnSpc>
-              <a:spcBef>
-                <a:spcPts val="0"/>
-              </a:spcBef>
-              <a:spcAft>
-                <a:spcPts val="0"/>
-              </a:spcAft>
-              <a:buClrTx/>
-              <a:buSzTx/>
-              <a:buFontTx/>
-              <a:buNone/>
-              <a:tabLst/>
-              <a:defRPr/>
-            </a:pPr>
-            <a:endParaRPr kumimoji="0" lang="en-US" sz="1800" b="0" i="0" u="none" strike="noStrike" kern="1200" cap="none" spc="0" normalizeH="0" baseline="0" noProof="0">
-              <a:ln>
-                <a:noFill/>
-              </a:ln>
-              <a:solidFill>
-                <a:prstClr val="white"/>
-              </a:solidFill>
-              <a:effectLst/>
-              <a:uLnTx/>
-              <a:uFillTx/>
-              <a:latin typeface="Calibri" panose="020F0502020204030204"/>
-              <a:ea typeface="+mn-ea"/>
-              <a:cs typeface="+mn-cs"/>
-            </a:endParaRPr>
-          </a:p>
-        </p:txBody>
-      </p:sp>
-      <p:sp>
-        <p:nvSpPr>
-          <p:cNvPr id="10" name="Rectangle 9">
-            <a:extLst>
-              <a:ext uri="{FF2B5EF4-FFF2-40B4-BE49-F238E27FC236}">
-                <a16:creationId xmlns:a16="http://schemas.microsoft.com/office/drawing/2014/main" id="{79F3C543-62EC-4433-9C93-A2CD8764E9B4}"/>
-              </a:ext>
-            </a:extLst>
-          </p:cNvPr>
-          <p:cNvSpPr/>
-          <p:nvPr/>
-        </p:nvSpPr>
-        <p:spPr>
-          <a:xfrm flipV="1">
-            <a:off x="578652" y="4501201"/>
-            <a:ext cx="11034696" cy="18288"/>
-          </a:xfrm>
-          <a:prstGeom prst="rect">
-            <a:avLst/>
-          </a:prstGeom>
-          <a:solidFill>
-            <a:schemeClr val="tx2">
-              <a:lumMod val="25000"/>
-              <a:lumOff val="75000"/>
-            </a:schemeClr>
-          </a:solidFill>
-          <a:ln w="3175">
-            <a:noFill/>
-          </a:ln>
-          <a:effectLst/>
-        </p:spPr>
-        <p:style>
-          <a:lnRef idx="2">
-            <a:schemeClr val="accent1">
-              <a:shade val="50000"/>
-            </a:schemeClr>
-          </a:lnRef>
-          <a:fillRef idx="1">
-            <a:schemeClr val="accent1"/>
-          </a:fillRef>
-          <a:effectRef idx="0">
-            <a:schemeClr val="accent1"/>
-          </a:effectRef>
-          <a:fontRef idx="minor">
-            <a:schemeClr val="lt1"/>
-          </a:fontRef>
-        </p:style>
-        <p:txBody>
-          <a:bodyPr rtlCol="0" anchor="ctr"/>
-          <a:lstStyle/>
-          <a:p>
-            <a:pPr marL="0" marR="0" lvl="0" indent="0" algn="ctr" defTabSz="914400" rtl="0" eaLnBrk="1" fontAlgn="auto" latinLnBrk="0" hangingPunct="1">
-              <a:lnSpc>
-                <a:spcPct val="100000"/>
-              </a:lnSpc>
-              <a:spcBef>
-                <a:spcPts val="0"/>
-              </a:spcBef>
-              <a:spcAft>
-                <a:spcPts val="0"/>
-              </a:spcAft>
-              <a:buClrTx/>
-              <a:buSzTx/>
-              <a:buFontTx/>
-              <a:buNone/>
-              <a:tabLst/>
-              <a:defRPr/>
-            </a:pPr>
-            <a:endParaRPr kumimoji="0" lang="en-US" sz="1800" b="0" i="0" u="none" strike="noStrike" kern="1200" cap="none" spc="0" normalizeH="0" baseline="0" noProof="0">
-              <a:ln>
-                <a:noFill/>
-              </a:ln>
-              <a:solidFill>
-                <a:prstClr val="white"/>
-              </a:solidFill>
-              <a:effectLst/>
-              <a:uLnTx/>
-              <a:uFillTx/>
-              <a:latin typeface="Calibri" panose="020F0502020204030204"/>
-              <a:ea typeface="+mn-ea"/>
-              <a:cs typeface="+mn-cs"/>
-            </a:endParaRPr>
-          </a:p>
-        </p:txBody>
-      </p:sp>
     </p:spTree>
     <p:extLst>
       <p:ext uri="{BB962C8B-B14F-4D97-AF65-F5344CB8AC3E}">
-        <p14:creationId xmlns:p14="http://schemas.microsoft.com/office/powerpoint/2010/main" val="4142301112"/>
+        <p14:creationId xmlns:p14="http://schemas.microsoft.com/office/powerpoint/2010/main" val="2269226892"/>
       </p:ext>
     </p:extLst>
   </p:cSld>
@@ -541,7 +398,7 @@
           <p:cNvPr id="2" name="Title 1">
             <a:extLst>
               <a:ext uri="{FF2B5EF4-FFF2-40B4-BE49-F238E27FC236}">
-                <a16:creationId xmlns:a16="http://schemas.microsoft.com/office/drawing/2014/main" id="{90B32C18-E430-4EC7-BD7C-99D86D012231}"/>
+                <a16:creationId xmlns:a16="http://schemas.microsoft.com/office/drawing/2014/main" id="{DC04AB73-C661-8C44-9039-6C1FCB720DA8}"/>
               </a:ext>
             </a:extLst>
           </p:cNvPr>
@@ -561,7 +418,6 @@
               <a:rPr lang="en-US"/>
               <a:t>Click to edit Master title style</a:t>
             </a:r>
-            <a:endParaRPr lang="en-US" dirty="0"/>
           </a:p>
         </p:txBody>
       </p:sp>
@@ -570,7 +426,7 @@
           <p:cNvPr id="3" name="Vertical Text Placeholder 2">
             <a:extLst>
               <a:ext uri="{FF2B5EF4-FFF2-40B4-BE49-F238E27FC236}">
-                <a16:creationId xmlns:a16="http://schemas.microsoft.com/office/drawing/2014/main" id="{8FC5012F-7119-4D94-9717-3862E1C9384E}"/>
+                <a16:creationId xmlns:a16="http://schemas.microsoft.com/office/drawing/2014/main" id="{85769FA8-0BF1-D14A-AF2A-C030F02FE082}"/>
               </a:ext>
             </a:extLst>
           </p:cNvPr>
@@ -627,7 +483,7 @@
           <p:cNvPr id="4" name="Date Placeholder 3">
             <a:extLst>
               <a:ext uri="{FF2B5EF4-FFF2-40B4-BE49-F238E27FC236}">
-                <a16:creationId xmlns:a16="http://schemas.microsoft.com/office/drawing/2014/main" id="{19ED9A4A-D287-4207-9037-70DB007A1707}"/>
+                <a16:creationId xmlns:a16="http://schemas.microsoft.com/office/drawing/2014/main" id="{F1D74768-E3DB-FE47-9A17-750860DEB5BF}"/>
               </a:ext>
             </a:extLst>
           </p:cNvPr>
@@ -656,7 +512,7 @@
           <p:cNvPr id="5" name="Footer Placeholder 4">
             <a:extLst>
               <a:ext uri="{FF2B5EF4-FFF2-40B4-BE49-F238E27FC236}">
-                <a16:creationId xmlns:a16="http://schemas.microsoft.com/office/drawing/2014/main" id="{61ECFCAC-80DB-43BB-B3F1-AC22BACEE360}"/>
+                <a16:creationId xmlns:a16="http://schemas.microsoft.com/office/drawing/2014/main" id="{6ACA836D-A5F7-F649-A0F6-8C7334F77FF5}"/>
               </a:ext>
             </a:extLst>
           </p:cNvPr>
@@ -681,7 +537,7 @@
           <p:cNvPr id="6" name="Slide Number Placeholder 5">
             <a:extLst>
               <a:ext uri="{FF2B5EF4-FFF2-40B4-BE49-F238E27FC236}">
-                <a16:creationId xmlns:a16="http://schemas.microsoft.com/office/drawing/2014/main" id="{D7679730-3487-4D94-A0DC-C21684963AB3}"/>
+                <a16:creationId xmlns:a16="http://schemas.microsoft.com/office/drawing/2014/main" id="{A4FA80CF-298F-A845-8EFD-68C0AB435349}"/>
               </a:ext>
             </a:extLst>
           </p:cNvPr>
@@ -708,7 +564,7 @@
     </p:spTree>
     <p:extLst>
       <p:ext uri="{BB962C8B-B14F-4D97-AF65-F5344CB8AC3E}">
-        <p14:creationId xmlns:p14="http://schemas.microsoft.com/office/powerpoint/2010/main" val="2753794344"/>
+        <p14:creationId xmlns:p14="http://schemas.microsoft.com/office/powerpoint/2010/main" val="3468741547"/>
       </p:ext>
     </p:extLst>
   </p:cSld>
@@ -740,7 +596,7 @@
           <p:cNvPr id="2" name="Vertical Title 1">
             <a:extLst>
               <a:ext uri="{FF2B5EF4-FFF2-40B4-BE49-F238E27FC236}">
-                <a16:creationId xmlns:a16="http://schemas.microsoft.com/office/drawing/2014/main" id="{B543C89D-929E-4CD1-BCCC-72A14C0335D6}"/>
+                <a16:creationId xmlns:a16="http://schemas.microsoft.com/office/drawing/2014/main" id="{B16D4B4B-B427-484A-A51F-4F0DF340E39B}"/>
               </a:ext>
             </a:extLst>
           </p:cNvPr>
@@ -765,7 +621,6 @@
               <a:rPr lang="en-US"/>
               <a:t>Click to edit Master title style</a:t>
             </a:r>
-            <a:endParaRPr lang="en-US" dirty="0"/>
           </a:p>
         </p:txBody>
       </p:sp>
@@ -774,7 +629,7 @@
           <p:cNvPr id="3" name="Vertical Text Placeholder 2">
             <a:extLst>
               <a:ext uri="{FF2B5EF4-FFF2-40B4-BE49-F238E27FC236}">
-                <a16:creationId xmlns:a16="http://schemas.microsoft.com/office/drawing/2014/main" id="{FED450EA-A577-4B76-A12F-650BEB20FD8D}"/>
+                <a16:creationId xmlns:a16="http://schemas.microsoft.com/office/drawing/2014/main" id="{9A79C953-6CF7-2C47-88D5-EF8685AE633E}"/>
               </a:ext>
             </a:extLst>
           </p:cNvPr>
@@ -836,7 +691,7 @@
           <p:cNvPr id="4" name="Date Placeholder 3">
             <a:extLst>
               <a:ext uri="{FF2B5EF4-FFF2-40B4-BE49-F238E27FC236}">
-                <a16:creationId xmlns:a16="http://schemas.microsoft.com/office/drawing/2014/main" id="{41D2603B-9ACE-4FA9-805B-9B91EB63DF7D}"/>
+                <a16:creationId xmlns:a16="http://schemas.microsoft.com/office/drawing/2014/main" id="{98D62C63-391B-BC4C-A894-0BB6B431892A}"/>
               </a:ext>
             </a:extLst>
           </p:cNvPr>
@@ -865,7 +720,7 @@
           <p:cNvPr id="5" name="Footer Placeholder 4">
             <a:extLst>
               <a:ext uri="{FF2B5EF4-FFF2-40B4-BE49-F238E27FC236}">
-                <a16:creationId xmlns:a16="http://schemas.microsoft.com/office/drawing/2014/main" id="{7ECE18AC-D6A9-4A61-885D-68E2B684A438}"/>
+                <a16:creationId xmlns:a16="http://schemas.microsoft.com/office/drawing/2014/main" id="{ECF1F337-9C89-C647-B570-8DAD5FB93758}"/>
               </a:ext>
             </a:extLst>
           </p:cNvPr>
@@ -890,7 +745,7 @@
           <p:cNvPr id="6" name="Slide Number Placeholder 5">
             <a:extLst>
               <a:ext uri="{FF2B5EF4-FFF2-40B4-BE49-F238E27FC236}">
-                <a16:creationId xmlns:a16="http://schemas.microsoft.com/office/drawing/2014/main" id="{75197AE4-AA47-4E14-8FFE-171FAE47F49E}"/>
+                <a16:creationId xmlns:a16="http://schemas.microsoft.com/office/drawing/2014/main" id="{7D7AD022-7E22-9E40-BE39-F9C8BE1371D7}"/>
               </a:ext>
             </a:extLst>
           </p:cNvPr>
@@ -917,7 +772,7 @@
     </p:spTree>
     <p:extLst>
       <p:ext uri="{BB962C8B-B14F-4D97-AF65-F5344CB8AC3E}">
-        <p14:creationId xmlns:p14="http://schemas.microsoft.com/office/powerpoint/2010/main" val="810241534"/>
+        <p14:creationId xmlns:p14="http://schemas.microsoft.com/office/powerpoint/2010/main" val="1180690454"/>
       </p:ext>
     </p:extLst>
   </p:cSld>
@@ -944,263 +799,12 @@
           <a:chExt cx="0" cy="0"/>
         </a:xfrm>
       </p:grpSpPr>
-      <p:sp useBgFill="1">
-        <p:nvSpPr>
-          <p:cNvPr id="8" name="Rectangle 7">
-            <a:extLst>
-              <a:ext uri="{FF2B5EF4-FFF2-40B4-BE49-F238E27FC236}">
-                <a16:creationId xmlns:a16="http://schemas.microsoft.com/office/drawing/2014/main" id="{2D6FBB9D-1CAA-4D05-AB33-BABDFE17B843}"/>
-              </a:ext>
-            </a:extLst>
-          </p:cNvPr>
-          <p:cNvSpPr/>
-          <p:nvPr/>
-        </p:nvSpPr>
-        <p:spPr>
-          <a:xfrm>
-            <a:off x="558209" y="0"/>
-            <a:ext cx="11167447" cy="2018806"/>
-          </a:xfrm>
-          <a:prstGeom prst="rect">
-            <a:avLst/>
-          </a:prstGeom>
-          <a:ln w="9525">
-            <a:solidFill>
-              <a:schemeClr val="tx2">
-                <a:lumMod val="10000"/>
-                <a:lumOff val="90000"/>
-              </a:schemeClr>
-            </a:solidFill>
-          </a:ln>
-          <a:effectLst>
-            <a:outerShdw blurRad="50800" dist="38100" dir="2700000" algn="tl" rotWithShape="0">
-              <a:schemeClr val="bg1">
-                <a:lumMod val="85000"/>
-                <a:alpha val="30000"/>
-              </a:schemeClr>
-            </a:outerShdw>
-          </a:effectLst>
-        </p:spPr>
-        <p:style>
-          <a:lnRef idx="2">
-            <a:schemeClr val="accent1">
-              <a:shade val="50000"/>
-            </a:schemeClr>
-          </a:lnRef>
-          <a:fillRef idx="1">
-            <a:schemeClr val="accent1"/>
-          </a:fillRef>
-          <a:effectRef idx="0">
-            <a:schemeClr val="accent1"/>
-          </a:effectRef>
-          <a:fontRef idx="minor">
-            <a:schemeClr val="lt1"/>
-          </a:fontRef>
-        </p:style>
-        <p:txBody>
-          <a:bodyPr rtlCol="0" anchor="ctr"/>
-          <a:lstStyle/>
-          <a:p>
-            <a:pPr marL="0" marR="0" lvl="0" indent="0" algn="ctr" defTabSz="914400" rtl="0" eaLnBrk="1" fontAlgn="auto" latinLnBrk="0" hangingPunct="1">
-              <a:lnSpc>
-                <a:spcPct val="100000"/>
-              </a:lnSpc>
-              <a:spcBef>
-                <a:spcPts val="0"/>
-              </a:spcBef>
-              <a:spcAft>
-                <a:spcPts val="0"/>
-              </a:spcAft>
-              <a:buClrTx/>
-              <a:buSzTx/>
-              <a:buFontTx/>
-              <a:buNone/>
-              <a:tabLst/>
-              <a:defRPr/>
-            </a:pPr>
-            <a:endParaRPr kumimoji="0" lang="en-US" sz="1800" b="0" i="0" u="none" strike="noStrike" kern="1200" cap="none" spc="0" normalizeH="0" baseline="0" noProof="0">
-              <a:ln>
-                <a:noFill/>
-              </a:ln>
-              <a:solidFill>
-                <a:prstClr val="white"/>
-              </a:solidFill>
-              <a:effectLst/>
-              <a:uLnTx/>
-              <a:uFillTx/>
-              <a:latin typeface="Calibri" panose="020F0502020204030204"/>
-              <a:ea typeface="+mn-ea"/>
-              <a:cs typeface="+mn-cs"/>
-            </a:endParaRPr>
-          </a:p>
-        </p:txBody>
-      </p:sp>
-      <p:sp useBgFill="1">
-        <p:nvSpPr>
-          <p:cNvPr id="10" name="Rectangle 9">
-            <a:extLst>
-              <a:ext uri="{FF2B5EF4-FFF2-40B4-BE49-F238E27FC236}">
-                <a16:creationId xmlns:a16="http://schemas.microsoft.com/office/drawing/2014/main" id="{04727B71-B4B6-4823-80A1-68C40B475118}"/>
-              </a:ext>
-            </a:extLst>
-          </p:cNvPr>
-          <p:cNvSpPr/>
-          <p:nvPr/>
-        </p:nvSpPr>
-        <p:spPr>
-          <a:xfrm>
-            <a:off x="566928" y="0"/>
-            <a:ext cx="11155680" cy="2011680"/>
-          </a:xfrm>
-          <a:prstGeom prst="rect">
-            <a:avLst/>
-          </a:prstGeom>
-          <a:ln w="9525">
-            <a:noFill/>
-          </a:ln>
-          <a:effectLst/>
-        </p:spPr>
-        <p:style>
-          <a:lnRef idx="2">
-            <a:schemeClr val="accent1">
-              <a:shade val="50000"/>
-            </a:schemeClr>
-          </a:lnRef>
-          <a:fillRef idx="1">
-            <a:schemeClr val="accent1"/>
-          </a:fillRef>
-          <a:effectRef idx="0">
-            <a:schemeClr val="accent1"/>
-          </a:effectRef>
-          <a:fontRef idx="minor">
-            <a:schemeClr val="lt1"/>
-          </a:fontRef>
-        </p:style>
-        <p:txBody>
-          <a:bodyPr rtlCol="0" anchor="ctr"/>
-          <a:lstStyle/>
-          <a:p>
-            <a:pPr marL="0" marR="0" lvl="0" indent="0" algn="ctr" defTabSz="914400" rtl="0" eaLnBrk="1" fontAlgn="auto" latinLnBrk="0" hangingPunct="1">
-              <a:lnSpc>
-                <a:spcPct val="100000"/>
-              </a:lnSpc>
-              <a:spcBef>
-                <a:spcPts val="0"/>
-              </a:spcBef>
-              <a:spcAft>
-                <a:spcPts val="0"/>
-              </a:spcAft>
-              <a:buClrTx/>
-              <a:buSzTx/>
-              <a:buFontTx/>
-              <a:buNone/>
-              <a:tabLst/>
-              <a:defRPr/>
-            </a:pPr>
-            <a:endParaRPr kumimoji="0" lang="en-US" sz="1800" b="0" i="0" u="none" strike="noStrike" kern="1200" cap="none" spc="0" normalizeH="0" baseline="0" noProof="0">
-              <a:ln>
-                <a:noFill/>
-              </a:ln>
-              <a:solidFill>
-                <a:prstClr val="white"/>
-              </a:solidFill>
-              <a:effectLst/>
-              <a:uLnTx/>
-              <a:uFillTx/>
-              <a:latin typeface="Calibri" panose="020F0502020204030204"/>
-              <a:ea typeface="+mn-ea"/>
-              <a:cs typeface="+mn-cs"/>
-            </a:endParaRPr>
-          </a:p>
-        </p:txBody>
-      </p:sp>
-      <p:sp>
-        <p:nvSpPr>
-          <p:cNvPr id="12" name="Rectangle 11">
-            <a:extLst>
-              <a:ext uri="{FF2B5EF4-FFF2-40B4-BE49-F238E27FC236}">
-                <a16:creationId xmlns:a16="http://schemas.microsoft.com/office/drawing/2014/main" id="{79A6DB05-9FB5-4B07-8675-74C23D4FD89D}"/>
-              </a:ext>
-            </a:extLst>
-          </p:cNvPr>
-          <p:cNvSpPr/>
-          <p:nvPr/>
-        </p:nvSpPr>
-        <p:spPr>
-          <a:xfrm>
-            <a:off x="498834" y="787352"/>
-            <a:ext cx="128016" cy="704088"/>
-          </a:xfrm>
-          <a:prstGeom prst="rect">
-            <a:avLst/>
-          </a:prstGeom>
-          <a:solidFill>
-            <a:schemeClr val="accent1"/>
-          </a:solidFill>
-          <a:ln>
-            <a:noFill/>
-          </a:ln>
-        </p:spPr>
-        <p:style>
-          <a:lnRef idx="2">
-            <a:schemeClr val="accent1">
-              <a:shade val="50000"/>
-            </a:schemeClr>
-          </a:lnRef>
-          <a:fillRef idx="1">
-            <a:schemeClr val="accent1"/>
-          </a:fillRef>
-          <a:effectRef idx="0">
-            <a:schemeClr val="accent1"/>
-          </a:effectRef>
-          <a:fontRef idx="minor">
-            <a:schemeClr val="lt1"/>
-          </a:fontRef>
-        </p:style>
-        <p:txBody>
-          <a:bodyPr rtlCol="0" anchor="ctr"/>
-          <a:lstStyle/>
-          <a:p>
-            <a:pPr marL="0" marR="0" lvl="0" indent="0" algn="ctr" defTabSz="914400" rtl="0" eaLnBrk="1" fontAlgn="auto" latinLnBrk="0" hangingPunct="1">
-              <a:lnSpc>
-                <a:spcPct val="100000"/>
-              </a:lnSpc>
-              <a:spcBef>
-                <a:spcPts val="0"/>
-              </a:spcBef>
-              <a:spcAft>
-                <a:spcPts val="0"/>
-              </a:spcAft>
-              <a:buClrTx/>
-              <a:buSzTx/>
-              <a:buFontTx/>
-              <a:buNone/>
-              <a:tabLst/>
-              <a:defRPr/>
-            </a:pPr>
-            <a:endParaRPr kumimoji="0" lang="en-US" sz="1800" b="0" i="0" u="none" strike="noStrike" kern="1200" cap="none" spc="0" normalizeH="0" baseline="0" noProof="0">
-              <a:ln>
-                <a:noFill/>
-              </a:ln>
-              <a:solidFill>
-                <a:prstClr val="white"/>
-              </a:solidFill>
-              <a:effectLst/>
-              <a:uLnTx/>
-              <a:uFillTx/>
-              <a:latin typeface="Calibri" panose="020F0502020204030204"/>
-              <a:ea typeface="+mn-ea"/>
-              <a:cs typeface="+mn-cs"/>
-            </a:endParaRPr>
-          </a:p>
-        </p:txBody>
-      </p:sp>
       <p:sp>
         <p:nvSpPr>
           <p:cNvPr id="2" name="Title 1">
             <a:extLst>
               <a:ext uri="{FF2B5EF4-FFF2-40B4-BE49-F238E27FC236}">
-                <a16:creationId xmlns:a16="http://schemas.microsoft.com/office/drawing/2014/main" id="{48D358CF-0758-490A-A084-C46443B9ABE8}"/>
+                <a16:creationId xmlns:a16="http://schemas.microsoft.com/office/drawing/2014/main" id="{B3932035-8BBD-5C4B-A91C-B0925DDA84DF}"/>
               </a:ext>
             </a:extLst>
           </p:cNvPr>
@@ -1211,24 +815,13 @@
             <p:ph type="title"/>
           </p:nvPr>
         </p:nvSpPr>
-        <p:spPr>
-          <a:xfrm>
-            <a:off x="1115568" y="548640"/>
-            <a:ext cx="10168128" cy="1179576"/>
-          </a:xfrm>
-        </p:spPr>
-        <p:txBody>
-          <a:bodyPr>
-            <a:normAutofit/>
-          </a:bodyPr>
-          <a:lstStyle>
-            <a:lvl1pPr>
-              <a:defRPr sz="4000"/>
-            </a:lvl1pPr>
-          </a:lstStyle>
-          <a:p>
-            <a:r>
-              <a:rPr lang="en-US" dirty="0"/>
+        <p:spPr/>
+        <p:txBody>
+          <a:bodyPr/>
+          <a:lstStyle/>
+          <a:p>
+            <a:r>
+              <a:rPr lang="en-US"/>
               <a:t>Click to edit Master title style</a:t>
             </a:r>
           </a:p>
@@ -1239,7 +832,7 @@
           <p:cNvPr id="3" name="Content Placeholder 2">
             <a:extLst>
               <a:ext uri="{FF2B5EF4-FFF2-40B4-BE49-F238E27FC236}">
-                <a16:creationId xmlns:a16="http://schemas.microsoft.com/office/drawing/2014/main" id="{21671183-B3CE-4F45-92FB-98290CA0E2CA}"/>
+                <a16:creationId xmlns:a16="http://schemas.microsoft.com/office/drawing/2014/main" id="{0FBDD074-7837-934A-A101-B0E6AAB990B2}"/>
               </a:ext>
             </a:extLst>
           </p:cNvPr>
@@ -1250,47 +843,42 @@
             <p:ph idx="1"/>
           </p:nvPr>
         </p:nvSpPr>
-        <p:spPr>
-          <a:xfrm>
-            <a:off x="1115568" y="2478024"/>
-            <a:ext cx="10168128" cy="3694176"/>
-          </a:xfrm>
-        </p:spPr>
+        <p:spPr/>
         <p:txBody>
           <a:bodyPr/>
           <a:lstStyle/>
           <a:p>
             <a:pPr lvl="0"/>
             <a:r>
-              <a:rPr lang="en-US" dirty="0"/>
+              <a:rPr lang="en-US"/>
               <a:t>Click to edit Master text styles</a:t>
             </a:r>
           </a:p>
           <a:p>
             <a:pPr lvl="1"/>
             <a:r>
-              <a:rPr lang="en-US" dirty="0"/>
+              <a:rPr lang="en-US"/>
               <a:t>Second level</a:t>
             </a:r>
           </a:p>
           <a:p>
             <a:pPr lvl="2"/>
             <a:r>
-              <a:rPr lang="en-US" dirty="0"/>
+              <a:rPr lang="en-US"/>
               <a:t>Third level</a:t>
             </a:r>
           </a:p>
           <a:p>
             <a:pPr lvl="3"/>
             <a:r>
-              <a:rPr lang="en-US" dirty="0"/>
+              <a:rPr lang="en-US"/>
               <a:t>Fourth level</a:t>
             </a:r>
           </a:p>
           <a:p>
             <a:pPr lvl="4"/>
             <a:r>
-              <a:rPr lang="en-US" dirty="0"/>
+              <a:rPr lang="en-US"/>
               <a:t>Fifth level</a:t>
             </a:r>
           </a:p>
@@ -1301,7 +889,7 @@
           <p:cNvPr id="4" name="Date Placeholder 3">
             <a:extLst>
               <a:ext uri="{FF2B5EF4-FFF2-40B4-BE49-F238E27FC236}">
-                <a16:creationId xmlns:a16="http://schemas.microsoft.com/office/drawing/2014/main" id="{3D7DED67-27EC-4D43-A21C-093C1DB04813}"/>
+                <a16:creationId xmlns:a16="http://schemas.microsoft.com/office/drawing/2014/main" id="{3B2C94E6-B007-0E4D-A06A-0FBC136C9137}"/>
               </a:ext>
             </a:extLst>
           </p:cNvPr>
@@ -1312,12 +900,7 @@
             <p:ph type="dt" sz="half" idx="10"/>
           </p:nvPr>
         </p:nvSpPr>
-        <p:spPr>
-          <a:xfrm>
-            <a:off x="1115568" y="6356350"/>
-            <a:ext cx="2743200" cy="365125"/>
-          </a:xfrm>
-        </p:spPr>
+        <p:spPr/>
         <p:txBody>
           <a:bodyPr/>
           <a:lstStyle/>
@@ -1335,7 +918,7 @@
           <p:cNvPr id="5" name="Footer Placeholder 4">
             <a:extLst>
               <a:ext uri="{FF2B5EF4-FFF2-40B4-BE49-F238E27FC236}">
-                <a16:creationId xmlns:a16="http://schemas.microsoft.com/office/drawing/2014/main" id="{36747CE3-4890-4BC1-94DB-5D49D02C9933}"/>
+                <a16:creationId xmlns:a16="http://schemas.microsoft.com/office/drawing/2014/main" id="{59AB8A38-AC30-6D43-B868-2F9B02042F66}"/>
               </a:ext>
             </a:extLst>
           </p:cNvPr>
@@ -1360,7 +943,7 @@
           <p:cNvPr id="6" name="Slide Number Placeholder 5">
             <a:extLst>
               <a:ext uri="{FF2B5EF4-FFF2-40B4-BE49-F238E27FC236}">
-                <a16:creationId xmlns:a16="http://schemas.microsoft.com/office/drawing/2014/main" id="{093C5AD3-D79A-4D46-B25B-822FE0252511}"/>
+                <a16:creationId xmlns:a16="http://schemas.microsoft.com/office/drawing/2014/main" id="{BE5AAAB4-A4B3-2341-B6D9-E4CC287E084C}"/>
               </a:ext>
             </a:extLst>
           </p:cNvPr>
@@ -1371,12 +954,7 @@
             <p:ph type="sldNum" sz="quarter" idx="12"/>
           </p:nvPr>
         </p:nvSpPr>
-        <p:spPr>
-          <a:xfrm>
-            <a:off x="8540496" y="6356350"/>
-            <a:ext cx="2743200" cy="365125"/>
-          </a:xfrm>
-        </p:spPr>
+        <p:spPr/>
         <p:txBody>
           <a:bodyPr/>
           <a:lstStyle/>
@@ -1392,7 +970,7 @@
     </p:spTree>
     <p:extLst>
       <p:ext uri="{BB962C8B-B14F-4D97-AF65-F5344CB8AC3E}">
-        <p14:creationId xmlns:p14="http://schemas.microsoft.com/office/powerpoint/2010/main" val="2384800293"/>
+        <p14:creationId xmlns:p14="http://schemas.microsoft.com/office/powerpoint/2010/main" val="1663315741"/>
       </p:ext>
     </p:extLst>
   </p:cSld>
@@ -1419,184 +997,12 @@
           <a:chExt cx="0" cy="0"/>
         </a:xfrm>
       </p:grpSpPr>
-      <p:sp useBgFill="1">
-        <p:nvSpPr>
-          <p:cNvPr id="8" name="Rectangle 7">
-            <a:extLst>
-              <a:ext uri="{FF2B5EF4-FFF2-40B4-BE49-F238E27FC236}">
-                <a16:creationId xmlns:a16="http://schemas.microsoft.com/office/drawing/2014/main" id="{85AEDC5C-2E87-49C6-AB07-A95E5F39ED8E}"/>
-              </a:ext>
-            </a:extLst>
-          </p:cNvPr>
-          <p:cNvSpPr/>
-          <p:nvPr/>
-        </p:nvSpPr>
-        <p:spPr>
-          <a:xfrm>
-            <a:off x="558210" y="4981421"/>
-            <a:ext cx="11134956" cy="822960"/>
-          </a:xfrm>
-          <a:prstGeom prst="rect">
-            <a:avLst/>
-          </a:prstGeom>
-          <a:ln w="12700">
-            <a:solidFill>
-              <a:schemeClr val="tx2">
-                <a:lumMod val="10000"/>
-                <a:lumOff val="90000"/>
-              </a:schemeClr>
-            </a:solidFill>
-          </a:ln>
-          <a:effectLst>
-            <a:outerShdw blurRad="50800" dist="38100" dir="2700000" algn="tl" rotWithShape="0">
-              <a:schemeClr val="bg1">
-                <a:lumMod val="85000"/>
-                <a:alpha val="30000"/>
-              </a:schemeClr>
-            </a:outerShdw>
-          </a:effectLst>
-        </p:spPr>
-        <p:style>
-          <a:lnRef idx="2">
-            <a:schemeClr val="accent1">
-              <a:shade val="50000"/>
-            </a:schemeClr>
-          </a:lnRef>
-          <a:fillRef idx="1">
-            <a:schemeClr val="accent1"/>
-          </a:fillRef>
-          <a:effectRef idx="0">
-            <a:schemeClr val="accent1"/>
-          </a:effectRef>
-          <a:fontRef idx="minor">
-            <a:schemeClr val="lt1"/>
-          </a:fontRef>
-        </p:style>
-        <p:txBody>
-          <a:bodyPr rtlCol="0" anchor="ctr"/>
-          <a:lstStyle/>
-          <a:p>
-            <a:pPr marL="0" marR="0" lvl="0" indent="0" algn="ctr" defTabSz="914400" rtl="0" eaLnBrk="1" fontAlgn="auto" latinLnBrk="0" hangingPunct="1">
-              <a:lnSpc>
-                <a:spcPct val="100000"/>
-              </a:lnSpc>
-              <a:spcBef>
-                <a:spcPts val="0"/>
-              </a:spcBef>
-              <a:spcAft>
-                <a:spcPts val="0"/>
-              </a:spcAft>
-              <a:buClrTx/>
-              <a:buSzTx/>
-              <a:buFontTx/>
-              <a:buNone/>
-              <a:tabLst/>
-              <a:defRPr/>
-            </a:pPr>
-            <a:endParaRPr kumimoji="0" lang="en-US" sz="1800" b="0" i="0" u="none" strike="noStrike" kern="1200" cap="none" spc="0" normalizeH="0" baseline="0" noProof="0" dirty="0">
-              <a:ln>
-                <a:noFill/>
-              </a:ln>
-              <a:solidFill>
-                <a:prstClr val="white"/>
-              </a:solidFill>
-              <a:effectLst/>
-              <a:uLnTx/>
-              <a:uFillTx/>
-              <a:latin typeface="Calibri" panose="020F0502020204030204"/>
-              <a:ea typeface="+mn-ea"/>
-              <a:cs typeface="+mn-cs"/>
-            </a:endParaRPr>
-          </a:p>
-        </p:txBody>
-      </p:sp>
-      <p:sp>
-        <p:nvSpPr>
-          <p:cNvPr id="10" name="Rectangle 9">
-            <a:extLst>
-              <a:ext uri="{FF2B5EF4-FFF2-40B4-BE49-F238E27FC236}">
-                <a16:creationId xmlns:a16="http://schemas.microsoft.com/office/drawing/2014/main" id="{A57D88DE-E462-4C8A-BF99-609390DFB781}"/>
-              </a:ext>
-            </a:extLst>
-          </p:cNvPr>
-          <p:cNvSpPr/>
-          <p:nvPr/>
-        </p:nvSpPr>
-        <p:spPr>
-          <a:xfrm>
-            <a:off x="498834" y="5118581"/>
-            <a:ext cx="146304" cy="548640"/>
-          </a:xfrm>
-          <a:prstGeom prst="rect">
-            <a:avLst/>
-          </a:prstGeom>
-          <a:solidFill>
-            <a:schemeClr val="accent1"/>
-          </a:solidFill>
-          <a:ln>
-            <a:noFill/>
-          </a:ln>
-        </p:spPr>
-        <p:style>
-          <a:lnRef idx="2">
-            <a:schemeClr val="accent1">
-              <a:shade val="50000"/>
-            </a:schemeClr>
-          </a:lnRef>
-          <a:fillRef idx="1">
-            <a:schemeClr val="accent1"/>
-          </a:fillRef>
-          <a:effectRef idx="0">
-            <a:schemeClr val="accent1"/>
-          </a:effectRef>
-          <a:fontRef idx="minor">
-            <a:schemeClr val="lt1"/>
-          </a:fontRef>
-        </p:style>
-        <p:txBody>
-          <a:bodyPr rtlCol="0" anchor="ctr"/>
-          <a:lstStyle/>
-          <a:p>
-            <a:pPr marL="0" marR="0" lvl="0" indent="0" algn="ctr" defTabSz="914400" rtl="0" eaLnBrk="1" fontAlgn="auto" latinLnBrk="0" hangingPunct="1">
-              <a:lnSpc>
-                <a:spcPct val="100000"/>
-              </a:lnSpc>
-              <a:spcBef>
-                <a:spcPts val="0"/>
-              </a:spcBef>
-              <a:spcAft>
-                <a:spcPts val="0"/>
-              </a:spcAft>
-              <a:buClrTx/>
-              <a:buSzTx/>
-              <a:buFontTx/>
-              <a:buNone/>
-              <a:tabLst/>
-              <a:defRPr/>
-            </a:pPr>
-            <a:endParaRPr kumimoji="0" lang="en-US" sz="1800" b="0" i="0" u="none" strike="noStrike" kern="1200" cap="none" spc="0" normalizeH="0" baseline="0" noProof="0">
-              <a:ln>
-                <a:noFill/>
-              </a:ln>
-              <a:solidFill>
-                <a:prstClr val="white"/>
-              </a:solidFill>
-              <a:effectLst/>
-              <a:uLnTx/>
-              <a:uFillTx/>
-              <a:latin typeface="Calibri" panose="020F0502020204030204"/>
-              <a:ea typeface="+mn-ea"/>
-              <a:cs typeface="+mn-cs"/>
-            </a:endParaRPr>
-          </a:p>
-        </p:txBody>
-      </p:sp>
       <p:sp>
         <p:nvSpPr>
           <p:cNvPr id="2" name="Title 1">
             <a:extLst>
               <a:ext uri="{FF2B5EF4-FFF2-40B4-BE49-F238E27FC236}">
-                <a16:creationId xmlns:a16="http://schemas.microsoft.com/office/drawing/2014/main" id="{B8E44900-E8BF-4B12-8BCB-41076E2B68C7}"/>
+                <a16:creationId xmlns:a16="http://schemas.microsoft.com/office/drawing/2014/main" id="{F6EC12EB-7880-F542-B017-DE48EC0084E0}"/>
               </a:ext>
             </a:extLst>
           </p:cNvPr>
@@ -1609,22 +1015,20 @@
         </p:nvSpPr>
         <p:spPr>
           <a:xfrm>
-            <a:off x="557784" y="640080"/>
-            <a:ext cx="10890504" cy="4114800"/>
-          </a:xfrm>
-        </p:spPr>
-        <p:txBody>
-          <a:bodyPr anchor="b">
-            <a:normAutofit/>
-          </a:bodyPr>
+            <a:off x="831850" y="1709738"/>
+            <a:ext cx="10515600" cy="2852737"/>
+          </a:xfrm>
+        </p:spPr>
+        <p:txBody>
+          <a:bodyPr anchor="b"/>
           <a:lstStyle>
             <a:lvl1pPr>
-              <a:defRPr sz="6600"/>
+              <a:defRPr sz="6000"/>
             </a:lvl1pPr>
           </a:lstStyle>
           <a:p>
             <a:r>
-              <a:rPr lang="en-US" dirty="0"/>
+              <a:rPr lang="en-US"/>
               <a:t>Click to edit Master title style</a:t>
             </a:r>
           </a:p>
@@ -1635,7 +1039,7 @@
           <p:cNvPr id="3" name="Text Placeholder 2">
             <a:extLst>
               <a:ext uri="{FF2B5EF4-FFF2-40B4-BE49-F238E27FC236}">
-                <a16:creationId xmlns:a16="http://schemas.microsoft.com/office/drawing/2014/main" id="{917741F9-B00F-4463-A257-6B66DABD9B4E}"/>
+                <a16:creationId xmlns:a16="http://schemas.microsoft.com/office/drawing/2014/main" id="{22984B1B-21B9-4943-9E7A-24D39E233405}"/>
               </a:ext>
             </a:extLst>
           </p:cNvPr>
@@ -1648,20 +1052,20 @@
         </p:nvSpPr>
         <p:spPr>
           <a:xfrm>
-            <a:off x="841248" y="5102352"/>
-            <a:ext cx="10607040" cy="585216"/>
-          </a:xfrm>
-        </p:spPr>
-        <p:txBody>
-          <a:bodyPr anchor="ctr">
-            <a:normAutofit/>
-          </a:bodyPr>
+            <a:off x="831850" y="4589463"/>
+            <a:ext cx="10515600" cy="1500187"/>
+          </a:xfrm>
+        </p:spPr>
+        <p:txBody>
+          <a:bodyPr/>
           <a:lstStyle>
             <a:lvl1pPr marL="0" indent="0">
               <a:buNone/>
-              <a:defRPr sz="2000">
+              <a:defRPr sz="2400">
                 <a:solidFill>
-                  <a:schemeClr val="tx1"/>
+                  <a:schemeClr val="tx1">
+                    <a:tint val="75000"/>
+                  </a:schemeClr>
                 </a:solidFill>
               </a:defRPr>
             </a:lvl1pPr>
@@ -1749,7 +1153,7 @@
           <a:p>
             <a:pPr lvl="0"/>
             <a:r>
-              <a:rPr lang="en-US" dirty="0"/>
+              <a:rPr lang="en-US"/>
               <a:t>Click to edit Master text styles</a:t>
             </a:r>
           </a:p>
@@ -1760,7 +1164,7 @@
           <p:cNvPr id="4" name="Date Placeholder 3">
             <a:extLst>
               <a:ext uri="{FF2B5EF4-FFF2-40B4-BE49-F238E27FC236}">
-                <a16:creationId xmlns:a16="http://schemas.microsoft.com/office/drawing/2014/main" id="{D48BFA7D-4401-4285-802B-1579165F0D6D}"/>
+                <a16:creationId xmlns:a16="http://schemas.microsoft.com/office/drawing/2014/main" id="{F370CAAB-894C-1642-98F9-4B0D4A94E8AF}"/>
               </a:ext>
             </a:extLst>
           </p:cNvPr>
@@ -1789,7 +1193,7 @@
           <p:cNvPr id="5" name="Footer Placeholder 4">
             <a:extLst>
               <a:ext uri="{FF2B5EF4-FFF2-40B4-BE49-F238E27FC236}">
-                <a16:creationId xmlns:a16="http://schemas.microsoft.com/office/drawing/2014/main" id="{49A909C5-AA19-4195-8376-9002D5DF4651}"/>
+                <a16:creationId xmlns:a16="http://schemas.microsoft.com/office/drawing/2014/main" id="{0B7607E0-59E7-D04C-BF5D-09012758BDA0}"/>
               </a:ext>
             </a:extLst>
           </p:cNvPr>
@@ -1814,7 +1218,7 @@
           <p:cNvPr id="6" name="Slide Number Placeholder 5">
             <a:extLst>
               <a:ext uri="{FF2B5EF4-FFF2-40B4-BE49-F238E27FC236}">
-                <a16:creationId xmlns:a16="http://schemas.microsoft.com/office/drawing/2014/main" id="{53AC3F32-46E0-47C8-8565-5969A475FDB0}"/>
+                <a16:creationId xmlns:a16="http://schemas.microsoft.com/office/drawing/2014/main" id="{E8D81472-AEAB-294D-B4B2-106D9C0A9505}"/>
               </a:ext>
             </a:extLst>
           </p:cNvPr>
@@ -1841,7 +1245,7 @@
     </p:spTree>
     <p:extLst>
       <p:ext uri="{BB962C8B-B14F-4D97-AF65-F5344CB8AC3E}">
-        <p14:creationId xmlns:p14="http://schemas.microsoft.com/office/powerpoint/2010/main" val="770236982"/>
+        <p14:creationId xmlns:p14="http://schemas.microsoft.com/office/powerpoint/2010/main" val="3973994010"/>
       </p:ext>
     </p:extLst>
   </p:cSld>
@@ -1868,263 +1272,12 @@
           <a:chExt cx="0" cy="0"/>
         </a:xfrm>
       </p:grpSpPr>
-      <p:sp useBgFill="1">
-        <p:nvSpPr>
-          <p:cNvPr id="9" name="Rectangle 8">
-            <a:extLst>
-              <a:ext uri="{FF2B5EF4-FFF2-40B4-BE49-F238E27FC236}">
-                <a16:creationId xmlns:a16="http://schemas.microsoft.com/office/drawing/2014/main" id="{2076262E-36A0-40C6-ADE6-90CD9FB9B9EA}"/>
-              </a:ext>
-            </a:extLst>
-          </p:cNvPr>
-          <p:cNvSpPr/>
-          <p:nvPr/>
-        </p:nvSpPr>
-        <p:spPr>
-          <a:xfrm>
-            <a:off x="558209" y="0"/>
-            <a:ext cx="11167447" cy="2018806"/>
-          </a:xfrm>
-          <a:prstGeom prst="rect">
-            <a:avLst/>
-          </a:prstGeom>
-          <a:ln w="9525">
-            <a:solidFill>
-              <a:schemeClr val="tx2">
-                <a:lumMod val="10000"/>
-                <a:lumOff val="90000"/>
-              </a:schemeClr>
-            </a:solidFill>
-          </a:ln>
-          <a:effectLst>
-            <a:outerShdw blurRad="50800" dist="38100" dir="2700000" algn="tl" rotWithShape="0">
-              <a:schemeClr val="bg1">
-                <a:lumMod val="85000"/>
-                <a:alpha val="30000"/>
-              </a:schemeClr>
-            </a:outerShdw>
-          </a:effectLst>
-        </p:spPr>
-        <p:style>
-          <a:lnRef idx="2">
-            <a:schemeClr val="accent1">
-              <a:shade val="50000"/>
-            </a:schemeClr>
-          </a:lnRef>
-          <a:fillRef idx="1">
-            <a:schemeClr val="accent1"/>
-          </a:fillRef>
-          <a:effectRef idx="0">
-            <a:schemeClr val="accent1"/>
-          </a:effectRef>
-          <a:fontRef idx="minor">
-            <a:schemeClr val="lt1"/>
-          </a:fontRef>
-        </p:style>
-        <p:txBody>
-          <a:bodyPr rtlCol="0" anchor="ctr"/>
-          <a:lstStyle/>
-          <a:p>
-            <a:pPr marL="0" marR="0" lvl="0" indent="0" algn="ctr" defTabSz="914400" rtl="0" eaLnBrk="1" fontAlgn="auto" latinLnBrk="0" hangingPunct="1">
-              <a:lnSpc>
-                <a:spcPct val="100000"/>
-              </a:lnSpc>
-              <a:spcBef>
-                <a:spcPts val="0"/>
-              </a:spcBef>
-              <a:spcAft>
-                <a:spcPts val="0"/>
-              </a:spcAft>
-              <a:buClrTx/>
-              <a:buSzTx/>
-              <a:buFontTx/>
-              <a:buNone/>
-              <a:tabLst/>
-              <a:defRPr/>
-            </a:pPr>
-            <a:endParaRPr kumimoji="0" lang="en-US" sz="1800" b="0" i="0" u="none" strike="noStrike" kern="1200" cap="none" spc="0" normalizeH="0" baseline="0" noProof="0">
-              <a:ln>
-                <a:noFill/>
-              </a:ln>
-              <a:solidFill>
-                <a:prstClr val="white"/>
-              </a:solidFill>
-              <a:effectLst/>
-              <a:uLnTx/>
-              <a:uFillTx/>
-              <a:latin typeface="Calibri" panose="020F0502020204030204"/>
-              <a:ea typeface="+mn-ea"/>
-              <a:cs typeface="+mn-cs"/>
-            </a:endParaRPr>
-          </a:p>
-        </p:txBody>
-      </p:sp>
-      <p:sp useBgFill="1">
-        <p:nvSpPr>
-          <p:cNvPr id="11" name="Rectangle 10">
-            <a:extLst>
-              <a:ext uri="{FF2B5EF4-FFF2-40B4-BE49-F238E27FC236}">
-                <a16:creationId xmlns:a16="http://schemas.microsoft.com/office/drawing/2014/main" id="{42677A9B-4D1D-4D80-912C-24570140A650}"/>
-              </a:ext>
-            </a:extLst>
-          </p:cNvPr>
-          <p:cNvSpPr/>
-          <p:nvPr/>
-        </p:nvSpPr>
-        <p:spPr>
-          <a:xfrm>
-            <a:off x="566928" y="0"/>
-            <a:ext cx="11155680" cy="2011680"/>
-          </a:xfrm>
-          <a:prstGeom prst="rect">
-            <a:avLst/>
-          </a:prstGeom>
-          <a:ln w="9525">
-            <a:noFill/>
-          </a:ln>
-          <a:effectLst/>
-        </p:spPr>
-        <p:style>
-          <a:lnRef idx="2">
-            <a:schemeClr val="accent1">
-              <a:shade val="50000"/>
-            </a:schemeClr>
-          </a:lnRef>
-          <a:fillRef idx="1">
-            <a:schemeClr val="accent1"/>
-          </a:fillRef>
-          <a:effectRef idx="0">
-            <a:schemeClr val="accent1"/>
-          </a:effectRef>
-          <a:fontRef idx="minor">
-            <a:schemeClr val="lt1"/>
-          </a:fontRef>
-        </p:style>
-        <p:txBody>
-          <a:bodyPr rtlCol="0" anchor="ctr"/>
-          <a:lstStyle/>
-          <a:p>
-            <a:pPr marL="0" marR="0" lvl="0" indent="0" algn="ctr" defTabSz="914400" rtl="0" eaLnBrk="1" fontAlgn="auto" latinLnBrk="0" hangingPunct="1">
-              <a:lnSpc>
-                <a:spcPct val="100000"/>
-              </a:lnSpc>
-              <a:spcBef>
-                <a:spcPts val="0"/>
-              </a:spcBef>
-              <a:spcAft>
-                <a:spcPts val="0"/>
-              </a:spcAft>
-              <a:buClrTx/>
-              <a:buSzTx/>
-              <a:buFontTx/>
-              <a:buNone/>
-              <a:tabLst/>
-              <a:defRPr/>
-            </a:pPr>
-            <a:endParaRPr kumimoji="0" lang="en-US" sz="1800" b="0" i="0" u="none" strike="noStrike" kern="1200" cap="none" spc="0" normalizeH="0" baseline="0" noProof="0">
-              <a:ln>
-                <a:noFill/>
-              </a:ln>
-              <a:solidFill>
-                <a:prstClr val="white"/>
-              </a:solidFill>
-              <a:effectLst/>
-              <a:uLnTx/>
-              <a:uFillTx/>
-              <a:latin typeface="Calibri" panose="020F0502020204030204"/>
-              <a:ea typeface="+mn-ea"/>
-              <a:cs typeface="+mn-cs"/>
-            </a:endParaRPr>
-          </a:p>
-        </p:txBody>
-      </p:sp>
-      <p:sp>
-        <p:nvSpPr>
-          <p:cNvPr id="13" name="Rectangle 12">
-            <a:extLst>
-              <a:ext uri="{FF2B5EF4-FFF2-40B4-BE49-F238E27FC236}">
-                <a16:creationId xmlns:a16="http://schemas.microsoft.com/office/drawing/2014/main" id="{03DC8C98-510F-48C9-82B2-9E4F760A68DF}"/>
-              </a:ext>
-            </a:extLst>
-          </p:cNvPr>
-          <p:cNvSpPr/>
-          <p:nvPr/>
-        </p:nvSpPr>
-        <p:spPr>
-          <a:xfrm>
-            <a:off x="498834" y="787352"/>
-            <a:ext cx="128016" cy="704088"/>
-          </a:xfrm>
-          <a:prstGeom prst="rect">
-            <a:avLst/>
-          </a:prstGeom>
-          <a:solidFill>
-            <a:schemeClr val="accent1"/>
-          </a:solidFill>
-          <a:ln>
-            <a:noFill/>
-          </a:ln>
-        </p:spPr>
-        <p:style>
-          <a:lnRef idx="2">
-            <a:schemeClr val="accent1">
-              <a:shade val="50000"/>
-            </a:schemeClr>
-          </a:lnRef>
-          <a:fillRef idx="1">
-            <a:schemeClr val="accent1"/>
-          </a:fillRef>
-          <a:effectRef idx="0">
-            <a:schemeClr val="accent1"/>
-          </a:effectRef>
-          <a:fontRef idx="minor">
-            <a:schemeClr val="lt1"/>
-          </a:fontRef>
-        </p:style>
-        <p:txBody>
-          <a:bodyPr rtlCol="0" anchor="ctr"/>
-          <a:lstStyle/>
-          <a:p>
-            <a:pPr marL="0" marR="0" lvl="0" indent="0" algn="ctr" defTabSz="914400" rtl="0" eaLnBrk="1" fontAlgn="auto" latinLnBrk="0" hangingPunct="1">
-              <a:lnSpc>
-                <a:spcPct val="100000"/>
-              </a:lnSpc>
-              <a:spcBef>
-                <a:spcPts val="0"/>
-              </a:spcBef>
-              <a:spcAft>
-                <a:spcPts val="0"/>
-              </a:spcAft>
-              <a:buClrTx/>
-              <a:buSzTx/>
-              <a:buFontTx/>
-              <a:buNone/>
-              <a:tabLst/>
-              <a:defRPr/>
-            </a:pPr>
-            <a:endParaRPr kumimoji="0" lang="en-US" sz="1800" b="0" i="0" u="none" strike="noStrike" kern="1200" cap="none" spc="0" normalizeH="0" baseline="0" noProof="0">
-              <a:ln>
-                <a:noFill/>
-              </a:ln>
-              <a:solidFill>
-                <a:prstClr val="white"/>
-              </a:solidFill>
-              <a:effectLst/>
-              <a:uLnTx/>
-              <a:uFillTx/>
-              <a:latin typeface="Calibri" panose="020F0502020204030204"/>
-              <a:ea typeface="+mn-ea"/>
-              <a:cs typeface="+mn-cs"/>
-            </a:endParaRPr>
-          </a:p>
-        </p:txBody>
-      </p:sp>
       <p:sp>
         <p:nvSpPr>
           <p:cNvPr id="2" name="Title 1">
             <a:extLst>
               <a:ext uri="{FF2B5EF4-FFF2-40B4-BE49-F238E27FC236}">
-                <a16:creationId xmlns:a16="http://schemas.microsoft.com/office/drawing/2014/main" id="{17A078AE-0BC3-48F9-87EC-2DB0CCE7E2AE}"/>
+                <a16:creationId xmlns:a16="http://schemas.microsoft.com/office/drawing/2014/main" id="{0DF94B50-E94D-094D-959B-977824313640}"/>
               </a:ext>
             </a:extLst>
           </p:cNvPr>
@@ -2135,24 +1288,13 @@
             <p:ph type="title"/>
           </p:nvPr>
         </p:nvSpPr>
-        <p:spPr>
-          <a:xfrm>
-            <a:off x="1115568" y="548640"/>
-            <a:ext cx="10168128" cy="1179576"/>
-          </a:xfrm>
-        </p:spPr>
-        <p:txBody>
-          <a:bodyPr>
-            <a:normAutofit/>
-          </a:bodyPr>
-          <a:lstStyle>
-            <a:lvl1pPr>
-              <a:defRPr sz="4000"/>
-            </a:lvl1pPr>
-          </a:lstStyle>
-          <a:p>
-            <a:r>
-              <a:rPr lang="en-US" dirty="0"/>
+        <p:spPr/>
+        <p:txBody>
+          <a:bodyPr/>
+          <a:lstStyle/>
+          <a:p>
+            <a:r>
+              <a:rPr lang="en-US"/>
               <a:t>Click to edit Master title style</a:t>
             </a:r>
           </a:p>
@@ -2163,7 +1305,7 @@
           <p:cNvPr id="3" name="Content Placeholder 2">
             <a:extLst>
               <a:ext uri="{FF2B5EF4-FFF2-40B4-BE49-F238E27FC236}">
-                <a16:creationId xmlns:a16="http://schemas.microsoft.com/office/drawing/2014/main" id="{292A20DF-0829-4336-B59F-FF9D7AA9D8B6}"/>
+                <a16:creationId xmlns:a16="http://schemas.microsoft.com/office/drawing/2014/main" id="{45100C73-9F79-FB40-B2AC-B58C79A5A37D}"/>
               </a:ext>
             </a:extLst>
           </p:cNvPr>
@@ -2176,8 +1318,8 @@
         </p:nvSpPr>
         <p:spPr>
           <a:xfrm>
-            <a:off x="1115568" y="2478024"/>
-            <a:ext cx="4937760" cy="3694176"/>
+            <a:off x="838200" y="1825625"/>
+            <a:ext cx="5181600" cy="4351338"/>
           </a:xfrm>
         </p:spPr>
         <p:txBody>
@@ -2186,35 +1328,35 @@
           <a:p>
             <a:pPr lvl="0"/>
             <a:r>
-              <a:rPr lang="en-US" dirty="0"/>
+              <a:rPr lang="en-US"/>
               <a:t>Click to edit Master text styles</a:t>
             </a:r>
           </a:p>
           <a:p>
             <a:pPr lvl="1"/>
             <a:r>
-              <a:rPr lang="en-US" dirty="0"/>
+              <a:rPr lang="en-US"/>
               <a:t>Second level</a:t>
             </a:r>
           </a:p>
           <a:p>
             <a:pPr lvl="2"/>
             <a:r>
-              <a:rPr lang="en-US" dirty="0"/>
+              <a:rPr lang="en-US"/>
               <a:t>Third level</a:t>
             </a:r>
           </a:p>
           <a:p>
             <a:pPr lvl="3"/>
             <a:r>
-              <a:rPr lang="en-US" dirty="0"/>
+              <a:rPr lang="en-US"/>
               <a:t>Fourth level</a:t>
             </a:r>
           </a:p>
           <a:p>
             <a:pPr lvl="4"/>
             <a:r>
-              <a:rPr lang="en-US" dirty="0"/>
+              <a:rPr lang="en-US"/>
               <a:t>Fifth level</a:t>
             </a:r>
           </a:p>
@@ -2225,7 +1367,7 @@
           <p:cNvPr id="4" name="Content Placeholder 3">
             <a:extLst>
               <a:ext uri="{FF2B5EF4-FFF2-40B4-BE49-F238E27FC236}">
-                <a16:creationId xmlns:a16="http://schemas.microsoft.com/office/drawing/2014/main" id="{7935D01C-CF67-4DF6-B96C-FFC9D5BF847B}"/>
+                <a16:creationId xmlns:a16="http://schemas.microsoft.com/office/drawing/2014/main" id="{0888DE73-5446-1744-B011-803C00ED2E4D}"/>
               </a:ext>
             </a:extLst>
           </p:cNvPr>
@@ -2238,8 +1380,8 @@
         </p:nvSpPr>
         <p:spPr>
           <a:xfrm>
-            <a:off x="6345936" y="2478024"/>
-            <a:ext cx="4937760" cy="3694176"/>
+            <a:off x="6172200" y="1825625"/>
+            <a:ext cx="5181600" cy="4351338"/>
           </a:xfrm>
         </p:spPr>
         <p:txBody>
@@ -2248,35 +1390,35 @@
           <a:p>
             <a:pPr lvl="0"/>
             <a:r>
-              <a:rPr lang="en-US" dirty="0"/>
+              <a:rPr lang="en-US"/>
               <a:t>Click to edit Master text styles</a:t>
             </a:r>
           </a:p>
           <a:p>
             <a:pPr lvl="1"/>
             <a:r>
-              <a:rPr lang="en-US" dirty="0"/>
+              <a:rPr lang="en-US"/>
               <a:t>Second level</a:t>
             </a:r>
           </a:p>
           <a:p>
             <a:pPr lvl="2"/>
             <a:r>
-              <a:rPr lang="en-US" dirty="0"/>
+              <a:rPr lang="en-US"/>
               <a:t>Third level</a:t>
             </a:r>
           </a:p>
           <a:p>
             <a:pPr lvl="3"/>
             <a:r>
-              <a:rPr lang="en-US" dirty="0"/>
+              <a:rPr lang="en-US"/>
               <a:t>Fourth level</a:t>
             </a:r>
           </a:p>
           <a:p>
             <a:pPr lvl="4"/>
             <a:r>
-              <a:rPr lang="en-US" dirty="0"/>
+              <a:rPr lang="en-US"/>
               <a:t>Fifth level</a:t>
             </a:r>
           </a:p>
@@ -2287,7 +1429,7 @@
           <p:cNvPr id="5" name="Date Placeholder 4">
             <a:extLst>
               <a:ext uri="{FF2B5EF4-FFF2-40B4-BE49-F238E27FC236}">
-                <a16:creationId xmlns:a16="http://schemas.microsoft.com/office/drawing/2014/main" id="{29BBD797-6031-4F82-8726-EAB757027FF5}"/>
+                <a16:creationId xmlns:a16="http://schemas.microsoft.com/office/drawing/2014/main" id="{345E5FD3-4492-5A46-B190-4134A3D4D117}"/>
               </a:ext>
             </a:extLst>
           </p:cNvPr>
@@ -2298,12 +1440,7 @@
             <p:ph type="dt" sz="half" idx="10"/>
           </p:nvPr>
         </p:nvSpPr>
-        <p:spPr>
-          <a:xfrm>
-            <a:off x="1115568" y="6356350"/>
-            <a:ext cx="2743200" cy="365125"/>
-          </a:xfrm>
-        </p:spPr>
+        <p:spPr/>
         <p:txBody>
           <a:bodyPr/>
           <a:lstStyle/>
@@ -2321,7 +1458,7 @@
           <p:cNvPr id="6" name="Footer Placeholder 5">
             <a:extLst>
               <a:ext uri="{FF2B5EF4-FFF2-40B4-BE49-F238E27FC236}">
-                <a16:creationId xmlns:a16="http://schemas.microsoft.com/office/drawing/2014/main" id="{76B3F71C-B897-4909-A75E-8716AD49C156}"/>
+                <a16:creationId xmlns:a16="http://schemas.microsoft.com/office/drawing/2014/main" id="{2F63FDB7-1A45-6B40-B6E9-BF00C5B9C7F1}"/>
               </a:ext>
             </a:extLst>
           </p:cNvPr>
@@ -2346,7 +1483,7 @@
           <p:cNvPr id="7" name="Slide Number Placeholder 6">
             <a:extLst>
               <a:ext uri="{FF2B5EF4-FFF2-40B4-BE49-F238E27FC236}">
-                <a16:creationId xmlns:a16="http://schemas.microsoft.com/office/drawing/2014/main" id="{4F78BC14-5BB1-405F-A6F3-C07230F085C8}"/>
+                <a16:creationId xmlns:a16="http://schemas.microsoft.com/office/drawing/2014/main" id="{9C8C3226-AECC-AF41-A8F4-255E1CDD7D39}"/>
               </a:ext>
             </a:extLst>
           </p:cNvPr>
@@ -2357,12 +1494,7 @@
             <p:ph type="sldNum" sz="quarter" idx="12"/>
           </p:nvPr>
         </p:nvSpPr>
-        <p:spPr>
-          <a:xfrm>
-            <a:off x="8540496" y="6356350"/>
-            <a:ext cx="2743200" cy="365125"/>
-          </a:xfrm>
-        </p:spPr>
+        <p:spPr/>
         <p:txBody>
           <a:bodyPr/>
           <a:lstStyle/>
@@ -2378,7 +1510,7 @@
     </p:spTree>
     <p:extLst>
       <p:ext uri="{BB962C8B-B14F-4D97-AF65-F5344CB8AC3E}">
-        <p14:creationId xmlns:p14="http://schemas.microsoft.com/office/powerpoint/2010/main" val="3815243617"/>
+        <p14:creationId xmlns:p14="http://schemas.microsoft.com/office/powerpoint/2010/main" val="67627190"/>
       </p:ext>
     </p:extLst>
   </p:cSld>
@@ -2405,263 +1537,12 @@
           <a:chExt cx="0" cy="0"/>
         </a:xfrm>
       </p:grpSpPr>
-      <p:sp useBgFill="1">
-        <p:nvSpPr>
-          <p:cNvPr id="11" name="Rectangle 10">
-            <a:extLst>
-              <a:ext uri="{FF2B5EF4-FFF2-40B4-BE49-F238E27FC236}">
-                <a16:creationId xmlns:a16="http://schemas.microsoft.com/office/drawing/2014/main" id="{6B671BDE-E45C-41A1-9B98-4A607D703855}"/>
-              </a:ext>
-            </a:extLst>
-          </p:cNvPr>
-          <p:cNvSpPr/>
-          <p:nvPr/>
-        </p:nvSpPr>
-        <p:spPr>
-          <a:xfrm>
-            <a:off x="558209" y="0"/>
-            <a:ext cx="11167447" cy="2018806"/>
-          </a:xfrm>
-          <a:prstGeom prst="rect">
-            <a:avLst/>
-          </a:prstGeom>
-          <a:ln w="9525">
-            <a:solidFill>
-              <a:schemeClr val="tx2">
-                <a:lumMod val="10000"/>
-                <a:lumOff val="90000"/>
-              </a:schemeClr>
-            </a:solidFill>
-          </a:ln>
-          <a:effectLst>
-            <a:outerShdw blurRad="50800" dist="38100" dir="2700000" algn="tl" rotWithShape="0">
-              <a:schemeClr val="bg1">
-                <a:lumMod val="85000"/>
-                <a:alpha val="30000"/>
-              </a:schemeClr>
-            </a:outerShdw>
-          </a:effectLst>
-        </p:spPr>
-        <p:style>
-          <a:lnRef idx="2">
-            <a:schemeClr val="accent1">
-              <a:shade val="50000"/>
-            </a:schemeClr>
-          </a:lnRef>
-          <a:fillRef idx="1">
-            <a:schemeClr val="accent1"/>
-          </a:fillRef>
-          <a:effectRef idx="0">
-            <a:schemeClr val="accent1"/>
-          </a:effectRef>
-          <a:fontRef idx="minor">
-            <a:schemeClr val="lt1"/>
-          </a:fontRef>
-        </p:style>
-        <p:txBody>
-          <a:bodyPr rtlCol="0" anchor="ctr"/>
-          <a:lstStyle/>
-          <a:p>
-            <a:pPr marL="0" marR="0" lvl="0" indent="0" algn="ctr" defTabSz="914400" rtl="0" eaLnBrk="1" fontAlgn="auto" latinLnBrk="0" hangingPunct="1">
-              <a:lnSpc>
-                <a:spcPct val="100000"/>
-              </a:lnSpc>
-              <a:spcBef>
-                <a:spcPts val="0"/>
-              </a:spcBef>
-              <a:spcAft>
-                <a:spcPts val="0"/>
-              </a:spcAft>
-              <a:buClrTx/>
-              <a:buSzTx/>
-              <a:buFontTx/>
-              <a:buNone/>
-              <a:tabLst/>
-              <a:defRPr/>
-            </a:pPr>
-            <a:endParaRPr kumimoji="0" lang="en-US" sz="1800" b="0" i="0" u="none" strike="noStrike" kern="1200" cap="none" spc="0" normalizeH="0" baseline="0" noProof="0">
-              <a:ln>
-                <a:noFill/>
-              </a:ln>
-              <a:solidFill>
-                <a:prstClr val="white"/>
-              </a:solidFill>
-              <a:effectLst/>
-              <a:uLnTx/>
-              <a:uFillTx/>
-              <a:latin typeface="Calibri" panose="020F0502020204030204"/>
-              <a:ea typeface="+mn-ea"/>
-              <a:cs typeface="+mn-cs"/>
-            </a:endParaRPr>
-          </a:p>
-        </p:txBody>
-      </p:sp>
-      <p:sp useBgFill="1">
-        <p:nvSpPr>
-          <p:cNvPr id="13" name="Rectangle 12">
-            <a:extLst>
-              <a:ext uri="{FF2B5EF4-FFF2-40B4-BE49-F238E27FC236}">
-                <a16:creationId xmlns:a16="http://schemas.microsoft.com/office/drawing/2014/main" id="{299500CE-917A-4D03-A7DF-71D8EBBC1537}"/>
-              </a:ext>
-            </a:extLst>
-          </p:cNvPr>
-          <p:cNvSpPr/>
-          <p:nvPr/>
-        </p:nvSpPr>
-        <p:spPr>
-          <a:xfrm>
-            <a:off x="566928" y="0"/>
-            <a:ext cx="11155680" cy="2011680"/>
-          </a:xfrm>
-          <a:prstGeom prst="rect">
-            <a:avLst/>
-          </a:prstGeom>
-          <a:ln w="9525">
-            <a:noFill/>
-          </a:ln>
-          <a:effectLst/>
-        </p:spPr>
-        <p:style>
-          <a:lnRef idx="2">
-            <a:schemeClr val="accent1">
-              <a:shade val="50000"/>
-            </a:schemeClr>
-          </a:lnRef>
-          <a:fillRef idx="1">
-            <a:schemeClr val="accent1"/>
-          </a:fillRef>
-          <a:effectRef idx="0">
-            <a:schemeClr val="accent1"/>
-          </a:effectRef>
-          <a:fontRef idx="minor">
-            <a:schemeClr val="lt1"/>
-          </a:fontRef>
-        </p:style>
-        <p:txBody>
-          <a:bodyPr rtlCol="0" anchor="ctr"/>
-          <a:lstStyle/>
-          <a:p>
-            <a:pPr marL="0" marR="0" lvl="0" indent="0" algn="ctr" defTabSz="914400" rtl="0" eaLnBrk="1" fontAlgn="auto" latinLnBrk="0" hangingPunct="1">
-              <a:lnSpc>
-                <a:spcPct val="100000"/>
-              </a:lnSpc>
-              <a:spcBef>
-                <a:spcPts val="0"/>
-              </a:spcBef>
-              <a:spcAft>
-                <a:spcPts val="0"/>
-              </a:spcAft>
-              <a:buClrTx/>
-              <a:buSzTx/>
-              <a:buFontTx/>
-              <a:buNone/>
-              <a:tabLst/>
-              <a:defRPr/>
-            </a:pPr>
-            <a:endParaRPr kumimoji="0" lang="en-US" sz="1800" b="0" i="0" u="none" strike="noStrike" kern="1200" cap="none" spc="0" normalizeH="0" baseline="0" noProof="0" dirty="0">
-              <a:ln>
-                <a:noFill/>
-              </a:ln>
-              <a:solidFill>
-                <a:prstClr val="white"/>
-              </a:solidFill>
-              <a:effectLst/>
-              <a:uLnTx/>
-              <a:uFillTx/>
-              <a:latin typeface="Calibri" panose="020F0502020204030204"/>
-              <a:ea typeface="+mn-ea"/>
-              <a:cs typeface="+mn-cs"/>
-            </a:endParaRPr>
-          </a:p>
-        </p:txBody>
-      </p:sp>
-      <p:sp>
-        <p:nvSpPr>
-          <p:cNvPr id="15" name="Rectangle 14">
-            <a:extLst>
-              <a:ext uri="{FF2B5EF4-FFF2-40B4-BE49-F238E27FC236}">
-                <a16:creationId xmlns:a16="http://schemas.microsoft.com/office/drawing/2014/main" id="{C3D0D377-28B0-417D-886B-9483AF064975}"/>
-              </a:ext>
-            </a:extLst>
-          </p:cNvPr>
-          <p:cNvSpPr/>
-          <p:nvPr/>
-        </p:nvSpPr>
-        <p:spPr>
-          <a:xfrm>
-            <a:off x="498834" y="787352"/>
-            <a:ext cx="128016" cy="704088"/>
-          </a:xfrm>
-          <a:prstGeom prst="rect">
-            <a:avLst/>
-          </a:prstGeom>
-          <a:solidFill>
-            <a:schemeClr val="accent1"/>
-          </a:solidFill>
-          <a:ln>
-            <a:noFill/>
-          </a:ln>
-        </p:spPr>
-        <p:style>
-          <a:lnRef idx="2">
-            <a:schemeClr val="accent1">
-              <a:shade val="50000"/>
-            </a:schemeClr>
-          </a:lnRef>
-          <a:fillRef idx="1">
-            <a:schemeClr val="accent1"/>
-          </a:fillRef>
-          <a:effectRef idx="0">
-            <a:schemeClr val="accent1"/>
-          </a:effectRef>
-          <a:fontRef idx="minor">
-            <a:schemeClr val="lt1"/>
-          </a:fontRef>
-        </p:style>
-        <p:txBody>
-          <a:bodyPr rtlCol="0" anchor="ctr"/>
-          <a:lstStyle/>
-          <a:p>
-            <a:pPr marL="0" marR="0" lvl="0" indent="0" algn="ctr" defTabSz="914400" rtl="0" eaLnBrk="1" fontAlgn="auto" latinLnBrk="0" hangingPunct="1">
-              <a:lnSpc>
-                <a:spcPct val="100000"/>
-              </a:lnSpc>
-              <a:spcBef>
-                <a:spcPts val="0"/>
-              </a:spcBef>
-              <a:spcAft>
-                <a:spcPts val="0"/>
-              </a:spcAft>
-              <a:buClrTx/>
-              <a:buSzTx/>
-              <a:buFontTx/>
-              <a:buNone/>
-              <a:tabLst/>
-              <a:defRPr/>
-            </a:pPr>
-            <a:endParaRPr kumimoji="0" lang="en-US" sz="1800" b="0" i="0" u="none" strike="noStrike" kern="1200" cap="none" spc="0" normalizeH="0" baseline="0" noProof="0">
-              <a:ln>
-                <a:noFill/>
-              </a:ln>
-              <a:solidFill>
-                <a:prstClr val="white"/>
-              </a:solidFill>
-              <a:effectLst/>
-              <a:uLnTx/>
-              <a:uFillTx/>
-              <a:latin typeface="Calibri" panose="020F0502020204030204"/>
-              <a:ea typeface="+mn-ea"/>
-              <a:cs typeface="+mn-cs"/>
-            </a:endParaRPr>
-          </a:p>
-        </p:txBody>
-      </p:sp>
       <p:sp>
         <p:nvSpPr>
           <p:cNvPr id="2" name="Title 1">
             <a:extLst>
               <a:ext uri="{FF2B5EF4-FFF2-40B4-BE49-F238E27FC236}">
-                <a16:creationId xmlns:a16="http://schemas.microsoft.com/office/drawing/2014/main" id="{0F8F91F8-0767-40B5-A3AA-72931FC192EA}"/>
+                <a16:creationId xmlns:a16="http://schemas.microsoft.com/office/drawing/2014/main" id="{CB908D2C-B83B-2E4D-9E55-8BC078EAE6D6}"/>
               </a:ext>
             </a:extLst>
           </p:cNvPr>
@@ -2674,22 +1555,16 @@
         </p:nvSpPr>
         <p:spPr>
           <a:xfrm>
-            <a:off x="1115568" y="548640"/>
-            <a:ext cx="10168128" cy="1179576"/>
-          </a:xfrm>
-        </p:spPr>
-        <p:txBody>
-          <a:bodyPr>
-            <a:normAutofit/>
-          </a:bodyPr>
-          <a:lstStyle>
-            <a:lvl1pPr>
-              <a:defRPr sz="4000"/>
-            </a:lvl1pPr>
-          </a:lstStyle>
-          <a:p>
-            <a:r>
-              <a:rPr lang="en-US" dirty="0"/>
+            <a:off x="839788" y="365125"/>
+            <a:ext cx="10515600" cy="1325563"/>
+          </a:xfrm>
+        </p:spPr>
+        <p:txBody>
+          <a:bodyPr/>
+          <a:lstStyle/>
+          <a:p>
+            <a:r>
+              <a:rPr lang="en-US"/>
               <a:t>Click to edit Master title style</a:t>
             </a:r>
           </a:p>
@@ -2700,7 +1575,7 @@
           <p:cNvPr id="3" name="Text Placeholder 2">
             <a:extLst>
               <a:ext uri="{FF2B5EF4-FFF2-40B4-BE49-F238E27FC236}">
-                <a16:creationId xmlns:a16="http://schemas.microsoft.com/office/drawing/2014/main" id="{AAAE0554-8BEE-4BF6-9519-51B8475D35E1}"/>
+                <a16:creationId xmlns:a16="http://schemas.microsoft.com/office/drawing/2014/main" id="{8BD74468-5F3B-5145-B615-2D2C27A81766}"/>
               </a:ext>
             </a:extLst>
           </p:cNvPr>
@@ -2713,8 +1588,8 @@
         </p:nvSpPr>
         <p:spPr>
           <a:xfrm>
-            <a:off x="1115568" y="2372650"/>
-            <a:ext cx="4937760" cy="823912"/>
+            <a:off x="839788" y="1681163"/>
+            <a:ext cx="5157787" cy="823912"/>
           </a:xfrm>
         </p:spPr>
         <p:txBody>
@@ -2722,7 +1597,7 @@
           <a:lstStyle>
             <a:lvl1pPr marL="0" indent="0">
               <a:buNone/>
-              <a:defRPr sz="2400" b="1" cap="none" baseline="0"/>
+              <a:defRPr sz="2400" b="1"/>
             </a:lvl1pPr>
             <a:lvl2pPr marL="457200" indent="0">
               <a:buNone/>
@@ -2760,7 +1635,7 @@
           <a:p>
             <a:pPr lvl="0"/>
             <a:r>
-              <a:rPr lang="en-US" dirty="0"/>
+              <a:rPr lang="en-US"/>
               <a:t>Click to edit Master text styles</a:t>
             </a:r>
           </a:p>
@@ -2771,7 +1646,7 @@
           <p:cNvPr id="4" name="Content Placeholder 3">
             <a:extLst>
               <a:ext uri="{FF2B5EF4-FFF2-40B4-BE49-F238E27FC236}">
-                <a16:creationId xmlns:a16="http://schemas.microsoft.com/office/drawing/2014/main" id="{FD4A358D-C930-48E0-B372-06A826B74C47}"/>
+                <a16:creationId xmlns:a16="http://schemas.microsoft.com/office/drawing/2014/main" id="{0BD39D95-5036-954D-A868-C2999A9F82D7}"/>
               </a:ext>
             </a:extLst>
           </p:cNvPr>
@@ -2784,55 +1659,45 @@
         </p:nvSpPr>
         <p:spPr>
           <a:xfrm>
-            <a:off x="1115568" y="3203688"/>
-            <a:ext cx="4937760" cy="2968512"/>
+            <a:off x="839788" y="2505075"/>
+            <a:ext cx="5157787" cy="3684588"/>
           </a:xfrm>
         </p:spPr>
         <p:txBody>
           <a:bodyPr/>
-          <a:lstStyle>
-            <a:lvl1pPr>
-              <a:defRPr sz="2400"/>
-            </a:lvl1pPr>
-            <a:lvl2pPr>
-              <a:defRPr sz="2000"/>
-            </a:lvl2pPr>
-            <a:lvl3pPr>
-              <a:defRPr sz="1800"/>
-            </a:lvl3pPr>
-          </a:lstStyle>
+          <a:lstStyle/>
           <a:p>
             <a:pPr lvl="0"/>
             <a:r>
-              <a:rPr lang="en-US" dirty="0"/>
+              <a:rPr lang="en-US"/>
               <a:t>Click to edit Master text styles</a:t>
             </a:r>
           </a:p>
           <a:p>
             <a:pPr lvl="1"/>
             <a:r>
-              <a:rPr lang="en-US" dirty="0"/>
+              <a:rPr lang="en-US"/>
               <a:t>Second level</a:t>
             </a:r>
           </a:p>
           <a:p>
             <a:pPr lvl="2"/>
             <a:r>
-              <a:rPr lang="en-US" dirty="0"/>
+              <a:rPr lang="en-US"/>
               <a:t>Third level</a:t>
             </a:r>
           </a:p>
           <a:p>
             <a:pPr lvl="3"/>
             <a:r>
-              <a:rPr lang="en-US" dirty="0"/>
+              <a:rPr lang="en-US"/>
               <a:t>Fourth level</a:t>
             </a:r>
           </a:p>
           <a:p>
             <a:pPr lvl="4"/>
             <a:r>
-              <a:rPr lang="en-US" dirty="0"/>
+              <a:rPr lang="en-US"/>
               <a:t>Fifth level</a:t>
             </a:r>
           </a:p>
@@ -2843,7 +1708,7 @@
           <p:cNvPr id="5" name="Text Placeholder 4">
             <a:extLst>
               <a:ext uri="{FF2B5EF4-FFF2-40B4-BE49-F238E27FC236}">
-                <a16:creationId xmlns:a16="http://schemas.microsoft.com/office/drawing/2014/main" id="{83B6615E-4966-4150-83B6-C47591B36383}"/>
+                <a16:creationId xmlns:a16="http://schemas.microsoft.com/office/drawing/2014/main" id="{00A911B7-57E0-324C-95BB-493607A1EAA2}"/>
               </a:ext>
             </a:extLst>
           </p:cNvPr>
@@ -2856,8 +1721,8 @@
         </p:nvSpPr>
         <p:spPr>
           <a:xfrm>
-            <a:off x="6345936" y="2372650"/>
-            <a:ext cx="4937760" cy="823912"/>
+            <a:off x="6172200" y="1681163"/>
+            <a:ext cx="5183188" cy="823912"/>
           </a:xfrm>
         </p:spPr>
         <p:txBody>
@@ -2865,7 +1730,7 @@
           <a:lstStyle>
             <a:lvl1pPr marL="0" indent="0">
               <a:buNone/>
-              <a:defRPr sz="2400" b="1" cap="none" baseline="0"/>
+              <a:defRPr sz="2400" b="1"/>
             </a:lvl1pPr>
             <a:lvl2pPr marL="457200" indent="0">
               <a:buNone/>
@@ -2903,7 +1768,7 @@
           <a:p>
             <a:pPr lvl="0"/>
             <a:r>
-              <a:rPr lang="en-US" dirty="0"/>
+              <a:rPr lang="en-US"/>
               <a:t>Click to edit Master text styles</a:t>
             </a:r>
           </a:p>
@@ -2914,7 +1779,7 @@
           <p:cNvPr id="6" name="Content Placeholder 5">
             <a:extLst>
               <a:ext uri="{FF2B5EF4-FFF2-40B4-BE49-F238E27FC236}">
-                <a16:creationId xmlns:a16="http://schemas.microsoft.com/office/drawing/2014/main" id="{BD409F6B-C17B-4B4F-9F35-5068BDC4E2FD}"/>
+                <a16:creationId xmlns:a16="http://schemas.microsoft.com/office/drawing/2014/main" id="{EA15590F-9A43-E849-A64E-723B7A6232B6}"/>
               </a:ext>
             </a:extLst>
           </p:cNvPr>
@@ -2927,55 +1792,45 @@
         </p:nvSpPr>
         <p:spPr>
           <a:xfrm>
-            <a:off x="6345936" y="3203687"/>
-            <a:ext cx="4937760" cy="2968511"/>
+            <a:off x="6172200" y="2505075"/>
+            <a:ext cx="5183188" cy="3684588"/>
           </a:xfrm>
         </p:spPr>
         <p:txBody>
           <a:bodyPr/>
-          <a:lstStyle>
-            <a:lvl1pPr>
-              <a:defRPr sz="2400"/>
-            </a:lvl1pPr>
-            <a:lvl2pPr>
-              <a:defRPr sz="2000"/>
-            </a:lvl2pPr>
-            <a:lvl3pPr>
-              <a:defRPr sz="1800"/>
-            </a:lvl3pPr>
-          </a:lstStyle>
+          <a:lstStyle/>
           <a:p>
             <a:pPr lvl="0"/>
             <a:r>
-              <a:rPr lang="en-US" dirty="0"/>
+              <a:rPr lang="en-US"/>
               <a:t>Click to edit Master text styles</a:t>
             </a:r>
           </a:p>
           <a:p>
             <a:pPr lvl="1"/>
             <a:r>
-              <a:rPr lang="en-US" dirty="0"/>
+              <a:rPr lang="en-US"/>
               <a:t>Second level</a:t>
             </a:r>
           </a:p>
           <a:p>
             <a:pPr lvl="2"/>
             <a:r>
-              <a:rPr lang="en-US" dirty="0"/>
+              <a:rPr lang="en-US"/>
               <a:t>Third level</a:t>
             </a:r>
           </a:p>
           <a:p>
             <a:pPr lvl="3"/>
             <a:r>
-              <a:rPr lang="en-US" dirty="0"/>
+              <a:rPr lang="en-US"/>
               <a:t>Fourth level</a:t>
             </a:r>
           </a:p>
           <a:p>
             <a:pPr lvl="4"/>
             <a:r>
-              <a:rPr lang="en-US" dirty="0"/>
+              <a:rPr lang="en-US"/>
               <a:t>Fifth level</a:t>
             </a:r>
           </a:p>
@@ -2986,7 +1841,7 @@
           <p:cNvPr id="7" name="Date Placeholder 6">
             <a:extLst>
               <a:ext uri="{FF2B5EF4-FFF2-40B4-BE49-F238E27FC236}">
-                <a16:creationId xmlns:a16="http://schemas.microsoft.com/office/drawing/2014/main" id="{C8BC356D-052B-4A9B-8B2F-6665FD325AB3}"/>
+                <a16:creationId xmlns:a16="http://schemas.microsoft.com/office/drawing/2014/main" id="{19B070B1-DBF7-D846-BE77-16F82A38D2C0}"/>
               </a:ext>
             </a:extLst>
           </p:cNvPr>
@@ -2997,12 +1852,7 @@
             <p:ph type="dt" sz="half" idx="10"/>
           </p:nvPr>
         </p:nvSpPr>
-        <p:spPr>
-          <a:xfrm>
-            <a:off x="1115568" y="6356350"/>
-            <a:ext cx="2743200" cy="365125"/>
-          </a:xfrm>
-        </p:spPr>
+        <p:spPr/>
         <p:txBody>
           <a:bodyPr/>
           <a:lstStyle/>
@@ -3020,7 +1870,7 @@
           <p:cNvPr id="8" name="Footer Placeholder 7">
             <a:extLst>
               <a:ext uri="{FF2B5EF4-FFF2-40B4-BE49-F238E27FC236}">
-                <a16:creationId xmlns:a16="http://schemas.microsoft.com/office/drawing/2014/main" id="{69C5E5FA-26A9-467C-93E3-8476142D1D46}"/>
+                <a16:creationId xmlns:a16="http://schemas.microsoft.com/office/drawing/2014/main" id="{001D6ED8-5882-6846-8AF8-FEB8FEC6FC67}"/>
               </a:ext>
             </a:extLst>
           </p:cNvPr>
@@ -3045,7 +1895,7 @@
           <p:cNvPr id="9" name="Slide Number Placeholder 8">
             <a:extLst>
               <a:ext uri="{FF2B5EF4-FFF2-40B4-BE49-F238E27FC236}">
-                <a16:creationId xmlns:a16="http://schemas.microsoft.com/office/drawing/2014/main" id="{D279E50C-1E40-4B48-871B-E392428D20A3}"/>
+                <a16:creationId xmlns:a16="http://schemas.microsoft.com/office/drawing/2014/main" id="{3500FA65-EA6D-FD47-97A5-1BE74C54D9A3}"/>
               </a:ext>
             </a:extLst>
           </p:cNvPr>
@@ -3056,12 +1906,7 @@
             <p:ph type="sldNum" sz="quarter" idx="12"/>
           </p:nvPr>
         </p:nvSpPr>
-        <p:spPr>
-          <a:xfrm>
-            <a:off x="8540496" y="6356350"/>
-            <a:ext cx="2743200" cy="365125"/>
-          </a:xfrm>
-        </p:spPr>
+        <p:spPr/>
         <p:txBody>
           <a:bodyPr/>
           <a:lstStyle/>
@@ -3077,7 +1922,7 @@
     </p:spTree>
     <p:extLst>
       <p:ext uri="{BB962C8B-B14F-4D97-AF65-F5344CB8AC3E}">
-        <p14:creationId xmlns:p14="http://schemas.microsoft.com/office/powerpoint/2010/main" val="989391480"/>
+        <p14:creationId xmlns:p14="http://schemas.microsoft.com/office/powerpoint/2010/main" val="2760193872"/>
       </p:ext>
     </p:extLst>
   </p:cSld>
@@ -3104,184 +1949,12 @@
           <a:chExt cx="0" cy="0"/>
         </a:xfrm>
       </p:grpSpPr>
-      <p:sp useBgFill="1">
-        <p:nvSpPr>
-          <p:cNvPr id="7" name="Rectangle 6">
-            <a:extLst>
-              <a:ext uri="{FF2B5EF4-FFF2-40B4-BE49-F238E27FC236}">
-                <a16:creationId xmlns:a16="http://schemas.microsoft.com/office/drawing/2014/main" id="{8C0689C4-0DB3-408B-A956-40326B4AE4C4}"/>
-              </a:ext>
-            </a:extLst>
-          </p:cNvPr>
-          <p:cNvSpPr/>
-          <p:nvPr/>
-        </p:nvSpPr>
-        <p:spPr>
-          <a:xfrm>
-            <a:off x="665853" y="1533525"/>
-            <a:ext cx="10917063" cy="3790950"/>
-          </a:xfrm>
-          <a:prstGeom prst="rect">
-            <a:avLst/>
-          </a:prstGeom>
-          <a:ln w="12700">
-            <a:solidFill>
-              <a:schemeClr val="tx2">
-                <a:lumMod val="10000"/>
-                <a:lumOff val="90000"/>
-              </a:schemeClr>
-            </a:solidFill>
-          </a:ln>
-          <a:effectLst>
-            <a:outerShdw blurRad="50800" dist="38100" dir="2700000" algn="tl" rotWithShape="0">
-              <a:schemeClr val="bg2">
-                <a:lumMod val="85000"/>
-                <a:alpha val="30000"/>
-              </a:schemeClr>
-            </a:outerShdw>
-          </a:effectLst>
-        </p:spPr>
-        <p:style>
-          <a:lnRef idx="2">
-            <a:schemeClr val="accent1">
-              <a:shade val="50000"/>
-            </a:schemeClr>
-          </a:lnRef>
-          <a:fillRef idx="1">
-            <a:schemeClr val="accent1"/>
-          </a:fillRef>
-          <a:effectRef idx="0">
-            <a:schemeClr val="accent1"/>
-          </a:effectRef>
-          <a:fontRef idx="minor">
-            <a:schemeClr val="lt1"/>
-          </a:fontRef>
-        </p:style>
-        <p:txBody>
-          <a:bodyPr rtlCol="0" anchor="ctr"/>
-          <a:lstStyle/>
-          <a:p>
-            <a:pPr marL="0" marR="0" lvl="0" indent="0" algn="ctr" defTabSz="914400" rtl="0" eaLnBrk="1" fontAlgn="auto" latinLnBrk="0" hangingPunct="1">
-              <a:lnSpc>
-                <a:spcPct val="100000"/>
-              </a:lnSpc>
-              <a:spcBef>
-                <a:spcPts val="0"/>
-              </a:spcBef>
-              <a:spcAft>
-                <a:spcPts val="0"/>
-              </a:spcAft>
-              <a:buClrTx/>
-              <a:buSzTx/>
-              <a:buFontTx/>
-              <a:buNone/>
-              <a:tabLst/>
-              <a:defRPr/>
-            </a:pPr>
-            <a:endParaRPr kumimoji="0" lang="en-US" sz="1800" b="0" i="0" u="none" strike="noStrike" kern="1200" cap="none" spc="0" normalizeH="0" baseline="0" noProof="0">
-              <a:ln>
-                <a:noFill/>
-              </a:ln>
-              <a:solidFill>
-                <a:prstClr val="white"/>
-              </a:solidFill>
-              <a:effectLst/>
-              <a:uLnTx/>
-              <a:uFillTx/>
-              <a:latin typeface="Calibri" panose="020F0502020204030204"/>
-              <a:ea typeface="+mn-ea"/>
-              <a:cs typeface="+mn-cs"/>
-            </a:endParaRPr>
-          </a:p>
-        </p:txBody>
-      </p:sp>
-      <p:sp>
-        <p:nvSpPr>
-          <p:cNvPr id="9" name="Rectangle 8">
-            <a:extLst>
-              <a:ext uri="{FF2B5EF4-FFF2-40B4-BE49-F238E27FC236}">
-                <a16:creationId xmlns:a16="http://schemas.microsoft.com/office/drawing/2014/main" id="{56E1D10E-1C30-41BF-8C3B-C460C9B5597B}"/>
-              </a:ext>
-            </a:extLst>
-          </p:cNvPr>
-          <p:cNvSpPr/>
-          <p:nvPr/>
-        </p:nvSpPr>
-        <p:spPr>
-          <a:xfrm>
-            <a:off x="609084" y="2971798"/>
-            <a:ext cx="128016" cy="914400"/>
-          </a:xfrm>
-          <a:prstGeom prst="rect">
-            <a:avLst/>
-          </a:prstGeom>
-          <a:solidFill>
-            <a:schemeClr val="accent1"/>
-          </a:solidFill>
-          <a:ln>
-            <a:noFill/>
-          </a:ln>
-        </p:spPr>
-        <p:style>
-          <a:lnRef idx="2">
-            <a:schemeClr val="accent1">
-              <a:shade val="50000"/>
-            </a:schemeClr>
-          </a:lnRef>
-          <a:fillRef idx="1">
-            <a:schemeClr val="accent1"/>
-          </a:fillRef>
-          <a:effectRef idx="0">
-            <a:schemeClr val="accent1"/>
-          </a:effectRef>
-          <a:fontRef idx="minor">
-            <a:schemeClr val="lt1"/>
-          </a:fontRef>
-        </p:style>
-        <p:txBody>
-          <a:bodyPr rtlCol="0" anchor="ctr"/>
-          <a:lstStyle/>
-          <a:p>
-            <a:pPr marL="0" marR="0" lvl="0" indent="0" algn="ctr" defTabSz="914400" rtl="0" eaLnBrk="1" fontAlgn="auto" latinLnBrk="0" hangingPunct="1">
-              <a:lnSpc>
-                <a:spcPct val="100000"/>
-              </a:lnSpc>
-              <a:spcBef>
-                <a:spcPts val="0"/>
-              </a:spcBef>
-              <a:spcAft>
-                <a:spcPts val="0"/>
-              </a:spcAft>
-              <a:buClrTx/>
-              <a:buSzTx/>
-              <a:buFontTx/>
-              <a:buNone/>
-              <a:tabLst/>
-              <a:defRPr/>
-            </a:pPr>
-            <a:endParaRPr kumimoji="0" lang="en-US" sz="1800" b="0" i="0" u="none" strike="noStrike" kern="1200" cap="none" spc="0" normalizeH="0" baseline="0" noProof="0">
-              <a:ln>
-                <a:noFill/>
-              </a:ln>
-              <a:solidFill>
-                <a:prstClr val="white"/>
-              </a:solidFill>
-              <a:effectLst/>
-              <a:uLnTx/>
-              <a:uFillTx/>
-              <a:latin typeface="Calibri" panose="020F0502020204030204"/>
-              <a:ea typeface="+mn-ea"/>
-              <a:cs typeface="+mn-cs"/>
-            </a:endParaRPr>
-          </a:p>
-        </p:txBody>
-      </p:sp>
       <p:sp>
         <p:nvSpPr>
           <p:cNvPr id="2" name="Title 1">
             <a:extLst>
               <a:ext uri="{FF2B5EF4-FFF2-40B4-BE49-F238E27FC236}">
-                <a16:creationId xmlns:a16="http://schemas.microsoft.com/office/drawing/2014/main" id="{779454F2-0EE5-4888-AF4C-82F825E6226E}"/>
+                <a16:creationId xmlns:a16="http://schemas.microsoft.com/office/drawing/2014/main" id="{8EA80276-8E58-2846-B850-7B11F5ED4501}"/>
               </a:ext>
             </a:extLst>
           </p:cNvPr>
@@ -3292,24 +1965,13 @@
             <p:ph type="title"/>
           </p:nvPr>
         </p:nvSpPr>
-        <p:spPr>
-          <a:xfrm>
-            <a:off x="1078992" y="1938528"/>
-            <a:ext cx="10177272" cy="2990088"/>
-          </a:xfrm>
-        </p:spPr>
-        <p:txBody>
-          <a:bodyPr>
-            <a:normAutofit/>
-          </a:bodyPr>
-          <a:lstStyle>
-            <a:lvl1pPr>
-              <a:defRPr sz="5400"/>
-            </a:lvl1pPr>
-          </a:lstStyle>
-          <a:p>
-            <a:r>
-              <a:rPr lang="en-US" dirty="0"/>
+        <p:spPr/>
+        <p:txBody>
+          <a:bodyPr/>
+          <a:lstStyle/>
+          <a:p>
+            <a:r>
+              <a:rPr lang="en-US"/>
               <a:t>Click to edit Master title style</a:t>
             </a:r>
           </a:p>
@@ -3320,7 +1982,7 @@
           <p:cNvPr id="3" name="Date Placeholder 2">
             <a:extLst>
               <a:ext uri="{FF2B5EF4-FFF2-40B4-BE49-F238E27FC236}">
-                <a16:creationId xmlns:a16="http://schemas.microsoft.com/office/drawing/2014/main" id="{67C91241-A315-4643-91E5-CF2C25CC903A}"/>
+                <a16:creationId xmlns:a16="http://schemas.microsoft.com/office/drawing/2014/main" id="{31746BD8-94A4-C141-901F-D2AEAE80C5F1}"/>
               </a:ext>
             </a:extLst>
           </p:cNvPr>
@@ -3349,7 +2011,7 @@
           <p:cNvPr id="4" name="Footer Placeholder 3">
             <a:extLst>
               <a:ext uri="{FF2B5EF4-FFF2-40B4-BE49-F238E27FC236}">
-                <a16:creationId xmlns:a16="http://schemas.microsoft.com/office/drawing/2014/main" id="{22706D86-5479-487D-94C8-76093D84F377}"/>
+                <a16:creationId xmlns:a16="http://schemas.microsoft.com/office/drawing/2014/main" id="{5DA38CB8-2BD7-E043-BE10-18478D51696C}"/>
               </a:ext>
             </a:extLst>
           </p:cNvPr>
@@ -3374,7 +2036,7 @@
           <p:cNvPr id="5" name="Slide Number Placeholder 4">
             <a:extLst>
               <a:ext uri="{FF2B5EF4-FFF2-40B4-BE49-F238E27FC236}">
-                <a16:creationId xmlns:a16="http://schemas.microsoft.com/office/drawing/2014/main" id="{A7739411-CED6-43D4-868D-A65C4161A72B}"/>
+                <a16:creationId xmlns:a16="http://schemas.microsoft.com/office/drawing/2014/main" id="{71E78AF0-2163-334D-889F-C06CB828D974}"/>
               </a:ext>
             </a:extLst>
           </p:cNvPr>
@@ -3401,7 +2063,7 @@
     </p:spTree>
     <p:extLst>
       <p:ext uri="{BB962C8B-B14F-4D97-AF65-F5344CB8AC3E}">
-        <p14:creationId xmlns:p14="http://schemas.microsoft.com/office/powerpoint/2010/main" val="1994254489"/>
+        <p14:creationId xmlns:p14="http://schemas.microsoft.com/office/powerpoint/2010/main" val="3121662989"/>
       </p:ext>
     </p:extLst>
   </p:cSld>
@@ -3433,7 +2095,7 @@
           <p:cNvPr id="2" name="Date Placeholder 1">
             <a:extLst>
               <a:ext uri="{FF2B5EF4-FFF2-40B4-BE49-F238E27FC236}">
-                <a16:creationId xmlns:a16="http://schemas.microsoft.com/office/drawing/2014/main" id="{EAC447E0-1D4D-4EF2-B81B-4B2400EE3EDB}"/>
+                <a16:creationId xmlns:a16="http://schemas.microsoft.com/office/drawing/2014/main" id="{3E7EDD8B-4488-6949-962A-123E34CB28CE}"/>
               </a:ext>
             </a:extLst>
           </p:cNvPr>
@@ -3462,7 +2124,7 @@
           <p:cNvPr id="3" name="Footer Placeholder 2">
             <a:extLst>
               <a:ext uri="{FF2B5EF4-FFF2-40B4-BE49-F238E27FC236}">
-                <a16:creationId xmlns:a16="http://schemas.microsoft.com/office/drawing/2014/main" id="{C9984CA0-2A78-4600-9F3D-19B09E790FE8}"/>
+                <a16:creationId xmlns:a16="http://schemas.microsoft.com/office/drawing/2014/main" id="{3BB46FB0-9897-8340-8F7E-84B973CAE751}"/>
               </a:ext>
             </a:extLst>
           </p:cNvPr>
@@ -3487,7 +2149,7 @@
           <p:cNvPr id="4" name="Slide Number Placeholder 3">
             <a:extLst>
               <a:ext uri="{FF2B5EF4-FFF2-40B4-BE49-F238E27FC236}">
-                <a16:creationId xmlns:a16="http://schemas.microsoft.com/office/drawing/2014/main" id="{38440955-B18E-49D3-AE7B-B331200E34C5}"/>
+                <a16:creationId xmlns:a16="http://schemas.microsoft.com/office/drawing/2014/main" id="{F8169996-DA09-E44A-89AA-3067864CE6BC}"/>
               </a:ext>
             </a:extLst>
           </p:cNvPr>
@@ -3514,7 +2176,7 @@
     </p:spTree>
     <p:extLst>
       <p:ext uri="{BB962C8B-B14F-4D97-AF65-F5344CB8AC3E}">
-        <p14:creationId xmlns:p14="http://schemas.microsoft.com/office/powerpoint/2010/main" val="1305331244"/>
+        <p14:creationId xmlns:p14="http://schemas.microsoft.com/office/powerpoint/2010/main" val="1949890351"/>
       </p:ext>
     </p:extLst>
   </p:cSld>
@@ -3541,184 +2203,12 @@
           <a:chExt cx="0" cy="0"/>
         </a:xfrm>
       </p:grpSpPr>
-      <p:sp useBgFill="1">
-        <p:nvSpPr>
-          <p:cNvPr id="9" name="Rectangle 8">
-            <a:extLst>
-              <a:ext uri="{FF2B5EF4-FFF2-40B4-BE49-F238E27FC236}">
-                <a16:creationId xmlns:a16="http://schemas.microsoft.com/office/drawing/2014/main" id="{1FA417FE-CD1A-486F-A4AC-E4000A2FB18E}"/>
-              </a:ext>
-            </a:extLst>
-          </p:cNvPr>
-          <p:cNvSpPr/>
-          <p:nvPr/>
-        </p:nvSpPr>
-        <p:spPr>
-          <a:xfrm>
-            <a:off x="558210" y="1162033"/>
-            <a:ext cx="3740740" cy="4643344"/>
-          </a:xfrm>
-          <a:prstGeom prst="rect">
-            <a:avLst/>
-          </a:prstGeom>
-          <a:ln w="12700">
-            <a:solidFill>
-              <a:schemeClr val="tx2">
-                <a:lumMod val="10000"/>
-                <a:lumOff val="90000"/>
-              </a:schemeClr>
-            </a:solidFill>
-          </a:ln>
-          <a:effectLst>
-            <a:outerShdw blurRad="50800" dist="38100" dir="2700000" algn="tl" rotWithShape="0">
-              <a:schemeClr val="bg1">
-                <a:lumMod val="85000"/>
-                <a:alpha val="30000"/>
-              </a:schemeClr>
-            </a:outerShdw>
-          </a:effectLst>
-        </p:spPr>
-        <p:style>
-          <a:lnRef idx="2">
-            <a:schemeClr val="accent1">
-              <a:shade val="50000"/>
-            </a:schemeClr>
-          </a:lnRef>
-          <a:fillRef idx="1">
-            <a:schemeClr val="accent1"/>
-          </a:fillRef>
-          <a:effectRef idx="0">
-            <a:schemeClr val="accent1"/>
-          </a:effectRef>
-          <a:fontRef idx="minor">
-            <a:schemeClr val="lt1"/>
-          </a:fontRef>
-        </p:style>
-        <p:txBody>
-          <a:bodyPr rtlCol="0" anchor="ctr"/>
-          <a:lstStyle/>
-          <a:p>
-            <a:pPr marL="0" marR="0" lvl="0" indent="0" algn="ctr" defTabSz="914400" rtl="0" eaLnBrk="1" fontAlgn="auto" latinLnBrk="0" hangingPunct="1">
-              <a:lnSpc>
-                <a:spcPct val="100000"/>
-              </a:lnSpc>
-              <a:spcBef>
-                <a:spcPts val="0"/>
-              </a:spcBef>
-              <a:spcAft>
-                <a:spcPts val="0"/>
-              </a:spcAft>
-              <a:buClrTx/>
-              <a:buSzTx/>
-              <a:buFontTx/>
-              <a:buNone/>
-              <a:tabLst/>
-              <a:defRPr/>
-            </a:pPr>
-            <a:endParaRPr kumimoji="0" lang="en-US" sz="1800" b="0" i="0" u="none" strike="noStrike" kern="1200" cap="none" spc="0" normalizeH="0" baseline="0" noProof="0">
-              <a:ln>
-                <a:noFill/>
-              </a:ln>
-              <a:solidFill>
-                <a:prstClr val="white"/>
-              </a:solidFill>
-              <a:effectLst/>
-              <a:uLnTx/>
-              <a:uFillTx/>
-              <a:latin typeface="Calibri" panose="020F0502020204030204"/>
-              <a:ea typeface="+mn-ea"/>
-              <a:cs typeface="+mn-cs"/>
-            </a:endParaRPr>
-          </a:p>
-        </p:txBody>
-      </p:sp>
-      <p:sp>
-        <p:nvSpPr>
-          <p:cNvPr id="11" name="Rectangle 10">
-            <a:extLst>
-              <a:ext uri="{FF2B5EF4-FFF2-40B4-BE49-F238E27FC236}">
-                <a16:creationId xmlns:a16="http://schemas.microsoft.com/office/drawing/2014/main" id="{1318F0F5-812B-472C-9408-B80F2553F5E0}"/>
-              </a:ext>
-            </a:extLst>
-          </p:cNvPr>
-          <p:cNvSpPr/>
-          <p:nvPr/>
-        </p:nvSpPr>
-        <p:spPr>
-          <a:xfrm>
-            <a:off x="498834" y="1618375"/>
-            <a:ext cx="146304" cy="822960"/>
-          </a:xfrm>
-          <a:prstGeom prst="rect">
-            <a:avLst/>
-          </a:prstGeom>
-          <a:solidFill>
-            <a:schemeClr val="accent1"/>
-          </a:solidFill>
-          <a:ln>
-            <a:noFill/>
-          </a:ln>
-        </p:spPr>
-        <p:style>
-          <a:lnRef idx="2">
-            <a:schemeClr val="accent1">
-              <a:shade val="50000"/>
-            </a:schemeClr>
-          </a:lnRef>
-          <a:fillRef idx="1">
-            <a:schemeClr val="accent1"/>
-          </a:fillRef>
-          <a:effectRef idx="0">
-            <a:schemeClr val="accent1"/>
-          </a:effectRef>
-          <a:fontRef idx="minor">
-            <a:schemeClr val="lt1"/>
-          </a:fontRef>
-        </p:style>
-        <p:txBody>
-          <a:bodyPr rtlCol="0" anchor="ctr"/>
-          <a:lstStyle/>
-          <a:p>
-            <a:pPr marL="0" marR="0" lvl="0" indent="0" algn="ctr" defTabSz="914400" rtl="0" eaLnBrk="1" fontAlgn="auto" latinLnBrk="0" hangingPunct="1">
-              <a:lnSpc>
-                <a:spcPct val="100000"/>
-              </a:lnSpc>
-              <a:spcBef>
-                <a:spcPts val="0"/>
-              </a:spcBef>
-              <a:spcAft>
-                <a:spcPts val="0"/>
-              </a:spcAft>
-              <a:buClrTx/>
-              <a:buSzTx/>
-              <a:buFontTx/>
-              <a:buNone/>
-              <a:tabLst/>
-              <a:defRPr/>
-            </a:pPr>
-            <a:endParaRPr kumimoji="0" lang="en-US" sz="1800" b="0" i="0" u="none" strike="noStrike" kern="1200" cap="none" spc="0" normalizeH="0" baseline="0" noProof="0">
-              <a:ln>
-                <a:noFill/>
-              </a:ln>
-              <a:solidFill>
-                <a:prstClr val="white"/>
-              </a:solidFill>
-              <a:effectLst/>
-              <a:uLnTx/>
-              <a:uFillTx/>
-              <a:latin typeface="Calibri" panose="020F0502020204030204"/>
-              <a:ea typeface="+mn-ea"/>
-              <a:cs typeface="+mn-cs"/>
-            </a:endParaRPr>
-          </a:p>
-        </p:txBody>
-      </p:sp>
       <p:sp>
         <p:nvSpPr>
           <p:cNvPr id="2" name="Title 1">
             <a:extLst>
               <a:ext uri="{FF2B5EF4-FFF2-40B4-BE49-F238E27FC236}">
-                <a16:creationId xmlns:a16="http://schemas.microsoft.com/office/drawing/2014/main" id="{47F7751B-CD8F-4F5B-A903-1DCE5D1E8306}"/>
+                <a16:creationId xmlns:a16="http://schemas.microsoft.com/office/drawing/2014/main" id="{6E35031E-4D50-9449-8B02-CF12343E332B}"/>
               </a:ext>
             </a:extLst>
           </p:cNvPr>
@@ -3731,25 +2221,20 @@
         </p:nvSpPr>
         <p:spPr>
           <a:xfrm>
-            <a:off x="868680" y="1709928"/>
-            <a:ext cx="3099816" cy="1709928"/>
-          </a:xfrm>
-        </p:spPr>
-        <p:txBody>
-          <a:bodyPr tIns="45720" anchor="t">
-            <a:normAutofit/>
-          </a:bodyPr>
+            <a:off x="839788" y="457200"/>
+            <a:ext cx="3932237" cy="1600200"/>
+          </a:xfrm>
+        </p:spPr>
+        <p:txBody>
+          <a:bodyPr anchor="b"/>
           <a:lstStyle>
             <a:lvl1pPr>
-              <a:lnSpc>
-                <a:spcPct val="100000"/>
-              </a:lnSpc>
-              <a:defRPr sz="3400"/>
+              <a:defRPr sz="3200"/>
             </a:lvl1pPr>
           </a:lstStyle>
           <a:p>
             <a:r>
-              <a:rPr lang="en-US" dirty="0"/>
+              <a:rPr lang="en-US"/>
               <a:t>Click to edit Master title style</a:t>
             </a:r>
           </a:p>
@@ -3760,7 +2245,7 @@
           <p:cNvPr id="3" name="Content Placeholder 2">
             <a:extLst>
               <a:ext uri="{FF2B5EF4-FFF2-40B4-BE49-F238E27FC236}">
-                <a16:creationId xmlns:a16="http://schemas.microsoft.com/office/drawing/2014/main" id="{EFA55C8A-A0BB-441D-976F-EB56D4382DB6}"/>
+                <a16:creationId xmlns:a16="http://schemas.microsoft.com/office/drawing/2014/main" id="{7101380D-4ECC-F841-8E68-995FA0500E6B}"/>
               </a:ext>
             </a:extLst>
           </p:cNvPr>
@@ -3773,21 +2258,21 @@
         </p:nvSpPr>
         <p:spPr>
           <a:xfrm>
-            <a:off x="4965192" y="1709928"/>
-            <a:ext cx="6729984" cy="4096512"/>
+            <a:off x="5183188" y="987425"/>
+            <a:ext cx="6172200" cy="4873625"/>
           </a:xfrm>
         </p:spPr>
         <p:txBody>
           <a:bodyPr/>
           <a:lstStyle>
             <a:lvl1pPr>
-              <a:defRPr sz="2800"/>
+              <a:defRPr sz="3200"/>
             </a:lvl1pPr>
             <a:lvl2pPr>
-              <a:defRPr sz="2400"/>
+              <a:defRPr sz="2800"/>
             </a:lvl2pPr>
             <a:lvl3pPr>
-              <a:defRPr sz="2000"/>
+              <a:defRPr sz="2400"/>
             </a:lvl3pPr>
             <a:lvl4pPr>
               <a:defRPr sz="2000"/>
@@ -3811,35 +2296,35 @@
           <a:p>
             <a:pPr lvl="0"/>
             <a:r>
-              <a:rPr lang="en-US" dirty="0"/>
+              <a:rPr lang="en-US"/>
               <a:t>Click to edit Master text styles</a:t>
             </a:r>
           </a:p>
           <a:p>
             <a:pPr lvl="1"/>
             <a:r>
-              <a:rPr lang="en-US" dirty="0"/>
+              <a:rPr lang="en-US"/>
               <a:t>Second level</a:t>
             </a:r>
           </a:p>
           <a:p>
             <a:pPr lvl="2"/>
             <a:r>
-              <a:rPr lang="en-US" dirty="0"/>
+              <a:rPr lang="en-US"/>
               <a:t>Third level</a:t>
             </a:r>
           </a:p>
           <a:p>
             <a:pPr lvl="3"/>
             <a:r>
-              <a:rPr lang="en-US" dirty="0"/>
+              <a:rPr lang="en-US"/>
               <a:t>Fourth level</a:t>
             </a:r>
           </a:p>
           <a:p>
             <a:pPr lvl="4"/>
             <a:r>
-              <a:rPr lang="en-US" dirty="0"/>
+              <a:rPr lang="en-US"/>
               <a:t>Fifth level</a:t>
             </a:r>
           </a:p>
@@ -3850,7 +2335,7 @@
           <p:cNvPr id="4" name="Text Placeholder 3">
             <a:extLst>
               <a:ext uri="{FF2B5EF4-FFF2-40B4-BE49-F238E27FC236}">
-                <a16:creationId xmlns:a16="http://schemas.microsoft.com/office/drawing/2014/main" id="{37DE6A51-A2E5-4BFA-B571-9FDFE1BBFB44}"/>
+                <a16:creationId xmlns:a16="http://schemas.microsoft.com/office/drawing/2014/main" id="{4C011677-6827-1A48-A9BB-0CC1F9F89C47}"/>
               </a:ext>
             </a:extLst>
           </p:cNvPr>
@@ -3863,18 +2348,16 @@
         </p:nvSpPr>
         <p:spPr>
           <a:xfrm>
-            <a:off x="868680" y="3429000"/>
-            <a:ext cx="3099816" cy="2066544"/>
-          </a:xfrm>
-        </p:spPr>
-        <p:txBody>
-          <a:bodyPr>
-            <a:normAutofit/>
-          </a:bodyPr>
+            <a:off x="839788" y="2057400"/>
+            <a:ext cx="3932237" cy="3811588"/>
+          </a:xfrm>
+        </p:spPr>
+        <p:txBody>
+          <a:bodyPr/>
           <a:lstStyle>
             <a:lvl1pPr marL="0" indent="0">
               <a:buNone/>
-              <a:defRPr sz="1800"/>
+              <a:defRPr sz="1600"/>
             </a:lvl1pPr>
             <a:lvl2pPr marL="457200" indent="0">
               <a:buNone/>
@@ -3912,7 +2395,7 @@
           <a:p>
             <a:pPr lvl="0"/>
             <a:r>
-              <a:rPr lang="en-US" dirty="0"/>
+              <a:rPr lang="en-US"/>
               <a:t>Click to edit Master text styles</a:t>
             </a:r>
           </a:p>
@@ -3923,7 +2406,7 @@
           <p:cNvPr id="5" name="Date Placeholder 4">
             <a:extLst>
               <a:ext uri="{FF2B5EF4-FFF2-40B4-BE49-F238E27FC236}">
-                <a16:creationId xmlns:a16="http://schemas.microsoft.com/office/drawing/2014/main" id="{3D92778A-DD4C-4651-9C53-8B0C44CD8805}"/>
+                <a16:creationId xmlns:a16="http://schemas.microsoft.com/office/drawing/2014/main" id="{17609D2A-903B-CD4E-8222-EBC17F757866}"/>
               </a:ext>
             </a:extLst>
           </p:cNvPr>
@@ -3934,12 +2417,7 @@
             <p:ph type="dt" sz="half" idx="10"/>
           </p:nvPr>
         </p:nvSpPr>
-        <p:spPr>
-          <a:xfrm>
-            <a:off x="868680" y="6356350"/>
-            <a:ext cx="2743200" cy="365125"/>
-          </a:xfrm>
-        </p:spPr>
+        <p:spPr/>
         <p:txBody>
           <a:bodyPr/>
           <a:lstStyle/>
@@ -3948,7 +2426,7 @@
               <a:rPr lang="en-US" smtClean="0"/>
               <a:t>3/12/21</a:t>
             </a:fld>
-            <a:endParaRPr lang="en-US" dirty="0"/>
+            <a:endParaRPr lang="en-US"/>
           </a:p>
         </p:txBody>
       </p:sp>
@@ -3957,7 +2435,7 @@
           <p:cNvPr id="6" name="Footer Placeholder 5">
             <a:extLst>
               <a:ext uri="{FF2B5EF4-FFF2-40B4-BE49-F238E27FC236}">
-                <a16:creationId xmlns:a16="http://schemas.microsoft.com/office/drawing/2014/main" id="{9D6C7F66-2DFA-4146-BE1A-CE2890FE45E2}"/>
+                <a16:creationId xmlns:a16="http://schemas.microsoft.com/office/drawing/2014/main" id="{741448D3-A5CF-4F41-8AF2-0518D512F525}"/>
               </a:ext>
             </a:extLst>
           </p:cNvPr>
@@ -3982,7 +2460,7 @@
           <p:cNvPr id="7" name="Slide Number Placeholder 6">
             <a:extLst>
               <a:ext uri="{FF2B5EF4-FFF2-40B4-BE49-F238E27FC236}">
-                <a16:creationId xmlns:a16="http://schemas.microsoft.com/office/drawing/2014/main" id="{D285D185-B1B6-4D62-81BE-BE82C80ACA6C}"/>
+                <a16:creationId xmlns:a16="http://schemas.microsoft.com/office/drawing/2014/main" id="{CD4231C3-4359-5147-9C00-F748E216E2B2}"/>
               </a:ext>
             </a:extLst>
           </p:cNvPr>
@@ -4009,7 +2487,7 @@
     </p:spTree>
     <p:extLst>
       <p:ext uri="{BB962C8B-B14F-4D97-AF65-F5344CB8AC3E}">
-        <p14:creationId xmlns:p14="http://schemas.microsoft.com/office/powerpoint/2010/main" val="3325555785"/>
+        <p14:creationId xmlns:p14="http://schemas.microsoft.com/office/powerpoint/2010/main" val="1434131948"/>
       </p:ext>
     </p:extLst>
   </p:cSld>
@@ -4036,184 +2514,12 @@
           <a:chExt cx="0" cy="0"/>
         </a:xfrm>
       </p:grpSpPr>
-      <p:sp useBgFill="1">
-        <p:nvSpPr>
-          <p:cNvPr id="9" name="Rectangle 8">
-            <a:extLst>
-              <a:ext uri="{FF2B5EF4-FFF2-40B4-BE49-F238E27FC236}">
-                <a16:creationId xmlns:a16="http://schemas.microsoft.com/office/drawing/2014/main" id="{168B77B5-211C-456E-B79F-306CC3619347}"/>
-              </a:ext>
-            </a:extLst>
-          </p:cNvPr>
-          <p:cNvSpPr/>
-          <p:nvPr/>
-        </p:nvSpPr>
-        <p:spPr>
-          <a:xfrm>
-            <a:off x="558210" y="1162033"/>
-            <a:ext cx="3740740" cy="4643344"/>
-          </a:xfrm>
-          <a:prstGeom prst="rect">
-            <a:avLst/>
-          </a:prstGeom>
-          <a:ln w="12700">
-            <a:solidFill>
-              <a:schemeClr val="tx2">
-                <a:lumMod val="10000"/>
-                <a:lumOff val="90000"/>
-              </a:schemeClr>
-            </a:solidFill>
-          </a:ln>
-          <a:effectLst>
-            <a:outerShdw blurRad="50800" dist="38100" dir="2700000" algn="tl" rotWithShape="0">
-              <a:schemeClr val="bg1">
-                <a:lumMod val="85000"/>
-                <a:alpha val="30000"/>
-              </a:schemeClr>
-            </a:outerShdw>
-          </a:effectLst>
-        </p:spPr>
-        <p:style>
-          <a:lnRef idx="2">
-            <a:schemeClr val="accent1">
-              <a:shade val="50000"/>
-            </a:schemeClr>
-          </a:lnRef>
-          <a:fillRef idx="1">
-            <a:schemeClr val="accent1"/>
-          </a:fillRef>
-          <a:effectRef idx="0">
-            <a:schemeClr val="accent1"/>
-          </a:effectRef>
-          <a:fontRef idx="minor">
-            <a:schemeClr val="lt1"/>
-          </a:fontRef>
-        </p:style>
-        <p:txBody>
-          <a:bodyPr rtlCol="0" anchor="ctr"/>
-          <a:lstStyle/>
-          <a:p>
-            <a:pPr marL="0" marR="0" lvl="0" indent="0" algn="ctr" defTabSz="914400" rtl="0" eaLnBrk="1" fontAlgn="auto" latinLnBrk="0" hangingPunct="1">
-              <a:lnSpc>
-                <a:spcPct val="100000"/>
-              </a:lnSpc>
-              <a:spcBef>
-                <a:spcPts val="0"/>
-              </a:spcBef>
-              <a:spcAft>
-                <a:spcPts val="0"/>
-              </a:spcAft>
-              <a:buClrTx/>
-              <a:buSzTx/>
-              <a:buFontTx/>
-              <a:buNone/>
-              <a:tabLst/>
-              <a:defRPr/>
-            </a:pPr>
-            <a:endParaRPr kumimoji="0" lang="en-US" sz="1800" b="0" i="0" u="none" strike="noStrike" kern="1200" cap="none" spc="0" normalizeH="0" baseline="0" noProof="0">
-              <a:ln>
-                <a:noFill/>
-              </a:ln>
-              <a:solidFill>
-                <a:prstClr val="white"/>
-              </a:solidFill>
-              <a:effectLst/>
-              <a:uLnTx/>
-              <a:uFillTx/>
-              <a:latin typeface="Calibri" panose="020F0502020204030204"/>
-              <a:ea typeface="+mn-ea"/>
-              <a:cs typeface="+mn-cs"/>
-            </a:endParaRPr>
-          </a:p>
-        </p:txBody>
-      </p:sp>
-      <p:sp>
-        <p:nvSpPr>
-          <p:cNvPr id="11" name="Rectangle 10">
-            <a:extLst>
-              <a:ext uri="{FF2B5EF4-FFF2-40B4-BE49-F238E27FC236}">
-                <a16:creationId xmlns:a16="http://schemas.microsoft.com/office/drawing/2014/main" id="{3B63C338-194D-4F23-ABEC-60A7EA96F302}"/>
-              </a:ext>
-            </a:extLst>
-          </p:cNvPr>
-          <p:cNvSpPr/>
-          <p:nvPr/>
-        </p:nvSpPr>
-        <p:spPr>
-          <a:xfrm>
-            <a:off x="498834" y="1618375"/>
-            <a:ext cx="146304" cy="822960"/>
-          </a:xfrm>
-          <a:prstGeom prst="rect">
-            <a:avLst/>
-          </a:prstGeom>
-          <a:solidFill>
-            <a:schemeClr val="accent1"/>
-          </a:solidFill>
-          <a:ln>
-            <a:noFill/>
-          </a:ln>
-        </p:spPr>
-        <p:style>
-          <a:lnRef idx="2">
-            <a:schemeClr val="accent1">
-              <a:shade val="50000"/>
-            </a:schemeClr>
-          </a:lnRef>
-          <a:fillRef idx="1">
-            <a:schemeClr val="accent1"/>
-          </a:fillRef>
-          <a:effectRef idx="0">
-            <a:schemeClr val="accent1"/>
-          </a:effectRef>
-          <a:fontRef idx="minor">
-            <a:schemeClr val="lt1"/>
-          </a:fontRef>
-        </p:style>
-        <p:txBody>
-          <a:bodyPr rtlCol="0" anchor="ctr"/>
-          <a:lstStyle/>
-          <a:p>
-            <a:pPr marL="0" marR="0" lvl="0" indent="0" algn="ctr" defTabSz="914400" rtl="0" eaLnBrk="1" fontAlgn="auto" latinLnBrk="0" hangingPunct="1">
-              <a:lnSpc>
-                <a:spcPct val="100000"/>
-              </a:lnSpc>
-              <a:spcBef>
-                <a:spcPts val="0"/>
-              </a:spcBef>
-              <a:spcAft>
-                <a:spcPts val="0"/>
-              </a:spcAft>
-              <a:buClrTx/>
-              <a:buSzTx/>
-              <a:buFontTx/>
-              <a:buNone/>
-              <a:tabLst/>
-              <a:defRPr/>
-            </a:pPr>
-            <a:endParaRPr kumimoji="0" lang="en-US" sz="1800" b="0" i="0" u="none" strike="noStrike" kern="1200" cap="none" spc="0" normalizeH="0" baseline="0" noProof="0">
-              <a:ln>
-                <a:noFill/>
-              </a:ln>
-              <a:solidFill>
-                <a:prstClr val="white"/>
-              </a:solidFill>
-              <a:effectLst/>
-              <a:uLnTx/>
-              <a:uFillTx/>
-              <a:latin typeface="Calibri" panose="020F0502020204030204"/>
-              <a:ea typeface="+mn-ea"/>
-              <a:cs typeface="+mn-cs"/>
-            </a:endParaRPr>
-          </a:p>
-        </p:txBody>
-      </p:sp>
       <p:sp>
         <p:nvSpPr>
           <p:cNvPr id="2" name="Title 1">
             <a:extLst>
               <a:ext uri="{FF2B5EF4-FFF2-40B4-BE49-F238E27FC236}">
-                <a16:creationId xmlns:a16="http://schemas.microsoft.com/office/drawing/2014/main" id="{A0C04DCC-0E3E-4F05-9FAC-9FA6CA4B2BAE}"/>
+                <a16:creationId xmlns:a16="http://schemas.microsoft.com/office/drawing/2014/main" id="{71AE8C0C-71F6-634A-8A5B-5E9EC0628937}"/>
               </a:ext>
             </a:extLst>
           </p:cNvPr>
@@ -4226,25 +2532,20 @@
         </p:nvSpPr>
         <p:spPr>
           <a:xfrm>
-            <a:off x="868680" y="1709928"/>
-            <a:ext cx="3099816" cy="1709928"/>
-          </a:xfrm>
-        </p:spPr>
-        <p:txBody>
-          <a:bodyPr tIns="45720" anchor="t">
-            <a:normAutofit/>
-          </a:bodyPr>
+            <a:off x="839788" y="457200"/>
+            <a:ext cx="3932237" cy="1600200"/>
+          </a:xfrm>
+        </p:spPr>
+        <p:txBody>
+          <a:bodyPr anchor="b"/>
           <a:lstStyle>
             <a:lvl1pPr>
-              <a:lnSpc>
-                <a:spcPct val="100000"/>
-              </a:lnSpc>
-              <a:defRPr sz="3400"/>
+              <a:defRPr sz="3200"/>
             </a:lvl1pPr>
           </a:lstStyle>
           <a:p>
             <a:r>
-              <a:rPr lang="en-US" dirty="0"/>
+              <a:rPr lang="en-US"/>
               <a:t>Click to edit Master title style</a:t>
             </a:r>
           </a:p>
@@ -4255,7 +2556,7 @@
           <p:cNvPr id="3" name="Picture Placeholder 2">
             <a:extLst>
               <a:ext uri="{FF2B5EF4-FFF2-40B4-BE49-F238E27FC236}">
-                <a16:creationId xmlns:a16="http://schemas.microsoft.com/office/drawing/2014/main" id="{EBA29649-B19F-499E-8E9A-3577EAC8F031}"/>
+                <a16:creationId xmlns:a16="http://schemas.microsoft.com/office/drawing/2014/main" id="{46F7DAF3-BF35-164F-BF71-8A166528CEEE}"/>
               </a:ext>
             </a:extLst>
           </p:cNvPr>
@@ -4268,18 +2569,16 @@
         </p:nvSpPr>
         <p:spPr>
           <a:xfrm>
-            <a:off x="4965192" y="1161288"/>
-            <a:ext cx="6729984" cy="4645152"/>
-          </a:xfrm>
-        </p:spPr>
-        <p:txBody>
-          <a:bodyPr>
-            <a:normAutofit/>
-          </a:bodyPr>
+            <a:off x="5183188" y="987425"/>
+            <a:ext cx="6172200" cy="4873625"/>
+          </a:xfrm>
+        </p:spPr>
+        <p:txBody>
+          <a:bodyPr/>
           <a:lstStyle>
             <a:lvl1pPr marL="0" indent="0">
               <a:buNone/>
-              <a:defRPr sz="2800"/>
+              <a:defRPr sz="3200"/>
             </a:lvl1pPr>
             <a:lvl2pPr marL="457200" indent="0">
               <a:buNone/>
@@ -4315,10 +2614,7 @@
             </a:lvl9pPr>
           </a:lstStyle>
           <a:p>
-            <a:r>
-              <a:rPr lang="en-US" dirty="0"/>
-              <a:t>Click icon to add picture</a:t>
-            </a:r>
+            <a:endParaRPr lang="en-US"/>
           </a:p>
         </p:txBody>
       </p:sp>
@@ -4327,7 +2623,7 @@
           <p:cNvPr id="4" name="Text Placeholder 3">
             <a:extLst>
               <a:ext uri="{FF2B5EF4-FFF2-40B4-BE49-F238E27FC236}">
-                <a16:creationId xmlns:a16="http://schemas.microsoft.com/office/drawing/2014/main" id="{1BC9EF2E-A8CD-41A1-B11A-0D8842797A98}"/>
+                <a16:creationId xmlns:a16="http://schemas.microsoft.com/office/drawing/2014/main" id="{524B586E-D36A-1141-9522-519780E2785E}"/>
               </a:ext>
             </a:extLst>
           </p:cNvPr>
@@ -4340,18 +2636,16 @@
         </p:nvSpPr>
         <p:spPr>
           <a:xfrm>
-            <a:off x="868680" y="3438144"/>
-            <a:ext cx="3099816" cy="2057400"/>
-          </a:xfrm>
-        </p:spPr>
-        <p:txBody>
-          <a:bodyPr>
-            <a:normAutofit/>
-          </a:bodyPr>
+            <a:off x="839788" y="2057400"/>
+            <a:ext cx="3932237" cy="3811588"/>
+          </a:xfrm>
+        </p:spPr>
+        <p:txBody>
+          <a:bodyPr/>
           <a:lstStyle>
             <a:lvl1pPr marL="0" indent="0">
               <a:buNone/>
-              <a:defRPr sz="1800"/>
+              <a:defRPr sz="1600"/>
             </a:lvl1pPr>
             <a:lvl2pPr marL="457200" indent="0">
               <a:buNone/>
@@ -4389,7 +2683,7 @@
           <a:p>
             <a:pPr lvl="0"/>
             <a:r>
-              <a:rPr lang="en-US" dirty="0"/>
+              <a:rPr lang="en-US"/>
               <a:t>Click to edit Master text styles</a:t>
             </a:r>
           </a:p>
@@ -4400,7 +2694,7 @@
           <p:cNvPr id="5" name="Date Placeholder 4">
             <a:extLst>
               <a:ext uri="{FF2B5EF4-FFF2-40B4-BE49-F238E27FC236}">
-                <a16:creationId xmlns:a16="http://schemas.microsoft.com/office/drawing/2014/main" id="{B44257B5-0DE0-401F-9171-E8687A97DBA7}"/>
+                <a16:creationId xmlns:a16="http://schemas.microsoft.com/office/drawing/2014/main" id="{7A232AEA-BA44-C743-9BF0-7512351FC018}"/>
               </a:ext>
             </a:extLst>
           </p:cNvPr>
@@ -4411,12 +2705,7 @@
             <p:ph type="dt" sz="half" idx="10"/>
           </p:nvPr>
         </p:nvSpPr>
-        <p:spPr>
-          <a:xfrm>
-            <a:off x="868680" y="6356350"/>
-            <a:ext cx="2743200" cy="365125"/>
-          </a:xfrm>
-        </p:spPr>
+        <p:spPr/>
         <p:txBody>
           <a:bodyPr/>
           <a:lstStyle/>
@@ -4434,7 +2723,7 @@
           <p:cNvPr id="6" name="Footer Placeholder 5">
             <a:extLst>
               <a:ext uri="{FF2B5EF4-FFF2-40B4-BE49-F238E27FC236}">
-                <a16:creationId xmlns:a16="http://schemas.microsoft.com/office/drawing/2014/main" id="{788CD9AD-D667-4FD4-AA34-428AA0BCD09E}"/>
+                <a16:creationId xmlns:a16="http://schemas.microsoft.com/office/drawing/2014/main" id="{BE3C9370-BA08-C546-AF18-154E2907BD85}"/>
               </a:ext>
             </a:extLst>
           </p:cNvPr>
@@ -4459,7 +2748,7 @@
           <p:cNvPr id="7" name="Slide Number Placeholder 6">
             <a:extLst>
               <a:ext uri="{FF2B5EF4-FFF2-40B4-BE49-F238E27FC236}">
-                <a16:creationId xmlns:a16="http://schemas.microsoft.com/office/drawing/2014/main" id="{18770FB6-F273-4BA6-8B97-9835AC537871}"/>
+                <a16:creationId xmlns:a16="http://schemas.microsoft.com/office/drawing/2014/main" id="{E322CE84-6D5D-2947-B8C3-C4B9A2CC43F6}"/>
               </a:ext>
             </a:extLst>
           </p:cNvPr>
@@ -4486,7 +2775,7 @@
     </p:spTree>
     <p:extLst>
       <p:ext uri="{BB962C8B-B14F-4D97-AF65-F5344CB8AC3E}">
-        <p14:creationId xmlns:p14="http://schemas.microsoft.com/office/powerpoint/2010/main" val="2014417712"/>
+        <p14:creationId xmlns:p14="http://schemas.microsoft.com/office/powerpoint/2010/main" val="2358189650"/>
       </p:ext>
     </p:extLst>
   </p:cSld>
@@ -4523,7 +2812,7 @@
           <p:cNvPr id="2" name="Title Placeholder 1">
             <a:extLst>
               <a:ext uri="{FF2B5EF4-FFF2-40B4-BE49-F238E27FC236}">
-                <a16:creationId xmlns:a16="http://schemas.microsoft.com/office/drawing/2014/main" id="{BB325BDE-35A4-4AAD-960B-C1415864ADD9}"/>
+                <a16:creationId xmlns:a16="http://schemas.microsoft.com/office/drawing/2014/main" id="{2AB5AED9-5EDF-D04C-BEF8-5234925D0554}"/>
               </a:ext>
             </a:extLst>
           </p:cNvPr>
@@ -4553,7 +2842,6 @@
               <a:rPr lang="en-US"/>
               <a:t>Click to edit Master title style</a:t>
             </a:r>
-            <a:endParaRPr lang="en-US" dirty="0"/>
           </a:p>
         </p:txBody>
       </p:sp>
@@ -4562,7 +2850,7 @@
           <p:cNvPr id="3" name="Text Placeholder 2">
             <a:extLst>
               <a:ext uri="{FF2B5EF4-FFF2-40B4-BE49-F238E27FC236}">
-                <a16:creationId xmlns:a16="http://schemas.microsoft.com/office/drawing/2014/main" id="{BE459C78-0CC4-4552-93DD-49B4194D005D}"/>
+                <a16:creationId xmlns:a16="http://schemas.microsoft.com/office/drawing/2014/main" id="{3286FAB6-E5FE-3548-A40A-AE281879BE5A}"/>
               </a:ext>
             </a:extLst>
           </p:cNvPr>
@@ -4621,7 +2909,6 @@
               <a:rPr lang="en-US"/>
               <a:t>Fifth level</a:t>
             </a:r>
-            <a:endParaRPr lang="en-US" dirty="0"/>
           </a:p>
         </p:txBody>
       </p:sp>
@@ -4630,7 +2917,7 @@
           <p:cNvPr id="4" name="Date Placeholder 3">
             <a:extLst>
               <a:ext uri="{FF2B5EF4-FFF2-40B4-BE49-F238E27FC236}">
-                <a16:creationId xmlns:a16="http://schemas.microsoft.com/office/drawing/2014/main" id="{06744A3C-9C54-46A6-B3EF-5B36362423EB}"/>
+                <a16:creationId xmlns:a16="http://schemas.microsoft.com/office/drawing/2014/main" id="{F34ADB26-036E-0E42-B9A8-B57FA9A5BC83}"/>
               </a:ext>
             </a:extLst>
           </p:cNvPr>
@@ -4677,7 +2964,7 @@
           <p:cNvPr id="5" name="Footer Placeholder 4">
             <a:extLst>
               <a:ext uri="{FF2B5EF4-FFF2-40B4-BE49-F238E27FC236}">
-                <a16:creationId xmlns:a16="http://schemas.microsoft.com/office/drawing/2014/main" id="{07D5A696-7B4B-4181-A961-7D66556D507F}"/>
+                <a16:creationId xmlns:a16="http://schemas.microsoft.com/office/drawing/2014/main" id="{76758D75-A0F3-E440-A757-1065823D1472}"/>
               </a:ext>
             </a:extLst>
           </p:cNvPr>
@@ -4720,7 +3007,7 @@
           <p:cNvPr id="6" name="Slide Number Placeholder 5">
             <a:extLst>
               <a:ext uri="{FF2B5EF4-FFF2-40B4-BE49-F238E27FC236}">
-                <a16:creationId xmlns:a16="http://schemas.microsoft.com/office/drawing/2014/main" id="{23038CB5-8F4A-401D-A3A9-B27DC15B7A81}"/>
+                <a16:creationId xmlns:a16="http://schemas.microsoft.com/office/drawing/2014/main" id="{F36C6E68-4295-CA4C-AC28-25C797D6E5BB}"/>
               </a:ext>
             </a:extLst>
           </p:cNvPr>
@@ -4765,23 +3052,23 @@
     </p:spTree>
     <p:extLst>
       <p:ext uri="{BB962C8B-B14F-4D97-AF65-F5344CB8AC3E}">
-        <p14:creationId xmlns:p14="http://schemas.microsoft.com/office/powerpoint/2010/main" val="3535035968"/>
+        <p14:creationId xmlns:p14="http://schemas.microsoft.com/office/powerpoint/2010/main" val="2727867150"/>
       </p:ext>
     </p:extLst>
   </p:cSld>
   <p:clrMap bg1="lt1" tx1="dk1" bg2="lt2" tx2="dk2" accent1="accent1" accent2="accent2" accent3="accent3" accent4="accent4" accent5="accent5" accent6="accent6" hlink="hlink" folHlink="folHlink"/>
   <p:sldLayoutIdLst>
-    <p:sldLayoutId id="2147483688" r:id="rId1"/>
-    <p:sldLayoutId id="2147483689" r:id="rId2"/>
-    <p:sldLayoutId id="2147483690" r:id="rId3"/>
-    <p:sldLayoutId id="2147483691" r:id="rId4"/>
-    <p:sldLayoutId id="2147483692" r:id="rId5"/>
-    <p:sldLayoutId id="2147483698" r:id="rId6"/>
-    <p:sldLayoutId id="2147483693" r:id="rId7"/>
-    <p:sldLayoutId id="2147483694" r:id="rId8"/>
-    <p:sldLayoutId id="2147483695" r:id="rId9"/>
-    <p:sldLayoutId id="2147483697" r:id="rId10"/>
-    <p:sldLayoutId id="2147483696" r:id="rId11"/>
+    <p:sldLayoutId id="2147484318" r:id="rId1"/>
+    <p:sldLayoutId id="2147484319" r:id="rId2"/>
+    <p:sldLayoutId id="2147484320" r:id="rId3"/>
+    <p:sldLayoutId id="2147484321" r:id="rId4"/>
+    <p:sldLayoutId id="2147484322" r:id="rId5"/>
+    <p:sldLayoutId id="2147484323" r:id="rId6"/>
+    <p:sldLayoutId id="2147484324" r:id="rId7"/>
+    <p:sldLayoutId id="2147484325" r:id="rId8"/>
+    <p:sldLayoutId id="2147484326" r:id="rId9"/>
+    <p:sldLayoutId id="2147484327" r:id="rId10"/>
+    <p:sldLayoutId id="2147484328" r:id="rId11"/>
   </p:sldLayoutIdLst>
   <p:txStyles>
     <p:titleStyle>
@@ -4793,7 +3080,7 @@
           <a:spcPct val="0"/>
         </a:spcBef>
         <a:buNone/>
-        <a:defRPr sz="4000" b="1" kern="1200">
+        <a:defRPr sz="4400" kern="1200">
           <a:solidFill>
             <a:schemeClr val="tx1"/>
           </a:solidFill>
@@ -4806,10 +3093,28 @@
     <p:bodyStyle>
       <a:lvl1pPr marL="228600" indent="-228600" algn="l" defTabSz="914400" rtl="0" eaLnBrk="1" latinLnBrk="0" hangingPunct="1">
         <a:lnSpc>
-          <a:spcPct val="110000"/>
+          <a:spcPct val="90000"/>
         </a:lnSpc>
         <a:spcBef>
           <a:spcPts val="1000"/>
+        </a:spcBef>
+        <a:buFont typeface="Arial" panose="020B0604020202020204" pitchFamily="34" charset="0"/>
+        <a:buChar char="•"/>
+        <a:defRPr sz="2800" kern="1200">
+          <a:solidFill>
+            <a:schemeClr val="tx1"/>
+          </a:solidFill>
+          <a:latin typeface="+mn-lt"/>
+          <a:ea typeface="+mn-ea"/>
+          <a:cs typeface="+mn-cs"/>
+        </a:defRPr>
+      </a:lvl1pPr>
+      <a:lvl2pPr marL="685800" indent="-228600" algn="l" defTabSz="914400" rtl="0" eaLnBrk="1" latinLnBrk="0" hangingPunct="1">
+        <a:lnSpc>
+          <a:spcPct val="90000"/>
+        </a:lnSpc>
+        <a:spcBef>
+          <a:spcPts val="500"/>
         </a:spcBef>
         <a:buFont typeface="Arial" panose="020B0604020202020204" pitchFamily="34" charset="0"/>
         <a:buChar char="•"/>
@@ -4821,10 +3126,10 @@
           <a:ea typeface="+mn-ea"/>
           <a:cs typeface="+mn-cs"/>
         </a:defRPr>
-      </a:lvl1pPr>
-      <a:lvl2pPr marL="685800" indent="-228600" algn="l" defTabSz="914400" rtl="0" eaLnBrk="1" latinLnBrk="0" hangingPunct="1">
+      </a:lvl2pPr>
+      <a:lvl3pPr marL="1143000" indent="-228600" algn="l" defTabSz="914400" rtl="0" eaLnBrk="1" latinLnBrk="0" hangingPunct="1">
         <a:lnSpc>
-          <a:spcPct val="110000"/>
+          <a:spcPct val="90000"/>
         </a:lnSpc>
         <a:spcBef>
           <a:spcPts val="500"/>
@@ -4839,10 +3144,10 @@
           <a:ea typeface="+mn-ea"/>
           <a:cs typeface="+mn-cs"/>
         </a:defRPr>
-      </a:lvl2pPr>
-      <a:lvl3pPr marL="1143000" indent="-228600" algn="l" defTabSz="914400" rtl="0" eaLnBrk="1" latinLnBrk="0" hangingPunct="1">
+      </a:lvl3pPr>
+      <a:lvl4pPr marL="1600200" indent="-228600" algn="l" defTabSz="914400" rtl="0" eaLnBrk="1" latinLnBrk="0" hangingPunct="1">
         <a:lnSpc>
-          <a:spcPct val="110000"/>
+          <a:spcPct val="90000"/>
         </a:lnSpc>
         <a:spcBef>
           <a:spcPts val="500"/>
@@ -4857,35 +3162,17 @@
           <a:ea typeface="+mn-ea"/>
           <a:cs typeface="+mn-cs"/>
         </a:defRPr>
-      </a:lvl3pPr>
-      <a:lvl4pPr marL="1600200" indent="-228600" algn="l" defTabSz="914400" rtl="0" eaLnBrk="1" latinLnBrk="0" hangingPunct="1">
+      </a:lvl4pPr>
+      <a:lvl5pPr marL="2057400" indent="-228600" algn="l" defTabSz="914400" rtl="0" eaLnBrk="1" latinLnBrk="0" hangingPunct="1">
         <a:lnSpc>
-          <a:spcPct val="110000"/>
+          <a:spcPct val="90000"/>
         </a:lnSpc>
         <a:spcBef>
           <a:spcPts val="500"/>
         </a:spcBef>
         <a:buFont typeface="Arial" panose="020B0604020202020204" pitchFamily="34" charset="0"/>
         <a:buChar char="•"/>
-        <a:defRPr sz="1600" kern="1200">
-          <a:solidFill>
-            <a:schemeClr val="tx1"/>
-          </a:solidFill>
-          <a:latin typeface="+mn-lt"/>
-          <a:ea typeface="+mn-ea"/>
-          <a:cs typeface="+mn-cs"/>
-        </a:defRPr>
-      </a:lvl4pPr>
-      <a:lvl5pPr marL="2057400" indent="-228600" algn="l" defTabSz="914400" rtl="0" eaLnBrk="1" latinLnBrk="0" hangingPunct="1">
-        <a:lnSpc>
-          <a:spcPct val="110000"/>
-        </a:lnSpc>
-        <a:spcBef>
-          <a:spcPts val="500"/>
-        </a:spcBef>
-        <a:buFont typeface="Arial" panose="020B0604020202020204" pitchFamily="34" charset="0"/>
-        <a:buChar char="•"/>
-        <a:defRPr sz="1600" kern="1200">
+        <a:defRPr sz="1800" kern="1200">
           <a:solidFill>
             <a:schemeClr val="tx1"/>
           </a:solidFill>
@@ -5063,6 +3350,11 @@
       </a:lvl9pPr>
     </p:otherStyle>
   </p:txStyles>
+  <p:extLst>
+    <p:ext uri="{27BBF7A9-308A-43DC-89C8-2F10F3537804}">
+      <p15:sldGuideLst xmlns:p15="http://schemas.microsoft.com/office/powerpoint/2012/main"/>
+    </p:ext>
+  </p:extLst>
 </p:sldMaster>
 </file>
 
@@ -5091,63 +3383,38 @@
           <a:chExt cx="0" cy="0"/>
         </a:xfrm>
       </p:grpSpPr>
-      <p:sp useBgFill="1">
-        <p:nvSpPr>
-          <p:cNvPr id="18" name="Rectangle 17">
-            <a:extLst>
-              <a:ext uri="{FF2B5EF4-FFF2-40B4-BE49-F238E27FC236}">
-                <a16:creationId xmlns:a16="http://schemas.microsoft.com/office/drawing/2014/main" id="{526E0BFB-CDF1-4990-8C11-AC849311E0A8}"/>
-              </a:ext>
-              <a:ext uri="{C183D7F6-B498-43B3-948B-1728B52AA6E4}">
-                <adec:decorative xmlns:adec="http://schemas.microsoft.com/office/drawing/2017/decorative" val="1"/>
+      <p:sp>
+        <p:nvSpPr>
+          <p:cNvPr id="2" name="Title 1">
+            <a:extLst>
+              <a:ext uri="{FF2B5EF4-FFF2-40B4-BE49-F238E27FC236}">
+                <a16:creationId xmlns:a16="http://schemas.microsoft.com/office/drawing/2014/main" id="{E171ED9D-A673-4E49-B785-55094AE3B84F}"/>
               </a:ext>
             </a:extLst>
           </p:cNvPr>
           <p:cNvSpPr>
-            <a:spLocks noGrp="1" noRot="1" noChangeAspect="1" noMove="1" noResize="1" noEditPoints="1" noAdjustHandles="1" noChangeArrowheads="1" noChangeShapeType="1" noTextEdit="1"/>
-          </p:cNvSpPr>
-          <p:nvPr>
-            <p:extLst>
-              <p:ext uri="{386F3935-93C4-4BCD-93E2-E3B085C9AB24}">
-                <p16:designElem xmlns:p16="http://schemas.microsoft.com/office/powerpoint/2015/main" val="1"/>
-              </p:ext>
-            </p:extLst>
-          </p:nvPr>
-        </p:nvSpPr>
-        <p:spPr>
-          <a:xfrm>
-            <a:off x="0" y="0"/>
-            <a:ext cx="12192000" cy="6858000"/>
-          </a:xfrm>
-          <a:prstGeom prst="rect">
-            <a:avLst/>
-          </a:prstGeom>
-          <a:ln>
-            <a:noFill/>
-          </a:ln>
-        </p:spPr>
-        <p:style>
-          <a:lnRef idx="2">
-            <a:schemeClr val="accent1">
-              <a:shade val="50000"/>
-            </a:schemeClr>
-          </a:lnRef>
-          <a:fillRef idx="1">
-            <a:schemeClr val="accent1"/>
-          </a:fillRef>
-          <a:effectRef idx="0">
-            <a:schemeClr val="accent1"/>
-          </a:effectRef>
-          <a:fontRef idx="minor">
-            <a:schemeClr val="lt1"/>
-          </a:fontRef>
-        </p:style>
-        <p:txBody>
-          <a:bodyPr rtlCol="0" anchor="ctr"/>
-          <a:lstStyle/>
-          <a:p>
-            <a:pPr algn="ctr"/>
-            <a:endParaRPr lang="en-US"/>
+            <a:spLocks noGrp="1"/>
+          </p:cNvSpPr>
+          <p:nvPr>
+            <p:ph type="ctrTitle"/>
+          </p:nvPr>
+        </p:nvSpPr>
+        <p:spPr>
+          <a:xfrm>
+            <a:off x="7848600" y="1122363"/>
+            <a:ext cx="4023360" cy="3204134"/>
+          </a:xfrm>
+        </p:spPr>
+        <p:txBody>
+          <a:bodyPr anchor="b">
+            <a:normAutofit/>
+          </a:bodyPr>
+          <a:lstStyle/>
+          <a:p>
+            <a:r>
+              <a:rPr lang="en-US" sz="4800" dirty="0"/>
+              <a:t>Modern Jazz Discovery Tool</a:t>
+            </a:r>
           </a:p>
         </p:txBody>
       </p:sp>
@@ -5172,347 +3439,14 @@
         </p:blipFill>
         <p:spPr>
           <a:xfrm>
-            <a:off x="-2" y="10"/>
-            <a:ext cx="8668512" cy="6857990"/>
+            <a:off x="396683" y="625683"/>
+            <a:ext cx="6894243" cy="5454246"/>
           </a:xfrm>
           <a:prstGeom prst="rect">
             <a:avLst/>
           </a:prstGeom>
         </p:spPr>
       </p:pic>
-      <p:sp>
-        <p:nvSpPr>
-          <p:cNvPr id="20" name="Rectangle 19">
-            <a:extLst>
-              <a:ext uri="{FF2B5EF4-FFF2-40B4-BE49-F238E27FC236}">
-                <a16:creationId xmlns:a16="http://schemas.microsoft.com/office/drawing/2014/main" id="{6069A1F8-9BEB-4786-9694-FC48B2D75D21}"/>
-              </a:ext>
-              <a:ext uri="{C183D7F6-B498-43B3-948B-1728B52AA6E4}">
-                <adec:decorative xmlns:adec="http://schemas.microsoft.com/office/drawing/2017/decorative" val="1"/>
-              </a:ext>
-            </a:extLst>
-          </p:cNvPr>
-          <p:cNvSpPr>
-            <a:spLocks noGrp="1" noRot="1" noChangeAspect="1" noMove="1" noResize="1" noEditPoints="1" noAdjustHandles="1" noChangeArrowheads="1" noChangeShapeType="1" noTextEdit="1"/>
-          </p:cNvSpPr>
-          <p:nvPr>
-            <p:extLst>
-              <p:ext uri="{386F3935-93C4-4BCD-93E2-E3B085C9AB24}">
-                <p16:designElem xmlns:p16="http://schemas.microsoft.com/office/powerpoint/2015/main" val="1"/>
-              </p:ext>
-            </p:extLst>
-          </p:nvPr>
-        </p:nvSpPr>
-        <p:spPr>
-          <a:xfrm flipH="1">
-            <a:off x="2788244" y="0"/>
-            <a:ext cx="9403756" cy="6858000"/>
-          </a:xfrm>
-          <a:prstGeom prst="rect">
-            <a:avLst/>
-          </a:prstGeom>
-          <a:gradFill>
-            <a:gsLst>
-              <a:gs pos="58000">
-                <a:schemeClr val="bg1"/>
-              </a:gs>
-              <a:gs pos="30000">
-                <a:schemeClr val="bg1">
-                  <a:alpha val="64000"/>
-                </a:schemeClr>
-              </a:gs>
-              <a:gs pos="0">
-                <a:schemeClr val="bg1">
-                  <a:alpha val="0"/>
-                </a:schemeClr>
-              </a:gs>
-              <a:gs pos="100000">
-                <a:schemeClr val="bg1"/>
-              </a:gs>
-            </a:gsLst>
-            <a:lin ang="10800000" scaled="0"/>
-          </a:gradFill>
-          <a:ln>
-            <a:noFill/>
-          </a:ln>
-        </p:spPr>
-        <p:style>
-          <a:lnRef idx="2">
-            <a:schemeClr val="accent1">
-              <a:shade val="50000"/>
-            </a:schemeClr>
-          </a:lnRef>
-          <a:fillRef idx="1">
-            <a:schemeClr val="accent1"/>
-          </a:fillRef>
-          <a:effectRef idx="0">
-            <a:schemeClr val="accent1"/>
-          </a:effectRef>
-          <a:fontRef idx="minor">
-            <a:schemeClr val="lt1"/>
-          </a:fontRef>
-        </p:style>
-        <p:txBody>
-          <a:bodyPr rtlCol="0" anchor="ctr"/>
-          <a:lstStyle/>
-          <a:p>
-            <a:pPr algn="ctr"/>
-            <a:endParaRPr lang="en-US" dirty="0"/>
-          </a:p>
-        </p:txBody>
-      </p:sp>
-      <p:sp>
-        <p:nvSpPr>
-          <p:cNvPr id="2" name="Title 1">
-            <a:extLst>
-              <a:ext uri="{FF2B5EF4-FFF2-40B4-BE49-F238E27FC236}">
-                <a16:creationId xmlns:a16="http://schemas.microsoft.com/office/drawing/2014/main" id="{E171ED9D-A673-4E49-B785-55094AE3B84F}"/>
-              </a:ext>
-            </a:extLst>
-          </p:cNvPr>
-          <p:cNvSpPr>
-            <a:spLocks noGrp="1"/>
-          </p:cNvSpPr>
-          <p:nvPr>
-            <p:ph type="ctrTitle"/>
-          </p:nvPr>
-        </p:nvSpPr>
-        <p:spPr>
-          <a:xfrm>
-            <a:off x="7848600" y="1122363"/>
-            <a:ext cx="4023360" cy="3204134"/>
-          </a:xfrm>
-        </p:spPr>
-        <p:txBody>
-          <a:bodyPr anchor="b">
-            <a:normAutofit/>
-          </a:bodyPr>
-          <a:lstStyle/>
-          <a:p>
-            <a:r>
-              <a:rPr lang="en-US" sz="4800"/>
-              <a:t>Jazz Discovery</a:t>
-            </a:r>
-          </a:p>
-        </p:txBody>
-      </p:sp>
-      <p:sp>
-        <p:nvSpPr>
-          <p:cNvPr id="3" name="Subtitle 2">
-            <a:extLst>
-              <a:ext uri="{FF2B5EF4-FFF2-40B4-BE49-F238E27FC236}">
-                <a16:creationId xmlns:a16="http://schemas.microsoft.com/office/drawing/2014/main" id="{AD9AA088-4797-D741-978A-F3ED3A8E82FE}"/>
-              </a:ext>
-            </a:extLst>
-          </p:cNvPr>
-          <p:cNvSpPr>
-            <a:spLocks noGrp="1"/>
-          </p:cNvSpPr>
-          <p:nvPr>
-            <p:ph type="subTitle" idx="1"/>
-          </p:nvPr>
-        </p:nvSpPr>
-        <p:spPr>
-          <a:xfrm>
-            <a:off x="7848600" y="4872922"/>
-            <a:ext cx="4023360" cy="1208141"/>
-          </a:xfrm>
-        </p:spPr>
-        <p:txBody>
-          <a:bodyPr>
-            <a:normAutofit/>
-          </a:bodyPr>
-          <a:lstStyle/>
-          <a:p>
-            <a:endParaRPr lang="en-US" sz="2000"/>
-          </a:p>
-        </p:txBody>
-      </p:sp>
-      <p:sp>
-        <p:nvSpPr>
-          <p:cNvPr id="22" name="Rectangle 21">
-            <a:extLst>
-              <a:ext uri="{FF2B5EF4-FFF2-40B4-BE49-F238E27FC236}">
-                <a16:creationId xmlns:a16="http://schemas.microsoft.com/office/drawing/2014/main" id="{AF2F604E-43BE-4DC3-B983-E071523364F8}"/>
-              </a:ext>
-              <a:ext uri="{C183D7F6-B498-43B3-948B-1728B52AA6E4}">
-                <adec:decorative xmlns:adec="http://schemas.microsoft.com/office/drawing/2017/decorative" val="1"/>
-              </a:ext>
-            </a:extLst>
-          </p:cNvPr>
-          <p:cNvSpPr>
-            <a:spLocks noGrp="1" noRot="1" noChangeAspect="1" noMove="1" noResize="1" noEditPoints="1" noAdjustHandles="1" noChangeArrowheads="1" noChangeShapeType="1" noTextEdit="1"/>
-          </p:cNvSpPr>
-          <p:nvPr>
-            <p:extLst>
-              <p:ext uri="{386F3935-93C4-4BCD-93E2-E3B085C9AB24}">
-                <p16:designElem xmlns:p16="http://schemas.microsoft.com/office/powerpoint/2015/main" val="1"/>
-              </p:ext>
-            </p:extLst>
-          </p:nvPr>
-        </p:nvSpPr>
-        <p:spPr>
-          <a:xfrm rot="5400000">
-            <a:off x="8130540" y="346791"/>
-            <a:ext cx="146304" cy="704088"/>
-          </a:xfrm>
-          <a:prstGeom prst="rect">
-            <a:avLst/>
-          </a:prstGeom>
-          <a:solidFill>
-            <a:schemeClr val="accent1"/>
-          </a:solidFill>
-          <a:ln>
-            <a:noFill/>
-          </a:ln>
-        </p:spPr>
-        <p:style>
-          <a:lnRef idx="2">
-            <a:schemeClr val="accent1">
-              <a:shade val="50000"/>
-            </a:schemeClr>
-          </a:lnRef>
-          <a:fillRef idx="1">
-            <a:schemeClr val="accent1"/>
-          </a:fillRef>
-          <a:effectRef idx="0">
-            <a:schemeClr val="accent1"/>
-          </a:effectRef>
-          <a:fontRef idx="minor">
-            <a:schemeClr val="lt1"/>
-          </a:fontRef>
-        </p:style>
-        <p:txBody>
-          <a:bodyPr rtlCol="0" anchor="ctr"/>
-          <a:lstStyle/>
-          <a:p>
-            <a:pPr marL="0" marR="0" lvl="0" indent="0" algn="ctr" defTabSz="914400" rtl="0" eaLnBrk="1" fontAlgn="auto" latinLnBrk="0" hangingPunct="1">
-              <a:lnSpc>
-                <a:spcPct val="100000"/>
-              </a:lnSpc>
-              <a:spcBef>
-                <a:spcPts val="0"/>
-              </a:spcBef>
-              <a:spcAft>
-                <a:spcPts val="0"/>
-              </a:spcAft>
-              <a:buClrTx/>
-              <a:buSzTx/>
-              <a:buFontTx/>
-              <a:buNone/>
-              <a:tabLst/>
-              <a:defRPr/>
-            </a:pPr>
-            <a:endParaRPr kumimoji="0" lang="en-US" sz="1800" b="0" i="0" u="none" strike="noStrike" kern="1200" cap="none" spc="0" normalizeH="0" baseline="0" noProof="0">
-              <a:ln>
-                <a:noFill/>
-              </a:ln>
-              <a:solidFill>
-                <a:prstClr val="white"/>
-              </a:solidFill>
-              <a:effectLst/>
-              <a:uLnTx/>
-              <a:uFillTx/>
-              <a:latin typeface="Calibri" panose="020F0502020204030204"/>
-              <a:ea typeface="+mn-ea"/>
-              <a:cs typeface="+mn-cs"/>
-            </a:endParaRPr>
-          </a:p>
-        </p:txBody>
-      </p:sp>
-      <p:sp>
-        <p:nvSpPr>
-          <p:cNvPr id="24" name="Rectangle 23">
-            <a:extLst>
-              <a:ext uri="{FF2B5EF4-FFF2-40B4-BE49-F238E27FC236}">
-                <a16:creationId xmlns:a16="http://schemas.microsoft.com/office/drawing/2014/main" id="{08C9B587-E65E-4B52-B37C-ABEBB6E87928}"/>
-              </a:ext>
-              <a:ext uri="{C183D7F6-B498-43B3-948B-1728B52AA6E4}">
-                <adec:decorative xmlns:adec="http://schemas.microsoft.com/office/drawing/2017/decorative" val="1"/>
-              </a:ext>
-            </a:extLst>
-          </p:cNvPr>
-          <p:cNvSpPr>
-            <a:spLocks noGrp="1" noRot="1" noChangeAspect="1" noMove="1" noResize="1" noEditPoints="1" noAdjustHandles="1" noChangeArrowheads="1" noChangeShapeType="1" noTextEdit="1"/>
-          </p:cNvSpPr>
-          <p:nvPr>
-            <p:extLst>
-              <p:ext uri="{386F3935-93C4-4BCD-93E2-E3B085C9AB24}">
-                <p16:designElem xmlns:p16="http://schemas.microsoft.com/office/powerpoint/2015/main" val="1"/>
-              </p:ext>
-            </p:extLst>
-          </p:nvPr>
-        </p:nvSpPr>
-        <p:spPr>
-          <a:xfrm>
-            <a:off x="7851648" y="4546920"/>
-            <a:ext cx="4023360" cy="18288"/>
-          </a:xfrm>
-          <a:prstGeom prst="rect">
-            <a:avLst/>
-          </a:prstGeom>
-          <a:solidFill>
-            <a:schemeClr val="tx1"/>
-          </a:solidFill>
-          <a:ln w="3175">
-            <a:noFill/>
-          </a:ln>
-          <a:effectLst/>
-        </p:spPr>
-        <p:style>
-          <a:lnRef idx="2">
-            <a:schemeClr val="accent1">
-              <a:shade val="50000"/>
-            </a:schemeClr>
-          </a:lnRef>
-          <a:fillRef idx="1">
-            <a:schemeClr val="accent1"/>
-          </a:fillRef>
-          <a:effectRef idx="0">
-            <a:schemeClr val="accent1"/>
-          </a:effectRef>
-          <a:fontRef idx="minor">
-            <a:schemeClr val="lt1"/>
-          </a:fontRef>
-        </p:style>
-        <p:txBody>
-          <a:bodyPr rtlCol="0" anchor="ctr"/>
-          <a:lstStyle/>
-          <a:p>
-            <a:pPr marL="0" marR="0" lvl="0" indent="0" algn="ctr" defTabSz="914400" rtl="0" eaLnBrk="1" fontAlgn="auto" latinLnBrk="0" hangingPunct="1">
-              <a:lnSpc>
-                <a:spcPct val="100000"/>
-              </a:lnSpc>
-              <a:spcBef>
-                <a:spcPts val="0"/>
-              </a:spcBef>
-              <a:spcAft>
-                <a:spcPts val="0"/>
-              </a:spcAft>
-              <a:buClrTx/>
-              <a:buSzTx/>
-              <a:buFontTx/>
-              <a:buNone/>
-              <a:tabLst/>
-              <a:defRPr/>
-            </a:pPr>
-            <a:endParaRPr kumimoji="0" lang="en-US" sz="1800" b="0" i="0" u="none" strike="noStrike" kern="1200" cap="none" spc="0" normalizeH="0" baseline="0" noProof="0">
-              <a:ln>
-                <a:noFill/>
-              </a:ln>
-              <a:solidFill>
-                <a:prstClr val="white"/>
-              </a:solidFill>
-              <a:effectLst/>
-              <a:uLnTx/>
-              <a:uFillTx/>
-              <a:latin typeface="Calibri" panose="020F0502020204030204"/>
-              <a:ea typeface="+mn-ea"/>
-              <a:cs typeface="+mn-cs"/>
-            </a:endParaRPr>
-          </a:p>
-        </p:txBody>
-      </p:sp>
     </p:spTree>
     <p:extLst>
       <p:ext uri="{BB962C8B-B14F-4D97-AF65-F5344CB8AC3E}">
@@ -5521,7 +3455,7 @@
     </p:extLst>
   </p:cSld>
   <p:clrMapOvr>
-    <a:overrideClrMapping bg1="dk1" tx1="lt1" bg2="dk2" tx2="lt2" accent1="accent1" accent2="accent2" accent3="accent3" accent4="accent4" accent5="accent5" accent6="accent6" hlink="hlink" folHlink="folHlink"/>
+    <a:masterClrMapping/>
   </p:clrMapOvr>
 </p:sld>
 </file>
@@ -5548,7 +3482,7 @@
           <p:cNvPr id="2" name="Title 1">
             <a:extLst>
               <a:ext uri="{FF2B5EF4-FFF2-40B4-BE49-F238E27FC236}">
-                <a16:creationId xmlns:a16="http://schemas.microsoft.com/office/drawing/2014/main" id="{12D8F8C8-7CD3-8646-81FC-0359A8A455D3}"/>
+                <a16:creationId xmlns:a16="http://schemas.microsoft.com/office/drawing/2014/main" id="{5B30CA4D-4F7A-7A4A-9A3C-88256E63CF94}"/>
               </a:ext>
             </a:extLst>
           </p:cNvPr>
@@ -5566,57 +3500,720 @@
           <a:p>
             <a:r>
               <a:rPr lang="en-US" dirty="0"/>
-              <a:t>Layer 2: Instruments</a:t>
-            </a:r>
-          </a:p>
-        </p:txBody>
-      </p:sp>
-      <p:sp>
-        <p:nvSpPr>
-          <p:cNvPr id="3" name="Content Placeholder 2">
-            <a:extLst>
-              <a:ext uri="{FF2B5EF4-FFF2-40B4-BE49-F238E27FC236}">
-                <a16:creationId xmlns:a16="http://schemas.microsoft.com/office/drawing/2014/main" id="{C89F107E-A90E-4E43-9EC3-6CB339700A31}"/>
-              </a:ext>
-            </a:extLst>
-          </p:cNvPr>
-          <p:cNvSpPr>
-            <a:spLocks noGrp="1"/>
-          </p:cNvSpPr>
+              <a:t>EDA: Pitchfork Review Timeline by Sub-genre</a:t>
+            </a:r>
+          </a:p>
+        </p:txBody>
+      </p:sp>
+      <p:pic>
+        <p:nvPicPr>
+          <p:cNvPr id="4" name="Graphic 3">
+            <a:extLst>
+              <a:ext uri="{FF2B5EF4-FFF2-40B4-BE49-F238E27FC236}">
+                <a16:creationId xmlns:a16="http://schemas.microsoft.com/office/drawing/2014/main" id="{E2CC6BA0-64D9-344A-B462-447CA4D4A855}"/>
+              </a:ext>
+            </a:extLst>
+          </p:cNvPr>
+          <p:cNvPicPr>
+            <a:picLocks noChangeAspect="1"/>
+          </p:cNvPicPr>
+          <p:nvPr/>
+        </p:nvPicPr>
+        <p:blipFill rotWithShape="1">
+          <a:blip r:embed="rId2">
+            <a:extLst>
+              <a:ext uri="{96DAC541-7B7A-43D3-8B79-37D633B846F1}">
+                <asvg:svgBlip xmlns:asvg="http://schemas.microsoft.com/office/drawing/2016/SVG/main" r:embed="rId3"/>
+              </a:ext>
+            </a:extLst>
+          </a:blip>
+          <a:srcRect l="12021" t="3500" r="60606" b="88700"/>
+          <a:stretch/>
+        </p:blipFill>
+        <p:spPr>
+          <a:xfrm>
+            <a:off x="2336801" y="2128852"/>
+            <a:ext cx="2503055" cy="285310"/>
+          </a:xfrm>
+          <a:prstGeom prst="rect">
+            <a:avLst/>
+          </a:prstGeom>
+        </p:spPr>
+      </p:pic>
+      <p:pic>
+        <p:nvPicPr>
+          <p:cNvPr id="5" name="Graphic 4">
+            <a:extLst>
+              <a:ext uri="{FF2B5EF4-FFF2-40B4-BE49-F238E27FC236}">
+                <a16:creationId xmlns:a16="http://schemas.microsoft.com/office/drawing/2014/main" id="{5DEDA827-4E62-A240-A0DD-AEDECCC2AC89}"/>
+              </a:ext>
+            </a:extLst>
+          </p:cNvPr>
+          <p:cNvPicPr>
+            <a:picLocks noChangeAspect="1"/>
+          </p:cNvPicPr>
+          <p:nvPr/>
+        </p:nvPicPr>
+        <p:blipFill rotWithShape="1">
+          <a:blip r:embed="rId2">
+            <a:extLst>
+              <a:ext uri="{96DAC541-7B7A-43D3-8B79-37D633B846F1}">
+                <asvg:svgBlip xmlns:asvg="http://schemas.microsoft.com/office/drawing/2016/SVG/main" r:embed="rId3"/>
+              </a:ext>
+            </a:extLst>
+          </a:blip>
+          <a:srcRect l="11718" t="79546" r="60909" b="5050"/>
+          <a:stretch/>
+        </p:blipFill>
+        <p:spPr>
+          <a:xfrm>
+            <a:off x="2299860" y="2494966"/>
+            <a:ext cx="2503054" cy="563419"/>
+          </a:xfrm>
+          <a:prstGeom prst="rect">
+            <a:avLst/>
+          </a:prstGeom>
+        </p:spPr>
+      </p:pic>
+      <p:sp>
+        <p:nvSpPr>
+          <p:cNvPr id="9" name="TextBox 8">
+            <a:extLst>
+              <a:ext uri="{FF2B5EF4-FFF2-40B4-BE49-F238E27FC236}">
+                <a16:creationId xmlns:a16="http://schemas.microsoft.com/office/drawing/2014/main" id="{C0D19803-B322-BC41-AF59-55E4ACFC4DD7}"/>
+              </a:ext>
+            </a:extLst>
+          </p:cNvPr>
+          <p:cNvSpPr txBox="1"/>
+          <p:nvPr/>
+        </p:nvSpPr>
+        <p:spPr>
+          <a:xfrm>
+            <a:off x="757382" y="4837072"/>
+            <a:ext cx="10596418" cy="923330"/>
+          </a:xfrm>
+          <a:prstGeom prst="rect">
+            <a:avLst/>
+          </a:prstGeom>
+          <a:noFill/>
+        </p:spPr>
+        <p:txBody>
+          <a:bodyPr wrap="square" rtlCol="0">
+            <a:spAutoFit/>
+          </a:bodyPr>
+          <a:lstStyle/>
+          <a:p>
+            <a:r>
+              <a:rPr lang="en-US" dirty="0"/>
+              <a:t>“…Jazz musicians…collaborate with </a:t>
+            </a:r>
+            <a:r>
+              <a:rPr lang="en-US" b="1" dirty="0"/>
+              <a:t>Kendrick Lamar</a:t>
+            </a:r>
+            <a:r>
+              <a:rPr lang="en-US" dirty="0"/>
+              <a:t>; </a:t>
+            </a:r>
+            <a:r>
+              <a:rPr lang="en-US" b="1" dirty="0"/>
+              <a:t>The Internet</a:t>
+            </a:r>
+            <a:r>
+              <a:rPr lang="en-US" dirty="0"/>
+              <a:t>, which spun off from </a:t>
+            </a:r>
+            <a:r>
+              <a:rPr lang="en-US" b="1" dirty="0"/>
+              <a:t>Odd Future</a:t>
+            </a:r>
+            <a:r>
+              <a:rPr lang="en-US" dirty="0"/>
+              <a:t>…incorporates jazz elements into their music; the label </a:t>
+            </a:r>
+            <a:r>
+              <a:rPr lang="en-US" dirty="0" err="1"/>
+              <a:t>Brainfeeder</a:t>
+            </a:r>
+            <a:r>
+              <a:rPr lang="en-US" dirty="0"/>
+              <a:t>, purveyor of underground cool, releases jazz-tinged records from </a:t>
+            </a:r>
+            <a:r>
+              <a:rPr lang="en-US" b="1" dirty="0"/>
+              <a:t>Thundercat</a:t>
+            </a:r>
+            <a:r>
+              <a:rPr lang="en-US" dirty="0"/>
+              <a:t> and label boss </a:t>
+            </a:r>
+            <a:r>
+              <a:rPr lang="en-US" b="1" dirty="0"/>
+              <a:t>Flying Lotus</a:t>
+            </a:r>
+            <a:r>
+              <a:rPr lang="en-US" dirty="0"/>
+              <a:t>…”</a:t>
+            </a:r>
+          </a:p>
+        </p:txBody>
+      </p:sp>
+      <p:sp>
+        <p:nvSpPr>
+          <p:cNvPr id="10" name="Left Brace 9">
+            <a:extLst>
+              <a:ext uri="{FF2B5EF4-FFF2-40B4-BE49-F238E27FC236}">
+                <a16:creationId xmlns:a16="http://schemas.microsoft.com/office/drawing/2014/main" id="{2643D857-439C-A24E-9C34-5E35873B73F8}"/>
+              </a:ext>
+            </a:extLst>
+          </p:cNvPr>
+          <p:cNvSpPr/>
+          <p:nvPr/>
+        </p:nvSpPr>
+        <p:spPr>
+          <a:xfrm rot="16200000">
+            <a:off x="5740608" y="2397247"/>
+            <a:ext cx="627668" cy="1948870"/>
+          </a:xfrm>
+          <a:prstGeom prst="leftBrace">
+            <a:avLst/>
+          </a:prstGeom>
+          <a:ln>
+            <a:solidFill>
+              <a:schemeClr val="tx1">
+                <a:lumMod val="50000"/>
+                <a:lumOff val="50000"/>
+              </a:schemeClr>
+            </a:solidFill>
+          </a:ln>
+        </p:spPr>
+        <p:style>
+          <a:lnRef idx="1">
+            <a:schemeClr val="accent1"/>
+          </a:lnRef>
+          <a:fillRef idx="0">
+            <a:schemeClr val="accent1"/>
+          </a:fillRef>
+          <a:effectRef idx="0">
+            <a:schemeClr val="accent1"/>
+          </a:effectRef>
+          <a:fontRef idx="minor">
+            <a:schemeClr val="tx1"/>
+          </a:fontRef>
+        </p:style>
+        <p:txBody>
+          <a:bodyPr rtlCol="0" anchor="ctr"/>
+          <a:lstStyle/>
+          <a:p>
+            <a:pPr algn="ctr"/>
+            <a:endParaRPr lang="en-US"/>
+          </a:p>
+        </p:txBody>
+      </p:sp>
+      <p:pic>
+        <p:nvPicPr>
+          <p:cNvPr id="13" name="Graphic 12">
+            <a:extLst>
+              <a:ext uri="{FF2B5EF4-FFF2-40B4-BE49-F238E27FC236}">
+                <a16:creationId xmlns:a16="http://schemas.microsoft.com/office/drawing/2014/main" id="{C40BCC4C-DB9B-144F-AA66-8C0A377AFE63}"/>
+              </a:ext>
+            </a:extLst>
+          </p:cNvPr>
+          <p:cNvPicPr>
+            <a:picLocks noChangeAspect="1"/>
+          </p:cNvPicPr>
+          <p:nvPr/>
+        </p:nvPicPr>
+        <p:blipFill rotWithShape="1">
+          <a:blip r:embed="rId2">
+            <a:extLst>
+              <a:ext uri="{96DAC541-7B7A-43D3-8B79-37D633B846F1}">
+                <asvg:svgBlip xmlns:asvg="http://schemas.microsoft.com/office/drawing/2016/SVG/main" r:embed="rId3"/>
+              </a:ext>
+            </a:extLst>
+          </a:blip>
+          <a:srcRect l="39394" t="11144" r="39394" b="81055"/>
+          <a:stretch/>
+        </p:blipFill>
+        <p:spPr>
+          <a:xfrm>
+            <a:off x="5089236" y="2128851"/>
+            <a:ext cx="1939638" cy="285311"/>
+          </a:xfrm>
+          <a:prstGeom prst="rect">
+            <a:avLst/>
+          </a:prstGeom>
+        </p:spPr>
+      </p:pic>
+      <p:pic>
+        <p:nvPicPr>
+          <p:cNvPr id="15" name="Graphic 14">
+            <a:extLst>
+              <a:ext uri="{FF2B5EF4-FFF2-40B4-BE49-F238E27FC236}">
+                <a16:creationId xmlns:a16="http://schemas.microsoft.com/office/drawing/2014/main" id="{37254305-4C78-EA40-ABDC-72D20D66C0A7}"/>
+              </a:ext>
+            </a:extLst>
+          </p:cNvPr>
+          <p:cNvPicPr>
+            <a:picLocks noChangeAspect="1"/>
+          </p:cNvPicPr>
+          <p:nvPr/>
+        </p:nvPicPr>
+        <p:blipFill rotWithShape="1">
+          <a:blip r:embed="rId2">
+            <a:extLst>
+              <a:ext uri="{96DAC541-7B7A-43D3-8B79-37D633B846F1}">
+                <asvg:svgBlip xmlns:asvg="http://schemas.microsoft.com/office/drawing/2016/SVG/main" r:embed="rId3"/>
+              </a:ext>
+            </a:extLst>
+          </a:blip>
+          <a:srcRect l="38788" t="79482" r="40000" b="7386"/>
+          <a:stretch/>
+        </p:blipFill>
+        <p:spPr>
+          <a:xfrm>
+            <a:off x="5077691" y="2494966"/>
+            <a:ext cx="1939639" cy="480291"/>
+          </a:xfrm>
+          <a:prstGeom prst="rect">
+            <a:avLst/>
+          </a:prstGeom>
+        </p:spPr>
+      </p:pic>
+      <p:sp>
+        <p:nvSpPr>
+          <p:cNvPr id="17" name="Left Brace 16">
+            <a:extLst>
+              <a:ext uri="{FF2B5EF4-FFF2-40B4-BE49-F238E27FC236}">
+                <a16:creationId xmlns:a16="http://schemas.microsoft.com/office/drawing/2014/main" id="{7E720D9F-CB3A-8448-9477-B3F928B7557F}"/>
+              </a:ext>
+            </a:extLst>
+          </p:cNvPr>
+          <p:cNvSpPr/>
+          <p:nvPr/>
+        </p:nvSpPr>
+        <p:spPr>
+          <a:xfrm rot="16200000">
+            <a:off x="3260436" y="2121535"/>
+            <a:ext cx="563418" cy="2503051"/>
+          </a:xfrm>
+          <a:prstGeom prst="leftBrace">
+            <a:avLst/>
+          </a:prstGeom>
+          <a:ln>
+            <a:solidFill>
+              <a:schemeClr val="tx1">
+                <a:lumMod val="50000"/>
+                <a:lumOff val="50000"/>
+              </a:schemeClr>
+            </a:solidFill>
+          </a:ln>
+        </p:spPr>
+        <p:style>
+          <a:lnRef idx="1">
+            <a:schemeClr val="accent1"/>
+          </a:lnRef>
+          <a:fillRef idx="0">
+            <a:schemeClr val="accent1"/>
+          </a:fillRef>
+          <a:effectRef idx="0">
+            <a:schemeClr val="accent1"/>
+          </a:effectRef>
+          <a:fontRef idx="minor">
+            <a:schemeClr val="tx1"/>
+          </a:fontRef>
+        </p:style>
+        <p:txBody>
+          <a:bodyPr rtlCol="0" anchor="ctr"/>
+          <a:lstStyle/>
+          <a:p>
+            <a:pPr algn="ctr"/>
+            <a:endParaRPr lang="en-US"/>
+          </a:p>
+        </p:txBody>
+      </p:sp>
+      <p:sp>
+        <p:nvSpPr>
+          <p:cNvPr id="18" name="TextBox 17">
+            <a:extLst>
+              <a:ext uri="{FF2B5EF4-FFF2-40B4-BE49-F238E27FC236}">
+                <a16:creationId xmlns:a16="http://schemas.microsoft.com/office/drawing/2014/main" id="{0FCDD4E4-99A0-7445-B67F-2F2BED4C7350}"/>
+              </a:ext>
+            </a:extLst>
+          </p:cNvPr>
+          <p:cNvSpPr txBox="1"/>
+          <p:nvPr/>
+        </p:nvSpPr>
+        <p:spPr>
+          <a:xfrm>
+            <a:off x="2857423" y="3654770"/>
+            <a:ext cx="1461810" cy="369332"/>
+          </a:xfrm>
+          <a:prstGeom prst="rect">
+            <a:avLst/>
+          </a:prstGeom>
+          <a:noFill/>
+        </p:spPr>
+        <p:txBody>
+          <a:bodyPr wrap="none" rtlCol="0">
+            <a:spAutoFit/>
+          </a:bodyPr>
+          <a:lstStyle/>
+          <a:p>
+            <a:r>
+              <a:rPr lang="en-US" dirty="0"/>
+              <a:t>Electronic Era</a:t>
+            </a:r>
+          </a:p>
+        </p:txBody>
+      </p:sp>
+      <p:sp>
+        <p:nvSpPr>
+          <p:cNvPr id="19" name="TextBox 18">
+            <a:extLst>
+              <a:ext uri="{FF2B5EF4-FFF2-40B4-BE49-F238E27FC236}">
+                <a16:creationId xmlns:a16="http://schemas.microsoft.com/office/drawing/2014/main" id="{67E2CA8E-EEB7-3B4D-AFD1-8A88A7C6E344}"/>
+              </a:ext>
+            </a:extLst>
+          </p:cNvPr>
+          <p:cNvSpPr txBox="1"/>
+          <p:nvPr/>
+        </p:nvSpPr>
+        <p:spPr>
+          <a:xfrm>
+            <a:off x="5606058" y="3685516"/>
+            <a:ext cx="979884" cy="369332"/>
+          </a:xfrm>
+          <a:prstGeom prst="rect">
+            <a:avLst/>
+          </a:prstGeom>
+          <a:noFill/>
+        </p:spPr>
+        <p:txBody>
+          <a:bodyPr wrap="none" rtlCol="0">
+            <a:spAutoFit/>
+          </a:bodyPr>
+          <a:lstStyle/>
+          <a:p>
+            <a:r>
+              <a:rPr lang="en-US" dirty="0"/>
+              <a:t>Rock Era</a:t>
+            </a:r>
+          </a:p>
+        </p:txBody>
+      </p:sp>
+      <p:pic>
+        <p:nvPicPr>
+          <p:cNvPr id="16" name="Content Placeholder 21">
+            <a:extLst>
+              <a:ext uri="{FF2B5EF4-FFF2-40B4-BE49-F238E27FC236}">
+                <a16:creationId xmlns:a16="http://schemas.microsoft.com/office/drawing/2014/main" id="{7145F841-CB31-354C-8149-D01AAABF7E14}"/>
+              </a:ext>
+            </a:extLst>
+          </p:cNvPr>
+          <p:cNvPicPr>
+            <a:picLocks noGrp="1" noChangeAspect="1"/>
+          </p:cNvPicPr>
           <p:nvPr>
             <p:ph idx="1"/>
           </p:nvPr>
-        </p:nvSpPr>
-        <p:spPr/>
-        <p:txBody>
-          <a:bodyPr/>
+        </p:nvPicPr>
+        <p:blipFill rotWithShape="1">
+          <a:blip r:embed="rId4">
+            <a:extLst>
+              <a:ext uri="{96DAC541-7B7A-43D3-8B79-37D633B846F1}">
+                <asvg:svgBlip xmlns:asvg="http://schemas.microsoft.com/office/drawing/2016/SVG/main" r:embed="rId5"/>
+              </a:ext>
+            </a:extLst>
+          </a:blip>
+          <a:srcRect l="55590" t="26698" r="28046" b="65221"/>
+          <a:stretch/>
+        </p:blipFill>
+        <p:spPr>
+          <a:xfrm>
+            <a:off x="7352146" y="2118600"/>
+            <a:ext cx="1496291" cy="295562"/>
+          </a:xfrm>
+        </p:spPr>
+      </p:pic>
+      <p:pic>
+        <p:nvPicPr>
+          <p:cNvPr id="20" name="Graphic 19">
+            <a:extLst>
+              <a:ext uri="{FF2B5EF4-FFF2-40B4-BE49-F238E27FC236}">
+                <a16:creationId xmlns:a16="http://schemas.microsoft.com/office/drawing/2014/main" id="{ADAC1475-579A-F74B-A74E-60EC5ED03658}"/>
+              </a:ext>
+            </a:extLst>
+          </p:cNvPr>
+          <p:cNvPicPr>
+            <a:picLocks noChangeAspect="1"/>
+          </p:cNvPicPr>
+          <p:nvPr/>
+        </p:nvPicPr>
+        <p:blipFill rotWithShape="1">
+          <a:blip r:embed="rId2">
+            <a:extLst>
+              <a:ext uri="{96DAC541-7B7A-43D3-8B79-37D633B846F1}">
+                <asvg:svgBlip xmlns:asvg="http://schemas.microsoft.com/office/drawing/2016/SVG/main" r:embed="rId3"/>
+              </a:ext>
+            </a:extLst>
+          </a:blip>
+          <a:srcRect l="60405" t="79230" r="22121" b="7639"/>
+          <a:stretch/>
+        </p:blipFill>
+        <p:spPr>
+          <a:xfrm>
+            <a:off x="7315201" y="2494966"/>
+            <a:ext cx="1533236" cy="480291"/>
+          </a:xfrm>
+          <a:prstGeom prst="rect">
+            <a:avLst/>
+          </a:prstGeom>
+        </p:spPr>
+      </p:pic>
+      <p:sp>
+        <p:nvSpPr>
+          <p:cNvPr id="21" name="Left Brace 20">
+            <a:extLst>
+              <a:ext uri="{FF2B5EF4-FFF2-40B4-BE49-F238E27FC236}">
+                <a16:creationId xmlns:a16="http://schemas.microsoft.com/office/drawing/2014/main" id="{A84718F8-3411-634D-9E85-59040E3D404A}"/>
+              </a:ext>
+            </a:extLst>
+          </p:cNvPr>
+          <p:cNvSpPr/>
+          <p:nvPr/>
+        </p:nvSpPr>
+        <p:spPr>
+          <a:xfrm rot="16200000">
+            <a:off x="7778088" y="2613380"/>
+            <a:ext cx="627668" cy="1513030"/>
+          </a:xfrm>
+          <a:prstGeom prst="leftBrace">
+            <a:avLst/>
+          </a:prstGeom>
+          <a:ln>
+            <a:solidFill>
+              <a:schemeClr val="tx1">
+                <a:lumMod val="50000"/>
+                <a:lumOff val="50000"/>
+              </a:schemeClr>
+            </a:solidFill>
+          </a:ln>
+        </p:spPr>
+        <p:style>
+          <a:lnRef idx="1">
+            <a:schemeClr val="accent1"/>
+          </a:lnRef>
+          <a:fillRef idx="0">
+            <a:schemeClr val="accent1"/>
+          </a:fillRef>
+          <a:effectRef idx="0">
+            <a:schemeClr val="accent1"/>
+          </a:effectRef>
+          <a:fontRef idx="minor">
+            <a:schemeClr val="tx1"/>
+          </a:fontRef>
+        </p:style>
+        <p:txBody>
+          <a:bodyPr rtlCol="0" anchor="ctr"/>
+          <a:lstStyle/>
+          <a:p>
+            <a:pPr algn="ctr"/>
+            <a:endParaRPr lang="en-US"/>
+          </a:p>
+        </p:txBody>
+      </p:sp>
+      <p:sp>
+        <p:nvSpPr>
+          <p:cNvPr id="22" name="TextBox 21">
+            <a:extLst>
+              <a:ext uri="{FF2B5EF4-FFF2-40B4-BE49-F238E27FC236}">
+                <a16:creationId xmlns:a16="http://schemas.microsoft.com/office/drawing/2014/main" id="{AE617488-A4C8-CA48-A207-82DCA05AFCFE}"/>
+              </a:ext>
+            </a:extLst>
+          </p:cNvPr>
+          <p:cNvSpPr txBox="1"/>
+          <p:nvPr/>
+        </p:nvSpPr>
+        <p:spPr>
+          <a:xfrm>
+            <a:off x="7610349" y="3683729"/>
+            <a:ext cx="1295611" cy="369332"/>
+          </a:xfrm>
+          <a:prstGeom prst="rect">
+            <a:avLst/>
+          </a:prstGeom>
+          <a:noFill/>
+        </p:spPr>
+        <p:txBody>
+          <a:bodyPr wrap="none" rtlCol="0">
+            <a:spAutoFit/>
+          </a:bodyPr>
           <a:lstStyle/>
           <a:p>
             <a:r>
               <a:rPr lang="en-US" dirty="0"/>
-              <a:t>Representation of words and instruments as topics</a:t>
-            </a:r>
-          </a:p>
-          <a:p>
-            <a:r>
-              <a:rPr lang="en-US" dirty="0"/>
-              <a:t>These are used as </a:t>
-            </a:r>
-            <a:r>
-              <a:rPr lang="en-US" dirty="0" err="1"/>
-              <a:t>descriptives</a:t>
-            </a:r>
-            <a:r>
-              <a:rPr lang="en-US" dirty="0"/>
-              <a:t> for the audience to understand the nature of the album</a:t>
-            </a:r>
-          </a:p>
-        </p:txBody>
-      </p:sp>
+              <a:t>Hip Hop Era</a:t>
+            </a:r>
+          </a:p>
+        </p:txBody>
+      </p:sp>
+      <p:sp>
+        <p:nvSpPr>
+          <p:cNvPr id="24" name="TextBox 23">
+            <a:extLst>
+              <a:ext uri="{FF2B5EF4-FFF2-40B4-BE49-F238E27FC236}">
+                <a16:creationId xmlns:a16="http://schemas.microsoft.com/office/drawing/2014/main" id="{6962FB5B-1572-D045-9069-15DD1DAEE0D2}"/>
+              </a:ext>
+            </a:extLst>
+          </p:cNvPr>
+          <p:cNvSpPr txBox="1"/>
+          <p:nvPr/>
+        </p:nvSpPr>
+        <p:spPr>
+          <a:xfrm>
+            <a:off x="7024359" y="1478536"/>
+            <a:ext cx="1146917" cy="276999"/>
+          </a:xfrm>
+          <a:prstGeom prst="rect">
+            <a:avLst/>
+          </a:prstGeom>
+          <a:noFill/>
+        </p:spPr>
+        <p:txBody>
+          <a:bodyPr wrap="none" rtlCol="0">
+            <a:spAutoFit/>
+          </a:bodyPr>
+          <a:lstStyle/>
+          <a:p>
+            <a:r>
+              <a:rPr lang="en-US" sz="1200" dirty="0"/>
+              <a:t>Kendrick Lamar</a:t>
+            </a:r>
+          </a:p>
+        </p:txBody>
+      </p:sp>
+      <p:sp>
+        <p:nvSpPr>
+          <p:cNvPr id="25" name="TextBox 24">
+            <a:extLst>
+              <a:ext uri="{FF2B5EF4-FFF2-40B4-BE49-F238E27FC236}">
+                <a16:creationId xmlns:a16="http://schemas.microsoft.com/office/drawing/2014/main" id="{4D2EEC64-DEF5-7444-B313-0EA713E65F3D}"/>
+              </a:ext>
+            </a:extLst>
+          </p:cNvPr>
+          <p:cNvSpPr txBox="1"/>
+          <p:nvPr/>
+        </p:nvSpPr>
+        <p:spPr>
+          <a:xfrm>
+            <a:off x="8171276" y="1482131"/>
+            <a:ext cx="920445" cy="276999"/>
+          </a:xfrm>
+          <a:prstGeom prst="rect">
+            <a:avLst/>
+          </a:prstGeom>
+          <a:noFill/>
+        </p:spPr>
+        <p:txBody>
+          <a:bodyPr wrap="none" rtlCol="0">
+            <a:spAutoFit/>
+          </a:bodyPr>
+          <a:lstStyle/>
+          <a:p>
+            <a:r>
+              <a:rPr lang="en-US" sz="1200" dirty="0"/>
+              <a:t>Flying Lotus</a:t>
+            </a:r>
+          </a:p>
+        </p:txBody>
+      </p:sp>
+      <p:cxnSp>
+        <p:nvCxnSpPr>
+          <p:cNvPr id="26" name="Straight Arrow Connector 25">
+            <a:extLst>
+              <a:ext uri="{FF2B5EF4-FFF2-40B4-BE49-F238E27FC236}">
+                <a16:creationId xmlns:a16="http://schemas.microsoft.com/office/drawing/2014/main" id="{1E69B836-C25E-6C40-9B85-A47FFBDCE905}"/>
+              </a:ext>
+            </a:extLst>
+          </p:cNvPr>
+          <p:cNvCxnSpPr>
+            <a:cxnSpLocks/>
+          </p:cNvCxnSpPr>
+          <p:nvPr/>
+        </p:nvCxnSpPr>
+        <p:spPr>
+          <a:xfrm flipH="1">
+            <a:off x="7488382" y="1704027"/>
+            <a:ext cx="1" cy="336387"/>
+          </a:xfrm>
+          <a:prstGeom prst="straightConnector1">
+            <a:avLst/>
+          </a:prstGeom>
+          <a:ln>
+            <a:tailEnd type="triangle"/>
+          </a:ln>
+        </p:spPr>
+        <p:style>
+          <a:lnRef idx="1">
+            <a:schemeClr val="accent1"/>
+          </a:lnRef>
+          <a:fillRef idx="0">
+            <a:schemeClr val="accent1"/>
+          </a:fillRef>
+          <a:effectRef idx="0">
+            <a:schemeClr val="accent1"/>
+          </a:effectRef>
+          <a:fontRef idx="minor">
+            <a:schemeClr val="tx1"/>
+          </a:fontRef>
+        </p:style>
+      </p:cxnSp>
+      <p:cxnSp>
+        <p:nvCxnSpPr>
+          <p:cNvPr id="27" name="Straight Arrow Connector 26">
+            <a:extLst>
+              <a:ext uri="{FF2B5EF4-FFF2-40B4-BE49-F238E27FC236}">
+                <a16:creationId xmlns:a16="http://schemas.microsoft.com/office/drawing/2014/main" id="{DE0AAFAE-35A4-4142-BDDB-8E2A8851A64F}"/>
+              </a:ext>
+            </a:extLst>
+          </p:cNvPr>
+          <p:cNvCxnSpPr>
+            <a:cxnSpLocks/>
+          </p:cNvCxnSpPr>
+          <p:nvPr/>
+        </p:nvCxnSpPr>
+        <p:spPr>
+          <a:xfrm flipH="1">
+            <a:off x="8456889" y="1716536"/>
+            <a:ext cx="1" cy="336387"/>
+          </a:xfrm>
+          <a:prstGeom prst="straightConnector1">
+            <a:avLst/>
+          </a:prstGeom>
+          <a:ln>
+            <a:tailEnd type="triangle"/>
+          </a:ln>
+        </p:spPr>
+        <p:style>
+          <a:lnRef idx="1">
+            <a:schemeClr val="accent1"/>
+          </a:lnRef>
+          <a:fillRef idx="0">
+            <a:schemeClr val="accent1"/>
+          </a:fillRef>
+          <a:effectRef idx="0">
+            <a:schemeClr val="accent1"/>
+          </a:effectRef>
+          <a:fontRef idx="minor">
+            <a:schemeClr val="tx1"/>
+          </a:fontRef>
+        </p:style>
+      </p:cxnSp>
     </p:spTree>
     <p:extLst>
       <p:ext uri="{BB962C8B-B14F-4D97-AF65-F5344CB8AC3E}">
-        <p14:creationId xmlns:p14="http://schemas.microsoft.com/office/powerpoint/2010/main" val="211017421"/>
+        <p14:creationId xmlns:p14="http://schemas.microsoft.com/office/powerpoint/2010/main" val="2132402079"/>
       </p:ext>
     </p:extLst>
   </p:cSld>
@@ -5648,7 +4245,7 @@
           <p:cNvPr id="2" name="Title 1">
             <a:extLst>
               <a:ext uri="{FF2B5EF4-FFF2-40B4-BE49-F238E27FC236}">
-                <a16:creationId xmlns:a16="http://schemas.microsoft.com/office/drawing/2014/main" id="{12D8F8C8-7CD3-8646-81FC-0359A8A455D3}"/>
+                <a16:creationId xmlns:a16="http://schemas.microsoft.com/office/drawing/2014/main" id="{5B30CA4D-4F7A-7A4A-9A3C-88256E63CF94}"/>
               </a:ext>
             </a:extLst>
           </p:cNvPr>
@@ -5659,56 +4256,74 @@
             <p:ph type="title"/>
           </p:nvPr>
         </p:nvSpPr>
-        <p:spPr/>
-        <p:txBody>
-          <a:bodyPr/>
-          <a:lstStyle/>
-          <a:p>
-            <a:r>
-              <a:rPr lang="en-US" dirty="0"/>
-              <a:t>Layer 3: Audio Features</a:t>
-            </a:r>
-          </a:p>
-        </p:txBody>
-      </p:sp>
-      <p:sp>
-        <p:nvSpPr>
-          <p:cNvPr id="3" name="Content Placeholder 2">
-            <a:extLst>
-              <a:ext uri="{FF2B5EF4-FFF2-40B4-BE49-F238E27FC236}">
-                <a16:creationId xmlns:a16="http://schemas.microsoft.com/office/drawing/2014/main" id="{C89F107E-A90E-4E43-9EC3-6CB339700A31}"/>
-              </a:ext>
-            </a:extLst>
-          </p:cNvPr>
-          <p:cNvSpPr>
-            <a:spLocks noGrp="1"/>
-          </p:cNvSpPr>
-          <p:nvPr>
-            <p:ph idx="1"/>
-          </p:nvPr>
-        </p:nvSpPr>
-        <p:spPr/>
-        <p:txBody>
-          <a:bodyPr/>
-          <a:lstStyle/>
-          <a:p>
-            <a:r>
-              <a:rPr lang="en-US" dirty="0"/>
-              <a:t>Overall graph of audio features of albums</a:t>
-            </a:r>
-          </a:p>
-          <a:p>
-            <a:r>
-              <a:rPr lang="en-US" dirty="0"/>
-              <a:t>Some interesting distinctions between genres and audio features</a:t>
-            </a:r>
-          </a:p>
-        </p:txBody>
-      </p:sp>
+        <p:spPr>
+          <a:xfrm>
+            <a:off x="838200" y="365125"/>
+            <a:ext cx="4287982" cy="5777057"/>
+          </a:xfrm>
+        </p:spPr>
+        <p:txBody>
+          <a:bodyPr>
+            <a:normAutofit/>
+          </a:bodyPr>
+          <a:lstStyle/>
+          <a:p>
+            <a:r>
+              <a:rPr lang="en-US" sz="3600" dirty="0"/>
+              <a:t>EDA: </a:t>
+            </a:r>
+            <a:br>
+              <a:rPr lang="en-US" sz="3600" dirty="0"/>
+            </a:br>
+            <a:br>
+              <a:rPr lang="en-US" sz="2400" dirty="0"/>
+            </a:br>
+            <a:r>
+              <a:rPr lang="en-US" sz="2400" dirty="0"/>
+              <a:t>Top 40 Artists most frequently mentioned in reviews </a:t>
+            </a:r>
+          </a:p>
+        </p:txBody>
+      </p:sp>
+      <p:pic>
+        <p:nvPicPr>
+          <p:cNvPr id="5" name="Graphic 4">
+            <a:extLst>
+              <a:ext uri="{FF2B5EF4-FFF2-40B4-BE49-F238E27FC236}">
+                <a16:creationId xmlns:a16="http://schemas.microsoft.com/office/drawing/2014/main" id="{85958D84-5EB1-7349-9F1C-EE97C5A802E2}"/>
+              </a:ext>
+            </a:extLst>
+          </p:cNvPr>
+          <p:cNvPicPr>
+            <a:picLocks noChangeAspect="1"/>
+          </p:cNvPicPr>
+          <p:nvPr/>
+        </p:nvPicPr>
+        <p:blipFill rotWithShape="1">
+          <a:blip r:embed="rId2">
+            <a:extLst>
+              <a:ext uri="{96DAC541-7B7A-43D3-8B79-37D633B846F1}">
+                <asvg:svgBlip xmlns:asvg="http://schemas.microsoft.com/office/drawing/2016/SVG/main" r:embed="rId3"/>
+              </a:ext>
+            </a:extLst>
+          </a:blip>
+          <a:srcRect l="16033" r="9729" b="7125"/>
+          <a:stretch/>
+        </p:blipFill>
+        <p:spPr>
+          <a:xfrm>
+            <a:off x="5433290" y="466292"/>
+            <a:ext cx="5920510" cy="5925416"/>
+          </a:xfrm>
+          <a:prstGeom prst="rect">
+            <a:avLst/>
+          </a:prstGeom>
+        </p:spPr>
+      </p:pic>
     </p:spTree>
     <p:extLst>
       <p:ext uri="{BB962C8B-B14F-4D97-AF65-F5344CB8AC3E}">
-        <p14:creationId xmlns:p14="http://schemas.microsoft.com/office/powerpoint/2010/main" val="585473345"/>
+        <p14:creationId xmlns:p14="http://schemas.microsoft.com/office/powerpoint/2010/main" val="1118840737"/>
       </p:ext>
     </p:extLst>
   </p:cSld>
@@ -5740,7 +4355,7 @@
           <p:cNvPr id="2" name="Title 1">
             <a:extLst>
               <a:ext uri="{FF2B5EF4-FFF2-40B4-BE49-F238E27FC236}">
-                <a16:creationId xmlns:a16="http://schemas.microsoft.com/office/drawing/2014/main" id="{68F4FBDE-CEC6-1E46-9310-389B1E09CD78}"/>
+                <a16:creationId xmlns:a16="http://schemas.microsoft.com/office/drawing/2014/main" id="{5B30CA4D-4F7A-7A4A-9A3C-88256E63CF94}"/>
               </a:ext>
             </a:extLst>
           </p:cNvPr>
@@ -5751,86 +4366,140 @@
             <p:ph type="title"/>
           </p:nvPr>
         </p:nvSpPr>
-        <p:spPr/>
-        <p:txBody>
-          <a:bodyPr/>
-          <a:lstStyle/>
-          <a:p>
-            <a:r>
-              <a:rPr lang="en-US" dirty="0"/>
-              <a:t>Content-based Model</a:t>
-            </a:r>
-          </a:p>
-        </p:txBody>
-      </p:sp>
-      <p:sp>
-        <p:nvSpPr>
-          <p:cNvPr id="3" name="Content Placeholder 2">
-            <a:extLst>
-              <a:ext uri="{FF2B5EF4-FFF2-40B4-BE49-F238E27FC236}">
-                <a16:creationId xmlns:a16="http://schemas.microsoft.com/office/drawing/2014/main" id="{67A8C402-CA98-BB4A-89D2-96BE85A96C71}"/>
-              </a:ext>
-            </a:extLst>
-          </p:cNvPr>
-          <p:cNvSpPr>
-            <a:spLocks noGrp="1"/>
-          </p:cNvSpPr>
-          <p:nvPr>
-            <p:ph idx="1"/>
-          </p:nvPr>
-        </p:nvSpPr>
-        <p:spPr/>
-        <p:txBody>
-          <a:bodyPr/>
-          <a:lstStyle/>
-          <a:p>
-            <a:r>
-              <a:rPr lang="en-US" dirty="0"/>
-              <a:t>1. Cosine sim – using TF-IDF and Cosine sim</a:t>
-            </a:r>
-          </a:p>
-          <a:p>
-            <a:pPr lvl="1"/>
-            <a:r>
-              <a:rPr lang="en-US" dirty="0"/>
-              <a:t>Examples of similar albums</a:t>
-            </a:r>
-          </a:p>
-          <a:p>
-            <a:r>
-              <a:rPr lang="en-US" dirty="0"/>
-              <a:t>2. Cosine sim - using PCA and Cosine sim</a:t>
-            </a:r>
-          </a:p>
-          <a:p>
-            <a:pPr lvl="1"/>
-            <a:r>
-              <a:rPr lang="en-US" dirty="0"/>
-              <a:t>Examples of similar albums</a:t>
-            </a:r>
-          </a:p>
-          <a:p>
-            <a:pPr lvl="1"/>
+        <p:spPr>
+          <a:xfrm>
+            <a:off x="838200" y="365125"/>
+            <a:ext cx="4287982" cy="5777057"/>
+          </a:xfrm>
+        </p:spPr>
+        <p:txBody>
+          <a:bodyPr>
+            <a:normAutofit/>
+          </a:bodyPr>
+          <a:lstStyle/>
+          <a:p>
+            <a:r>
+              <a:rPr lang="en-US" sz="3600" dirty="0"/>
+              <a:t>EDA: </a:t>
+            </a:r>
+            <a:br>
+              <a:rPr lang="en-US" sz="3600" dirty="0"/>
+            </a:br>
+            <a:br>
+              <a:rPr lang="en-US" sz="2400" dirty="0"/>
+            </a:br>
+            <a:r>
+              <a:rPr lang="en-US" sz="2400" dirty="0"/>
+              <a:t>Top 40 Artists most frequently mentioned in reviews </a:t>
+            </a:r>
+          </a:p>
+        </p:txBody>
+      </p:sp>
+      <p:pic>
+        <p:nvPicPr>
+          <p:cNvPr id="5" name="Graphic 4">
+            <a:extLst>
+              <a:ext uri="{FF2B5EF4-FFF2-40B4-BE49-F238E27FC236}">
+                <a16:creationId xmlns:a16="http://schemas.microsoft.com/office/drawing/2014/main" id="{85958D84-5EB1-7349-9F1C-EE97C5A802E2}"/>
+              </a:ext>
+            </a:extLst>
+          </p:cNvPr>
+          <p:cNvPicPr>
+            <a:picLocks noChangeAspect="1"/>
+          </p:cNvPicPr>
+          <p:nvPr/>
+        </p:nvPicPr>
+        <p:blipFill rotWithShape="1">
+          <a:blip r:embed="rId2">
+            <a:extLst>
+              <a:ext uri="{96DAC541-7B7A-43D3-8B79-37D633B846F1}">
+                <asvg:svgBlip xmlns:asvg="http://schemas.microsoft.com/office/drawing/2016/SVG/main" r:embed="rId3"/>
+              </a:ext>
+            </a:extLst>
+          </a:blip>
+          <a:srcRect l="16033" r="9729" b="7125"/>
+          <a:stretch/>
+        </p:blipFill>
+        <p:spPr>
+          <a:xfrm>
+            <a:off x="5433290" y="466292"/>
+            <a:ext cx="5920510" cy="5925416"/>
+          </a:xfrm>
+          <a:prstGeom prst="rect">
+            <a:avLst/>
+          </a:prstGeom>
+        </p:spPr>
+      </p:pic>
+      <p:sp>
+        <p:nvSpPr>
+          <p:cNvPr id="4" name="TextBox 3">
+            <a:extLst>
+              <a:ext uri="{FF2B5EF4-FFF2-40B4-BE49-F238E27FC236}">
+                <a16:creationId xmlns:a16="http://schemas.microsoft.com/office/drawing/2014/main" id="{F33E5936-2E7E-3B42-A3F5-2B3DEB246128}"/>
+              </a:ext>
+            </a:extLst>
+          </p:cNvPr>
+          <p:cNvSpPr txBox="1"/>
+          <p:nvPr/>
+        </p:nvSpPr>
+        <p:spPr>
+          <a:xfrm>
+            <a:off x="10418618" y="3410528"/>
+            <a:ext cx="1145313" cy="369332"/>
+          </a:xfrm>
+          <a:prstGeom prst="rect">
+            <a:avLst/>
+          </a:prstGeom>
+          <a:noFill/>
+          <a:ln w="22225">
+            <a:solidFill>
+              <a:schemeClr val="accent1"/>
+            </a:solidFill>
+          </a:ln>
+        </p:spPr>
+        <p:txBody>
+          <a:bodyPr wrap="square" rtlCol="0">
+            <a:spAutoFit/>
+          </a:bodyPr>
+          <a:lstStyle/>
+          <a:p>
             <a:endParaRPr lang="en-US" dirty="0"/>
           </a:p>
-          <a:p>
-            <a:pPr lvl="1"/>
-            <a:endParaRPr lang="en-US" dirty="0"/>
-          </a:p>
-          <a:p>
-            <a:pPr lvl="1"/>
-            <a:endParaRPr lang="en-US" dirty="0"/>
-          </a:p>
-          <a:p>
-            <a:pPr lvl="1"/>
-            <a:r>
-              <a:rPr lang="en-US" dirty="0"/>
-              <a:t>Some images to show how </a:t>
-            </a:r>
-            <a:r>
-              <a:rPr lang="en-US"/>
-              <a:t>similarity works</a:t>
-            </a:r>
+        </p:txBody>
+      </p:sp>
+      <p:sp>
+        <p:nvSpPr>
+          <p:cNvPr id="6" name="TextBox 5">
+            <a:extLst>
+              <a:ext uri="{FF2B5EF4-FFF2-40B4-BE49-F238E27FC236}">
+                <a16:creationId xmlns:a16="http://schemas.microsoft.com/office/drawing/2014/main" id="{68C13683-FCAE-C649-806A-02FFF23B9AE3}"/>
+              </a:ext>
+            </a:extLst>
+          </p:cNvPr>
+          <p:cNvSpPr txBox="1"/>
+          <p:nvPr/>
+        </p:nvSpPr>
+        <p:spPr>
+          <a:xfrm>
+            <a:off x="10313552" y="3798332"/>
+            <a:ext cx="1145313" cy="369332"/>
+          </a:xfrm>
+          <a:prstGeom prst="rect">
+            <a:avLst/>
+          </a:prstGeom>
+          <a:noFill/>
+          <a:ln w="22225">
+            <a:solidFill>
+              <a:schemeClr val="accent1"/>
+            </a:solidFill>
+          </a:ln>
+        </p:spPr>
+        <p:txBody>
+          <a:bodyPr wrap="square" rtlCol="0">
+            <a:spAutoFit/>
+          </a:bodyPr>
+          <a:lstStyle/>
+          <a:p>
             <a:endParaRPr lang="en-US" dirty="0"/>
           </a:p>
         </p:txBody>
@@ -5838,7 +4507,7 @@
     </p:spTree>
     <p:extLst>
       <p:ext uri="{BB962C8B-B14F-4D97-AF65-F5344CB8AC3E}">
-        <p14:creationId xmlns:p14="http://schemas.microsoft.com/office/powerpoint/2010/main" val="480988961"/>
+        <p14:creationId xmlns:p14="http://schemas.microsoft.com/office/powerpoint/2010/main" val="1191807494"/>
       </p:ext>
     </p:extLst>
   </p:cSld>
@@ -5870,7 +4539,7 @@
           <p:cNvPr id="2" name="Title 1">
             <a:extLst>
               <a:ext uri="{FF2B5EF4-FFF2-40B4-BE49-F238E27FC236}">
-                <a16:creationId xmlns:a16="http://schemas.microsoft.com/office/drawing/2014/main" id="{62FB086D-CA23-A746-B106-C2AC7E7C696F}"/>
+                <a16:creationId xmlns:a16="http://schemas.microsoft.com/office/drawing/2014/main" id="{5B30CA4D-4F7A-7A4A-9A3C-88256E63CF94}"/>
               </a:ext>
             </a:extLst>
           </p:cNvPr>
@@ -5888,17 +4557,135 @@
           <a:p>
             <a:r>
               <a:rPr lang="en-US" dirty="0"/>
-              <a:t>TO DO </a:t>
-            </a:r>
-          </a:p>
-        </p:txBody>
-      </p:sp>
-      <p:sp>
-        <p:nvSpPr>
-          <p:cNvPr id="3" name="Content Placeholder 2">
-            <a:extLst>
-              <a:ext uri="{FF2B5EF4-FFF2-40B4-BE49-F238E27FC236}">
-                <a16:creationId xmlns:a16="http://schemas.microsoft.com/office/drawing/2014/main" id="{70A5F14D-4576-3648-B9BA-1EFE260E592E}"/>
+              <a:t>EDA - </a:t>
+            </a:r>
+          </a:p>
+        </p:txBody>
+      </p:sp>
+      <p:pic>
+        <p:nvPicPr>
+          <p:cNvPr id="29" name="Graphic 28">
+            <a:extLst>
+              <a:ext uri="{FF2B5EF4-FFF2-40B4-BE49-F238E27FC236}">
+                <a16:creationId xmlns:a16="http://schemas.microsoft.com/office/drawing/2014/main" id="{141A863B-6BBD-7144-8C5D-B43BD3CD5584}"/>
+              </a:ext>
+            </a:extLst>
+          </p:cNvPr>
+          <p:cNvPicPr>
+            <a:picLocks noChangeAspect="1"/>
+          </p:cNvPicPr>
+          <p:nvPr/>
+        </p:nvPicPr>
+        <p:blipFill rotWithShape="1">
+          <a:blip r:embed="rId2">
+            <a:extLst>
+              <a:ext uri="{96DAC541-7B7A-43D3-8B79-37D633B846F1}">
+                <asvg:svgBlip xmlns:asvg="http://schemas.microsoft.com/office/drawing/2016/SVG/main" r:embed="rId3"/>
+              </a:ext>
+            </a:extLst>
+          </a:blip>
+          <a:srcRect l="18120" t="13922" r="14455" b="16852"/>
+          <a:stretch/>
+        </p:blipFill>
+        <p:spPr>
+          <a:xfrm>
+            <a:off x="2179781" y="1117599"/>
+            <a:ext cx="8220364" cy="4747492"/>
+          </a:xfrm>
+          <a:prstGeom prst="rect">
+            <a:avLst/>
+          </a:prstGeom>
+        </p:spPr>
+      </p:pic>
+      <p:sp>
+        <p:nvSpPr>
+          <p:cNvPr id="30" name="Oval 29">
+            <a:extLst>
+              <a:ext uri="{FF2B5EF4-FFF2-40B4-BE49-F238E27FC236}">
+                <a16:creationId xmlns:a16="http://schemas.microsoft.com/office/drawing/2014/main" id="{6E020E9A-D692-894B-9516-7AFF3AB3C7BB}"/>
+              </a:ext>
+            </a:extLst>
+          </p:cNvPr>
+          <p:cNvSpPr/>
+          <p:nvPr/>
+        </p:nvSpPr>
+        <p:spPr>
+          <a:xfrm>
+            <a:off x="6006521" y="3491345"/>
+            <a:ext cx="215902" cy="228600"/>
+          </a:xfrm>
+          <a:prstGeom prst="ellipse">
+            <a:avLst/>
+          </a:prstGeom>
+          <a:solidFill>
+            <a:schemeClr val="accent1">
+              <a:lumMod val="60000"/>
+              <a:lumOff val="40000"/>
+              <a:alpha val="86000"/>
+            </a:schemeClr>
+          </a:solidFill>
+        </p:spPr>
+        <p:style>
+          <a:lnRef idx="2">
+            <a:schemeClr val="accent1">
+              <a:shade val="50000"/>
+            </a:schemeClr>
+          </a:lnRef>
+          <a:fillRef idx="1">
+            <a:schemeClr val="accent1"/>
+          </a:fillRef>
+          <a:effectRef idx="0">
+            <a:schemeClr val="accent1"/>
+          </a:effectRef>
+          <a:fontRef idx="minor">
+            <a:schemeClr val="lt1"/>
+          </a:fontRef>
+        </p:style>
+        <p:txBody>
+          <a:bodyPr rtlCol="0" anchor="ctr"/>
+          <a:lstStyle/>
+          <a:p>
+            <a:pPr algn="ctr"/>
+            <a:endParaRPr lang="en-US"/>
+          </a:p>
+        </p:txBody>
+      </p:sp>
+    </p:spTree>
+    <p:extLst>
+      <p:ext uri="{BB962C8B-B14F-4D97-AF65-F5344CB8AC3E}">
+        <p14:creationId xmlns:p14="http://schemas.microsoft.com/office/powerpoint/2010/main" val="1001111317"/>
+      </p:ext>
+    </p:extLst>
+  </p:cSld>
+  <p:clrMapOvr>
+    <a:masterClrMapping/>
+  </p:clrMapOvr>
+</p:sld>
+</file>
+
+<file path=ppt/slides/slide14.xml><?xml version="1.0" encoding="utf-8"?>
+<p:sld xmlns:a="http://schemas.openxmlformats.org/drawingml/2006/main" xmlns:r="http://schemas.openxmlformats.org/officeDocument/2006/relationships" xmlns:p="http://schemas.openxmlformats.org/presentationml/2006/main">
+  <p:cSld>
+    <p:spTree>
+      <p:nvGrpSpPr>
+        <p:cNvPr id="1" name=""/>
+        <p:cNvGrpSpPr/>
+        <p:nvPr/>
+      </p:nvGrpSpPr>
+      <p:grpSpPr>
+        <a:xfrm>
+          <a:off x="0" y="0"/>
+          <a:ext cx="0" cy="0"/>
+          <a:chOff x="0" y="0"/>
+          <a:chExt cx="0" cy="0"/>
+        </a:xfrm>
+      </p:grpSpPr>
+      <p:sp>
+        <p:nvSpPr>
+          <p:cNvPr id="2" name="Title 1">
+            <a:extLst>
+              <a:ext uri="{FF2B5EF4-FFF2-40B4-BE49-F238E27FC236}">
+                <a16:creationId xmlns:a16="http://schemas.microsoft.com/office/drawing/2014/main" id="{12D8F8C8-7CD3-8646-81FC-0359A8A455D3}"/>
               </a:ext>
             </a:extLst>
           </p:cNvPr>
@@ -5906,6 +4693,773 @@
             <a:spLocks noGrp="1"/>
           </p:cNvSpPr>
           <p:nvPr>
+            <p:ph type="title"/>
+          </p:nvPr>
+        </p:nvSpPr>
+        <p:spPr/>
+        <p:txBody>
+          <a:bodyPr>
+            <a:normAutofit/>
+          </a:bodyPr>
+          <a:lstStyle/>
+          <a:p>
+            <a:r>
+              <a:rPr lang="en-US" dirty="0"/>
+              <a:t>Layer 1: Reviewer words (emotion)</a:t>
+            </a:r>
+          </a:p>
+        </p:txBody>
+      </p:sp>
+      <p:sp>
+        <p:nvSpPr>
+          <p:cNvPr id="3" name="Content Placeholder 2">
+            <a:extLst>
+              <a:ext uri="{FF2B5EF4-FFF2-40B4-BE49-F238E27FC236}">
+                <a16:creationId xmlns:a16="http://schemas.microsoft.com/office/drawing/2014/main" id="{C89F107E-A90E-4E43-9EC3-6CB339700A31}"/>
+              </a:ext>
+            </a:extLst>
+          </p:cNvPr>
+          <p:cNvSpPr>
+            <a:spLocks noGrp="1"/>
+          </p:cNvSpPr>
+          <p:nvPr>
+            <p:ph idx="1"/>
+          </p:nvPr>
+        </p:nvSpPr>
+        <p:spPr/>
+        <p:txBody>
+          <a:bodyPr/>
+          <a:lstStyle/>
+          <a:p>
+            <a:r>
+              <a:rPr lang="en-US" dirty="0"/>
+              <a:t>Words of the reviewer can often be a reflection of the reviewer themselves but also the nature of the music</a:t>
+            </a:r>
+          </a:p>
+          <a:p>
+            <a:r>
+              <a:rPr lang="en-US" dirty="0"/>
+              <a:t>Graph emotion/sentiment of reviews over time</a:t>
+            </a:r>
+          </a:p>
+          <a:p>
+            <a:r>
+              <a:rPr lang="en-US" dirty="0"/>
+              <a:t>Either chord or ridgeline – else lines</a:t>
+            </a:r>
+          </a:p>
+        </p:txBody>
+      </p:sp>
+    </p:spTree>
+    <p:extLst>
+      <p:ext uri="{BB962C8B-B14F-4D97-AF65-F5344CB8AC3E}">
+        <p14:creationId xmlns:p14="http://schemas.microsoft.com/office/powerpoint/2010/main" val="4217283321"/>
+      </p:ext>
+    </p:extLst>
+  </p:cSld>
+  <p:clrMapOvr>
+    <a:masterClrMapping/>
+  </p:clrMapOvr>
+</p:sld>
+</file>
+
+<file path=ppt/slides/slide15.xml><?xml version="1.0" encoding="utf-8"?>
+<p:sld xmlns:a="http://schemas.openxmlformats.org/drawingml/2006/main" xmlns:r="http://schemas.openxmlformats.org/officeDocument/2006/relationships" xmlns:p="http://schemas.openxmlformats.org/presentationml/2006/main">
+  <p:cSld>
+    <p:spTree>
+      <p:nvGrpSpPr>
+        <p:cNvPr id="1" name=""/>
+        <p:cNvGrpSpPr/>
+        <p:nvPr/>
+      </p:nvGrpSpPr>
+      <p:grpSpPr>
+        <a:xfrm>
+          <a:off x="0" y="0"/>
+          <a:ext cx="0" cy="0"/>
+          <a:chOff x="0" y="0"/>
+          <a:chExt cx="0" cy="0"/>
+        </a:xfrm>
+      </p:grpSpPr>
+      <p:sp>
+        <p:nvSpPr>
+          <p:cNvPr id="2" name="Title 1">
+            <a:extLst>
+              <a:ext uri="{FF2B5EF4-FFF2-40B4-BE49-F238E27FC236}">
+                <a16:creationId xmlns:a16="http://schemas.microsoft.com/office/drawing/2014/main" id="{12D8F8C8-7CD3-8646-81FC-0359A8A455D3}"/>
+              </a:ext>
+            </a:extLst>
+          </p:cNvPr>
+          <p:cNvSpPr>
+            <a:spLocks noGrp="1"/>
+          </p:cNvSpPr>
+          <p:nvPr>
+            <p:ph type="title"/>
+          </p:nvPr>
+        </p:nvSpPr>
+        <p:spPr/>
+        <p:txBody>
+          <a:bodyPr/>
+          <a:lstStyle/>
+          <a:p>
+            <a:r>
+              <a:rPr lang="en-US" dirty="0"/>
+              <a:t>Layer 2: Instruments</a:t>
+            </a:r>
+          </a:p>
+        </p:txBody>
+      </p:sp>
+      <p:sp>
+        <p:nvSpPr>
+          <p:cNvPr id="3" name="Content Placeholder 2">
+            <a:extLst>
+              <a:ext uri="{FF2B5EF4-FFF2-40B4-BE49-F238E27FC236}">
+                <a16:creationId xmlns:a16="http://schemas.microsoft.com/office/drawing/2014/main" id="{C89F107E-A90E-4E43-9EC3-6CB339700A31}"/>
+              </a:ext>
+            </a:extLst>
+          </p:cNvPr>
+          <p:cNvSpPr>
+            <a:spLocks noGrp="1"/>
+          </p:cNvSpPr>
+          <p:nvPr>
+            <p:ph idx="1"/>
+          </p:nvPr>
+        </p:nvSpPr>
+        <p:spPr/>
+        <p:txBody>
+          <a:bodyPr/>
+          <a:lstStyle/>
+          <a:p>
+            <a:r>
+              <a:rPr lang="en-US" dirty="0"/>
+              <a:t>Representation of words and instruments as topics</a:t>
+            </a:r>
+          </a:p>
+          <a:p>
+            <a:r>
+              <a:rPr lang="en-US" dirty="0"/>
+              <a:t>These are used as </a:t>
+            </a:r>
+            <a:r>
+              <a:rPr lang="en-US" dirty="0" err="1"/>
+              <a:t>descriptives</a:t>
+            </a:r>
+            <a:r>
+              <a:rPr lang="en-US" dirty="0"/>
+              <a:t> for the audience to understand the nature of the album</a:t>
+            </a:r>
+          </a:p>
+        </p:txBody>
+      </p:sp>
+    </p:spTree>
+    <p:extLst>
+      <p:ext uri="{BB962C8B-B14F-4D97-AF65-F5344CB8AC3E}">
+        <p14:creationId xmlns:p14="http://schemas.microsoft.com/office/powerpoint/2010/main" val="211017421"/>
+      </p:ext>
+    </p:extLst>
+  </p:cSld>
+  <p:clrMapOvr>
+    <a:masterClrMapping/>
+  </p:clrMapOvr>
+</p:sld>
+</file>
+
+<file path=ppt/slides/slide16.xml><?xml version="1.0" encoding="utf-8"?>
+<p:sld xmlns:a="http://schemas.openxmlformats.org/drawingml/2006/main" xmlns:r="http://schemas.openxmlformats.org/officeDocument/2006/relationships" xmlns:p="http://schemas.openxmlformats.org/presentationml/2006/main">
+  <p:cSld>
+    <p:spTree>
+      <p:nvGrpSpPr>
+        <p:cNvPr id="1" name=""/>
+        <p:cNvGrpSpPr/>
+        <p:nvPr/>
+      </p:nvGrpSpPr>
+      <p:grpSpPr>
+        <a:xfrm>
+          <a:off x="0" y="0"/>
+          <a:ext cx="0" cy="0"/>
+          <a:chOff x="0" y="0"/>
+          <a:chExt cx="0" cy="0"/>
+        </a:xfrm>
+      </p:grpSpPr>
+      <p:sp>
+        <p:nvSpPr>
+          <p:cNvPr id="2" name="Title 1">
+            <a:extLst>
+              <a:ext uri="{FF2B5EF4-FFF2-40B4-BE49-F238E27FC236}">
+                <a16:creationId xmlns:a16="http://schemas.microsoft.com/office/drawing/2014/main" id="{12D8F8C8-7CD3-8646-81FC-0359A8A455D3}"/>
+              </a:ext>
+            </a:extLst>
+          </p:cNvPr>
+          <p:cNvSpPr>
+            <a:spLocks noGrp="1"/>
+          </p:cNvSpPr>
+          <p:nvPr>
+            <p:ph type="title"/>
+          </p:nvPr>
+        </p:nvSpPr>
+        <p:spPr/>
+        <p:txBody>
+          <a:bodyPr/>
+          <a:lstStyle/>
+          <a:p>
+            <a:r>
+              <a:rPr lang="en-US" dirty="0"/>
+              <a:t>Audio Features</a:t>
+            </a:r>
+          </a:p>
+        </p:txBody>
+      </p:sp>
+      <p:pic>
+        <p:nvPicPr>
+          <p:cNvPr id="13" name="Picture 12">
+            <a:extLst>
+              <a:ext uri="{FF2B5EF4-FFF2-40B4-BE49-F238E27FC236}">
+                <a16:creationId xmlns:a16="http://schemas.microsoft.com/office/drawing/2014/main" id="{7CA584EA-B018-6747-9CD2-F7203964A5B7}"/>
+              </a:ext>
+            </a:extLst>
+          </p:cNvPr>
+          <p:cNvPicPr>
+            <a:picLocks noChangeAspect="1"/>
+          </p:cNvPicPr>
+          <p:nvPr/>
+        </p:nvPicPr>
+        <p:blipFill rotWithShape="1">
+          <a:blip r:embed="rId2"/>
+          <a:srcRect l="5772" t="8081" r="43309" b="48960"/>
+          <a:stretch/>
+        </p:blipFill>
+        <p:spPr>
+          <a:xfrm>
+            <a:off x="598031" y="1690688"/>
+            <a:ext cx="3790373" cy="3197754"/>
+          </a:xfrm>
+          <a:prstGeom prst="rect">
+            <a:avLst/>
+          </a:prstGeom>
+        </p:spPr>
+      </p:pic>
+      <p:pic>
+        <p:nvPicPr>
+          <p:cNvPr id="15" name="Graphic 14">
+            <a:extLst>
+              <a:ext uri="{FF2B5EF4-FFF2-40B4-BE49-F238E27FC236}">
+                <a16:creationId xmlns:a16="http://schemas.microsoft.com/office/drawing/2014/main" id="{23AE73FB-B028-344A-B2A6-B02F714A6D91}"/>
+              </a:ext>
+            </a:extLst>
+          </p:cNvPr>
+          <p:cNvPicPr>
+            <a:picLocks noChangeAspect="1"/>
+          </p:cNvPicPr>
+          <p:nvPr/>
+        </p:nvPicPr>
+        <p:blipFill rotWithShape="1">
+          <a:blip r:embed="rId3">
+            <a:extLst>
+              <a:ext uri="{96DAC541-7B7A-43D3-8B79-37D633B846F1}">
+                <asvg:svgBlip xmlns:asvg="http://schemas.microsoft.com/office/drawing/2016/SVG/main" r:embed="rId4"/>
+              </a:ext>
+            </a:extLst>
+          </a:blip>
+          <a:srcRect l="4882" t="6788" r="43804" b="48148"/>
+          <a:stretch/>
+        </p:blipFill>
+        <p:spPr>
+          <a:xfrm>
+            <a:off x="4177032" y="1517909"/>
+            <a:ext cx="3837935" cy="3370533"/>
+          </a:xfrm>
+          <a:prstGeom prst="rect">
+            <a:avLst/>
+          </a:prstGeom>
+        </p:spPr>
+      </p:pic>
+      <p:pic>
+        <p:nvPicPr>
+          <p:cNvPr id="17" name="Graphic 16">
+            <a:extLst>
+              <a:ext uri="{FF2B5EF4-FFF2-40B4-BE49-F238E27FC236}">
+                <a16:creationId xmlns:a16="http://schemas.microsoft.com/office/drawing/2014/main" id="{E46E4E80-748D-B445-AFDF-58B64126659B}"/>
+              </a:ext>
+            </a:extLst>
+          </p:cNvPr>
+          <p:cNvPicPr>
+            <a:picLocks noChangeAspect="1"/>
+          </p:cNvPicPr>
+          <p:nvPr/>
+        </p:nvPicPr>
+        <p:blipFill rotWithShape="1">
+          <a:blip r:embed="rId5">
+            <a:extLst>
+              <a:ext uri="{96DAC541-7B7A-43D3-8B79-37D633B846F1}">
+                <asvg:svgBlip xmlns:asvg="http://schemas.microsoft.com/office/drawing/2016/SVG/main" r:embed="rId6"/>
+              </a:ext>
+            </a:extLst>
+          </a:blip>
+          <a:srcRect l="8383" t="8001" r="43266" b="49999"/>
+          <a:stretch/>
+        </p:blipFill>
+        <p:spPr>
+          <a:xfrm>
+            <a:off x="8260703" y="1643106"/>
+            <a:ext cx="3591883" cy="3120137"/>
+          </a:xfrm>
+          <a:prstGeom prst="rect">
+            <a:avLst/>
+          </a:prstGeom>
+        </p:spPr>
+      </p:pic>
+      <p:sp>
+        <p:nvSpPr>
+          <p:cNvPr id="20" name="Rectangle 19">
+            <a:extLst>
+              <a:ext uri="{FF2B5EF4-FFF2-40B4-BE49-F238E27FC236}">
+                <a16:creationId xmlns:a16="http://schemas.microsoft.com/office/drawing/2014/main" id="{4F94F8D4-D3AE-5A4F-AE5C-BF5B039AA85F}"/>
+              </a:ext>
+            </a:extLst>
+          </p:cNvPr>
+          <p:cNvSpPr/>
+          <p:nvPr/>
+        </p:nvSpPr>
+        <p:spPr>
+          <a:xfrm>
+            <a:off x="1142979" y="5061221"/>
+            <a:ext cx="2498313" cy="276999"/>
+          </a:xfrm>
+          <a:prstGeom prst="rect">
+            <a:avLst/>
+          </a:prstGeom>
+        </p:spPr>
+        <p:txBody>
+          <a:bodyPr wrap="none">
+            <a:spAutoFit/>
+          </a:bodyPr>
+          <a:lstStyle/>
+          <a:p>
+            <a:r>
+              <a:rPr lang="en-US" sz="1200" b="1" dirty="0"/>
+              <a:t>Rock/Metal:</a:t>
+            </a:r>
+            <a:r>
+              <a:rPr lang="en-US" sz="1200" dirty="0"/>
+              <a:t> Yakuza (Transmutations)</a:t>
+            </a:r>
+          </a:p>
+        </p:txBody>
+      </p:sp>
+      <p:pic>
+        <p:nvPicPr>
+          <p:cNvPr id="8194" name="Picture 2" descr="Yakuza - Amount to Nothing - Amazon.com Music">
+            <a:extLst>
+              <a:ext uri="{FF2B5EF4-FFF2-40B4-BE49-F238E27FC236}">
+                <a16:creationId xmlns:a16="http://schemas.microsoft.com/office/drawing/2014/main" id="{FB4A8222-3C2C-0B4C-9FC1-83BFD7ADD6A6}"/>
+              </a:ext>
+            </a:extLst>
+          </p:cNvPr>
+          <p:cNvPicPr>
+            <a:picLocks noChangeAspect="1" noChangeArrowheads="1"/>
+          </p:cNvPicPr>
+          <p:nvPr/>
+        </p:nvPicPr>
+        <p:blipFill>
+          <a:blip r:embed="rId7">
+            <a:extLst>
+              <a:ext uri="{28A0092B-C50C-407E-A947-70E740481C1C}">
+                <a14:useLocalDpi xmlns:a14="http://schemas.microsoft.com/office/drawing/2010/main" val="0"/>
+              </a:ext>
+            </a:extLst>
+          </a:blip>
+          <a:srcRect/>
+          <a:stretch>
+            <a:fillRect/>
+          </a:stretch>
+        </p:blipFill>
+        <p:spPr bwMode="auto">
+          <a:xfrm>
+            <a:off x="1872069" y="5338219"/>
+            <a:ext cx="1040132" cy="1044596"/>
+          </a:xfrm>
+          <a:prstGeom prst="rect">
+            <a:avLst/>
+          </a:prstGeom>
+          <a:noFill/>
+          <a:extLst>
+            <a:ext uri="{909E8E84-426E-40DD-AFC4-6F175D3DCCD1}">
+              <a14:hiddenFill xmlns:a14="http://schemas.microsoft.com/office/drawing/2010/main">
+                <a:solidFill>
+                  <a:srgbClr val="FFFFFF"/>
+                </a:solidFill>
+              </a14:hiddenFill>
+            </a:ext>
+          </a:extLst>
+        </p:spPr>
+      </p:pic>
+      <p:sp>
+        <p:nvSpPr>
+          <p:cNvPr id="22" name="Rectangle 21">
+            <a:extLst>
+              <a:ext uri="{FF2B5EF4-FFF2-40B4-BE49-F238E27FC236}">
+                <a16:creationId xmlns:a16="http://schemas.microsoft.com/office/drawing/2014/main" id="{5C099EF3-6B6D-A143-91A8-9F3B72EF60ED}"/>
+              </a:ext>
+            </a:extLst>
+          </p:cNvPr>
+          <p:cNvSpPr/>
+          <p:nvPr/>
+        </p:nvSpPr>
+        <p:spPr>
+          <a:xfrm>
+            <a:off x="4508191" y="5061220"/>
+            <a:ext cx="2975045" cy="276999"/>
+          </a:xfrm>
+          <a:prstGeom prst="rect">
+            <a:avLst/>
+          </a:prstGeom>
+        </p:spPr>
+        <p:txBody>
+          <a:bodyPr wrap="none">
+            <a:spAutoFit/>
+          </a:bodyPr>
+          <a:lstStyle/>
+          <a:p>
+            <a:r>
+              <a:rPr lang="en-US" sz="1200" b="1" dirty="0"/>
+              <a:t>Hip Hop/Rap:</a:t>
+            </a:r>
+            <a:r>
+              <a:rPr lang="en-US" sz="1200" dirty="0"/>
+              <a:t> People Under the Stairs (O.S.T)</a:t>
+            </a:r>
+          </a:p>
+        </p:txBody>
+      </p:sp>
+      <p:sp>
+        <p:nvSpPr>
+          <p:cNvPr id="23" name="Rectangle 22">
+            <a:extLst>
+              <a:ext uri="{FF2B5EF4-FFF2-40B4-BE49-F238E27FC236}">
+                <a16:creationId xmlns:a16="http://schemas.microsoft.com/office/drawing/2014/main" id="{D1C9ACC4-2C79-AD44-86CF-A41223936779}"/>
+              </a:ext>
+            </a:extLst>
+          </p:cNvPr>
+          <p:cNvSpPr/>
+          <p:nvPr/>
+        </p:nvSpPr>
+        <p:spPr>
+          <a:xfrm>
+            <a:off x="8842592" y="5061221"/>
+            <a:ext cx="2347822" cy="276999"/>
+          </a:xfrm>
+          <a:prstGeom prst="rect">
+            <a:avLst/>
+          </a:prstGeom>
+        </p:spPr>
+        <p:txBody>
+          <a:bodyPr wrap="none">
+            <a:spAutoFit/>
+          </a:bodyPr>
+          <a:lstStyle/>
+          <a:p>
+            <a:r>
+              <a:rPr lang="en-US" sz="1200" b="1" dirty="0"/>
+              <a:t>Electronic:</a:t>
+            </a:r>
+            <a:r>
+              <a:rPr lang="en-US" sz="1200" dirty="0"/>
+              <a:t> Bonobo (Animal Magic)</a:t>
+            </a:r>
+          </a:p>
+        </p:txBody>
+      </p:sp>
+      <p:pic>
+        <p:nvPicPr>
+          <p:cNvPr id="8196" name="Picture 4" descr="People Under the Stairs: albums, songs, playlists | Listen on Deezer">
+            <a:extLst>
+              <a:ext uri="{FF2B5EF4-FFF2-40B4-BE49-F238E27FC236}">
+                <a16:creationId xmlns:a16="http://schemas.microsoft.com/office/drawing/2014/main" id="{22888C45-35FC-374D-B553-3F27B4CE603B}"/>
+              </a:ext>
+            </a:extLst>
+          </p:cNvPr>
+          <p:cNvPicPr>
+            <a:picLocks noChangeAspect="1" noChangeArrowheads="1"/>
+          </p:cNvPicPr>
+          <p:nvPr/>
+        </p:nvPicPr>
+        <p:blipFill>
+          <a:blip r:embed="rId8">
+            <a:extLst>
+              <a:ext uri="{28A0092B-C50C-407E-A947-70E740481C1C}">
+                <a14:useLocalDpi xmlns:a14="http://schemas.microsoft.com/office/drawing/2010/main" val="0"/>
+              </a:ext>
+            </a:extLst>
+          </a:blip>
+          <a:srcRect/>
+          <a:stretch>
+            <a:fillRect/>
+          </a:stretch>
+        </p:blipFill>
+        <p:spPr bwMode="auto">
+          <a:xfrm>
+            <a:off x="5476167" y="5340971"/>
+            <a:ext cx="1039091" cy="1039091"/>
+          </a:xfrm>
+          <a:prstGeom prst="rect">
+            <a:avLst/>
+          </a:prstGeom>
+          <a:noFill/>
+          <a:extLst>
+            <a:ext uri="{909E8E84-426E-40DD-AFC4-6F175D3DCCD1}">
+              <a14:hiddenFill xmlns:a14="http://schemas.microsoft.com/office/drawing/2010/main">
+                <a:solidFill>
+                  <a:srgbClr val="FFFFFF"/>
+                </a:solidFill>
+              </a14:hiddenFill>
+            </a:ext>
+          </a:extLst>
+        </p:spPr>
+      </p:pic>
+      <p:pic>
+        <p:nvPicPr>
+          <p:cNvPr id="8198" name="Picture 6" descr="Animal Magic (Bonobo album) - Wikipedia">
+            <a:extLst>
+              <a:ext uri="{FF2B5EF4-FFF2-40B4-BE49-F238E27FC236}">
+                <a16:creationId xmlns:a16="http://schemas.microsoft.com/office/drawing/2014/main" id="{AC395CD4-FFDD-0243-9C04-3D122F270CED}"/>
+              </a:ext>
+            </a:extLst>
+          </p:cNvPr>
+          <p:cNvPicPr>
+            <a:picLocks noChangeAspect="1" noChangeArrowheads="1"/>
+          </p:cNvPicPr>
+          <p:nvPr/>
+        </p:nvPicPr>
+        <p:blipFill>
+          <a:blip r:embed="rId9">
+            <a:extLst>
+              <a:ext uri="{28A0092B-C50C-407E-A947-70E740481C1C}">
+                <a14:useLocalDpi xmlns:a14="http://schemas.microsoft.com/office/drawing/2010/main" val="0"/>
+              </a:ext>
+            </a:extLst>
+          </a:blip>
+          <a:srcRect/>
+          <a:stretch>
+            <a:fillRect/>
+          </a:stretch>
+        </p:blipFill>
+        <p:spPr bwMode="auto">
+          <a:xfrm>
+            <a:off x="9460012" y="5377570"/>
+            <a:ext cx="1039091" cy="1039091"/>
+          </a:xfrm>
+          <a:prstGeom prst="rect">
+            <a:avLst/>
+          </a:prstGeom>
+          <a:noFill/>
+          <a:extLst>
+            <a:ext uri="{909E8E84-426E-40DD-AFC4-6F175D3DCCD1}">
+              <a14:hiddenFill xmlns:a14="http://schemas.microsoft.com/office/drawing/2010/main">
+                <a:solidFill>
+                  <a:srgbClr val="FFFFFF"/>
+                </a:solidFill>
+              </a14:hiddenFill>
+            </a:ext>
+          </a:extLst>
+        </p:spPr>
+      </p:pic>
+    </p:spTree>
+    <p:extLst>
+      <p:ext uri="{BB962C8B-B14F-4D97-AF65-F5344CB8AC3E}">
+        <p14:creationId xmlns:p14="http://schemas.microsoft.com/office/powerpoint/2010/main" val="585473345"/>
+      </p:ext>
+    </p:extLst>
+  </p:cSld>
+  <p:clrMapOvr>
+    <a:masterClrMapping/>
+  </p:clrMapOvr>
+</p:sld>
+</file>
+
+<file path=ppt/slides/slide17.xml><?xml version="1.0" encoding="utf-8"?>
+<p:sld xmlns:a="http://schemas.openxmlformats.org/drawingml/2006/main" xmlns:r="http://schemas.openxmlformats.org/officeDocument/2006/relationships" xmlns:p="http://schemas.openxmlformats.org/presentationml/2006/main">
+  <p:cSld>
+    <p:spTree>
+      <p:nvGrpSpPr>
+        <p:cNvPr id="1" name=""/>
+        <p:cNvGrpSpPr/>
+        <p:nvPr/>
+      </p:nvGrpSpPr>
+      <p:grpSpPr>
+        <a:xfrm>
+          <a:off x="0" y="0"/>
+          <a:ext cx="0" cy="0"/>
+          <a:chOff x="0" y="0"/>
+          <a:chExt cx="0" cy="0"/>
+        </a:xfrm>
+      </p:grpSpPr>
+      <p:sp>
+        <p:nvSpPr>
+          <p:cNvPr id="2" name="Title 1">
+            <a:extLst>
+              <a:ext uri="{FF2B5EF4-FFF2-40B4-BE49-F238E27FC236}">
+                <a16:creationId xmlns:a16="http://schemas.microsoft.com/office/drawing/2014/main" id="{68F4FBDE-CEC6-1E46-9310-389B1E09CD78}"/>
+              </a:ext>
+            </a:extLst>
+          </p:cNvPr>
+          <p:cNvSpPr>
+            <a:spLocks noGrp="1"/>
+          </p:cNvSpPr>
+          <p:nvPr>
+            <p:ph type="title"/>
+          </p:nvPr>
+        </p:nvSpPr>
+        <p:spPr/>
+        <p:txBody>
+          <a:bodyPr/>
+          <a:lstStyle/>
+          <a:p>
+            <a:r>
+              <a:rPr lang="en-US" dirty="0"/>
+              <a:t>Content-based Model</a:t>
+            </a:r>
+          </a:p>
+        </p:txBody>
+      </p:sp>
+      <p:sp>
+        <p:nvSpPr>
+          <p:cNvPr id="3" name="Content Placeholder 2">
+            <a:extLst>
+              <a:ext uri="{FF2B5EF4-FFF2-40B4-BE49-F238E27FC236}">
+                <a16:creationId xmlns:a16="http://schemas.microsoft.com/office/drawing/2014/main" id="{67A8C402-CA98-BB4A-89D2-96BE85A96C71}"/>
+              </a:ext>
+            </a:extLst>
+          </p:cNvPr>
+          <p:cNvSpPr>
+            <a:spLocks noGrp="1"/>
+          </p:cNvSpPr>
+          <p:nvPr>
+            <p:ph idx="1"/>
+          </p:nvPr>
+        </p:nvSpPr>
+        <p:spPr/>
+        <p:txBody>
+          <a:bodyPr>
+            <a:normAutofit/>
+          </a:bodyPr>
+          <a:lstStyle/>
+          <a:p>
+            <a:r>
+              <a:rPr lang="en-US" dirty="0"/>
+              <a:t>1. Cosine sim – using TF-IDF and Cosine sim</a:t>
+            </a:r>
+          </a:p>
+          <a:p>
+            <a:pPr lvl="1"/>
+            <a:r>
+              <a:rPr lang="en-US" dirty="0"/>
+              <a:t>Examples of similar albums</a:t>
+            </a:r>
+          </a:p>
+          <a:p>
+            <a:r>
+              <a:rPr lang="en-US" dirty="0"/>
+              <a:t>2. Cosine sim - using PCA and Cosine sim</a:t>
+            </a:r>
+          </a:p>
+          <a:p>
+            <a:pPr lvl="1"/>
+            <a:r>
+              <a:rPr lang="en-US" dirty="0"/>
+              <a:t>Examples of similar albums</a:t>
+            </a:r>
+          </a:p>
+          <a:p>
+            <a:pPr lvl="1"/>
+            <a:endParaRPr lang="en-US" dirty="0"/>
+          </a:p>
+          <a:p>
+            <a:pPr lvl="1"/>
+            <a:endParaRPr lang="en-US" dirty="0"/>
+          </a:p>
+          <a:p>
+            <a:pPr lvl="1"/>
+            <a:endParaRPr lang="en-US" dirty="0"/>
+          </a:p>
+          <a:p>
+            <a:pPr lvl="1"/>
+            <a:r>
+              <a:rPr lang="en-US" dirty="0"/>
+              <a:t>Some images to show how similarity works</a:t>
+            </a:r>
+          </a:p>
+        </p:txBody>
+      </p:sp>
+    </p:spTree>
+    <p:extLst>
+      <p:ext uri="{BB962C8B-B14F-4D97-AF65-F5344CB8AC3E}">
+        <p14:creationId xmlns:p14="http://schemas.microsoft.com/office/powerpoint/2010/main" val="480988961"/>
+      </p:ext>
+    </p:extLst>
+  </p:cSld>
+  <p:clrMapOvr>
+    <a:masterClrMapping/>
+  </p:clrMapOvr>
+</p:sld>
+</file>
+
+<file path=ppt/slides/slide18.xml><?xml version="1.0" encoding="utf-8"?>
+<p:sld xmlns:a="http://schemas.openxmlformats.org/drawingml/2006/main" xmlns:r="http://schemas.openxmlformats.org/officeDocument/2006/relationships" xmlns:p="http://schemas.openxmlformats.org/presentationml/2006/main">
+  <p:cSld>
+    <p:spTree>
+      <p:nvGrpSpPr>
+        <p:cNvPr id="1" name=""/>
+        <p:cNvGrpSpPr/>
+        <p:nvPr/>
+      </p:nvGrpSpPr>
+      <p:grpSpPr>
+        <a:xfrm>
+          <a:off x="0" y="0"/>
+          <a:ext cx="0" cy="0"/>
+          <a:chOff x="0" y="0"/>
+          <a:chExt cx="0" cy="0"/>
+        </a:xfrm>
+      </p:grpSpPr>
+      <p:sp>
+        <p:nvSpPr>
+          <p:cNvPr id="2" name="Title 1">
+            <a:extLst>
+              <a:ext uri="{FF2B5EF4-FFF2-40B4-BE49-F238E27FC236}">
+                <a16:creationId xmlns:a16="http://schemas.microsoft.com/office/drawing/2014/main" id="{62FB086D-CA23-A746-B106-C2AC7E7C696F}"/>
+              </a:ext>
+            </a:extLst>
+          </p:cNvPr>
+          <p:cNvSpPr>
+            <a:spLocks noGrp="1"/>
+          </p:cNvSpPr>
+          <p:nvPr>
+            <p:ph type="title"/>
+          </p:nvPr>
+        </p:nvSpPr>
+        <p:spPr/>
+        <p:txBody>
+          <a:bodyPr/>
+          <a:lstStyle/>
+          <a:p>
+            <a:r>
+              <a:rPr lang="en-US" dirty="0"/>
+              <a:t>TO DO </a:t>
+            </a:r>
+          </a:p>
+        </p:txBody>
+      </p:sp>
+      <p:sp>
+        <p:nvSpPr>
+          <p:cNvPr id="3" name="Content Placeholder 2">
+            <a:extLst>
+              <a:ext uri="{FF2B5EF4-FFF2-40B4-BE49-F238E27FC236}">
+                <a16:creationId xmlns:a16="http://schemas.microsoft.com/office/drawing/2014/main" id="{70A5F14D-4576-3648-B9BA-1EFE260E592E}"/>
+              </a:ext>
+            </a:extLst>
+          </p:cNvPr>
+          <p:cNvSpPr>
+            <a:spLocks noGrp="1"/>
+          </p:cNvSpPr>
+          <p:nvPr>
             <p:ph idx="1"/>
           </p:nvPr>
         </p:nvSpPr>
@@ -5917,7 +5471,7 @@
         </p:spPr>
         <p:txBody>
           <a:bodyPr>
-            <a:normAutofit fontScale="32500" lnSpcReduction="20000"/>
+            <a:normAutofit fontScale="40000" lnSpcReduction="20000"/>
           </a:bodyPr>
           <a:lstStyle/>
           <a:p>
@@ -6582,6 +6136,14 @@
 <file path=ppt/slides/slide2.xml><?xml version="1.0" encoding="utf-8"?>
 <p:sld xmlns:a="http://schemas.openxmlformats.org/drawingml/2006/main" xmlns:r="http://schemas.openxmlformats.org/officeDocument/2006/relationships" xmlns:p="http://schemas.openxmlformats.org/presentationml/2006/main">
   <p:cSld>
+    <p:bg>
+      <p:bgPr>
+        <a:solidFill>
+          <a:schemeClr val="bg1"/>
+        </a:solidFill>
+        <a:effectLst/>
+      </p:bgPr>
+    </p:bg>
     <p:spTree>
       <p:nvGrpSpPr>
         <p:cNvPr id="1" name=""/>
@@ -6598,10 +6160,10 @@
       </p:grpSpPr>
       <p:sp>
         <p:nvSpPr>
-          <p:cNvPr id="2" name="Title 1">
-            <a:extLst>
-              <a:ext uri="{FF2B5EF4-FFF2-40B4-BE49-F238E27FC236}">
-                <a16:creationId xmlns:a16="http://schemas.microsoft.com/office/drawing/2014/main" id="{A56D2272-F97D-444D-A0B0-3EC546AD0E9A}"/>
+          <p:cNvPr id="3" name="Content Placeholder 2">
+            <a:extLst>
+              <a:ext uri="{FF2B5EF4-FFF2-40B4-BE49-F238E27FC236}">
+                <a16:creationId xmlns:a16="http://schemas.microsoft.com/office/drawing/2014/main" id="{6C180D0F-2880-034E-BDAD-8915FE864A1D}"/>
               </a:ext>
             </a:extLst>
           </p:cNvPr>
@@ -6609,71 +6171,104 @@
             <a:spLocks noGrp="1"/>
           </p:cNvSpPr>
           <p:nvPr>
-            <p:ph type="title"/>
-          </p:nvPr>
-        </p:nvSpPr>
-        <p:spPr/>
-        <p:txBody>
-          <a:bodyPr/>
-          <a:lstStyle/>
+            <p:ph idx="1"/>
+          </p:nvPr>
+        </p:nvSpPr>
+        <p:spPr>
+          <a:xfrm>
+            <a:off x="838201" y="1625600"/>
+            <a:ext cx="10527406" cy="4569927"/>
+          </a:xfrm>
+        </p:spPr>
+        <p:txBody>
+          <a:bodyPr anchor="ctr">
+            <a:normAutofit/>
+          </a:bodyPr>
+          <a:lstStyle/>
+          <a:p>
+            <a:r>
+              <a:rPr lang="en-US" sz="2000" dirty="0"/>
+              <a:t>Enjoyment of </a:t>
+            </a:r>
+            <a:r>
+              <a:rPr lang="en-US" sz="2000" b="1" dirty="0"/>
+              <a:t>DISCOVERY</a:t>
+            </a:r>
+            <a:r>
+              <a:rPr lang="en-US" sz="2000" dirty="0"/>
+              <a:t>!</a:t>
+            </a:r>
+          </a:p>
+          <a:p>
+            <a:r>
+              <a:rPr lang="en-US" sz="2000" dirty="0"/>
+              <a:t>How were you introduced to music you love?</a:t>
+            </a:r>
+          </a:p>
+          <a:p>
+            <a:r>
+              <a:rPr lang="en-US" sz="2000" dirty="0"/>
+              <a:t>Music Industry Machine</a:t>
+            </a:r>
+          </a:p>
+          <a:p>
+            <a:r>
+              <a:rPr lang="en-US" sz="2000" dirty="0"/>
+              <a:t>Cross breeding of Traditional Jazz and Mainstream music lends itself to beautiful and artistic expressions</a:t>
+            </a:r>
+          </a:p>
+        </p:txBody>
+      </p:sp>
+      <p:sp>
+        <p:nvSpPr>
+          <p:cNvPr id="38" name="Title 1">
+            <a:extLst>
+              <a:ext uri="{FF2B5EF4-FFF2-40B4-BE49-F238E27FC236}">
+                <a16:creationId xmlns:a16="http://schemas.microsoft.com/office/drawing/2014/main" id="{AD4BAF5C-C32C-FC48-9EA6-F6B957EB1BFD}"/>
+              </a:ext>
+            </a:extLst>
+          </p:cNvPr>
+          <p:cNvSpPr txBox="1">
+            <a:spLocks/>
+          </p:cNvSpPr>
+          <p:nvPr/>
+        </p:nvSpPr>
+        <p:spPr>
+          <a:xfrm>
+            <a:off x="838200" y="365125"/>
+            <a:ext cx="10515600" cy="1325563"/>
+          </a:xfrm>
+          <a:prstGeom prst="rect">
+            <a:avLst/>
+          </a:prstGeom>
+        </p:spPr>
+        <p:txBody>
+          <a:bodyPr vert="horz" lIns="91440" tIns="45720" rIns="91440" bIns="45720" rtlCol="0" anchor="ctr">
+            <a:normAutofit/>
+          </a:bodyPr>
+          <a:lstStyle>
+            <a:lvl1pPr algn="l" defTabSz="914400" rtl="0" eaLnBrk="1" latinLnBrk="0" hangingPunct="1">
+              <a:lnSpc>
+                <a:spcPct val="90000"/>
+              </a:lnSpc>
+              <a:spcBef>
+                <a:spcPct val="0"/>
+              </a:spcBef>
+              <a:buNone/>
+              <a:defRPr sz="4400" kern="1200">
+                <a:solidFill>
+                  <a:schemeClr val="tx1"/>
+                </a:solidFill>
+                <a:latin typeface="+mj-lt"/>
+                <a:ea typeface="+mj-ea"/>
+                <a:cs typeface="+mj-cs"/>
+              </a:defRPr>
+            </a:lvl1pPr>
+          </a:lstStyle>
           <a:p>
             <a:r>
               <a:rPr lang="en-US" dirty="0"/>
               <a:t>Motivations</a:t>
-            </a:r>
-          </a:p>
-        </p:txBody>
-      </p:sp>
-      <p:sp>
-        <p:nvSpPr>
-          <p:cNvPr id="3" name="Content Placeholder 2">
-            <a:extLst>
-              <a:ext uri="{FF2B5EF4-FFF2-40B4-BE49-F238E27FC236}">
-                <a16:creationId xmlns:a16="http://schemas.microsoft.com/office/drawing/2014/main" id="{6C180D0F-2880-034E-BDAD-8915FE864A1D}"/>
-              </a:ext>
-            </a:extLst>
-          </p:cNvPr>
-          <p:cNvSpPr>
-            <a:spLocks noGrp="1"/>
-          </p:cNvSpPr>
-          <p:nvPr>
-            <p:ph idx="1"/>
-          </p:nvPr>
-        </p:nvSpPr>
-        <p:spPr/>
-        <p:txBody>
-          <a:bodyPr>
-            <a:normAutofit fontScale="92500"/>
-          </a:bodyPr>
-          <a:lstStyle/>
-          <a:p>
-            <a:r>
-              <a:rPr lang="en-US" dirty="0"/>
-              <a:t>People’s notion of jazz maybe stuck in early 1900’s when it was dominant pop music. </a:t>
-            </a:r>
-          </a:p>
-          <a:p>
-            <a:r>
-              <a:rPr lang="en-US" dirty="0"/>
-              <a:t>Modern day, jazz has infused its way into main stream music</a:t>
-            </a:r>
-          </a:p>
-          <a:p>
-            <a:r>
-              <a:rPr lang="en-US" dirty="0"/>
-              <a:t>Hope is to introduce people to modern jazz as it relates to some of their musical tastes</a:t>
-            </a:r>
-          </a:p>
-          <a:p>
-            <a:r>
-              <a:rPr lang="en-US" dirty="0"/>
-              <a:t>Word cloud (old) / word cloud (new) OR sub genres (bebop vs. hip hop)</a:t>
-            </a:r>
-          </a:p>
-          <a:p>
-            <a:r>
-              <a:rPr lang="en-US" dirty="0"/>
-              <a:t>In a lot of jazz you don’t necessarily have lyrics. Therefore the reviewer acts as a proxy of expression of the music (the objective parts)</a:t>
             </a:r>
           </a:p>
         </p:txBody>
@@ -6681,7 +6276,7 @@
     </p:spTree>
     <p:extLst>
       <p:ext uri="{BB962C8B-B14F-4D97-AF65-F5344CB8AC3E}">
-        <p14:creationId xmlns:p14="http://schemas.microsoft.com/office/powerpoint/2010/main" val="2959114724"/>
+        <p14:creationId xmlns:p14="http://schemas.microsoft.com/office/powerpoint/2010/main" val="355176956"/>
       </p:ext>
     </p:extLst>
   </p:cSld>
@@ -6694,6 +6289,14 @@
 <file path=ppt/slides/slide3.xml><?xml version="1.0" encoding="utf-8"?>
 <p:sld xmlns:a="http://schemas.openxmlformats.org/drawingml/2006/main" xmlns:r="http://schemas.openxmlformats.org/officeDocument/2006/relationships" xmlns:p="http://schemas.openxmlformats.org/presentationml/2006/main">
   <p:cSld>
+    <p:bg>
+      <p:bgPr>
+        <a:solidFill>
+          <a:schemeClr val="bg1"/>
+        </a:solidFill>
+        <a:effectLst/>
+      </p:bgPr>
+    </p:bg>
     <p:spTree>
       <p:nvGrpSpPr>
         <p:cNvPr id="1" name=""/>
@@ -6713,7 +6316,7 @@
           <p:cNvPr id="2" name="Title 1">
             <a:extLst>
               <a:ext uri="{FF2B5EF4-FFF2-40B4-BE49-F238E27FC236}">
-                <a16:creationId xmlns:a16="http://schemas.microsoft.com/office/drawing/2014/main" id="{6C7750F0-6F29-834C-AD77-A311CF1D7C3C}"/>
+                <a16:creationId xmlns:a16="http://schemas.microsoft.com/office/drawing/2014/main" id="{A56D2272-F97D-444D-A0B0-3EC546AD0E9A}"/>
               </a:ext>
             </a:extLst>
           </p:cNvPr>
@@ -6724,14 +6327,26 @@
             <p:ph type="title"/>
           </p:nvPr>
         </p:nvSpPr>
-        <p:spPr/>
-        <p:txBody>
-          <a:bodyPr/>
-          <a:lstStyle/>
-          <a:p>
-            <a:r>
-              <a:rPr lang="en-US" dirty="0"/>
-              <a:t>Agenda</a:t>
+        <p:spPr>
+          <a:xfrm>
+            <a:off x="466722" y="586855"/>
+            <a:ext cx="3201366" cy="3387497"/>
+          </a:xfrm>
+        </p:spPr>
+        <p:txBody>
+          <a:bodyPr anchor="b">
+            <a:normAutofit/>
+          </a:bodyPr>
+          <a:lstStyle/>
+          <a:p>
+            <a:pPr algn="r"/>
+            <a:r>
+              <a:rPr lang="en-US" sz="4000" b="1" dirty="0">
+                <a:solidFill>
+                  <a:srgbClr val="FFFFFF"/>
+                </a:solidFill>
+              </a:rPr>
+              <a:t>Motivations</a:t>
             </a:r>
           </a:p>
         </p:txBody>
@@ -6741,7 +6356,7 @@
           <p:cNvPr id="3" name="Content Placeholder 2">
             <a:extLst>
               <a:ext uri="{FF2B5EF4-FFF2-40B4-BE49-F238E27FC236}">
-                <a16:creationId xmlns:a16="http://schemas.microsoft.com/office/drawing/2014/main" id="{4DA01B29-3901-E245-840D-1E8D460C515F}"/>
+                <a16:creationId xmlns:a16="http://schemas.microsoft.com/office/drawing/2014/main" id="{6C180D0F-2880-034E-BDAD-8915FE864A1D}"/>
               </a:ext>
             </a:extLst>
           </p:cNvPr>
@@ -6752,19 +6367,89 @@
             <p:ph idx="1"/>
           </p:nvPr>
         </p:nvSpPr>
-        <p:spPr/>
-        <p:txBody>
-          <a:bodyPr/>
-          <a:lstStyle/>
-          <a:p>
-            <a:endParaRPr lang="en-US"/>
+        <p:spPr>
+          <a:xfrm>
+            <a:off x="838201" y="1625600"/>
+            <a:ext cx="10527406" cy="4569927"/>
+          </a:xfrm>
+        </p:spPr>
+        <p:txBody>
+          <a:bodyPr anchor="ctr">
+            <a:normAutofit/>
+          </a:bodyPr>
+          <a:lstStyle/>
+          <a:p>
+            <a:r>
+              <a:rPr lang="en-US" sz="2000" dirty="0"/>
+              <a:t>PURPOSE: Give mainstream (non-jazz) audiences a tool to discover Modern Jazz Music</a:t>
+            </a:r>
+          </a:p>
+          <a:p>
+            <a:r>
+              <a:rPr lang="en-US" sz="2000" dirty="0"/>
+              <a:t>Allowing users to explore connection to music they already know and love</a:t>
+            </a:r>
+          </a:p>
+        </p:txBody>
+      </p:sp>
+      <p:sp>
+        <p:nvSpPr>
+          <p:cNvPr id="38" name="Title 1">
+            <a:extLst>
+              <a:ext uri="{FF2B5EF4-FFF2-40B4-BE49-F238E27FC236}">
+                <a16:creationId xmlns:a16="http://schemas.microsoft.com/office/drawing/2014/main" id="{AD4BAF5C-C32C-FC48-9EA6-F6B957EB1BFD}"/>
+              </a:ext>
+            </a:extLst>
+          </p:cNvPr>
+          <p:cNvSpPr txBox="1">
+            <a:spLocks/>
+          </p:cNvSpPr>
+          <p:nvPr/>
+        </p:nvSpPr>
+        <p:spPr>
+          <a:xfrm>
+            <a:off x="838200" y="365125"/>
+            <a:ext cx="10515600" cy="1325563"/>
+          </a:xfrm>
+          <a:prstGeom prst="rect">
+            <a:avLst/>
+          </a:prstGeom>
+        </p:spPr>
+        <p:txBody>
+          <a:bodyPr vert="horz" lIns="91440" tIns="45720" rIns="91440" bIns="45720" rtlCol="0" anchor="ctr">
+            <a:normAutofit/>
+          </a:bodyPr>
+          <a:lstStyle>
+            <a:lvl1pPr algn="l" defTabSz="914400" rtl="0" eaLnBrk="1" latinLnBrk="0" hangingPunct="1">
+              <a:lnSpc>
+                <a:spcPct val="90000"/>
+              </a:lnSpc>
+              <a:spcBef>
+                <a:spcPct val="0"/>
+              </a:spcBef>
+              <a:buNone/>
+              <a:defRPr sz="4400" kern="1200">
+                <a:solidFill>
+                  <a:schemeClr val="tx1"/>
+                </a:solidFill>
+                <a:latin typeface="+mj-lt"/>
+                <a:ea typeface="+mj-ea"/>
+                <a:cs typeface="+mj-cs"/>
+              </a:defRPr>
+            </a:lvl1pPr>
+          </a:lstStyle>
+          <a:p>
+            <a:r>
+              <a:rPr lang="en-US" dirty="0"/>
+              <a:t>Purpose</a:t>
+            </a:r>
           </a:p>
         </p:txBody>
       </p:sp>
     </p:spTree>
     <p:extLst>
       <p:ext uri="{BB962C8B-B14F-4D97-AF65-F5344CB8AC3E}">
-        <p14:creationId xmlns:p14="http://schemas.microsoft.com/office/powerpoint/2010/main" val="669428840"/>
+        <p14:creationId xmlns:p14="http://schemas.microsoft.com/office/powerpoint/2010/main" val="2959114724"/>
       </p:ext>
     </p:extLst>
   </p:cSld>
@@ -6777,6 +6462,14 @@
 <file path=ppt/slides/slide4.xml><?xml version="1.0" encoding="utf-8"?>
 <p:sld xmlns:a="http://schemas.openxmlformats.org/drawingml/2006/main" xmlns:r="http://schemas.openxmlformats.org/officeDocument/2006/relationships" xmlns:p="http://schemas.openxmlformats.org/presentationml/2006/main">
   <p:cSld>
+    <p:bg>
+      <p:bgPr>
+        <a:solidFill>
+          <a:schemeClr val="bg1"/>
+        </a:solidFill>
+        <a:effectLst/>
+      </p:bgPr>
+    </p:bg>
     <p:spTree>
       <p:nvGrpSpPr>
         <p:cNvPr id="1" name=""/>
@@ -6793,10 +6486,10 @@
       </p:grpSpPr>
       <p:sp>
         <p:nvSpPr>
-          <p:cNvPr id="2" name="Title 1">
-            <a:extLst>
-              <a:ext uri="{FF2B5EF4-FFF2-40B4-BE49-F238E27FC236}">
-                <a16:creationId xmlns:a16="http://schemas.microsoft.com/office/drawing/2014/main" id="{0984F76A-4747-C649-BEBA-CAF2F2D0EB8C}"/>
+          <p:cNvPr id="3" name="Content Placeholder 2">
+            <a:extLst>
+              <a:ext uri="{FF2B5EF4-FFF2-40B4-BE49-F238E27FC236}">
+                <a16:creationId xmlns:a16="http://schemas.microsoft.com/office/drawing/2014/main" id="{6C180D0F-2880-034E-BDAD-8915FE864A1D}"/>
               </a:ext>
             </a:extLst>
           </p:cNvPr>
@@ -6804,53 +6497,96 @@
             <a:spLocks noGrp="1"/>
           </p:cNvSpPr>
           <p:nvPr>
-            <p:ph type="title"/>
-          </p:nvPr>
-        </p:nvSpPr>
-        <p:spPr/>
-        <p:txBody>
-          <a:bodyPr/>
-          <a:lstStyle/>
+            <p:ph idx="1"/>
+          </p:nvPr>
+        </p:nvSpPr>
+        <p:spPr>
+          <a:xfrm>
+            <a:off x="838201" y="1625600"/>
+            <a:ext cx="10527406" cy="4569927"/>
+          </a:xfrm>
+        </p:spPr>
+        <p:txBody>
+          <a:bodyPr anchor="ctr">
+            <a:normAutofit/>
+          </a:bodyPr>
+          <a:lstStyle/>
+          <a:p>
+            <a:r>
+              <a:rPr lang="en-US" sz="2000" dirty="0"/>
+              <a:t>Data &amp; Processes</a:t>
+            </a:r>
+          </a:p>
+          <a:p>
+            <a:r>
+              <a:rPr lang="en-US" sz="2000" dirty="0"/>
+              <a:t>EDA</a:t>
+            </a:r>
+          </a:p>
+          <a:p>
+            <a:r>
+              <a:rPr lang="en-US" sz="2000" dirty="0"/>
+              <a:t>Modeling</a:t>
+            </a:r>
+          </a:p>
+          <a:p>
+            <a:r>
+              <a:rPr lang="en-US" sz="2000" dirty="0"/>
+              <a:t>Modern Jazz Discovery Tool</a:t>
+            </a:r>
+          </a:p>
+        </p:txBody>
+      </p:sp>
+      <p:sp>
+        <p:nvSpPr>
+          <p:cNvPr id="38" name="Title 1">
+            <a:extLst>
+              <a:ext uri="{FF2B5EF4-FFF2-40B4-BE49-F238E27FC236}">
+                <a16:creationId xmlns:a16="http://schemas.microsoft.com/office/drawing/2014/main" id="{AD4BAF5C-C32C-FC48-9EA6-F6B957EB1BFD}"/>
+              </a:ext>
+            </a:extLst>
+          </p:cNvPr>
+          <p:cNvSpPr txBox="1">
+            <a:spLocks/>
+          </p:cNvSpPr>
+          <p:nvPr/>
+        </p:nvSpPr>
+        <p:spPr>
+          <a:xfrm>
+            <a:off x="838200" y="365125"/>
+            <a:ext cx="10515600" cy="1325563"/>
+          </a:xfrm>
+          <a:prstGeom prst="rect">
+            <a:avLst/>
+          </a:prstGeom>
+        </p:spPr>
+        <p:txBody>
+          <a:bodyPr vert="horz" lIns="91440" tIns="45720" rIns="91440" bIns="45720" rtlCol="0" anchor="ctr">
+            <a:normAutofit/>
+          </a:bodyPr>
+          <a:lstStyle>
+            <a:lvl1pPr algn="l" defTabSz="914400" rtl="0" eaLnBrk="1" latinLnBrk="0" hangingPunct="1">
+              <a:lnSpc>
+                <a:spcPct val="90000"/>
+              </a:lnSpc>
+              <a:spcBef>
+                <a:spcPct val="0"/>
+              </a:spcBef>
+              <a:buNone/>
+              <a:defRPr sz="4400" kern="1200">
+                <a:solidFill>
+                  <a:schemeClr val="tx1"/>
+                </a:solidFill>
+                <a:latin typeface="+mj-lt"/>
+                <a:ea typeface="+mj-ea"/>
+                <a:cs typeface="+mj-cs"/>
+              </a:defRPr>
+            </a:lvl1pPr>
+          </a:lstStyle>
           <a:p>
             <a:r>
               <a:rPr lang="en-US" dirty="0"/>
-              <a:t>Data &amp; Processes</a:t>
-            </a:r>
-          </a:p>
-        </p:txBody>
-      </p:sp>
-      <p:sp>
-        <p:nvSpPr>
-          <p:cNvPr id="3" name="Content Placeholder 2">
-            <a:extLst>
-              <a:ext uri="{FF2B5EF4-FFF2-40B4-BE49-F238E27FC236}">
-                <a16:creationId xmlns:a16="http://schemas.microsoft.com/office/drawing/2014/main" id="{9E37E1A2-B752-3847-B164-6292D06D0A63}"/>
-              </a:ext>
-            </a:extLst>
-          </p:cNvPr>
-          <p:cNvSpPr>
-            <a:spLocks noGrp="1"/>
-          </p:cNvSpPr>
-          <p:nvPr>
-            <p:ph idx="1"/>
-          </p:nvPr>
-        </p:nvSpPr>
-        <p:spPr/>
-        <p:txBody>
-          <a:bodyPr/>
-          <a:lstStyle/>
-          <a:p>
-            <a:r>
-              <a:rPr lang="en-US" dirty="0"/>
-              <a:t>Pitchfork, </a:t>
-            </a:r>
-            <a:r>
-              <a:rPr lang="en-US" dirty="0" err="1"/>
-              <a:t>jazztimes</a:t>
-            </a:r>
-            <a:r>
-              <a:rPr lang="en-US" dirty="0"/>
-              <a:t>, etc.</a:t>
+              <a:t>Agenda</a:t>
             </a:r>
           </a:p>
         </p:txBody>
@@ -6858,7 +6594,7 @@
     </p:spTree>
     <p:extLst>
       <p:ext uri="{BB962C8B-B14F-4D97-AF65-F5344CB8AC3E}">
-        <p14:creationId xmlns:p14="http://schemas.microsoft.com/office/powerpoint/2010/main" val="4177990675"/>
+        <p14:creationId xmlns:p14="http://schemas.microsoft.com/office/powerpoint/2010/main" val="2696445672"/>
       </p:ext>
     </p:extLst>
   </p:cSld>
@@ -6931,18 +6667,72 @@
         </p:nvSpPr>
         <p:spPr/>
         <p:txBody>
-          <a:bodyPr/>
+          <a:bodyPr>
+            <a:normAutofit/>
+          </a:bodyPr>
           <a:lstStyle/>
           <a:p>
             <a:r>
               <a:rPr lang="en-US" dirty="0"/>
-              <a:t>Phrase matching (genres)</a:t>
-            </a:r>
-          </a:p>
-          <a:p>
+              <a:t>Data</a:t>
+            </a:r>
+          </a:p>
+          <a:p>
+            <a:pPr lvl="1"/>
             <a:r>
               <a:rPr lang="en-US" dirty="0"/>
-              <a:t>Get some images – basic network</a:t>
+              <a:t>Pitchfork Reviews 1999-2021</a:t>
+            </a:r>
+          </a:p>
+          <a:p>
+            <a:pPr lvl="1"/>
+            <a:r>
+              <a:rPr lang="en-US" dirty="0"/>
+              <a:t>Scraped using Beautiful Soup</a:t>
+            </a:r>
+          </a:p>
+          <a:p>
+            <a:pPr lvl="1"/>
+            <a:r>
+              <a:rPr lang="en-US" dirty="0"/>
+              <a:t>Spotify Audio Features</a:t>
+            </a:r>
+          </a:p>
+          <a:p>
+            <a:endParaRPr lang="en-US" dirty="0"/>
+          </a:p>
+          <a:p>
+            <a:r>
+              <a:rPr lang="en-US" dirty="0"/>
+              <a:t>Processes</a:t>
+            </a:r>
+          </a:p>
+          <a:p>
+            <a:pPr lvl="1"/>
+            <a:r>
+              <a:rPr lang="en-US" dirty="0"/>
+              <a:t>Topic Modeling (NMF)</a:t>
+            </a:r>
+          </a:p>
+          <a:p>
+            <a:pPr lvl="1"/>
+            <a:r>
+              <a:rPr lang="en-US" dirty="0"/>
+              <a:t>Sentiment / Emotions</a:t>
+            </a:r>
+          </a:p>
+          <a:p>
+            <a:pPr lvl="2"/>
+            <a:r>
+              <a:rPr lang="en-US" dirty="0"/>
+              <a:t>NRC Lexicon</a:t>
+            </a:r>
+          </a:p>
+          <a:p>
+            <a:pPr lvl="1"/>
+            <a:r>
+              <a:rPr lang="en-US" dirty="0"/>
+              <a:t>TF-IDF – Cosine Similarity</a:t>
             </a:r>
           </a:p>
         </p:txBody>
@@ -6950,7 +6740,7 @@
     </p:spTree>
     <p:extLst>
       <p:ext uri="{BB962C8B-B14F-4D97-AF65-F5344CB8AC3E}">
-        <p14:creationId xmlns:p14="http://schemas.microsoft.com/office/powerpoint/2010/main" val="2390030559"/>
+        <p14:creationId xmlns:p14="http://schemas.microsoft.com/office/powerpoint/2010/main" val="4177990675"/>
       </p:ext>
     </p:extLst>
   </p:cSld>
@@ -6982,7 +6772,7 @@
           <p:cNvPr id="2" name="Title 1">
             <a:extLst>
               <a:ext uri="{FF2B5EF4-FFF2-40B4-BE49-F238E27FC236}">
-                <a16:creationId xmlns:a16="http://schemas.microsoft.com/office/drawing/2014/main" id="{5B30CA4D-4F7A-7A4A-9A3C-88256E63CF94}"/>
+                <a16:creationId xmlns:a16="http://schemas.microsoft.com/office/drawing/2014/main" id="{0984F76A-4747-C649-BEBA-CAF2F2D0EB8C}"/>
               </a:ext>
             </a:extLst>
           </p:cNvPr>
@@ -7000,91 +6790,463 @@
           <a:p>
             <a:r>
               <a:rPr lang="en-US" dirty="0"/>
-              <a:t>EDA</a:t>
-            </a:r>
+              <a:t>Data &amp; Processes</a:t>
+            </a:r>
+          </a:p>
+        </p:txBody>
+      </p:sp>
+      <p:sp>
+        <p:nvSpPr>
+          <p:cNvPr id="4" name="TextBox 3">
+            <a:extLst>
+              <a:ext uri="{FF2B5EF4-FFF2-40B4-BE49-F238E27FC236}">
+                <a16:creationId xmlns:a16="http://schemas.microsoft.com/office/drawing/2014/main" id="{840256DA-C0A3-2C47-8C42-81A2581DEAA8}"/>
+              </a:ext>
+            </a:extLst>
+          </p:cNvPr>
+          <p:cNvSpPr txBox="1"/>
+          <p:nvPr/>
+        </p:nvSpPr>
+        <p:spPr>
+          <a:xfrm>
+            <a:off x="729673" y="2216730"/>
+            <a:ext cx="3565236" cy="2031325"/>
+          </a:xfrm>
+          <a:prstGeom prst="rect">
+            <a:avLst/>
+          </a:prstGeom>
+          <a:noFill/>
+          <a:ln>
+            <a:solidFill>
+              <a:schemeClr val="accent1">
+                <a:shade val="50000"/>
+              </a:schemeClr>
+            </a:solidFill>
+          </a:ln>
+          <a:effectLst>
+            <a:glow rad="63500">
+              <a:schemeClr val="bg1"/>
+            </a:glow>
+          </a:effectLst>
+        </p:spPr>
+        <p:txBody>
+          <a:bodyPr wrap="square" rtlCol="0">
+            <a:spAutoFit/>
+          </a:bodyPr>
+          <a:lstStyle/>
+          <a:p>
+            <a:r>
+              <a:rPr lang="en-US" dirty="0"/>
+              <a:t>….an artist best known for soulful, worldly </a:t>
+            </a:r>
+            <a:r>
+              <a:rPr lang="en-US" b="1" dirty="0"/>
+              <a:t>downtempo</a:t>
+            </a:r>
+            <a:r>
+              <a:rPr lang="en-US" dirty="0"/>
+              <a:t> tries his hand at upbeat </a:t>
+            </a:r>
+            <a:r>
+              <a:rPr lang="en-US" b="1" dirty="0"/>
+              <a:t>house…</a:t>
+            </a:r>
+            <a:r>
+              <a:rPr lang="en-US" dirty="0"/>
+              <a:t>his melodies and live instrumentation hint at a fondness for </a:t>
+            </a:r>
+            <a:r>
+              <a:rPr lang="en-US" b="1" dirty="0"/>
+              <a:t>jazz</a:t>
+            </a:r>
+            <a:r>
+              <a:rPr lang="en-US" dirty="0"/>
+              <a:t>, </a:t>
+            </a:r>
+            <a:r>
+              <a:rPr lang="en-US" b="1" dirty="0"/>
+              <a:t>soul</a:t>
+            </a:r>
+            <a:r>
+              <a:rPr lang="en-US" dirty="0"/>
+              <a:t>, </a:t>
+            </a:r>
+            <a:r>
+              <a:rPr lang="en-US" b="1" dirty="0"/>
+              <a:t>folk</a:t>
+            </a:r>
+            <a:r>
+              <a:rPr lang="en-US" dirty="0"/>
+              <a:t>, and </a:t>
+            </a:r>
+            <a:r>
+              <a:rPr lang="en-US" b="1" dirty="0"/>
+              <a:t>minimalism…</a:t>
+            </a:r>
+            <a:endParaRPr lang="en-US" dirty="0"/>
+          </a:p>
+        </p:txBody>
+      </p:sp>
+      <p:sp>
+        <p:nvSpPr>
+          <p:cNvPr id="5" name="TextBox 4">
+            <a:extLst>
+              <a:ext uri="{FF2B5EF4-FFF2-40B4-BE49-F238E27FC236}">
+                <a16:creationId xmlns:a16="http://schemas.microsoft.com/office/drawing/2014/main" id="{9F06776C-F402-0E4C-AB88-52504614CE0C}"/>
+              </a:ext>
+            </a:extLst>
+          </p:cNvPr>
+          <p:cNvSpPr txBox="1"/>
+          <p:nvPr/>
+        </p:nvSpPr>
+        <p:spPr>
+          <a:xfrm>
+            <a:off x="5841999" y="2225288"/>
+            <a:ext cx="1644074" cy="2031325"/>
+          </a:xfrm>
+          <a:prstGeom prst="rect">
+            <a:avLst/>
+          </a:prstGeom>
+          <a:noFill/>
+          <a:ln>
+            <a:solidFill>
+              <a:schemeClr val="accent1">
+                <a:shade val="50000"/>
+                <a:alpha val="76000"/>
+              </a:schemeClr>
+            </a:solidFill>
+          </a:ln>
+        </p:spPr>
+        <p:txBody>
+          <a:bodyPr wrap="square" rtlCol="0">
+            <a:spAutoFit/>
+          </a:bodyPr>
+          <a:lstStyle/>
+          <a:p>
+            <a:r>
+              <a:rPr lang="en-US" dirty="0"/>
+              <a:t>Downtempo</a:t>
+            </a:r>
+          </a:p>
+          <a:p>
+            <a:r>
+              <a:rPr lang="en-US" dirty="0"/>
+              <a:t>House</a:t>
+            </a:r>
+          </a:p>
+          <a:p>
+            <a:r>
+              <a:rPr lang="en-US" dirty="0"/>
+              <a:t>Jazz</a:t>
+            </a:r>
+          </a:p>
+          <a:p>
+            <a:r>
+              <a:rPr lang="en-US" dirty="0"/>
+              <a:t>Soul</a:t>
+            </a:r>
+          </a:p>
+          <a:p>
+            <a:r>
+              <a:rPr lang="en-US" dirty="0"/>
+              <a:t>Folk</a:t>
+            </a:r>
+          </a:p>
+          <a:p>
+            <a:r>
+              <a:rPr lang="en-US" dirty="0"/>
+              <a:t>Minimalism</a:t>
+            </a:r>
+          </a:p>
+          <a:p>
+            <a:endParaRPr lang="en-US" dirty="0"/>
+          </a:p>
+        </p:txBody>
+      </p:sp>
+      <p:sp>
+        <p:nvSpPr>
+          <p:cNvPr id="6" name="TextBox 5">
+            <a:extLst>
+              <a:ext uri="{FF2B5EF4-FFF2-40B4-BE49-F238E27FC236}">
+                <a16:creationId xmlns:a16="http://schemas.microsoft.com/office/drawing/2014/main" id="{5663A62E-F674-8042-8F85-B517CA789485}"/>
+              </a:ext>
+            </a:extLst>
+          </p:cNvPr>
+          <p:cNvSpPr txBox="1"/>
+          <p:nvPr/>
+        </p:nvSpPr>
+        <p:spPr>
+          <a:xfrm>
+            <a:off x="9033163" y="2216727"/>
+            <a:ext cx="1865745" cy="2031325"/>
+          </a:xfrm>
+          <a:prstGeom prst="rect">
+            <a:avLst/>
+          </a:prstGeom>
+          <a:noFill/>
+          <a:ln>
+            <a:solidFill>
+              <a:schemeClr val="accent1">
+                <a:shade val="50000"/>
+                <a:alpha val="74000"/>
+              </a:schemeClr>
+            </a:solidFill>
+          </a:ln>
+        </p:spPr>
+        <p:txBody>
+          <a:bodyPr wrap="square" rtlCol="0">
+            <a:spAutoFit/>
+          </a:bodyPr>
+          <a:lstStyle/>
+          <a:p>
+            <a:endParaRPr lang="en-US" dirty="0"/>
+          </a:p>
+          <a:p>
+            <a:r>
+              <a:rPr lang="en-US" dirty="0"/>
+              <a:t>Electronic</a:t>
+            </a:r>
+          </a:p>
+          <a:p>
+            <a:r>
+              <a:rPr lang="en-US" dirty="0"/>
+              <a:t>Jazz</a:t>
+            </a:r>
+          </a:p>
+          <a:p>
+            <a:r>
+              <a:rPr lang="en-US" dirty="0"/>
+              <a:t>Blues/Soul</a:t>
+            </a:r>
+          </a:p>
+          <a:p>
+            <a:r>
+              <a:rPr lang="en-US" dirty="0"/>
+              <a:t>Folk/Country</a:t>
+            </a:r>
+          </a:p>
+          <a:p>
+            <a:endParaRPr lang="en-US" dirty="0"/>
+          </a:p>
+          <a:p>
+            <a:endParaRPr lang="en-US" dirty="0"/>
           </a:p>
         </p:txBody>
       </p:sp>
       <p:pic>
         <p:nvPicPr>
-          <p:cNvPr id="17" name="Content Placeholder 16">
-            <a:extLst>
-              <a:ext uri="{FF2B5EF4-FFF2-40B4-BE49-F238E27FC236}">
-                <a16:creationId xmlns:a16="http://schemas.microsoft.com/office/drawing/2014/main" id="{7EF4343E-440F-354F-BD01-BEAB38CC5073}"/>
+          <p:cNvPr id="8" name="Picture 7" descr="A screenshot of a video game&#10;&#10;Description automatically generated">
+            <a:extLst>
+              <a:ext uri="{FF2B5EF4-FFF2-40B4-BE49-F238E27FC236}">
+                <a16:creationId xmlns:a16="http://schemas.microsoft.com/office/drawing/2014/main" id="{2CBA99C4-880D-644F-AC4F-E03CA318CE52}"/>
               </a:ext>
             </a:extLst>
           </p:cNvPr>
           <p:cNvPicPr>
-            <a:picLocks noGrp="1" noChangeAspect="1"/>
+            <a:picLocks noChangeAspect="1"/>
           </p:cNvPicPr>
-          <p:nvPr>
-            <p:ph idx="1"/>
-          </p:nvPr>
+          <p:nvPr/>
         </p:nvPicPr>
         <p:blipFill>
-          <a:blip r:embed="rId2">
-            <a:extLst>
-              <a:ext uri="{96DAC541-7B7A-43D3-8B79-37D633B846F1}">
-                <asvg:svgBlip xmlns:asvg="http://schemas.microsoft.com/office/drawing/2016/SVG/main" r:embed="rId3"/>
-              </a:ext>
-            </a:extLst>
-          </a:blip>
+          <a:blip r:embed="rId2"/>
           <a:stretch>
             <a:fillRect/>
           </a:stretch>
         </p:blipFill>
         <p:spPr>
           <a:xfrm>
-            <a:off x="1627981" y="2496344"/>
-            <a:ext cx="9144000" cy="3657600"/>
-          </a:xfrm>
-        </p:spPr>
-      </p:pic>
-      <p:sp>
-        <p:nvSpPr>
-          <p:cNvPr id="18" name="TextBox 17">
-            <a:extLst>
-              <a:ext uri="{FF2B5EF4-FFF2-40B4-BE49-F238E27FC236}">
-                <a16:creationId xmlns:a16="http://schemas.microsoft.com/office/drawing/2014/main" id="{25FD4A8E-616B-4A48-81E9-15DA1018A830}"/>
-              </a:ext>
-            </a:extLst>
-          </p:cNvPr>
-          <p:cNvSpPr txBox="1"/>
-          <p:nvPr/>
-        </p:nvSpPr>
-        <p:spPr>
-          <a:xfrm>
-            <a:off x="4143467" y="6109305"/>
-            <a:ext cx="5791200" cy="400110"/>
+            <a:off x="729674" y="4421475"/>
+            <a:ext cx="3565236" cy="2031325"/>
           </a:xfrm>
           <a:prstGeom prst="rect">
             <a:avLst/>
           </a:prstGeom>
-          <a:noFill/>
-        </p:spPr>
-        <p:txBody>
-          <a:bodyPr wrap="square" rtlCol="0">
-            <a:spAutoFit/>
-          </a:bodyPr>
-          <a:lstStyle/>
-          <a:p>
-            <a:r>
-              <a:rPr lang="en-US" sz="1000" dirty="0"/>
-              <a:t>Timeline: 1999-2008 Electronic; 2009-2014 Rock ; 2015-2021 Hip Hop</a:t>
-            </a:r>
-          </a:p>
-          <a:p>
-            <a:r>
-              <a:rPr lang="en-US" sz="1000" dirty="0"/>
-              <a:t>Use the color map gradient and a timeline with artists beneath</a:t>
-            </a:r>
-          </a:p>
-        </p:txBody>
-      </p:sp>
+        </p:spPr>
+      </p:pic>
+      <p:pic>
+        <p:nvPicPr>
+          <p:cNvPr id="11" name="Picture 10" descr="Icon&#10;&#10;Description automatically generated">
+            <a:extLst>
+              <a:ext uri="{FF2B5EF4-FFF2-40B4-BE49-F238E27FC236}">
+                <a16:creationId xmlns:a16="http://schemas.microsoft.com/office/drawing/2014/main" id="{15D36C7E-DD0C-5D45-83ED-967B0B74F28A}"/>
+              </a:ext>
+            </a:extLst>
+          </p:cNvPr>
+          <p:cNvPicPr>
+            <a:picLocks noChangeAspect="1"/>
+          </p:cNvPicPr>
+          <p:nvPr/>
+        </p:nvPicPr>
+        <p:blipFill>
+          <a:blip r:embed="rId3"/>
+          <a:stretch>
+            <a:fillRect/>
+          </a:stretch>
+        </p:blipFill>
+        <p:spPr>
+          <a:xfrm>
+            <a:off x="5841999" y="4624337"/>
+            <a:ext cx="1625600" cy="1625600"/>
+          </a:xfrm>
+          <a:prstGeom prst="rect">
+            <a:avLst/>
+          </a:prstGeom>
+          <a:effectLst>
+            <a:glow rad="127000">
+              <a:schemeClr val="accent6"/>
+            </a:glow>
+          </a:effectLst>
+        </p:spPr>
+      </p:pic>
+      <p:sp>
+        <p:nvSpPr>
+          <p:cNvPr id="12" name="Right Arrow 11">
+            <a:extLst>
+              <a:ext uri="{FF2B5EF4-FFF2-40B4-BE49-F238E27FC236}">
+                <a16:creationId xmlns:a16="http://schemas.microsoft.com/office/drawing/2014/main" id="{957DA465-23A7-5E4D-9AC4-53636F7F22DF}"/>
+              </a:ext>
+            </a:extLst>
+          </p:cNvPr>
+          <p:cNvSpPr/>
+          <p:nvPr/>
+        </p:nvSpPr>
+        <p:spPr>
+          <a:xfrm>
+            <a:off x="4414982" y="3158836"/>
+            <a:ext cx="1330036" cy="270164"/>
+          </a:xfrm>
+          <a:prstGeom prst="rightArrow">
+            <a:avLst/>
+          </a:prstGeom>
+          <a:solidFill>
+            <a:schemeClr val="accent1">
+              <a:alpha val="62000"/>
+            </a:schemeClr>
+          </a:solidFill>
+        </p:spPr>
+        <p:style>
+          <a:lnRef idx="2">
+            <a:schemeClr val="accent1">
+              <a:shade val="50000"/>
+            </a:schemeClr>
+          </a:lnRef>
+          <a:fillRef idx="1">
+            <a:schemeClr val="accent1"/>
+          </a:fillRef>
+          <a:effectRef idx="0">
+            <a:schemeClr val="accent1"/>
+          </a:effectRef>
+          <a:fontRef idx="minor">
+            <a:schemeClr val="lt1"/>
+          </a:fontRef>
+        </p:style>
+        <p:txBody>
+          <a:bodyPr rtlCol="0" anchor="ctr"/>
+          <a:lstStyle/>
+          <a:p>
+            <a:pPr algn="ctr"/>
+            <a:endParaRPr lang="en-US"/>
+          </a:p>
+        </p:txBody>
+      </p:sp>
+      <p:sp>
+        <p:nvSpPr>
+          <p:cNvPr id="13" name="Right Arrow 12">
+            <a:extLst>
+              <a:ext uri="{FF2B5EF4-FFF2-40B4-BE49-F238E27FC236}">
+                <a16:creationId xmlns:a16="http://schemas.microsoft.com/office/drawing/2014/main" id="{7C218453-87E9-D147-B6CA-EE868E780DF7}"/>
+              </a:ext>
+            </a:extLst>
+          </p:cNvPr>
+          <p:cNvSpPr/>
+          <p:nvPr/>
+        </p:nvSpPr>
+        <p:spPr>
+          <a:xfrm>
+            <a:off x="7594600" y="3158836"/>
+            <a:ext cx="1330036" cy="270164"/>
+          </a:xfrm>
+          <a:prstGeom prst="rightArrow">
+            <a:avLst/>
+          </a:prstGeom>
+          <a:solidFill>
+            <a:schemeClr val="accent1">
+              <a:alpha val="62000"/>
+            </a:schemeClr>
+          </a:solidFill>
+          <a:ln>
+            <a:solidFill>
+              <a:schemeClr val="accent1">
+                <a:shade val="50000"/>
+                <a:alpha val="97000"/>
+              </a:schemeClr>
+            </a:solidFill>
+          </a:ln>
+        </p:spPr>
+        <p:style>
+          <a:lnRef idx="2">
+            <a:schemeClr val="accent1">
+              <a:shade val="50000"/>
+            </a:schemeClr>
+          </a:lnRef>
+          <a:fillRef idx="1">
+            <a:schemeClr val="accent1"/>
+          </a:fillRef>
+          <a:effectRef idx="0">
+            <a:schemeClr val="accent1"/>
+          </a:effectRef>
+          <a:fontRef idx="minor">
+            <a:schemeClr val="lt1"/>
+          </a:fontRef>
+        </p:style>
+        <p:txBody>
+          <a:bodyPr rtlCol="0" anchor="ctr"/>
+          <a:lstStyle/>
+          <a:p>
+            <a:pPr algn="ctr"/>
+            <a:endParaRPr lang="en-US"/>
+          </a:p>
+        </p:txBody>
+      </p:sp>
+      <p:pic>
+        <p:nvPicPr>
+          <p:cNvPr id="14" name="Picture 13" descr="Icon&#10;&#10;Description automatically generated">
+            <a:extLst>
+              <a:ext uri="{FF2B5EF4-FFF2-40B4-BE49-F238E27FC236}">
+                <a16:creationId xmlns:a16="http://schemas.microsoft.com/office/drawing/2014/main" id="{EEC0BFCC-E624-EC45-A2E7-0EEE35F6DFEE}"/>
+              </a:ext>
+            </a:extLst>
+          </p:cNvPr>
+          <p:cNvPicPr>
+            <a:picLocks noChangeAspect="1"/>
+          </p:cNvPicPr>
+          <p:nvPr/>
+        </p:nvPicPr>
+        <p:blipFill>
+          <a:blip r:embed="rId3"/>
+          <a:stretch>
+            <a:fillRect/>
+          </a:stretch>
+        </p:blipFill>
+        <p:spPr>
+          <a:xfrm>
+            <a:off x="9153235" y="4624337"/>
+            <a:ext cx="1625600" cy="1625600"/>
+          </a:xfrm>
+          <a:prstGeom prst="rect">
+            <a:avLst/>
+          </a:prstGeom>
+          <a:effectLst>
+            <a:glow rad="127000">
+              <a:schemeClr val="accent1"/>
+            </a:glow>
+          </a:effectLst>
+        </p:spPr>
+      </p:pic>
     </p:spTree>
     <p:extLst>
       <p:ext uri="{BB962C8B-B14F-4D97-AF65-F5344CB8AC3E}">
-        <p14:creationId xmlns:p14="http://schemas.microsoft.com/office/powerpoint/2010/main" val="2844890790"/>
+        <p14:creationId xmlns:p14="http://schemas.microsoft.com/office/powerpoint/2010/main" val="2390030559"/>
       </p:ext>
     </p:extLst>
   </p:cSld>
@@ -7134,55 +7296,50 @@
           <a:p>
             <a:r>
               <a:rPr lang="en-US" dirty="0"/>
-              <a:t>EDA - </a:t>
-            </a:r>
-          </a:p>
-        </p:txBody>
-      </p:sp>
-      <p:sp>
-        <p:nvSpPr>
-          <p:cNvPr id="4" name="Content Placeholder 3">
-            <a:extLst>
-              <a:ext uri="{FF2B5EF4-FFF2-40B4-BE49-F238E27FC236}">
-                <a16:creationId xmlns:a16="http://schemas.microsoft.com/office/drawing/2014/main" id="{E013098D-D2BA-1743-A418-22847B343875}"/>
-              </a:ext>
-            </a:extLst>
-          </p:cNvPr>
-          <p:cNvSpPr>
-            <a:spLocks noGrp="1"/>
-          </p:cNvSpPr>
+              <a:t>EDA: Pitchfork Review Timeline by Sub-genre</a:t>
+            </a:r>
+          </a:p>
+        </p:txBody>
+      </p:sp>
+      <p:pic>
+        <p:nvPicPr>
+          <p:cNvPr id="22" name="Content Placeholder 21">
+            <a:extLst>
+              <a:ext uri="{FF2B5EF4-FFF2-40B4-BE49-F238E27FC236}">
+                <a16:creationId xmlns:a16="http://schemas.microsoft.com/office/drawing/2014/main" id="{BB8BDAB6-138C-8C48-B857-920AE5DBA00C}"/>
+              </a:ext>
+            </a:extLst>
+          </p:cNvPr>
+          <p:cNvPicPr>
+            <a:picLocks noGrp="1" noChangeAspect="1"/>
+          </p:cNvPicPr>
           <p:nvPr>
             <p:ph idx="1"/>
           </p:nvPr>
-        </p:nvSpPr>
-        <p:spPr/>
-        <p:txBody>
-          <a:bodyPr/>
-          <a:lstStyle/>
-          <a:p>
-            <a:r>
-              <a:rPr lang="en-US" dirty="0"/>
-              <a:t>Miles and Coltrane mentions</a:t>
-            </a:r>
-          </a:p>
-          <a:p>
-            <a:r>
-              <a:rPr lang="en-US" dirty="0"/>
-              <a:t>Network graph? Colors based on different subgenres?</a:t>
-            </a:r>
-          </a:p>
-          <a:p>
-            <a:r>
-              <a:rPr lang="en-US" dirty="0"/>
-              <a:t>Old to modern to outside influence!</a:t>
-            </a:r>
-          </a:p>
-        </p:txBody>
-      </p:sp>
+        </p:nvPicPr>
+        <p:blipFill>
+          <a:blip r:embed="rId2">
+            <a:extLst>
+              <a:ext uri="{96DAC541-7B7A-43D3-8B79-37D633B846F1}">
+                <asvg:svgBlip xmlns:asvg="http://schemas.microsoft.com/office/drawing/2016/SVG/main" r:embed="rId3"/>
+              </a:ext>
+            </a:extLst>
+          </a:blip>
+          <a:stretch>
+            <a:fillRect/>
+          </a:stretch>
+        </p:blipFill>
+        <p:spPr>
+          <a:xfrm>
+            <a:off x="2467067" y="1690688"/>
+            <a:ext cx="9144000" cy="3657600"/>
+          </a:xfrm>
+        </p:spPr>
+      </p:pic>
     </p:spTree>
     <p:extLst>
       <p:ext uri="{BB962C8B-B14F-4D97-AF65-F5344CB8AC3E}">
-        <p14:creationId xmlns:p14="http://schemas.microsoft.com/office/powerpoint/2010/main" val="4194653798"/>
+        <p14:creationId xmlns:p14="http://schemas.microsoft.com/office/powerpoint/2010/main" val="2844890790"/>
       </p:ext>
     </p:extLst>
   </p:cSld>
@@ -7232,49 +7389,398 @@
           <a:p>
             <a:r>
               <a:rPr lang="en-US" dirty="0"/>
-              <a:t>EDA - </a:t>
-            </a:r>
-          </a:p>
-        </p:txBody>
-      </p:sp>
-      <p:sp>
-        <p:nvSpPr>
-          <p:cNvPr id="4" name="Content Placeholder 3">
-            <a:extLst>
-              <a:ext uri="{FF2B5EF4-FFF2-40B4-BE49-F238E27FC236}">
-                <a16:creationId xmlns:a16="http://schemas.microsoft.com/office/drawing/2014/main" id="{E013098D-D2BA-1743-A418-22847B343875}"/>
-              </a:ext>
-            </a:extLst>
-          </p:cNvPr>
-          <p:cNvSpPr>
-            <a:spLocks noGrp="1"/>
-          </p:cNvSpPr>
-          <p:nvPr>
-            <p:ph idx="1"/>
-          </p:nvPr>
-        </p:nvSpPr>
-        <p:spPr/>
-        <p:txBody>
-          <a:bodyPr/>
+              <a:t>EDA: Pitchfork Review Timeline by Sub-genre</a:t>
+            </a:r>
+          </a:p>
+        </p:txBody>
+      </p:sp>
+      <p:pic>
+        <p:nvPicPr>
+          <p:cNvPr id="4" name="Graphic 3">
+            <a:extLst>
+              <a:ext uri="{FF2B5EF4-FFF2-40B4-BE49-F238E27FC236}">
+                <a16:creationId xmlns:a16="http://schemas.microsoft.com/office/drawing/2014/main" id="{E2CC6BA0-64D9-344A-B462-447CA4D4A855}"/>
+              </a:ext>
+            </a:extLst>
+          </p:cNvPr>
+          <p:cNvPicPr>
+            <a:picLocks noChangeAspect="1"/>
+          </p:cNvPicPr>
+          <p:nvPr/>
+        </p:nvPicPr>
+        <p:blipFill rotWithShape="1">
+          <a:blip r:embed="rId2">
+            <a:extLst>
+              <a:ext uri="{96DAC541-7B7A-43D3-8B79-37D633B846F1}">
+                <asvg:svgBlip xmlns:asvg="http://schemas.microsoft.com/office/drawing/2016/SVG/main" r:embed="rId3"/>
+              </a:ext>
+            </a:extLst>
+          </a:blip>
+          <a:srcRect l="12021" t="3500" r="60606" b="88700"/>
+          <a:stretch/>
+        </p:blipFill>
+        <p:spPr>
+          <a:xfrm>
+            <a:off x="3592945" y="2128852"/>
+            <a:ext cx="2503055" cy="285310"/>
+          </a:xfrm>
+          <a:prstGeom prst="rect">
+            <a:avLst/>
+          </a:prstGeom>
+        </p:spPr>
+      </p:pic>
+      <p:pic>
+        <p:nvPicPr>
+          <p:cNvPr id="5" name="Graphic 4">
+            <a:extLst>
+              <a:ext uri="{FF2B5EF4-FFF2-40B4-BE49-F238E27FC236}">
+                <a16:creationId xmlns:a16="http://schemas.microsoft.com/office/drawing/2014/main" id="{5DEDA827-4E62-A240-A0DD-AEDECCC2AC89}"/>
+              </a:ext>
+            </a:extLst>
+          </p:cNvPr>
+          <p:cNvPicPr>
+            <a:picLocks noChangeAspect="1"/>
+          </p:cNvPicPr>
+          <p:nvPr/>
+        </p:nvPicPr>
+        <p:blipFill rotWithShape="1">
+          <a:blip r:embed="rId2">
+            <a:extLst>
+              <a:ext uri="{96DAC541-7B7A-43D3-8B79-37D633B846F1}">
+                <asvg:svgBlip xmlns:asvg="http://schemas.microsoft.com/office/drawing/2016/SVG/main" r:embed="rId3"/>
+              </a:ext>
+            </a:extLst>
+          </a:blip>
+          <a:srcRect l="11718" t="79546" r="60909" b="5050"/>
+          <a:stretch/>
+        </p:blipFill>
+        <p:spPr>
+          <a:xfrm>
+            <a:off x="3592945" y="2494966"/>
+            <a:ext cx="2503054" cy="563419"/>
+          </a:xfrm>
+          <a:prstGeom prst="rect">
+            <a:avLst/>
+          </a:prstGeom>
+        </p:spPr>
+      </p:pic>
+      <p:sp>
+        <p:nvSpPr>
+          <p:cNvPr id="9" name="TextBox 8">
+            <a:extLst>
+              <a:ext uri="{FF2B5EF4-FFF2-40B4-BE49-F238E27FC236}">
+                <a16:creationId xmlns:a16="http://schemas.microsoft.com/office/drawing/2014/main" id="{C0D19803-B322-BC41-AF59-55E4ACFC4DD7}"/>
+              </a:ext>
+            </a:extLst>
+          </p:cNvPr>
+          <p:cNvSpPr txBox="1"/>
+          <p:nvPr/>
+        </p:nvSpPr>
+        <p:spPr>
+          <a:xfrm>
+            <a:off x="2064326" y="5157881"/>
+            <a:ext cx="8063345" cy="923330"/>
+          </a:xfrm>
+          <a:prstGeom prst="rect">
+            <a:avLst/>
+          </a:prstGeom>
+          <a:noFill/>
+        </p:spPr>
+        <p:txBody>
+          <a:bodyPr wrap="square" rtlCol="0">
+            <a:spAutoFit/>
+          </a:bodyPr>
           <a:lstStyle/>
           <a:p>
             <a:r>
               <a:rPr lang="en-US" dirty="0"/>
-              <a:t>Network graph? Colors based on different subgenres?</a:t>
-            </a:r>
-          </a:p>
-          <a:p>
+              <a:t>“…</a:t>
+            </a:r>
+            <a:r>
+              <a:rPr lang="en-US" b="1" dirty="0" err="1"/>
+              <a:t>jazztronica</a:t>
+            </a:r>
             <a:r>
               <a:rPr lang="en-US" dirty="0"/>
-              <a:t>Old to modern to outside influence!</a:t>
-            </a:r>
-          </a:p>
-        </p:txBody>
-      </p:sp>
+              <a:t>, is a genre of </a:t>
+            </a:r>
+            <a:r>
+              <a:rPr lang="en-US" b="1" dirty="0"/>
+              <a:t>jazz</a:t>
+            </a:r>
+            <a:r>
+              <a:rPr lang="en-US" dirty="0"/>
+              <a:t> and </a:t>
+            </a:r>
+            <a:r>
+              <a:rPr lang="en-US" b="1" dirty="0"/>
+              <a:t>electronic</a:t>
+            </a:r>
+            <a:r>
+              <a:rPr lang="en-US" dirty="0"/>
+              <a:t> music. The term was coined in the </a:t>
+            </a:r>
+            <a:r>
+              <a:rPr lang="en-US" b="1" dirty="0"/>
+              <a:t>late 1990s </a:t>
+            </a:r>
+            <a:r>
+              <a:rPr lang="en-US" dirty="0"/>
+              <a:t>to refer to music that blends jazz elements with other musical styles…”</a:t>
+            </a:r>
+          </a:p>
+          <a:p>
+            <a:r>
+              <a:rPr lang="en-US" dirty="0"/>
+              <a:t>(source: Wikipedia)</a:t>
+            </a:r>
+          </a:p>
+        </p:txBody>
+      </p:sp>
+      <p:sp>
+        <p:nvSpPr>
+          <p:cNvPr id="10" name="Left Brace 9">
+            <a:extLst>
+              <a:ext uri="{FF2B5EF4-FFF2-40B4-BE49-F238E27FC236}">
+                <a16:creationId xmlns:a16="http://schemas.microsoft.com/office/drawing/2014/main" id="{2643D857-439C-A24E-9C34-5E35873B73F8}"/>
+              </a:ext>
+            </a:extLst>
+          </p:cNvPr>
+          <p:cNvSpPr/>
+          <p:nvPr/>
+        </p:nvSpPr>
+        <p:spPr>
+          <a:xfrm rot="16200000">
+            <a:off x="4562764" y="1992226"/>
+            <a:ext cx="563418" cy="2503051"/>
+          </a:xfrm>
+          <a:prstGeom prst="leftBrace">
+            <a:avLst/>
+          </a:prstGeom>
+          <a:ln>
+            <a:solidFill>
+              <a:schemeClr val="tx1">
+                <a:lumMod val="50000"/>
+                <a:lumOff val="50000"/>
+              </a:schemeClr>
+            </a:solidFill>
+          </a:ln>
+        </p:spPr>
+        <p:style>
+          <a:lnRef idx="1">
+            <a:schemeClr val="accent1"/>
+          </a:lnRef>
+          <a:fillRef idx="0">
+            <a:schemeClr val="accent1"/>
+          </a:fillRef>
+          <a:effectRef idx="0">
+            <a:schemeClr val="accent1"/>
+          </a:effectRef>
+          <a:fontRef idx="minor">
+            <a:schemeClr val="tx1"/>
+          </a:fontRef>
+        </p:style>
+        <p:txBody>
+          <a:bodyPr rtlCol="0" anchor="ctr"/>
+          <a:lstStyle/>
+          <a:p>
+            <a:pPr algn="ctr"/>
+            <a:endParaRPr lang="en-US"/>
+          </a:p>
+        </p:txBody>
+      </p:sp>
+      <p:sp>
+        <p:nvSpPr>
+          <p:cNvPr id="11" name="TextBox 10">
+            <a:extLst>
+              <a:ext uri="{FF2B5EF4-FFF2-40B4-BE49-F238E27FC236}">
+                <a16:creationId xmlns:a16="http://schemas.microsoft.com/office/drawing/2014/main" id="{4140D444-F7D9-8A40-8897-2C025F3B9EE9}"/>
+              </a:ext>
+            </a:extLst>
+          </p:cNvPr>
+          <p:cNvSpPr txBox="1"/>
+          <p:nvPr/>
+        </p:nvSpPr>
+        <p:spPr>
+          <a:xfrm>
+            <a:off x="4331276" y="1404648"/>
+            <a:ext cx="1502719" cy="276999"/>
+          </a:xfrm>
+          <a:prstGeom prst="rect">
+            <a:avLst/>
+          </a:prstGeom>
+          <a:noFill/>
+        </p:spPr>
+        <p:txBody>
+          <a:bodyPr wrap="none" rtlCol="0">
+            <a:spAutoFit/>
+          </a:bodyPr>
+          <a:lstStyle/>
+          <a:p>
+            <a:r>
+              <a:rPr lang="en-US" sz="1200" dirty="0"/>
+              <a:t>Thievery Corporation</a:t>
+            </a:r>
+          </a:p>
+        </p:txBody>
+      </p:sp>
+      <p:sp>
+        <p:nvSpPr>
+          <p:cNvPr id="12" name="TextBox 11">
+            <a:extLst>
+              <a:ext uri="{FF2B5EF4-FFF2-40B4-BE49-F238E27FC236}">
+                <a16:creationId xmlns:a16="http://schemas.microsoft.com/office/drawing/2014/main" id="{81A9C6EA-7D0B-034B-AC66-F79D23F65699}"/>
+              </a:ext>
+            </a:extLst>
+          </p:cNvPr>
+          <p:cNvSpPr txBox="1"/>
+          <p:nvPr/>
+        </p:nvSpPr>
+        <p:spPr>
+          <a:xfrm>
+            <a:off x="4113567" y="3623205"/>
+            <a:ext cx="1461810" cy="369332"/>
+          </a:xfrm>
+          <a:prstGeom prst="rect">
+            <a:avLst/>
+          </a:prstGeom>
+          <a:noFill/>
+        </p:spPr>
+        <p:txBody>
+          <a:bodyPr wrap="none" rtlCol="0">
+            <a:spAutoFit/>
+          </a:bodyPr>
+          <a:lstStyle/>
+          <a:p>
+            <a:r>
+              <a:rPr lang="en-US" dirty="0"/>
+              <a:t>Electronic Era</a:t>
+            </a:r>
+          </a:p>
+        </p:txBody>
+      </p:sp>
+      <p:sp>
+        <p:nvSpPr>
+          <p:cNvPr id="14" name="TextBox 13">
+            <a:extLst>
+              <a:ext uri="{FF2B5EF4-FFF2-40B4-BE49-F238E27FC236}">
+                <a16:creationId xmlns:a16="http://schemas.microsoft.com/office/drawing/2014/main" id="{214B419D-0EA0-394C-A216-5B978CF4C4F0}"/>
+              </a:ext>
+            </a:extLst>
+          </p:cNvPr>
+          <p:cNvSpPr txBox="1"/>
+          <p:nvPr/>
+        </p:nvSpPr>
+        <p:spPr>
+          <a:xfrm>
+            <a:off x="3560717" y="1423120"/>
+            <a:ext cx="881973" cy="276999"/>
+          </a:xfrm>
+          <a:prstGeom prst="rect">
+            <a:avLst/>
+          </a:prstGeom>
+          <a:noFill/>
+        </p:spPr>
+        <p:txBody>
+          <a:bodyPr wrap="none" rtlCol="0">
+            <a:spAutoFit/>
+          </a:bodyPr>
+          <a:lstStyle/>
+          <a:p>
+            <a:r>
+              <a:rPr lang="en-US" sz="1200" dirty="0"/>
+              <a:t>St Germain</a:t>
+            </a:r>
+          </a:p>
+        </p:txBody>
+      </p:sp>
+      <p:cxnSp>
+        <p:nvCxnSpPr>
+          <p:cNvPr id="17" name="Straight Arrow Connector 16">
+            <a:extLst>
+              <a:ext uri="{FF2B5EF4-FFF2-40B4-BE49-F238E27FC236}">
+                <a16:creationId xmlns:a16="http://schemas.microsoft.com/office/drawing/2014/main" id="{63C8F25F-774F-614C-983A-1812FE735D71}"/>
+              </a:ext>
+            </a:extLst>
+          </p:cNvPr>
+          <p:cNvCxnSpPr>
+            <a:cxnSpLocks/>
+          </p:cNvCxnSpPr>
+          <p:nvPr/>
+        </p:nvCxnSpPr>
+        <p:spPr>
+          <a:xfrm flipH="1">
+            <a:off x="4844472" y="1723751"/>
+            <a:ext cx="1" cy="336387"/>
+          </a:xfrm>
+          <a:prstGeom prst="straightConnector1">
+            <a:avLst/>
+          </a:prstGeom>
+          <a:ln>
+            <a:tailEnd type="triangle"/>
+          </a:ln>
+        </p:spPr>
+        <p:style>
+          <a:lnRef idx="1">
+            <a:schemeClr val="accent1"/>
+          </a:lnRef>
+          <a:fillRef idx="0">
+            <a:schemeClr val="accent1"/>
+          </a:fillRef>
+          <a:effectRef idx="0">
+            <a:schemeClr val="accent1"/>
+          </a:effectRef>
+          <a:fontRef idx="minor">
+            <a:schemeClr val="tx1"/>
+          </a:fontRef>
+        </p:style>
+      </p:cxnSp>
+      <p:cxnSp>
+        <p:nvCxnSpPr>
+          <p:cNvPr id="19" name="Straight Arrow Connector 18">
+            <a:extLst>
+              <a:ext uri="{FF2B5EF4-FFF2-40B4-BE49-F238E27FC236}">
+                <a16:creationId xmlns:a16="http://schemas.microsoft.com/office/drawing/2014/main" id="{978BA724-4D53-4544-94FD-78337D4E90BC}"/>
+              </a:ext>
+            </a:extLst>
+          </p:cNvPr>
+          <p:cNvCxnSpPr>
+            <a:cxnSpLocks/>
+            <a:stCxn id="14" idx="2"/>
+          </p:cNvCxnSpPr>
+          <p:nvPr/>
+        </p:nvCxnSpPr>
+        <p:spPr>
+          <a:xfrm>
+            <a:off x="4001704" y="1700119"/>
+            <a:ext cx="6878" cy="360019"/>
+          </a:xfrm>
+          <a:prstGeom prst="straightConnector1">
+            <a:avLst/>
+          </a:prstGeom>
+          <a:ln>
+            <a:tailEnd type="triangle"/>
+          </a:ln>
+        </p:spPr>
+        <p:style>
+          <a:lnRef idx="1">
+            <a:schemeClr val="accent1"/>
+          </a:lnRef>
+          <a:fillRef idx="0">
+            <a:schemeClr val="accent1"/>
+          </a:fillRef>
+          <a:effectRef idx="0">
+            <a:schemeClr val="accent1"/>
+          </a:effectRef>
+          <a:fontRef idx="minor">
+            <a:schemeClr val="tx1"/>
+          </a:fontRef>
+        </p:style>
+      </p:cxnSp>
     </p:spTree>
     <p:extLst>
       <p:ext uri="{BB962C8B-B14F-4D97-AF65-F5344CB8AC3E}">
-        <p14:creationId xmlns:p14="http://schemas.microsoft.com/office/powerpoint/2010/main" val="1001111317"/>
+        <p14:creationId xmlns:p14="http://schemas.microsoft.com/office/powerpoint/2010/main" val="723358130"/>
       </p:ext>
     </p:extLst>
   </p:cSld>
@@ -7306,7 +7812,7 @@
           <p:cNvPr id="2" name="Title 1">
             <a:extLst>
               <a:ext uri="{FF2B5EF4-FFF2-40B4-BE49-F238E27FC236}">
-                <a16:creationId xmlns:a16="http://schemas.microsoft.com/office/drawing/2014/main" id="{12D8F8C8-7CD3-8646-81FC-0359A8A455D3}"/>
+                <a16:creationId xmlns:a16="http://schemas.microsoft.com/office/drawing/2014/main" id="{5B30CA4D-4F7A-7A4A-9A3C-88256E63CF94}"/>
               </a:ext>
             </a:extLst>
           </p:cNvPr>
@@ -7324,49 +7830,540 @@
           <a:p>
             <a:r>
               <a:rPr lang="en-US" dirty="0"/>
-              <a:t>Layer 1: Reviewer words (emotion)</a:t>
-            </a:r>
-          </a:p>
-        </p:txBody>
-      </p:sp>
-      <p:sp>
-        <p:nvSpPr>
-          <p:cNvPr id="3" name="Content Placeholder 2">
-            <a:extLst>
-              <a:ext uri="{FF2B5EF4-FFF2-40B4-BE49-F238E27FC236}">
-                <a16:creationId xmlns:a16="http://schemas.microsoft.com/office/drawing/2014/main" id="{C89F107E-A90E-4E43-9EC3-6CB339700A31}"/>
-              </a:ext>
-            </a:extLst>
-          </p:cNvPr>
-          <p:cNvSpPr>
-            <a:spLocks noGrp="1"/>
-          </p:cNvSpPr>
-          <p:nvPr>
-            <p:ph idx="1"/>
-          </p:nvPr>
-        </p:nvSpPr>
-        <p:spPr/>
-        <p:txBody>
-          <a:bodyPr/>
+              <a:t>EDA: Pitchfork Review Timeline by Sub-genre</a:t>
+            </a:r>
+          </a:p>
+        </p:txBody>
+      </p:sp>
+      <p:pic>
+        <p:nvPicPr>
+          <p:cNvPr id="4" name="Graphic 3">
+            <a:extLst>
+              <a:ext uri="{FF2B5EF4-FFF2-40B4-BE49-F238E27FC236}">
+                <a16:creationId xmlns:a16="http://schemas.microsoft.com/office/drawing/2014/main" id="{E2CC6BA0-64D9-344A-B462-447CA4D4A855}"/>
+              </a:ext>
+            </a:extLst>
+          </p:cNvPr>
+          <p:cNvPicPr>
+            <a:picLocks noChangeAspect="1"/>
+          </p:cNvPicPr>
+          <p:nvPr/>
+        </p:nvPicPr>
+        <p:blipFill rotWithShape="1">
+          <a:blip r:embed="rId2">
+            <a:extLst>
+              <a:ext uri="{96DAC541-7B7A-43D3-8B79-37D633B846F1}">
+                <asvg:svgBlip xmlns:asvg="http://schemas.microsoft.com/office/drawing/2016/SVG/main" r:embed="rId3"/>
+              </a:ext>
+            </a:extLst>
+          </a:blip>
+          <a:srcRect l="12021" t="3500" r="60606" b="88700"/>
+          <a:stretch/>
+        </p:blipFill>
+        <p:spPr>
+          <a:xfrm>
+            <a:off x="2336801" y="2128852"/>
+            <a:ext cx="2503055" cy="285310"/>
+          </a:xfrm>
+          <a:prstGeom prst="rect">
+            <a:avLst/>
+          </a:prstGeom>
+        </p:spPr>
+      </p:pic>
+      <p:pic>
+        <p:nvPicPr>
+          <p:cNvPr id="5" name="Graphic 4">
+            <a:extLst>
+              <a:ext uri="{FF2B5EF4-FFF2-40B4-BE49-F238E27FC236}">
+                <a16:creationId xmlns:a16="http://schemas.microsoft.com/office/drawing/2014/main" id="{5DEDA827-4E62-A240-A0DD-AEDECCC2AC89}"/>
+              </a:ext>
+            </a:extLst>
+          </p:cNvPr>
+          <p:cNvPicPr>
+            <a:picLocks noChangeAspect="1"/>
+          </p:cNvPicPr>
+          <p:nvPr/>
+        </p:nvPicPr>
+        <p:blipFill rotWithShape="1">
+          <a:blip r:embed="rId2">
+            <a:extLst>
+              <a:ext uri="{96DAC541-7B7A-43D3-8B79-37D633B846F1}">
+                <asvg:svgBlip xmlns:asvg="http://schemas.microsoft.com/office/drawing/2016/SVG/main" r:embed="rId3"/>
+              </a:ext>
+            </a:extLst>
+          </a:blip>
+          <a:srcRect l="11718" t="79546" r="60909" b="5050"/>
+          <a:stretch/>
+        </p:blipFill>
+        <p:spPr>
+          <a:xfrm>
+            <a:off x="2299860" y="2494966"/>
+            <a:ext cx="2503054" cy="563419"/>
+          </a:xfrm>
+          <a:prstGeom prst="rect">
+            <a:avLst/>
+          </a:prstGeom>
+        </p:spPr>
+      </p:pic>
+      <p:sp>
+        <p:nvSpPr>
+          <p:cNvPr id="9" name="TextBox 8">
+            <a:extLst>
+              <a:ext uri="{FF2B5EF4-FFF2-40B4-BE49-F238E27FC236}">
+                <a16:creationId xmlns:a16="http://schemas.microsoft.com/office/drawing/2014/main" id="{C0D19803-B322-BC41-AF59-55E4ACFC4DD7}"/>
+              </a:ext>
+            </a:extLst>
+          </p:cNvPr>
+          <p:cNvSpPr txBox="1"/>
+          <p:nvPr/>
+        </p:nvSpPr>
+        <p:spPr>
+          <a:xfrm>
+            <a:off x="2105892" y="5052675"/>
+            <a:ext cx="8666018" cy="646331"/>
+          </a:xfrm>
+          <a:prstGeom prst="rect">
+            <a:avLst/>
+          </a:prstGeom>
+          <a:noFill/>
+        </p:spPr>
+        <p:txBody>
+          <a:bodyPr wrap="square" rtlCol="0">
+            <a:spAutoFit/>
+          </a:bodyPr>
           <a:lstStyle/>
           <a:p>
             <a:r>
               <a:rPr lang="en-US" dirty="0"/>
-              <a:t>Words of the reviewer can often be a reflection of the reviewer themselves but also the nature of the music</a:t>
-            </a:r>
-          </a:p>
-          <a:p>
+              <a:t>“…When someone says </a:t>
+            </a:r>
+            <a:r>
+              <a:rPr lang="en-US" b="1" dirty="0"/>
+              <a:t>Radiohead</a:t>
+            </a:r>
             <a:r>
               <a:rPr lang="en-US" dirty="0"/>
-              <a:t>Graph emotion/sentiment of reviews over time</a:t>
-            </a:r>
-          </a:p>
-        </p:txBody>
-      </p:sp>
+              <a:t>, most think of an ‘alternative’ </a:t>
+            </a:r>
+            <a:r>
+              <a:rPr lang="en-US" b="1" dirty="0"/>
+              <a:t>rock </a:t>
+            </a:r>
+            <a:r>
+              <a:rPr lang="en-US" dirty="0"/>
+              <a:t>band…the reality is, Radiohead in many ways </a:t>
+            </a:r>
+            <a:r>
+              <a:rPr lang="en-US" b="1" dirty="0"/>
+              <a:t>functions like jazz fusion </a:t>
+            </a:r>
+            <a:r>
+              <a:rPr lang="en-US" dirty="0"/>
+              <a:t>bands...”</a:t>
+            </a:r>
+          </a:p>
+        </p:txBody>
+      </p:sp>
+      <p:sp>
+        <p:nvSpPr>
+          <p:cNvPr id="10" name="Left Brace 9">
+            <a:extLst>
+              <a:ext uri="{FF2B5EF4-FFF2-40B4-BE49-F238E27FC236}">
+                <a16:creationId xmlns:a16="http://schemas.microsoft.com/office/drawing/2014/main" id="{2643D857-439C-A24E-9C34-5E35873B73F8}"/>
+              </a:ext>
+            </a:extLst>
+          </p:cNvPr>
+          <p:cNvSpPr/>
+          <p:nvPr/>
+        </p:nvSpPr>
+        <p:spPr>
+          <a:xfrm rot="16200000">
+            <a:off x="5740608" y="2397247"/>
+            <a:ext cx="627668" cy="1948870"/>
+          </a:xfrm>
+          <a:prstGeom prst="leftBrace">
+            <a:avLst/>
+          </a:prstGeom>
+          <a:ln>
+            <a:solidFill>
+              <a:schemeClr val="tx1">
+                <a:lumMod val="50000"/>
+                <a:lumOff val="50000"/>
+              </a:schemeClr>
+            </a:solidFill>
+          </a:ln>
+        </p:spPr>
+        <p:style>
+          <a:lnRef idx="1">
+            <a:schemeClr val="accent1"/>
+          </a:lnRef>
+          <a:fillRef idx="0">
+            <a:schemeClr val="accent1"/>
+          </a:fillRef>
+          <a:effectRef idx="0">
+            <a:schemeClr val="accent1"/>
+          </a:effectRef>
+          <a:fontRef idx="minor">
+            <a:schemeClr val="tx1"/>
+          </a:fontRef>
+        </p:style>
+        <p:txBody>
+          <a:bodyPr rtlCol="0" anchor="ctr"/>
+          <a:lstStyle/>
+          <a:p>
+            <a:pPr algn="ctr"/>
+            <a:endParaRPr lang="en-US"/>
+          </a:p>
+        </p:txBody>
+      </p:sp>
+      <p:pic>
+        <p:nvPicPr>
+          <p:cNvPr id="13" name="Graphic 12">
+            <a:extLst>
+              <a:ext uri="{FF2B5EF4-FFF2-40B4-BE49-F238E27FC236}">
+                <a16:creationId xmlns:a16="http://schemas.microsoft.com/office/drawing/2014/main" id="{C40BCC4C-DB9B-144F-AA66-8C0A377AFE63}"/>
+              </a:ext>
+            </a:extLst>
+          </p:cNvPr>
+          <p:cNvPicPr>
+            <a:picLocks noChangeAspect="1"/>
+          </p:cNvPicPr>
+          <p:nvPr/>
+        </p:nvPicPr>
+        <p:blipFill rotWithShape="1">
+          <a:blip r:embed="rId2">
+            <a:extLst>
+              <a:ext uri="{96DAC541-7B7A-43D3-8B79-37D633B846F1}">
+                <asvg:svgBlip xmlns:asvg="http://schemas.microsoft.com/office/drawing/2016/SVG/main" r:embed="rId3"/>
+              </a:ext>
+            </a:extLst>
+          </a:blip>
+          <a:srcRect l="39394" t="11144" r="39394" b="81055"/>
+          <a:stretch/>
+        </p:blipFill>
+        <p:spPr>
+          <a:xfrm>
+            <a:off x="5089236" y="2128851"/>
+            <a:ext cx="1939638" cy="285311"/>
+          </a:xfrm>
+          <a:prstGeom prst="rect">
+            <a:avLst/>
+          </a:prstGeom>
+        </p:spPr>
+      </p:pic>
+      <p:pic>
+        <p:nvPicPr>
+          <p:cNvPr id="15" name="Graphic 14">
+            <a:extLst>
+              <a:ext uri="{FF2B5EF4-FFF2-40B4-BE49-F238E27FC236}">
+                <a16:creationId xmlns:a16="http://schemas.microsoft.com/office/drawing/2014/main" id="{37254305-4C78-EA40-ABDC-72D20D66C0A7}"/>
+              </a:ext>
+            </a:extLst>
+          </p:cNvPr>
+          <p:cNvPicPr>
+            <a:picLocks noChangeAspect="1"/>
+          </p:cNvPicPr>
+          <p:nvPr/>
+        </p:nvPicPr>
+        <p:blipFill rotWithShape="1">
+          <a:blip r:embed="rId2">
+            <a:extLst>
+              <a:ext uri="{96DAC541-7B7A-43D3-8B79-37D633B846F1}">
+                <asvg:svgBlip xmlns:asvg="http://schemas.microsoft.com/office/drawing/2016/SVG/main" r:embed="rId3"/>
+              </a:ext>
+            </a:extLst>
+          </a:blip>
+          <a:srcRect l="38788" t="79482" r="40000" b="7386"/>
+          <a:stretch/>
+        </p:blipFill>
+        <p:spPr>
+          <a:xfrm>
+            <a:off x="5077691" y="2494966"/>
+            <a:ext cx="1939639" cy="480291"/>
+          </a:xfrm>
+          <a:prstGeom prst="rect">
+            <a:avLst/>
+          </a:prstGeom>
+        </p:spPr>
+      </p:pic>
+      <p:sp>
+        <p:nvSpPr>
+          <p:cNvPr id="17" name="Left Brace 16">
+            <a:extLst>
+              <a:ext uri="{FF2B5EF4-FFF2-40B4-BE49-F238E27FC236}">
+                <a16:creationId xmlns:a16="http://schemas.microsoft.com/office/drawing/2014/main" id="{7E720D9F-CB3A-8448-9477-B3F928B7557F}"/>
+              </a:ext>
+            </a:extLst>
+          </p:cNvPr>
+          <p:cNvSpPr/>
+          <p:nvPr/>
+        </p:nvSpPr>
+        <p:spPr>
+          <a:xfrm rot="16200000">
+            <a:off x="3260436" y="2121535"/>
+            <a:ext cx="563418" cy="2503051"/>
+          </a:xfrm>
+          <a:prstGeom prst="leftBrace">
+            <a:avLst/>
+          </a:prstGeom>
+          <a:ln>
+            <a:solidFill>
+              <a:schemeClr val="tx1">
+                <a:lumMod val="50000"/>
+                <a:lumOff val="50000"/>
+              </a:schemeClr>
+            </a:solidFill>
+          </a:ln>
+        </p:spPr>
+        <p:style>
+          <a:lnRef idx="1">
+            <a:schemeClr val="accent1"/>
+          </a:lnRef>
+          <a:fillRef idx="0">
+            <a:schemeClr val="accent1"/>
+          </a:fillRef>
+          <a:effectRef idx="0">
+            <a:schemeClr val="accent1"/>
+          </a:effectRef>
+          <a:fontRef idx="minor">
+            <a:schemeClr val="tx1"/>
+          </a:fontRef>
+        </p:style>
+        <p:txBody>
+          <a:bodyPr rtlCol="0" anchor="ctr"/>
+          <a:lstStyle/>
+          <a:p>
+            <a:pPr algn="ctr"/>
+            <a:endParaRPr lang="en-US"/>
+          </a:p>
+        </p:txBody>
+      </p:sp>
+      <p:sp>
+        <p:nvSpPr>
+          <p:cNvPr id="18" name="TextBox 17">
+            <a:extLst>
+              <a:ext uri="{FF2B5EF4-FFF2-40B4-BE49-F238E27FC236}">
+                <a16:creationId xmlns:a16="http://schemas.microsoft.com/office/drawing/2014/main" id="{0FCDD4E4-99A0-7445-B67F-2F2BED4C7350}"/>
+              </a:ext>
+            </a:extLst>
+          </p:cNvPr>
+          <p:cNvSpPr txBox="1"/>
+          <p:nvPr/>
+        </p:nvSpPr>
+        <p:spPr>
+          <a:xfrm>
+            <a:off x="2857423" y="3654770"/>
+            <a:ext cx="1461810" cy="369332"/>
+          </a:xfrm>
+          <a:prstGeom prst="rect">
+            <a:avLst/>
+          </a:prstGeom>
+          <a:noFill/>
+        </p:spPr>
+        <p:txBody>
+          <a:bodyPr wrap="none" rtlCol="0">
+            <a:spAutoFit/>
+          </a:bodyPr>
+          <a:lstStyle/>
+          <a:p>
+            <a:r>
+              <a:rPr lang="en-US" dirty="0"/>
+              <a:t>Electronic Era</a:t>
+            </a:r>
+          </a:p>
+        </p:txBody>
+      </p:sp>
+      <p:sp>
+        <p:nvSpPr>
+          <p:cNvPr id="19" name="TextBox 18">
+            <a:extLst>
+              <a:ext uri="{FF2B5EF4-FFF2-40B4-BE49-F238E27FC236}">
+                <a16:creationId xmlns:a16="http://schemas.microsoft.com/office/drawing/2014/main" id="{67E2CA8E-EEB7-3B4D-AFD1-8A88A7C6E344}"/>
+              </a:ext>
+            </a:extLst>
+          </p:cNvPr>
+          <p:cNvSpPr txBox="1"/>
+          <p:nvPr/>
+        </p:nvSpPr>
+        <p:spPr>
+          <a:xfrm>
+            <a:off x="5572917" y="3685516"/>
+            <a:ext cx="979884" cy="369332"/>
+          </a:xfrm>
+          <a:prstGeom prst="rect">
+            <a:avLst/>
+          </a:prstGeom>
+          <a:noFill/>
+        </p:spPr>
+        <p:txBody>
+          <a:bodyPr wrap="none" rtlCol="0">
+            <a:spAutoFit/>
+          </a:bodyPr>
+          <a:lstStyle/>
+          <a:p>
+            <a:r>
+              <a:rPr lang="en-US" dirty="0"/>
+              <a:t>Rock Era</a:t>
+            </a:r>
+          </a:p>
+        </p:txBody>
+      </p:sp>
+      <p:sp>
+        <p:nvSpPr>
+          <p:cNvPr id="20" name="TextBox 19">
+            <a:extLst>
+              <a:ext uri="{FF2B5EF4-FFF2-40B4-BE49-F238E27FC236}">
+                <a16:creationId xmlns:a16="http://schemas.microsoft.com/office/drawing/2014/main" id="{C74EF8D6-4042-DB4C-98F2-EA4783E7167E}"/>
+              </a:ext>
+            </a:extLst>
+          </p:cNvPr>
+          <p:cNvSpPr txBox="1"/>
+          <p:nvPr/>
+        </p:nvSpPr>
+        <p:spPr>
+          <a:xfrm>
+            <a:off x="5491124" y="1478536"/>
+            <a:ext cx="849913" cy="276999"/>
+          </a:xfrm>
+          <a:prstGeom prst="rect">
+            <a:avLst/>
+          </a:prstGeom>
+          <a:noFill/>
+        </p:spPr>
+        <p:txBody>
+          <a:bodyPr wrap="none" rtlCol="0">
+            <a:spAutoFit/>
+          </a:bodyPr>
+          <a:lstStyle/>
+          <a:p>
+            <a:r>
+              <a:rPr lang="en-US" sz="1200" dirty="0"/>
+              <a:t>Radiohead</a:t>
+            </a:r>
+          </a:p>
+        </p:txBody>
+      </p:sp>
+      <p:cxnSp>
+        <p:nvCxnSpPr>
+          <p:cNvPr id="21" name="Straight Arrow Connector 20">
+            <a:extLst>
+              <a:ext uri="{FF2B5EF4-FFF2-40B4-BE49-F238E27FC236}">
+                <a16:creationId xmlns:a16="http://schemas.microsoft.com/office/drawing/2014/main" id="{18CCF5DC-0443-5243-9559-A96D0E685AC0}"/>
+              </a:ext>
+            </a:extLst>
+          </p:cNvPr>
+          <p:cNvCxnSpPr>
+            <a:cxnSpLocks/>
+          </p:cNvCxnSpPr>
+          <p:nvPr/>
+        </p:nvCxnSpPr>
+        <p:spPr>
+          <a:xfrm flipH="1">
+            <a:off x="6047509" y="1751169"/>
+            <a:ext cx="1" cy="336387"/>
+          </a:xfrm>
+          <a:prstGeom prst="straightConnector1">
+            <a:avLst/>
+          </a:prstGeom>
+          <a:ln>
+            <a:tailEnd type="triangle"/>
+          </a:ln>
+        </p:spPr>
+        <p:style>
+          <a:lnRef idx="1">
+            <a:schemeClr val="accent1"/>
+          </a:lnRef>
+          <a:fillRef idx="0">
+            <a:schemeClr val="accent1"/>
+          </a:fillRef>
+          <a:effectRef idx="0">
+            <a:schemeClr val="accent1"/>
+          </a:effectRef>
+          <a:fontRef idx="minor">
+            <a:schemeClr val="tx1"/>
+          </a:fontRef>
+        </p:style>
+      </p:cxnSp>
+      <p:sp>
+        <p:nvSpPr>
+          <p:cNvPr id="22" name="TextBox 21">
+            <a:extLst>
+              <a:ext uri="{FF2B5EF4-FFF2-40B4-BE49-F238E27FC236}">
+                <a16:creationId xmlns:a16="http://schemas.microsoft.com/office/drawing/2014/main" id="{1D8A7747-0292-794F-AD7D-672132714605}"/>
+              </a:ext>
+            </a:extLst>
+          </p:cNvPr>
+          <p:cNvSpPr txBox="1"/>
+          <p:nvPr/>
+        </p:nvSpPr>
+        <p:spPr>
+          <a:xfrm>
+            <a:off x="6341037" y="1483676"/>
+            <a:ext cx="537648" cy="276999"/>
+          </a:xfrm>
+          <a:prstGeom prst="rect">
+            <a:avLst/>
+          </a:prstGeom>
+          <a:noFill/>
+        </p:spPr>
+        <p:txBody>
+          <a:bodyPr wrap="none" rtlCol="0">
+            <a:spAutoFit/>
+          </a:bodyPr>
+          <a:lstStyle/>
+          <a:p>
+            <a:r>
+              <a:rPr lang="en-US" sz="1200" dirty="0"/>
+              <a:t>Wilco</a:t>
+            </a:r>
+          </a:p>
+        </p:txBody>
+      </p:sp>
+      <p:cxnSp>
+        <p:nvCxnSpPr>
+          <p:cNvPr id="23" name="Straight Arrow Connector 22">
+            <a:extLst>
+              <a:ext uri="{FF2B5EF4-FFF2-40B4-BE49-F238E27FC236}">
+                <a16:creationId xmlns:a16="http://schemas.microsoft.com/office/drawing/2014/main" id="{4BB4ED2F-EB96-2C45-90C5-33CCF5C6DD4A}"/>
+              </a:ext>
+            </a:extLst>
+          </p:cNvPr>
+          <p:cNvCxnSpPr>
+            <a:cxnSpLocks/>
+          </p:cNvCxnSpPr>
+          <p:nvPr/>
+        </p:nvCxnSpPr>
+        <p:spPr>
+          <a:xfrm flipH="1">
+            <a:off x="6618263" y="1727069"/>
+            <a:ext cx="1" cy="336387"/>
+          </a:xfrm>
+          <a:prstGeom prst="straightConnector1">
+            <a:avLst/>
+          </a:prstGeom>
+          <a:ln>
+            <a:tailEnd type="triangle"/>
+          </a:ln>
+        </p:spPr>
+        <p:style>
+          <a:lnRef idx="1">
+            <a:schemeClr val="accent1"/>
+          </a:lnRef>
+          <a:fillRef idx="0">
+            <a:schemeClr val="accent1"/>
+          </a:fillRef>
+          <a:effectRef idx="0">
+            <a:schemeClr val="accent1"/>
+          </a:effectRef>
+          <a:fontRef idx="minor">
+            <a:schemeClr val="tx1"/>
+          </a:fontRef>
+        </p:style>
+      </p:cxnSp>
     </p:spTree>
     <p:extLst>
       <p:ext uri="{BB962C8B-B14F-4D97-AF65-F5344CB8AC3E}">
-        <p14:creationId xmlns:p14="http://schemas.microsoft.com/office/powerpoint/2010/main" val="4217283321"/>
+        <p14:creationId xmlns:p14="http://schemas.microsoft.com/office/powerpoint/2010/main" val="3467366626"/>
       </p:ext>
     </p:extLst>
   </p:cSld>
@@ -7377,56 +8374,116 @@
 </file>
 
 <file path=ppt/theme/theme1.xml><?xml version="1.0" encoding="utf-8"?>
-<a:theme xmlns:a="http://schemas.openxmlformats.org/drawingml/2006/main" name="AccentBoxVTI">
+<a:theme xmlns:a="http://schemas.openxmlformats.org/drawingml/2006/main" name="Office Theme">
   <a:themeElements>
-    <a:clrScheme name="AnalogousFromRegularSeedRightStep">
+    <a:clrScheme name="Median">
       <a:dk1>
-        <a:srgbClr val="000000"/>
+        <a:sysClr val="windowText" lastClr="000000"/>
       </a:dk1>
       <a:lt1>
-        <a:srgbClr val="FFFFFF"/>
+        <a:sysClr val="window" lastClr="FFFFFF"/>
       </a:lt1>
       <a:dk2>
-        <a:srgbClr val="351E1F"/>
+        <a:srgbClr val="775F55"/>
       </a:dk2>
       <a:lt2>
-        <a:srgbClr val="E8E2E7"/>
+        <a:srgbClr val="EBDDC3"/>
       </a:lt2>
       <a:accent1>
-        <a:srgbClr val="47B662"/>
+        <a:srgbClr val="94B6D2"/>
       </a:accent1>
       <a:accent2>
-        <a:srgbClr val="3BB189"/>
+        <a:srgbClr val="DD8047"/>
       </a:accent2>
       <a:accent3>
-        <a:srgbClr val="47AEB6"/>
+        <a:srgbClr val="A5AB81"/>
       </a:accent3>
       <a:accent4>
-        <a:srgbClr val="3B77B1"/>
+        <a:srgbClr val="D8B25C"/>
       </a:accent4>
       <a:accent5>
-        <a:srgbClr val="4D58C3"/>
+        <a:srgbClr val="7BA79D"/>
       </a:accent5>
       <a:accent6>
-        <a:srgbClr val="613BB1"/>
+        <a:srgbClr val="968C8C"/>
       </a:accent6>
       <a:hlink>
-        <a:srgbClr val="BF3FA0"/>
+        <a:srgbClr val="F7B615"/>
       </a:hlink>
       <a:folHlink>
-        <a:srgbClr val="7F7F7F"/>
+        <a:srgbClr val="704404"/>
       </a:folHlink>
     </a:clrScheme>
-    <a:fontScheme name="Avenir">
+    <a:fontScheme name="Calibri">
       <a:majorFont>
-        <a:latin typeface="Neue Haas Grotesk Text Pro"/>
+        <a:latin typeface="Calibri" panose="020F0502020204030204"/>
         <a:ea typeface=""/>
         <a:cs typeface=""/>
+        <a:font script="Jpan" typeface="メイリオ"/>
+        <a:font script="Hang" typeface="맑은 고딕"/>
+        <a:font script="Hans" typeface="宋体"/>
+        <a:font script="Hant" typeface="新細明體"/>
+        <a:font script="Arab" typeface="Arial"/>
+        <a:font script="Hebr" typeface="Arial"/>
+        <a:font script="Thai" typeface="Cordia New"/>
+        <a:font script="Ethi" typeface="Nyala"/>
+        <a:font script="Beng" typeface="Vrinda"/>
+        <a:font script="Gujr" typeface="Shruti"/>
+        <a:font script="Khmr" typeface="DaunPenh"/>
+        <a:font script="Knda" typeface="Tunga"/>
+        <a:font script="Guru" typeface="Raavi"/>
+        <a:font script="Cans" typeface="Euphemia"/>
+        <a:font script="Cher" typeface="Plantagenet Cherokee"/>
+        <a:font script="Yiii" typeface="Microsoft Yi Baiti"/>
+        <a:font script="Tibt" typeface="Microsoft Himalaya"/>
+        <a:font script="Thaa" typeface="MV Boli"/>
+        <a:font script="Deva" typeface="Mangal"/>
+        <a:font script="Telu" typeface="Gautami"/>
+        <a:font script="Taml" typeface="Latha"/>
+        <a:font script="Syrc" typeface="Estrangelo Edessa"/>
+        <a:font script="Orya" typeface="Kalinga"/>
+        <a:font script="Mlym" typeface="Kartika"/>
+        <a:font script="Laoo" typeface="DokChampa"/>
+        <a:font script="Sinh" typeface="Iskoola Pota"/>
+        <a:font script="Mong" typeface="Mongolian Baiti"/>
+        <a:font script="Viet" typeface="Tahoma"/>
+        <a:font script="Uigh" typeface="Microsoft Uighur"/>
+        <a:font script="Geor" typeface="Sylfaen"/>
       </a:majorFont>
       <a:minorFont>
-        <a:latin typeface="Neue Haas Grotesk Text Pro"/>
+        <a:latin typeface="Calibri" panose="020F0502020204030204"/>
         <a:ea typeface=""/>
         <a:cs typeface=""/>
+        <a:font script="Jpan" typeface="メイリオ"/>
+        <a:font script="Hang" typeface="맑은 고딕"/>
+        <a:font script="Hans" typeface="宋体"/>
+        <a:font script="Hant" typeface="新細明體"/>
+        <a:font script="Arab" typeface="Arial"/>
+        <a:font script="Hebr" typeface="Arial"/>
+        <a:font script="Thai" typeface="Cordia New"/>
+        <a:font script="Ethi" typeface="Nyala"/>
+        <a:font script="Beng" typeface="Vrinda"/>
+        <a:font script="Gujr" typeface="Shruti"/>
+        <a:font script="Khmr" typeface="DaunPenh"/>
+        <a:font script="Knda" typeface="Tunga"/>
+        <a:font script="Guru" typeface="Raavi"/>
+        <a:font script="Cans" typeface="Euphemia"/>
+        <a:font script="Cher" typeface="Plantagenet Cherokee"/>
+        <a:font script="Yiii" typeface="Microsoft Yi Baiti"/>
+        <a:font script="Tibt" typeface="Microsoft Himalaya"/>
+        <a:font script="Thaa" typeface="MV Boli"/>
+        <a:font script="Deva" typeface="Mangal"/>
+        <a:font script="Telu" typeface="Gautami"/>
+        <a:font script="Taml" typeface="Latha"/>
+        <a:font script="Syrc" typeface="Estrangelo Edessa"/>
+        <a:font script="Orya" typeface="Kalinga"/>
+        <a:font script="Mlym" typeface="Kartika"/>
+        <a:font script="Laoo" typeface="DokChampa"/>
+        <a:font script="Sinh" typeface="Iskoola Pota"/>
+        <a:font script="Mong" typeface="Mongolian Baiti"/>
+        <a:font script="Viet" typeface="Tahoma"/>
+        <a:font script="Uigh" typeface="Microsoft Uighur"/>
+        <a:font script="Geor" typeface="Sylfaen"/>
       </a:minorFont>
     </a:fontScheme>
     <a:fmtScheme name="Office">
@@ -7571,7 +8628,7 @@
   <a:extraClrSchemeLst/>
   <a:extLst>
     <a:ext uri="{05A4C25C-085E-4340-85A3-A5531E510DB2}">
-      <thm15:themeFamily xmlns:thm15="http://schemas.microsoft.com/office/thememl/2012/main" name="AccentBoxVTI" id="{9F778A78-DC9A-453A-A82D-A75CAD503E15}" vid="{EA961113-7CC4-4569-8A6A-7BC2C1E2F401}"/>
+      <thm15:themeFamily xmlns:thm15="http://schemas.microsoft.com/office/thememl/2012/main" name="Office Theme" id="{62F939B6-93AF-4DB8-9C6B-D6C7DFDC589F}" vid="{4A3C46E8-61CC-4603-A589-7422A47A8E4A}"/>
     </a:ext>
   </a:extLst>
 </a:theme>
